--- a/Students_Performance_Analysis.pptx
+++ b/Students_Performance_Analysis.pptx
@@ -21,14 +21,15 @@
     <p:sldId id="273" r:id="rId15"/>
     <p:sldId id="274" r:id="rId16"/>
     <p:sldId id="275" r:id="rId17"/>
-    <p:sldId id="276" r:id="rId18"/>
-    <p:sldId id="277" r:id="rId19"/>
-    <p:sldId id="278" r:id="rId20"/>
-    <p:sldId id="279" r:id="rId21"/>
-    <p:sldId id="280" r:id="rId22"/>
-    <p:sldId id="282" r:id="rId23"/>
-    <p:sldId id="285" r:id="rId24"/>
-    <p:sldId id="283" r:id="rId25"/>
+    <p:sldId id="287" r:id="rId18"/>
+    <p:sldId id="276" r:id="rId19"/>
+    <p:sldId id="286" r:id="rId20"/>
+    <p:sldId id="277" r:id="rId21"/>
+    <p:sldId id="278" r:id="rId22"/>
+    <p:sldId id="279" r:id="rId23"/>
+    <p:sldId id="280" r:id="rId24"/>
+    <p:sldId id="285" r:id="rId25"/>
+    <p:sldId id="283" r:id="rId26"/>
   </p:sldIdLst>
   <p:sldSz cx="12192000" cy="6858000"/>
   <p:notesSz cx="6858000" cy="9144000"/>
@@ -133,6 +134,760 @@
     </p:ext>
   </p:extLst>
 </p:presentation>
+</file>
+
+<file path=ppt/revisionInfo.xml><?xml version="1.0" encoding="utf-8"?>
+<p1510:revInfo xmlns:a="http://schemas.openxmlformats.org/drawingml/2006/main" xmlns:r="http://schemas.openxmlformats.org/officeDocument/2006/relationships" xmlns:p1510="http://schemas.microsoft.com/office/powerpoint/2015/10/main">
+  <p1510:revLst>
+    <p1510:client id="{43FE00C4-E7C0-4BD0-951E-F3B44A2F318E}" v="4" dt="2024-06-10T21:29:10.946"/>
+  </p1510:revLst>
+</p1510:revInfo>
+</file>
+
+<file path=ppt/changesInfos/changesInfo1.xml><?xml version="1.0" encoding="utf-8"?>
+<pc:chgInfo xmlns:a="http://schemas.openxmlformats.org/drawingml/2006/main" xmlns:r="http://schemas.openxmlformats.org/officeDocument/2006/relationships" xmlns:ac="http://schemas.microsoft.com/office/drawing/2013/main/command" xmlns:pc="http://schemas.microsoft.com/office/powerpoint/2013/main/command">
+  <pc:docChgLst>
+    <pc:chgData name="GUO CHEN ERICKA YU MIN" userId="55d5d35a-cab8-42c7-ab98-6541c4aecd30" providerId="ADAL" clId="{43FE00C4-E7C0-4BD0-951E-F3B44A2F318E}"/>
+    <pc:docChg chg="undo custSel addSld delSld modSld">
+      <pc:chgData name="GUO CHEN ERICKA YU MIN" userId="55d5d35a-cab8-42c7-ab98-6541c4aecd30" providerId="ADAL" clId="{43FE00C4-E7C0-4BD0-951E-F3B44A2F318E}" dt="2024-06-10T21:41:28.161" v="77" actId="47"/>
+      <pc:docMkLst>
+        <pc:docMk/>
+      </pc:docMkLst>
+      <pc:sldChg chg="addSp delSp modSp mod">
+        <pc:chgData name="GUO CHEN ERICKA YU MIN" userId="55d5d35a-cab8-42c7-ab98-6541c4aecd30" providerId="ADAL" clId="{43FE00C4-E7C0-4BD0-951E-F3B44A2F318E}" dt="2024-06-10T21:30:11.585" v="43" actId="26606"/>
+        <pc:sldMkLst>
+          <pc:docMk/>
+          <pc:sldMk cId="332837446" sldId="276"/>
+        </pc:sldMkLst>
+        <pc:spChg chg="mod">
+          <ac:chgData name="GUO CHEN ERICKA YU MIN" userId="55d5d35a-cab8-42c7-ab98-6541c4aecd30" providerId="ADAL" clId="{43FE00C4-E7C0-4BD0-951E-F3B44A2F318E}" dt="2024-06-10T21:30:11.585" v="43" actId="26606"/>
+          <ac:spMkLst>
+            <pc:docMk/>
+            <pc:sldMk cId="332837446" sldId="276"/>
+            <ac:spMk id="2" creationId="{42935DCC-0407-FC34-E90E-29879D4738BD}"/>
+          </ac:spMkLst>
+        </pc:spChg>
+        <pc:spChg chg="add del mod">
+          <ac:chgData name="GUO CHEN ERICKA YU MIN" userId="55d5d35a-cab8-42c7-ab98-6541c4aecd30" providerId="ADAL" clId="{43FE00C4-E7C0-4BD0-951E-F3B44A2F318E}" dt="2024-06-10T21:28:54.563" v="10" actId="26606"/>
+          <ac:spMkLst>
+            <pc:docMk/>
+            <pc:sldMk cId="332837446" sldId="276"/>
+            <ac:spMk id="3" creationId="{024B7137-16D7-4B7F-CE33-8BE7D52B7775}"/>
+          </ac:spMkLst>
+        </pc:spChg>
+        <pc:spChg chg="add del">
+          <ac:chgData name="GUO CHEN ERICKA YU MIN" userId="55d5d35a-cab8-42c7-ab98-6541c4aecd30" providerId="ADAL" clId="{43FE00C4-E7C0-4BD0-951E-F3B44A2F318E}" dt="2024-06-10T21:28:54.563" v="10" actId="26606"/>
+          <ac:spMkLst>
+            <pc:docMk/>
+            <pc:sldMk cId="332837446" sldId="276"/>
+            <ac:spMk id="15379" creationId="{6DC8E2D9-6729-4614-8667-C1016D3182E4}"/>
+          </ac:spMkLst>
+        </pc:spChg>
+        <pc:spChg chg="add del">
+          <ac:chgData name="GUO CHEN ERICKA YU MIN" userId="55d5d35a-cab8-42c7-ab98-6541c4aecd30" providerId="ADAL" clId="{43FE00C4-E7C0-4BD0-951E-F3B44A2F318E}" dt="2024-06-10T21:28:54.563" v="10" actId="26606"/>
+          <ac:spMkLst>
+            <pc:docMk/>
+            <pc:sldMk cId="332837446" sldId="276"/>
+            <ac:spMk id="15381" creationId="{9C51935E-4A08-4AE4-8E13-F40CD3C4F1C4}"/>
+          </ac:spMkLst>
+        </pc:spChg>
+        <pc:spChg chg="add del">
+          <ac:chgData name="GUO CHEN ERICKA YU MIN" userId="55d5d35a-cab8-42c7-ab98-6541c4aecd30" providerId="ADAL" clId="{43FE00C4-E7C0-4BD0-951E-F3B44A2F318E}" dt="2024-06-10T21:28:54.563" v="10" actId="26606"/>
+          <ac:spMkLst>
+            <pc:docMk/>
+            <pc:sldMk cId="332837446" sldId="276"/>
+            <ac:spMk id="15383" creationId="{193F1402-2867-4C4F-A1BA-606198AD76B0}"/>
+          </ac:spMkLst>
+        </pc:spChg>
+        <pc:spChg chg="add del">
+          <ac:chgData name="GUO CHEN ERICKA YU MIN" userId="55d5d35a-cab8-42c7-ab98-6541c4aecd30" providerId="ADAL" clId="{43FE00C4-E7C0-4BD0-951E-F3B44A2F318E}" dt="2024-06-10T21:28:54.563" v="10" actId="26606"/>
+          <ac:spMkLst>
+            <pc:docMk/>
+            <pc:sldMk cId="332837446" sldId="276"/>
+            <ac:spMk id="15385" creationId="{9887A981-7310-4FDA-96E6-73ECCD6C472B}"/>
+          </ac:spMkLst>
+        </pc:spChg>
+        <pc:spChg chg="add del">
+          <ac:chgData name="GUO CHEN ERICKA YU MIN" userId="55d5d35a-cab8-42c7-ab98-6541c4aecd30" providerId="ADAL" clId="{43FE00C4-E7C0-4BD0-951E-F3B44A2F318E}" dt="2024-06-10T21:28:54.563" v="10" actId="26606"/>
+          <ac:spMkLst>
+            <pc:docMk/>
+            <pc:sldMk cId="332837446" sldId="276"/>
+            <ac:spMk id="15387" creationId="{FED4C940-D8EF-42FB-B65E-81A70494B8E6}"/>
+          </ac:spMkLst>
+        </pc:spChg>
+        <pc:spChg chg="add del">
+          <ac:chgData name="GUO CHEN ERICKA YU MIN" userId="55d5d35a-cab8-42c7-ab98-6541c4aecd30" providerId="ADAL" clId="{43FE00C4-E7C0-4BD0-951E-F3B44A2F318E}" dt="2024-06-10T21:28:54.563" v="10" actId="26606"/>
+          <ac:spMkLst>
+            <pc:docMk/>
+            <pc:sldMk cId="332837446" sldId="276"/>
+            <ac:spMk id="15397" creationId="{445038F8-360D-46AD-B2F1-47DAB7AA07B2}"/>
+          </ac:spMkLst>
+        </pc:spChg>
+        <pc:spChg chg="add del">
+          <ac:chgData name="GUO CHEN ERICKA YU MIN" userId="55d5d35a-cab8-42c7-ab98-6541c4aecd30" providerId="ADAL" clId="{43FE00C4-E7C0-4BD0-951E-F3B44A2F318E}" dt="2024-06-10T21:28:54.563" v="10" actId="26606"/>
+          <ac:spMkLst>
+            <pc:docMk/>
+            <pc:sldMk cId="332837446" sldId="276"/>
+            <ac:spMk id="15399" creationId="{E1297267-64FC-46DE-88B8-E76DC4691C8E}"/>
+          </ac:spMkLst>
+        </pc:spChg>
+        <pc:spChg chg="add del">
+          <ac:chgData name="GUO CHEN ERICKA YU MIN" userId="55d5d35a-cab8-42c7-ab98-6541c4aecd30" providerId="ADAL" clId="{43FE00C4-E7C0-4BD0-951E-F3B44A2F318E}" dt="2024-06-10T21:28:54.563" v="10" actId="26606"/>
+          <ac:spMkLst>
+            <pc:docMk/>
+            <pc:sldMk cId="332837446" sldId="276"/>
+            <ac:spMk id="15401" creationId="{D0A09031-1697-4CF1-8372-9D6B798ED9DA}"/>
+          </ac:spMkLst>
+        </pc:spChg>
+        <pc:spChg chg="add del">
+          <ac:chgData name="GUO CHEN ERICKA YU MIN" userId="55d5d35a-cab8-42c7-ab98-6541c4aecd30" providerId="ADAL" clId="{43FE00C4-E7C0-4BD0-951E-F3B44A2F318E}" dt="2024-06-10T21:28:54.540" v="9" actId="26606"/>
+          <ac:spMkLst>
+            <pc:docMk/>
+            <pc:sldMk cId="332837446" sldId="276"/>
+            <ac:spMk id="15407" creationId="{97F832D9-9E09-40D4-AD67-47851A25D0B4}"/>
+          </ac:spMkLst>
+        </pc:spChg>
+        <pc:spChg chg="add del">
+          <ac:chgData name="GUO CHEN ERICKA YU MIN" userId="55d5d35a-cab8-42c7-ab98-6541c4aecd30" providerId="ADAL" clId="{43FE00C4-E7C0-4BD0-951E-F3B44A2F318E}" dt="2024-06-10T21:29:26.980" v="36" actId="26606"/>
+          <ac:spMkLst>
+            <pc:docMk/>
+            <pc:sldMk cId="332837446" sldId="276"/>
+            <ac:spMk id="15413" creationId="{81C8C0F4-5C44-4C3F-B321-5CB3E2BABC2C}"/>
+          </ac:spMkLst>
+        </pc:spChg>
+        <pc:spChg chg="add mod ord">
+          <ac:chgData name="GUO CHEN ERICKA YU MIN" userId="55d5d35a-cab8-42c7-ab98-6541c4aecd30" providerId="ADAL" clId="{43FE00C4-E7C0-4BD0-951E-F3B44A2F318E}" dt="2024-06-10T21:30:11.585" v="43" actId="26606"/>
+          <ac:spMkLst>
+            <pc:docMk/>
+            <pc:sldMk cId="332837446" sldId="276"/>
+            <ac:spMk id="15414" creationId="{024B7137-16D7-4B7F-CE33-8BE7D52B7775}"/>
+          </ac:spMkLst>
+        </pc:spChg>
+        <pc:spChg chg="add del">
+          <ac:chgData name="GUO CHEN ERICKA YU MIN" userId="55d5d35a-cab8-42c7-ab98-6541c4aecd30" providerId="ADAL" clId="{43FE00C4-E7C0-4BD0-951E-F3B44A2F318E}" dt="2024-06-10T21:29:47.703" v="38" actId="26606"/>
+          <ac:spMkLst>
+            <pc:docMk/>
+            <pc:sldMk cId="332837446" sldId="276"/>
+            <ac:spMk id="15420" creationId="{B4F9B187-EC02-44E0-99C7-5D629D6648DA}"/>
+          </ac:spMkLst>
+        </pc:spChg>
+        <pc:spChg chg="add del">
+          <ac:chgData name="GUO CHEN ERICKA YU MIN" userId="55d5d35a-cab8-42c7-ab98-6541c4aecd30" providerId="ADAL" clId="{43FE00C4-E7C0-4BD0-951E-F3B44A2F318E}" dt="2024-06-10T21:29:47.703" v="38" actId="26606"/>
+          <ac:spMkLst>
+            <pc:docMk/>
+            <pc:sldMk cId="332837446" sldId="276"/>
+            <ac:spMk id="15434" creationId="{9D8267F7-1115-4F9A-BEF5-BB6664BCF0DB}"/>
+          </ac:spMkLst>
+        </pc:spChg>
+        <pc:spChg chg="add del">
+          <ac:chgData name="GUO CHEN ERICKA YU MIN" userId="55d5d35a-cab8-42c7-ab98-6541c4aecd30" providerId="ADAL" clId="{43FE00C4-E7C0-4BD0-951E-F3B44A2F318E}" dt="2024-06-10T21:29:54.721" v="39" actId="26606"/>
+          <ac:spMkLst>
+            <pc:docMk/>
+            <pc:sldMk cId="332837446" sldId="276"/>
+            <ac:spMk id="15444" creationId="{81C8C0F4-5C44-4C3F-B321-5CB3E2BABC2C}"/>
+          </ac:spMkLst>
+        </pc:spChg>
+        <pc:spChg chg="add del">
+          <ac:chgData name="GUO CHEN ERICKA YU MIN" userId="55d5d35a-cab8-42c7-ab98-6541c4aecd30" providerId="ADAL" clId="{43FE00C4-E7C0-4BD0-951E-F3B44A2F318E}" dt="2024-06-10T21:30:05.095" v="42" actId="26606"/>
+          <ac:spMkLst>
+            <pc:docMk/>
+            <pc:sldMk cId="332837446" sldId="276"/>
+            <ac:spMk id="15454" creationId="{B4F9B187-EC02-44E0-99C7-5D629D6648DA}"/>
+          </ac:spMkLst>
+        </pc:spChg>
+        <pc:spChg chg="add del">
+          <ac:chgData name="GUO CHEN ERICKA YU MIN" userId="55d5d35a-cab8-42c7-ab98-6541c4aecd30" providerId="ADAL" clId="{43FE00C4-E7C0-4BD0-951E-F3B44A2F318E}" dt="2024-06-10T21:30:05.095" v="42" actId="26606"/>
+          <ac:spMkLst>
+            <pc:docMk/>
+            <pc:sldMk cId="332837446" sldId="276"/>
+            <ac:spMk id="15468" creationId="{9D8267F7-1115-4F9A-BEF5-BB6664BCF0DB}"/>
+          </ac:spMkLst>
+        </pc:spChg>
+        <pc:spChg chg="add del">
+          <ac:chgData name="GUO CHEN ERICKA YU MIN" userId="55d5d35a-cab8-42c7-ab98-6541c4aecd30" providerId="ADAL" clId="{43FE00C4-E7C0-4BD0-951E-F3B44A2F318E}" dt="2024-06-10T21:30:05.081" v="41" actId="26606"/>
+          <ac:spMkLst>
+            <pc:docMk/>
+            <pc:sldMk cId="332837446" sldId="276"/>
+            <ac:spMk id="15478" creationId="{B4F9B187-EC02-44E0-99C7-5D629D6648DA}"/>
+          </ac:spMkLst>
+        </pc:spChg>
+        <pc:spChg chg="add del">
+          <ac:chgData name="GUO CHEN ERICKA YU MIN" userId="55d5d35a-cab8-42c7-ab98-6541c4aecd30" providerId="ADAL" clId="{43FE00C4-E7C0-4BD0-951E-F3B44A2F318E}" dt="2024-06-10T21:30:05.081" v="41" actId="26606"/>
+          <ac:spMkLst>
+            <pc:docMk/>
+            <pc:sldMk cId="332837446" sldId="276"/>
+            <ac:spMk id="15492" creationId="{9D8267F7-1115-4F9A-BEF5-BB6664BCF0DB}"/>
+          </ac:spMkLst>
+        </pc:spChg>
+        <pc:spChg chg="add del">
+          <ac:chgData name="GUO CHEN ERICKA YU MIN" userId="55d5d35a-cab8-42c7-ab98-6541c4aecd30" providerId="ADAL" clId="{43FE00C4-E7C0-4BD0-951E-F3B44A2F318E}" dt="2024-06-10T21:30:11.585" v="43" actId="26606"/>
+          <ac:spMkLst>
+            <pc:docMk/>
+            <pc:sldMk cId="332837446" sldId="276"/>
+            <ac:spMk id="15499" creationId="{A37F6730-8F76-4239-8CBA-B914B02A75AB}"/>
+          </ac:spMkLst>
+        </pc:spChg>
+        <pc:spChg chg="add del">
+          <ac:chgData name="GUO CHEN ERICKA YU MIN" userId="55d5d35a-cab8-42c7-ab98-6541c4aecd30" providerId="ADAL" clId="{43FE00C4-E7C0-4BD0-951E-F3B44A2F318E}" dt="2024-06-10T21:30:11.585" v="43" actId="26606"/>
+          <ac:spMkLst>
+            <pc:docMk/>
+            <pc:sldMk cId="332837446" sldId="276"/>
+            <ac:spMk id="15509" creationId="{71967F12-B0C4-4D31-8D63-89945DCD29D0}"/>
+          </ac:spMkLst>
+        </pc:spChg>
+        <pc:spChg chg="add">
+          <ac:chgData name="GUO CHEN ERICKA YU MIN" userId="55d5d35a-cab8-42c7-ab98-6541c4aecd30" providerId="ADAL" clId="{43FE00C4-E7C0-4BD0-951E-F3B44A2F318E}" dt="2024-06-10T21:30:11.585" v="43" actId="26606"/>
+          <ac:spMkLst>
+            <pc:docMk/>
+            <pc:sldMk cId="332837446" sldId="276"/>
+            <ac:spMk id="15514" creationId="{B4F9B187-EC02-44E0-99C7-5D629D6648DA}"/>
+          </ac:spMkLst>
+        </pc:spChg>
+        <pc:spChg chg="add">
+          <ac:chgData name="GUO CHEN ERICKA YU MIN" userId="55d5d35a-cab8-42c7-ab98-6541c4aecd30" providerId="ADAL" clId="{43FE00C4-E7C0-4BD0-951E-F3B44A2F318E}" dt="2024-06-10T21:30:11.585" v="43" actId="26606"/>
+          <ac:spMkLst>
+            <pc:docMk/>
+            <pc:sldMk cId="332837446" sldId="276"/>
+            <ac:spMk id="15528" creationId="{9D8267F7-1115-4F9A-BEF5-BB6664BCF0DB}"/>
+          </ac:spMkLst>
+        </pc:spChg>
+        <pc:grpChg chg="add del">
+          <ac:chgData name="GUO CHEN ERICKA YU MIN" userId="55d5d35a-cab8-42c7-ab98-6541c4aecd30" providerId="ADAL" clId="{43FE00C4-E7C0-4BD0-951E-F3B44A2F318E}" dt="2024-06-10T21:28:54.563" v="10" actId="26606"/>
+          <ac:grpSpMkLst>
+            <pc:docMk/>
+            <pc:sldMk cId="332837446" sldId="276"/>
+            <ac:grpSpMk id="15367" creationId="{BF4E480B-94D6-46F9-A2B6-B98D311FDC19}"/>
+          </ac:grpSpMkLst>
+        </pc:grpChg>
+        <pc:grpChg chg="add del">
+          <ac:chgData name="GUO CHEN ERICKA YU MIN" userId="55d5d35a-cab8-42c7-ab98-6541c4aecd30" providerId="ADAL" clId="{43FE00C4-E7C0-4BD0-951E-F3B44A2F318E}" dt="2024-06-10T21:28:54.563" v="10" actId="26606"/>
+          <ac:grpSpMkLst>
+            <pc:docMk/>
+            <pc:sldMk cId="332837446" sldId="276"/>
+            <ac:grpSpMk id="15389" creationId="{56A1B230-58D0-41AA-8ACD-0AE93078B8F9}"/>
+          </ac:grpSpMkLst>
+        </pc:grpChg>
+        <pc:grpChg chg="add del">
+          <ac:chgData name="GUO CHEN ERICKA YU MIN" userId="55d5d35a-cab8-42c7-ab98-6541c4aecd30" providerId="ADAL" clId="{43FE00C4-E7C0-4BD0-951E-F3B44A2F318E}" dt="2024-06-10T21:28:54.563" v="10" actId="26606"/>
+          <ac:grpSpMkLst>
+            <pc:docMk/>
+            <pc:sldMk cId="332837446" sldId="276"/>
+            <ac:grpSpMk id="15393" creationId="{F7AEDD01-B338-442A-9214-A38E48E3FF21}"/>
+          </ac:grpSpMkLst>
+        </pc:grpChg>
+        <pc:grpChg chg="add del">
+          <ac:chgData name="GUO CHEN ERICKA YU MIN" userId="55d5d35a-cab8-42c7-ab98-6541c4aecd30" providerId="ADAL" clId="{43FE00C4-E7C0-4BD0-951E-F3B44A2F318E}" dt="2024-06-10T21:29:26.980" v="36" actId="26606"/>
+          <ac:grpSpMkLst>
+            <pc:docMk/>
+            <pc:sldMk cId="332837446" sldId="276"/>
+            <ac:grpSpMk id="15409" creationId="{000A5F84-BD20-4A3E-81BA-9F4444101C16}"/>
+          </ac:grpSpMkLst>
+        </pc:grpChg>
+        <pc:grpChg chg="add del">
+          <ac:chgData name="GUO CHEN ERICKA YU MIN" userId="55d5d35a-cab8-42c7-ab98-6541c4aecd30" providerId="ADAL" clId="{43FE00C4-E7C0-4BD0-951E-F3B44A2F318E}" dt="2024-06-10T21:29:47.703" v="38" actId="26606"/>
+          <ac:grpSpMkLst>
+            <pc:docMk/>
+            <pc:sldMk cId="332837446" sldId="276"/>
+            <ac:grpSpMk id="15422" creationId="{7C6B683D-13FA-4605-8648-01FC9C82FEC8}"/>
+          </ac:grpSpMkLst>
+        </pc:grpChg>
+        <pc:grpChg chg="add del">
+          <ac:chgData name="GUO CHEN ERICKA YU MIN" userId="55d5d35a-cab8-42c7-ab98-6541c4aecd30" providerId="ADAL" clId="{43FE00C4-E7C0-4BD0-951E-F3B44A2F318E}" dt="2024-06-10T21:29:47.703" v="38" actId="26606"/>
+          <ac:grpSpMkLst>
+            <pc:docMk/>
+            <pc:sldMk cId="332837446" sldId="276"/>
+            <ac:grpSpMk id="15436" creationId="{7B4E221E-E4F3-4D25-8DC8-8A3D08C830B4}"/>
+          </ac:grpSpMkLst>
+        </pc:grpChg>
+        <pc:grpChg chg="add del">
+          <ac:chgData name="GUO CHEN ERICKA YU MIN" userId="55d5d35a-cab8-42c7-ab98-6541c4aecd30" providerId="ADAL" clId="{43FE00C4-E7C0-4BD0-951E-F3B44A2F318E}" dt="2024-06-10T21:29:54.721" v="39" actId="26606"/>
+          <ac:grpSpMkLst>
+            <pc:docMk/>
+            <pc:sldMk cId="332837446" sldId="276"/>
+            <ac:grpSpMk id="15446" creationId="{000A5F84-BD20-4A3E-81BA-9F4444101C16}"/>
+          </ac:grpSpMkLst>
+        </pc:grpChg>
+        <pc:grpChg chg="add del">
+          <ac:chgData name="GUO CHEN ERICKA YU MIN" userId="55d5d35a-cab8-42c7-ab98-6541c4aecd30" providerId="ADAL" clId="{43FE00C4-E7C0-4BD0-951E-F3B44A2F318E}" dt="2024-06-10T21:30:05.095" v="42" actId="26606"/>
+          <ac:grpSpMkLst>
+            <pc:docMk/>
+            <pc:sldMk cId="332837446" sldId="276"/>
+            <ac:grpSpMk id="15456" creationId="{7C6B683D-13FA-4605-8648-01FC9C82FEC8}"/>
+          </ac:grpSpMkLst>
+        </pc:grpChg>
+        <pc:grpChg chg="add del">
+          <ac:chgData name="GUO CHEN ERICKA YU MIN" userId="55d5d35a-cab8-42c7-ab98-6541c4aecd30" providerId="ADAL" clId="{43FE00C4-E7C0-4BD0-951E-F3B44A2F318E}" dt="2024-06-10T21:30:05.095" v="42" actId="26606"/>
+          <ac:grpSpMkLst>
+            <pc:docMk/>
+            <pc:sldMk cId="332837446" sldId="276"/>
+            <ac:grpSpMk id="15470" creationId="{7B4E221E-E4F3-4D25-8DC8-8A3D08C830B4}"/>
+          </ac:grpSpMkLst>
+        </pc:grpChg>
+        <pc:grpChg chg="add del">
+          <ac:chgData name="GUO CHEN ERICKA YU MIN" userId="55d5d35a-cab8-42c7-ab98-6541c4aecd30" providerId="ADAL" clId="{43FE00C4-E7C0-4BD0-951E-F3B44A2F318E}" dt="2024-06-10T21:30:05.081" v="41" actId="26606"/>
+          <ac:grpSpMkLst>
+            <pc:docMk/>
+            <pc:sldMk cId="332837446" sldId="276"/>
+            <ac:grpSpMk id="15480" creationId="{7C6B683D-13FA-4605-8648-01FC9C82FEC8}"/>
+          </ac:grpSpMkLst>
+        </pc:grpChg>
+        <pc:grpChg chg="add del">
+          <ac:chgData name="GUO CHEN ERICKA YU MIN" userId="55d5d35a-cab8-42c7-ab98-6541c4aecd30" providerId="ADAL" clId="{43FE00C4-E7C0-4BD0-951E-F3B44A2F318E}" dt="2024-06-10T21:30:05.081" v="41" actId="26606"/>
+          <ac:grpSpMkLst>
+            <pc:docMk/>
+            <pc:sldMk cId="332837446" sldId="276"/>
+            <ac:grpSpMk id="15494" creationId="{7B4E221E-E4F3-4D25-8DC8-8A3D08C830B4}"/>
+          </ac:grpSpMkLst>
+        </pc:grpChg>
+        <pc:grpChg chg="add del">
+          <ac:chgData name="GUO CHEN ERICKA YU MIN" userId="55d5d35a-cab8-42c7-ab98-6541c4aecd30" providerId="ADAL" clId="{43FE00C4-E7C0-4BD0-951E-F3B44A2F318E}" dt="2024-06-10T21:30:11.585" v="43" actId="26606"/>
+          <ac:grpSpMkLst>
+            <pc:docMk/>
+            <pc:sldMk cId="332837446" sldId="276"/>
+            <ac:grpSpMk id="15500" creationId="{DE11E5CC-3C1F-4093-97B6-6433FBF9A9C4}"/>
+          </ac:grpSpMkLst>
+        </pc:grpChg>
+        <pc:grpChg chg="add">
+          <ac:chgData name="GUO CHEN ERICKA YU MIN" userId="55d5d35a-cab8-42c7-ab98-6541c4aecd30" providerId="ADAL" clId="{43FE00C4-E7C0-4BD0-951E-F3B44A2F318E}" dt="2024-06-10T21:30:11.585" v="43" actId="26606"/>
+          <ac:grpSpMkLst>
+            <pc:docMk/>
+            <pc:sldMk cId="332837446" sldId="276"/>
+            <ac:grpSpMk id="15516" creationId="{7C6B683D-13FA-4605-8648-01FC9C82FEC8}"/>
+          </ac:grpSpMkLst>
+        </pc:grpChg>
+        <pc:grpChg chg="add">
+          <ac:chgData name="GUO CHEN ERICKA YU MIN" userId="55d5d35a-cab8-42c7-ab98-6541c4aecd30" providerId="ADAL" clId="{43FE00C4-E7C0-4BD0-951E-F3B44A2F318E}" dt="2024-06-10T21:30:11.585" v="43" actId="26606"/>
+          <ac:grpSpMkLst>
+            <pc:docMk/>
+            <pc:sldMk cId="332837446" sldId="276"/>
+            <ac:grpSpMk id="15530" creationId="{7B4E221E-E4F3-4D25-8DC8-8A3D08C830B4}"/>
+          </ac:grpSpMkLst>
+        </pc:grpChg>
+        <pc:graphicFrameChg chg="add del">
+          <ac:chgData name="GUO CHEN ERICKA YU MIN" userId="55d5d35a-cab8-42c7-ab98-6541c4aecd30" providerId="ADAL" clId="{43FE00C4-E7C0-4BD0-951E-F3B44A2F318E}" dt="2024-06-10T21:28:54.540" v="9" actId="26606"/>
+          <ac:graphicFrameMkLst>
+            <pc:docMk/>
+            <pc:sldMk cId="332837446" sldId="276"/>
+            <ac:graphicFrameMk id="15403" creationId="{2590D783-552C-A2E2-5BFD-00585E19D9E0}"/>
+          </ac:graphicFrameMkLst>
+        </pc:graphicFrameChg>
+        <pc:picChg chg="del">
+          <ac:chgData name="GUO CHEN ERICKA YU MIN" userId="55d5d35a-cab8-42c7-ab98-6541c4aecd30" providerId="ADAL" clId="{43FE00C4-E7C0-4BD0-951E-F3B44A2F318E}" dt="2024-06-10T21:28:23.577" v="2" actId="478"/>
+          <ac:picMkLst>
+            <pc:docMk/>
+            <pc:sldMk cId="332837446" sldId="276"/>
+            <ac:picMk id="15362" creationId="{A465F0E0-1223-E5F2-4FBC-284C68E894EE}"/>
+          </ac:picMkLst>
+        </pc:picChg>
+        <pc:picChg chg="add mod ord">
+          <ac:chgData name="GUO CHEN ERICKA YU MIN" userId="55d5d35a-cab8-42c7-ab98-6541c4aecd30" providerId="ADAL" clId="{43FE00C4-E7C0-4BD0-951E-F3B44A2F318E}" dt="2024-06-10T21:30:11.585" v="43" actId="26606"/>
+          <ac:picMkLst>
+            <pc:docMk/>
+            <pc:sldMk cId="332837446" sldId="276"/>
+            <ac:picMk id="15415" creationId="{1F80D6B7-8903-95F3-0205-993A5FC2EE6D}"/>
+          </ac:picMkLst>
+        </pc:picChg>
+      </pc:sldChg>
+      <pc:sldChg chg="del">
+        <pc:chgData name="GUO CHEN ERICKA YU MIN" userId="55d5d35a-cab8-42c7-ab98-6541c4aecd30" providerId="ADAL" clId="{43FE00C4-E7C0-4BD0-951E-F3B44A2F318E}" dt="2024-06-10T21:41:28.161" v="77" actId="47"/>
+        <pc:sldMkLst>
+          <pc:docMk/>
+          <pc:sldMk cId="2758053042" sldId="282"/>
+        </pc:sldMkLst>
+      </pc:sldChg>
+      <pc:sldChg chg="addSp delSp modSp add mod setBg delDesignElem">
+        <pc:chgData name="GUO CHEN ERICKA YU MIN" userId="55d5d35a-cab8-42c7-ab98-6541c4aecd30" providerId="ADAL" clId="{43FE00C4-E7C0-4BD0-951E-F3B44A2F318E}" dt="2024-06-10T21:31:32.102" v="76" actId="1076"/>
+        <pc:sldMkLst>
+          <pc:docMk/>
+          <pc:sldMk cId="24252511" sldId="286"/>
+        </pc:sldMkLst>
+        <pc:spChg chg="mod">
+          <ac:chgData name="GUO CHEN ERICKA YU MIN" userId="55d5d35a-cab8-42c7-ab98-6541c4aecd30" providerId="ADAL" clId="{43FE00C4-E7C0-4BD0-951E-F3B44A2F318E}" dt="2024-06-10T21:31:32.102" v="76" actId="1076"/>
+          <ac:spMkLst>
+            <pc:docMk/>
+            <pc:sldMk cId="24252511" sldId="286"/>
+            <ac:spMk id="2" creationId="{42935DCC-0407-FC34-E90E-29879D4738BD}"/>
+          </ac:spMkLst>
+        </pc:spChg>
+        <pc:spChg chg="add del">
+          <ac:chgData name="GUO CHEN ERICKA YU MIN" userId="55d5d35a-cab8-42c7-ab98-6541c4aecd30" providerId="ADAL" clId="{43FE00C4-E7C0-4BD0-951E-F3B44A2F318E}" dt="2024-06-10T21:31:21.538" v="74" actId="26606"/>
+          <ac:spMkLst>
+            <pc:docMk/>
+            <pc:sldMk cId="24252511" sldId="286"/>
+            <ac:spMk id="15365" creationId="{6DC8E2D9-6729-4614-8667-C1016D3182E4}"/>
+          </ac:spMkLst>
+        </pc:spChg>
+        <pc:spChg chg="add del">
+          <ac:chgData name="GUO CHEN ERICKA YU MIN" userId="55d5d35a-cab8-42c7-ab98-6541c4aecd30" providerId="ADAL" clId="{43FE00C4-E7C0-4BD0-951E-F3B44A2F318E}" dt="2024-06-10T21:31:21.538" v="74" actId="26606"/>
+          <ac:spMkLst>
+            <pc:docMk/>
+            <pc:sldMk cId="24252511" sldId="286"/>
+            <ac:spMk id="15366" creationId="{EB9B5A19-3592-48E2-BC31-90E092BD68E1}"/>
+          </ac:spMkLst>
+        </pc:spChg>
+        <pc:spChg chg="del">
+          <ac:chgData name="GUO CHEN ERICKA YU MIN" userId="55d5d35a-cab8-42c7-ab98-6541c4aecd30" providerId="ADAL" clId="{43FE00C4-E7C0-4BD0-951E-F3B44A2F318E}" dt="2024-06-10T21:28:00.265" v="1"/>
+          <ac:spMkLst>
+            <pc:docMk/>
+            <pc:sldMk cId="24252511" sldId="286"/>
+            <ac:spMk id="15379" creationId="{6DC8E2D9-6729-4614-8667-C1016D3182E4}"/>
+          </ac:spMkLst>
+        </pc:spChg>
+        <pc:spChg chg="del">
+          <ac:chgData name="GUO CHEN ERICKA YU MIN" userId="55d5d35a-cab8-42c7-ab98-6541c4aecd30" providerId="ADAL" clId="{43FE00C4-E7C0-4BD0-951E-F3B44A2F318E}" dt="2024-06-10T21:28:00.265" v="1"/>
+          <ac:spMkLst>
+            <pc:docMk/>
+            <pc:sldMk cId="24252511" sldId="286"/>
+            <ac:spMk id="15381" creationId="{9C51935E-4A08-4AE4-8E13-F40CD3C4F1C4}"/>
+          </ac:spMkLst>
+        </pc:spChg>
+        <pc:spChg chg="del">
+          <ac:chgData name="GUO CHEN ERICKA YU MIN" userId="55d5d35a-cab8-42c7-ab98-6541c4aecd30" providerId="ADAL" clId="{43FE00C4-E7C0-4BD0-951E-F3B44A2F318E}" dt="2024-06-10T21:28:00.265" v="1"/>
+          <ac:spMkLst>
+            <pc:docMk/>
+            <pc:sldMk cId="24252511" sldId="286"/>
+            <ac:spMk id="15383" creationId="{193F1402-2867-4C4F-A1BA-606198AD76B0}"/>
+          </ac:spMkLst>
+        </pc:spChg>
+        <pc:spChg chg="del">
+          <ac:chgData name="GUO CHEN ERICKA YU MIN" userId="55d5d35a-cab8-42c7-ab98-6541c4aecd30" providerId="ADAL" clId="{43FE00C4-E7C0-4BD0-951E-F3B44A2F318E}" dt="2024-06-10T21:28:00.265" v="1"/>
+          <ac:spMkLst>
+            <pc:docMk/>
+            <pc:sldMk cId="24252511" sldId="286"/>
+            <ac:spMk id="15385" creationId="{9887A981-7310-4FDA-96E6-73ECCD6C472B}"/>
+          </ac:spMkLst>
+        </pc:spChg>
+        <pc:spChg chg="del">
+          <ac:chgData name="GUO CHEN ERICKA YU MIN" userId="55d5d35a-cab8-42c7-ab98-6541c4aecd30" providerId="ADAL" clId="{43FE00C4-E7C0-4BD0-951E-F3B44A2F318E}" dt="2024-06-10T21:28:00.265" v="1"/>
+          <ac:spMkLst>
+            <pc:docMk/>
+            <pc:sldMk cId="24252511" sldId="286"/>
+            <ac:spMk id="15387" creationId="{FED4C940-D8EF-42FB-B65E-81A70494B8E6}"/>
+          </ac:spMkLst>
+        </pc:spChg>
+        <pc:spChg chg="add del">
+          <ac:chgData name="GUO CHEN ERICKA YU MIN" userId="55d5d35a-cab8-42c7-ab98-6541c4aecd30" providerId="ADAL" clId="{43FE00C4-E7C0-4BD0-951E-F3B44A2F318E}" dt="2024-06-10T21:31:21.538" v="74" actId="26606"/>
+          <ac:spMkLst>
+            <pc:docMk/>
+            <pc:sldMk cId="24252511" sldId="286"/>
+            <ac:spMk id="15395" creationId="{DD99E1B6-CBC4-4306-9DFC-847D6D135208}"/>
+          </ac:spMkLst>
+        </pc:spChg>
+        <pc:spChg chg="del">
+          <ac:chgData name="GUO CHEN ERICKA YU MIN" userId="55d5d35a-cab8-42c7-ab98-6541c4aecd30" providerId="ADAL" clId="{43FE00C4-E7C0-4BD0-951E-F3B44A2F318E}" dt="2024-06-10T21:28:00.265" v="1"/>
+          <ac:spMkLst>
+            <pc:docMk/>
+            <pc:sldMk cId="24252511" sldId="286"/>
+            <ac:spMk id="15397" creationId="{445038F8-360D-46AD-B2F1-47DAB7AA07B2}"/>
+          </ac:spMkLst>
+        </pc:spChg>
+        <pc:spChg chg="del">
+          <ac:chgData name="GUO CHEN ERICKA YU MIN" userId="55d5d35a-cab8-42c7-ab98-6541c4aecd30" providerId="ADAL" clId="{43FE00C4-E7C0-4BD0-951E-F3B44A2F318E}" dt="2024-06-10T21:28:00.265" v="1"/>
+          <ac:spMkLst>
+            <pc:docMk/>
+            <pc:sldMk cId="24252511" sldId="286"/>
+            <ac:spMk id="15399" creationId="{E1297267-64FC-46DE-88B8-E76DC4691C8E}"/>
+          </ac:spMkLst>
+        </pc:spChg>
+        <pc:spChg chg="del">
+          <ac:chgData name="GUO CHEN ERICKA YU MIN" userId="55d5d35a-cab8-42c7-ab98-6541c4aecd30" providerId="ADAL" clId="{43FE00C4-E7C0-4BD0-951E-F3B44A2F318E}" dt="2024-06-10T21:28:00.265" v="1"/>
+          <ac:spMkLst>
+            <pc:docMk/>
+            <pc:sldMk cId="24252511" sldId="286"/>
+            <ac:spMk id="15401" creationId="{D0A09031-1697-4CF1-8372-9D6B798ED9DA}"/>
+          </ac:spMkLst>
+        </pc:spChg>
+        <pc:spChg chg="add">
+          <ac:chgData name="GUO CHEN ERICKA YU MIN" userId="55d5d35a-cab8-42c7-ab98-6541c4aecd30" providerId="ADAL" clId="{43FE00C4-E7C0-4BD0-951E-F3B44A2F318E}" dt="2024-06-10T21:31:21.538" v="74" actId="26606"/>
+          <ac:spMkLst>
+            <pc:docMk/>
+            <pc:sldMk cId="24252511" sldId="286"/>
+            <ac:spMk id="15413" creationId="{6DC8E2D9-6729-4614-8667-C1016D3182E4}"/>
+          </ac:spMkLst>
+        </pc:spChg>
+        <pc:spChg chg="add">
+          <ac:chgData name="GUO CHEN ERICKA YU MIN" userId="55d5d35a-cab8-42c7-ab98-6541c4aecd30" providerId="ADAL" clId="{43FE00C4-E7C0-4BD0-951E-F3B44A2F318E}" dt="2024-06-10T21:31:21.538" v="74" actId="26606"/>
+          <ac:spMkLst>
+            <pc:docMk/>
+            <pc:sldMk cId="24252511" sldId="286"/>
+            <ac:spMk id="15415" creationId="{9C51935E-4A08-4AE4-8E13-F40CD3C4F1C4}"/>
+          </ac:spMkLst>
+        </pc:spChg>
+        <pc:spChg chg="add">
+          <ac:chgData name="GUO CHEN ERICKA YU MIN" userId="55d5d35a-cab8-42c7-ab98-6541c4aecd30" providerId="ADAL" clId="{43FE00C4-E7C0-4BD0-951E-F3B44A2F318E}" dt="2024-06-10T21:31:21.538" v="74" actId="26606"/>
+          <ac:spMkLst>
+            <pc:docMk/>
+            <pc:sldMk cId="24252511" sldId="286"/>
+            <ac:spMk id="15417" creationId="{193F1402-2867-4C4F-A1BA-606198AD76B0}"/>
+          </ac:spMkLst>
+        </pc:spChg>
+        <pc:spChg chg="add">
+          <ac:chgData name="GUO CHEN ERICKA YU MIN" userId="55d5d35a-cab8-42c7-ab98-6541c4aecd30" providerId="ADAL" clId="{43FE00C4-E7C0-4BD0-951E-F3B44A2F318E}" dt="2024-06-10T21:31:21.538" v="74" actId="26606"/>
+          <ac:spMkLst>
+            <pc:docMk/>
+            <pc:sldMk cId="24252511" sldId="286"/>
+            <ac:spMk id="15419" creationId="{9887A981-7310-4FDA-96E6-73ECCD6C472B}"/>
+          </ac:spMkLst>
+        </pc:spChg>
+        <pc:spChg chg="add">
+          <ac:chgData name="GUO CHEN ERICKA YU MIN" userId="55d5d35a-cab8-42c7-ab98-6541c4aecd30" providerId="ADAL" clId="{43FE00C4-E7C0-4BD0-951E-F3B44A2F318E}" dt="2024-06-10T21:31:21.538" v="74" actId="26606"/>
+          <ac:spMkLst>
+            <pc:docMk/>
+            <pc:sldMk cId="24252511" sldId="286"/>
+            <ac:spMk id="15421" creationId="{FED4C940-D8EF-42FB-B65E-81A70494B8E6}"/>
+          </ac:spMkLst>
+        </pc:spChg>
+        <pc:spChg chg="add">
+          <ac:chgData name="GUO CHEN ERICKA YU MIN" userId="55d5d35a-cab8-42c7-ab98-6541c4aecd30" providerId="ADAL" clId="{43FE00C4-E7C0-4BD0-951E-F3B44A2F318E}" dt="2024-06-10T21:31:21.538" v="74" actId="26606"/>
+          <ac:spMkLst>
+            <pc:docMk/>
+            <pc:sldMk cId="24252511" sldId="286"/>
+            <ac:spMk id="15431" creationId="{445038F8-360D-46AD-B2F1-47DAB7AA07B2}"/>
+          </ac:spMkLst>
+        </pc:spChg>
+        <pc:spChg chg="add">
+          <ac:chgData name="GUO CHEN ERICKA YU MIN" userId="55d5d35a-cab8-42c7-ab98-6541c4aecd30" providerId="ADAL" clId="{43FE00C4-E7C0-4BD0-951E-F3B44A2F318E}" dt="2024-06-10T21:31:21.538" v="74" actId="26606"/>
+          <ac:spMkLst>
+            <pc:docMk/>
+            <pc:sldMk cId="24252511" sldId="286"/>
+            <ac:spMk id="15433" creationId="{E1297267-64FC-46DE-88B8-E76DC4691C8E}"/>
+          </ac:spMkLst>
+        </pc:spChg>
+        <pc:spChg chg="add">
+          <ac:chgData name="GUO CHEN ERICKA YU MIN" userId="55d5d35a-cab8-42c7-ab98-6541c4aecd30" providerId="ADAL" clId="{43FE00C4-E7C0-4BD0-951E-F3B44A2F318E}" dt="2024-06-10T21:31:21.538" v="74" actId="26606"/>
+          <ac:spMkLst>
+            <pc:docMk/>
+            <pc:sldMk cId="24252511" sldId="286"/>
+            <ac:spMk id="15435" creationId="{D0A09031-1697-4CF1-8372-9D6B798ED9DA}"/>
+          </ac:spMkLst>
+        </pc:spChg>
+        <pc:grpChg chg="add del">
+          <ac:chgData name="GUO CHEN ERICKA YU MIN" userId="55d5d35a-cab8-42c7-ab98-6541c4aecd30" providerId="ADAL" clId="{43FE00C4-E7C0-4BD0-951E-F3B44A2F318E}" dt="2024-06-10T21:31:21.538" v="74" actId="26606"/>
+          <ac:grpSpMkLst>
+            <pc:docMk/>
+            <pc:sldMk cId="24252511" sldId="286"/>
+            <ac:grpSpMk id="15364" creationId="{BF4E480B-94D6-46F9-A2B6-B98D311FDC19}"/>
+          </ac:grpSpMkLst>
+        </pc:grpChg>
+        <pc:grpChg chg="del">
+          <ac:chgData name="GUO CHEN ERICKA YU MIN" userId="55d5d35a-cab8-42c7-ab98-6541c4aecd30" providerId="ADAL" clId="{43FE00C4-E7C0-4BD0-951E-F3B44A2F318E}" dt="2024-06-10T21:28:00.265" v="1"/>
+          <ac:grpSpMkLst>
+            <pc:docMk/>
+            <pc:sldMk cId="24252511" sldId="286"/>
+            <ac:grpSpMk id="15367" creationId="{BF4E480B-94D6-46F9-A2B6-B98D311FDC19}"/>
+          </ac:grpSpMkLst>
+        </pc:grpChg>
+        <pc:grpChg chg="add del">
+          <ac:chgData name="GUO CHEN ERICKA YU MIN" userId="55d5d35a-cab8-42c7-ab98-6541c4aecd30" providerId="ADAL" clId="{43FE00C4-E7C0-4BD0-951E-F3B44A2F318E}" dt="2024-06-10T21:31:21.538" v="74" actId="26606"/>
+          <ac:grpSpMkLst>
+            <pc:docMk/>
+            <pc:sldMk cId="24252511" sldId="286"/>
+            <ac:grpSpMk id="15378" creationId="{E2548C40-4C00-4E91-BFA6-84B4D66225A4}"/>
+          </ac:grpSpMkLst>
+        </pc:grpChg>
+        <pc:grpChg chg="del">
+          <ac:chgData name="GUO CHEN ERICKA YU MIN" userId="55d5d35a-cab8-42c7-ab98-6541c4aecd30" providerId="ADAL" clId="{43FE00C4-E7C0-4BD0-951E-F3B44A2F318E}" dt="2024-06-10T21:28:00.265" v="1"/>
+          <ac:grpSpMkLst>
+            <pc:docMk/>
+            <pc:sldMk cId="24252511" sldId="286"/>
+            <ac:grpSpMk id="15389" creationId="{56A1B230-58D0-41AA-8ACD-0AE93078B8F9}"/>
+          </ac:grpSpMkLst>
+        </pc:grpChg>
+        <pc:grpChg chg="del">
+          <ac:chgData name="GUO CHEN ERICKA YU MIN" userId="55d5d35a-cab8-42c7-ab98-6541c4aecd30" providerId="ADAL" clId="{43FE00C4-E7C0-4BD0-951E-F3B44A2F318E}" dt="2024-06-10T21:28:00.265" v="1"/>
+          <ac:grpSpMkLst>
+            <pc:docMk/>
+            <pc:sldMk cId="24252511" sldId="286"/>
+            <ac:grpSpMk id="15393" creationId="{F7AEDD01-B338-442A-9214-A38E48E3FF21}"/>
+          </ac:grpSpMkLst>
+        </pc:grpChg>
+        <pc:grpChg chg="add">
+          <ac:chgData name="GUO CHEN ERICKA YU MIN" userId="55d5d35a-cab8-42c7-ab98-6541c4aecd30" providerId="ADAL" clId="{43FE00C4-E7C0-4BD0-951E-F3B44A2F318E}" dt="2024-06-10T21:31:21.538" v="74" actId="26606"/>
+          <ac:grpSpMkLst>
+            <pc:docMk/>
+            <pc:sldMk cId="24252511" sldId="286"/>
+            <ac:grpSpMk id="15398" creationId="{BF4E480B-94D6-46F9-A2B6-B98D311FDC19}"/>
+          </ac:grpSpMkLst>
+        </pc:grpChg>
+        <pc:grpChg chg="add">
+          <ac:chgData name="GUO CHEN ERICKA YU MIN" userId="55d5d35a-cab8-42c7-ab98-6541c4aecd30" providerId="ADAL" clId="{43FE00C4-E7C0-4BD0-951E-F3B44A2F318E}" dt="2024-06-10T21:31:21.538" v="74" actId="26606"/>
+          <ac:grpSpMkLst>
+            <pc:docMk/>
+            <pc:sldMk cId="24252511" sldId="286"/>
+            <ac:grpSpMk id="15423" creationId="{56A1B230-58D0-41AA-8ACD-0AE93078B8F9}"/>
+          </ac:grpSpMkLst>
+        </pc:grpChg>
+        <pc:grpChg chg="add">
+          <ac:chgData name="GUO CHEN ERICKA YU MIN" userId="55d5d35a-cab8-42c7-ab98-6541c4aecd30" providerId="ADAL" clId="{43FE00C4-E7C0-4BD0-951E-F3B44A2F318E}" dt="2024-06-10T21:31:21.538" v="74" actId="26606"/>
+          <ac:grpSpMkLst>
+            <pc:docMk/>
+            <pc:sldMk cId="24252511" sldId="286"/>
+            <ac:grpSpMk id="15427" creationId="{F7AEDD01-B338-442A-9214-A38E48E3FF21}"/>
+          </ac:grpSpMkLst>
+        </pc:grpChg>
+        <pc:picChg chg="mod">
+          <ac:chgData name="GUO CHEN ERICKA YU MIN" userId="55d5d35a-cab8-42c7-ab98-6541c4aecd30" providerId="ADAL" clId="{43FE00C4-E7C0-4BD0-951E-F3B44A2F318E}" dt="2024-06-10T21:31:21.538" v="74" actId="26606"/>
+          <ac:picMkLst>
+            <pc:docMk/>
+            <pc:sldMk cId="24252511" sldId="286"/>
+            <ac:picMk id="15362" creationId="{A465F0E0-1223-E5F2-4FBC-284C68E894EE}"/>
+          </ac:picMkLst>
+        </pc:picChg>
+      </pc:sldChg>
+      <pc:sldChg chg="addSp delSp modSp add mod setBg">
+        <pc:chgData name="GUO CHEN ERICKA YU MIN" userId="55d5d35a-cab8-42c7-ab98-6541c4aecd30" providerId="ADAL" clId="{43FE00C4-E7C0-4BD0-951E-F3B44A2F318E}" dt="2024-06-10T21:29:20.921" v="35" actId="26606"/>
+        <pc:sldMkLst>
+          <pc:docMk/>
+          <pc:sldMk cId="903258587" sldId="287"/>
+        </pc:sldMkLst>
+        <pc:spChg chg="mod">
+          <ac:chgData name="GUO CHEN ERICKA YU MIN" userId="55d5d35a-cab8-42c7-ab98-6541c4aecd30" providerId="ADAL" clId="{43FE00C4-E7C0-4BD0-951E-F3B44A2F318E}" dt="2024-06-10T21:29:20.921" v="35" actId="26606"/>
+          <ac:spMkLst>
+            <pc:docMk/>
+            <pc:sldMk cId="903258587" sldId="287"/>
+            <ac:spMk id="2" creationId="{42935DCC-0407-FC34-E90E-29879D4738BD}"/>
+          </ac:spMkLst>
+        </pc:spChg>
+        <pc:spChg chg="add del mod">
+          <ac:chgData name="GUO CHEN ERICKA YU MIN" userId="55d5d35a-cab8-42c7-ab98-6541c4aecd30" providerId="ADAL" clId="{43FE00C4-E7C0-4BD0-951E-F3B44A2F318E}" dt="2024-06-10T21:29:20.921" v="35" actId="26606"/>
+          <ac:spMkLst>
+            <pc:docMk/>
+            <pc:sldMk cId="903258587" sldId="287"/>
+            <ac:spMk id="3" creationId="{F6E9D6D9-0DC2-270B-D658-5B58DC509D54}"/>
+          </ac:spMkLst>
+        </pc:spChg>
+        <pc:spChg chg="add del">
+          <ac:chgData name="GUO CHEN ERICKA YU MIN" userId="55d5d35a-cab8-42c7-ab98-6541c4aecd30" providerId="ADAL" clId="{43FE00C4-E7C0-4BD0-951E-F3B44A2F318E}" dt="2024-06-10T21:29:18.538" v="32" actId="26606"/>
+          <ac:spMkLst>
+            <pc:docMk/>
+            <pc:sldMk cId="903258587" sldId="287"/>
+            <ac:spMk id="21" creationId="{6DC8E2D9-6729-4614-8667-C1016D3182E4}"/>
+          </ac:spMkLst>
+        </pc:spChg>
+        <pc:spChg chg="add del">
+          <ac:chgData name="GUO CHEN ERICKA YU MIN" userId="55d5d35a-cab8-42c7-ab98-6541c4aecd30" providerId="ADAL" clId="{43FE00C4-E7C0-4BD0-951E-F3B44A2F318E}" dt="2024-06-10T21:29:20.896" v="34" actId="26606"/>
+          <ac:spMkLst>
+            <pc:docMk/>
+            <pc:sldMk cId="903258587" sldId="287"/>
+            <ac:spMk id="37" creationId="{DD99E1B6-CBC4-4306-9DFC-847D6D135208}"/>
+          </ac:spMkLst>
+        </pc:spChg>
+        <pc:spChg chg="add del">
+          <ac:chgData name="GUO CHEN ERICKA YU MIN" userId="55d5d35a-cab8-42c7-ab98-6541c4aecd30" providerId="ADAL" clId="{43FE00C4-E7C0-4BD0-951E-F3B44A2F318E}" dt="2024-06-10T21:29:20.896" v="34" actId="26606"/>
+          <ac:spMkLst>
+            <pc:docMk/>
+            <pc:sldMk cId="903258587" sldId="287"/>
+            <ac:spMk id="50" creationId="{6DC8E2D9-6729-4614-8667-C1016D3182E4}"/>
+          </ac:spMkLst>
+        </pc:spChg>
+        <pc:spChg chg="add del">
+          <ac:chgData name="GUO CHEN ERICKA YU MIN" userId="55d5d35a-cab8-42c7-ab98-6541c4aecd30" providerId="ADAL" clId="{43FE00C4-E7C0-4BD0-951E-F3B44A2F318E}" dt="2024-06-10T21:29:20.896" v="34" actId="26606"/>
+          <ac:spMkLst>
+            <pc:docMk/>
+            <pc:sldMk cId="903258587" sldId="287"/>
+            <ac:spMk id="51" creationId="{EB9B5A19-3592-48E2-BC31-90E092BD68E1}"/>
+          </ac:spMkLst>
+        </pc:spChg>
+        <pc:spChg chg="add">
+          <ac:chgData name="GUO CHEN ERICKA YU MIN" userId="55d5d35a-cab8-42c7-ab98-6541c4aecd30" providerId="ADAL" clId="{43FE00C4-E7C0-4BD0-951E-F3B44A2F318E}" dt="2024-06-10T21:29:20.921" v="35" actId="26606"/>
+          <ac:spMkLst>
+            <pc:docMk/>
+            <pc:sldMk cId="903258587" sldId="287"/>
+            <ac:spMk id="62" creationId="{6DC8E2D9-6729-4614-8667-C1016D3182E4}"/>
+          </ac:spMkLst>
+        </pc:spChg>
+        <pc:grpChg chg="add del">
+          <ac:chgData name="GUO CHEN ERICKA YU MIN" userId="55d5d35a-cab8-42c7-ab98-6541c4aecd30" providerId="ADAL" clId="{43FE00C4-E7C0-4BD0-951E-F3B44A2F318E}" dt="2024-06-10T21:29:18.538" v="32" actId="26606"/>
+          <ac:grpSpMkLst>
+            <pc:docMk/>
+            <pc:sldMk cId="903258587" sldId="287"/>
+            <ac:grpSpMk id="9" creationId="{BF4E480B-94D6-46F9-A2B6-B98D311FDC19}"/>
+          </ac:grpSpMkLst>
+        </pc:grpChg>
+        <pc:grpChg chg="add del">
+          <ac:chgData name="GUO CHEN ERICKA YU MIN" userId="55d5d35a-cab8-42c7-ab98-6541c4aecd30" providerId="ADAL" clId="{43FE00C4-E7C0-4BD0-951E-F3B44A2F318E}" dt="2024-06-10T21:29:18.538" v="32" actId="26606"/>
+          <ac:grpSpMkLst>
+            <pc:docMk/>
+            <pc:sldMk cId="903258587" sldId="287"/>
+            <ac:grpSpMk id="23" creationId="{67186895-7DAD-4EEE-BF1A-CC36B9426A43}"/>
+          </ac:grpSpMkLst>
+        </pc:grpChg>
+        <pc:grpChg chg="add del">
+          <ac:chgData name="GUO CHEN ERICKA YU MIN" userId="55d5d35a-cab8-42c7-ab98-6541c4aecd30" providerId="ADAL" clId="{43FE00C4-E7C0-4BD0-951E-F3B44A2F318E}" dt="2024-06-10T21:29:20.896" v="34" actId="26606"/>
+          <ac:grpSpMkLst>
+            <pc:docMk/>
+            <pc:sldMk cId="903258587" sldId="287"/>
+            <ac:grpSpMk id="25" creationId="{E2548C40-4C00-4E91-BFA6-84B4D66225A4}"/>
+          </ac:grpSpMkLst>
+        </pc:grpChg>
+        <pc:grpChg chg="add del">
+          <ac:chgData name="GUO CHEN ERICKA YU MIN" userId="55d5d35a-cab8-42c7-ab98-6541c4aecd30" providerId="ADAL" clId="{43FE00C4-E7C0-4BD0-951E-F3B44A2F318E}" dt="2024-06-10T21:29:20.896" v="34" actId="26606"/>
+          <ac:grpSpMkLst>
+            <pc:docMk/>
+            <pc:sldMk cId="903258587" sldId="287"/>
+            <ac:grpSpMk id="36" creationId="{BF4E480B-94D6-46F9-A2B6-B98D311FDC19}"/>
+          </ac:grpSpMkLst>
+        </pc:grpChg>
+        <pc:grpChg chg="add del">
+          <ac:chgData name="GUO CHEN ERICKA YU MIN" userId="55d5d35a-cab8-42c7-ab98-6541c4aecd30" providerId="ADAL" clId="{43FE00C4-E7C0-4BD0-951E-F3B44A2F318E}" dt="2024-06-10T21:29:20.896" v="34" actId="26606"/>
+          <ac:grpSpMkLst>
+            <pc:docMk/>
+            <pc:sldMk cId="903258587" sldId="287"/>
+            <ac:grpSpMk id="39" creationId="{3C16EB93-E299-481D-A004-769603D375CE}"/>
+          </ac:grpSpMkLst>
+        </pc:grpChg>
+        <pc:grpChg chg="add">
+          <ac:chgData name="GUO CHEN ERICKA YU MIN" userId="55d5d35a-cab8-42c7-ab98-6541c4aecd30" providerId="ADAL" clId="{43FE00C4-E7C0-4BD0-951E-F3B44A2F318E}" dt="2024-06-10T21:29:20.921" v="35" actId="26606"/>
+          <ac:grpSpMkLst>
+            <pc:docMk/>
+            <pc:sldMk cId="903258587" sldId="287"/>
+            <ac:grpSpMk id="61" creationId="{BF4E480B-94D6-46F9-A2B6-B98D311FDC19}"/>
+          </ac:grpSpMkLst>
+        </pc:grpChg>
+        <pc:grpChg chg="add">
+          <ac:chgData name="GUO CHEN ERICKA YU MIN" userId="55d5d35a-cab8-42c7-ab98-6541c4aecd30" providerId="ADAL" clId="{43FE00C4-E7C0-4BD0-951E-F3B44A2F318E}" dt="2024-06-10T21:29:20.921" v="35" actId="26606"/>
+          <ac:grpSpMkLst>
+            <pc:docMk/>
+            <pc:sldMk cId="903258587" sldId="287"/>
+            <ac:grpSpMk id="64" creationId="{67186895-7DAD-4EEE-BF1A-CC36B9426A43}"/>
+          </ac:grpSpMkLst>
+        </pc:grpChg>
+        <pc:picChg chg="add del">
+          <ac:chgData name="GUO CHEN ERICKA YU MIN" userId="55d5d35a-cab8-42c7-ab98-6541c4aecd30" providerId="ADAL" clId="{43FE00C4-E7C0-4BD0-951E-F3B44A2F318E}" dt="2024-06-10T21:29:18.538" v="32" actId="26606"/>
+          <ac:picMkLst>
+            <pc:docMk/>
+            <pc:sldMk cId="903258587" sldId="287"/>
+            <ac:picMk id="5" creationId="{B28B8C32-07B4-3224-DFE9-9C6FB3FB3621}"/>
+          </ac:picMkLst>
+        </pc:picChg>
+        <pc:picChg chg="add del">
+          <ac:chgData name="GUO CHEN ERICKA YU MIN" userId="55d5d35a-cab8-42c7-ab98-6541c4aecd30" providerId="ADAL" clId="{43FE00C4-E7C0-4BD0-951E-F3B44A2F318E}" dt="2024-06-10T21:29:20.896" v="34" actId="26606"/>
+          <ac:picMkLst>
+            <pc:docMk/>
+            <pc:sldMk cId="903258587" sldId="287"/>
+            <ac:picMk id="59" creationId="{B2F2E656-DB16-4D11-EB7B-F7CE8B06D806}"/>
+          </ac:picMkLst>
+        </pc:picChg>
+        <pc:picChg chg="add">
+          <ac:chgData name="GUO CHEN ERICKA YU MIN" userId="55d5d35a-cab8-42c7-ab98-6541c4aecd30" providerId="ADAL" clId="{43FE00C4-E7C0-4BD0-951E-F3B44A2F318E}" dt="2024-06-10T21:29:20.921" v="35" actId="26606"/>
+          <ac:picMkLst>
+            <pc:docMk/>
+            <pc:sldMk cId="903258587" sldId="287"/>
+            <ac:picMk id="63" creationId="{B28B8C32-07B4-3224-DFE9-9C6FB3FB3621}"/>
+          </ac:picMkLst>
+        </pc:picChg>
+        <pc:picChg chg="del">
+          <ac:chgData name="GUO CHEN ERICKA YU MIN" userId="55d5d35a-cab8-42c7-ab98-6541c4aecd30" providerId="ADAL" clId="{43FE00C4-E7C0-4BD0-951E-F3B44A2F318E}" dt="2024-06-10T21:29:10.946" v="30" actId="478"/>
+          <ac:picMkLst>
+            <pc:docMk/>
+            <pc:sldMk cId="903258587" sldId="287"/>
+            <ac:picMk id="15362" creationId="{A465F0E0-1223-E5F2-4FBC-284C68E894EE}"/>
+          </ac:picMkLst>
+        </pc:picChg>
+      </pc:sldChg>
+    </pc:docChg>
+  </pc:docChgLst>
+</pc:chgInfo>
 </file>
 
 <file path=ppt/diagrams/colors1.xml><?xml version="1.0" encoding="utf-8"?>
@@ -1974,925 +2729,6 @@
 </file>
 
 <file path=ppt/diagrams/colors3.xml><?xml version="1.0" encoding="utf-8"?>
-<dgm:colorsDef xmlns:dgm="http://schemas.openxmlformats.org/drawingml/2006/diagram" xmlns:a="http://schemas.openxmlformats.org/drawingml/2006/main" uniqueId="urn:microsoft.com/office/officeart/2005/8/colors/colorful1">
-  <dgm:title val=""/>
-  <dgm:desc val=""/>
-  <dgm:catLst>
-    <dgm:cat type="colorful" pri="10100"/>
-  </dgm:catLst>
-  <dgm:styleLbl name="node0">
-    <dgm:fillClrLst meth="repeat">
-      <a:schemeClr val="accent1"/>
-    </dgm:fillClrLst>
-    <dgm:linClrLst meth="repeat">
-      <a:schemeClr val="lt1"/>
-    </dgm:linClrLst>
-    <dgm:effectClrLst/>
-    <dgm:txLinClrLst/>
-    <dgm:txFillClrLst/>
-    <dgm:txEffectClrLst/>
-  </dgm:styleLbl>
-  <dgm:styleLbl name="node1">
-    <dgm:fillClrLst meth="repeat">
-      <a:schemeClr val="accent2"/>
-      <a:schemeClr val="accent3"/>
-      <a:schemeClr val="accent4"/>
-      <a:schemeClr val="accent5"/>
-      <a:schemeClr val="accent6"/>
-    </dgm:fillClrLst>
-    <dgm:linClrLst meth="repeat">
-      <a:schemeClr val="lt1"/>
-    </dgm:linClrLst>
-    <dgm:effectClrLst/>
-    <dgm:txLinClrLst/>
-    <dgm:txFillClrLst/>
-    <dgm:txEffectClrLst/>
-  </dgm:styleLbl>
-  <dgm:styleLbl name="alignNode1">
-    <dgm:fillClrLst meth="repeat">
-      <a:schemeClr val="accent2"/>
-      <a:schemeClr val="accent3"/>
-      <a:schemeClr val="accent4"/>
-      <a:schemeClr val="accent5"/>
-      <a:schemeClr val="accent6"/>
-    </dgm:fillClrLst>
-    <dgm:linClrLst meth="repeat">
-      <a:schemeClr val="accent2"/>
-      <a:schemeClr val="accent3"/>
-      <a:schemeClr val="accent4"/>
-      <a:schemeClr val="accent5"/>
-      <a:schemeClr val="accent6"/>
-    </dgm:linClrLst>
-    <dgm:effectClrLst/>
-    <dgm:txLinClrLst/>
-    <dgm:txFillClrLst/>
-    <dgm:txEffectClrLst/>
-  </dgm:styleLbl>
-  <dgm:styleLbl name="lnNode1">
-    <dgm:fillClrLst meth="repeat">
-      <a:schemeClr val="accent2"/>
-      <a:schemeClr val="accent3"/>
-      <a:schemeClr val="accent4"/>
-      <a:schemeClr val="accent5"/>
-      <a:schemeClr val="accent6"/>
-    </dgm:fillClrLst>
-    <dgm:linClrLst meth="repeat">
-      <a:schemeClr val="lt1"/>
-    </dgm:linClrLst>
-    <dgm:effectClrLst/>
-    <dgm:txLinClrLst/>
-    <dgm:txFillClrLst/>
-    <dgm:txEffectClrLst/>
-  </dgm:styleLbl>
-  <dgm:styleLbl name="vennNode1">
-    <dgm:fillClrLst meth="repeat">
-      <a:schemeClr val="accent2">
-        <a:alpha val="50000"/>
-      </a:schemeClr>
-      <a:schemeClr val="accent3">
-        <a:alpha val="50000"/>
-      </a:schemeClr>
-      <a:schemeClr val="accent4">
-        <a:alpha val="50000"/>
-      </a:schemeClr>
-      <a:schemeClr val="accent5">
-        <a:alpha val="50000"/>
-      </a:schemeClr>
-      <a:schemeClr val="accent6">
-        <a:alpha val="50000"/>
-      </a:schemeClr>
-    </dgm:fillClrLst>
-    <dgm:linClrLst meth="repeat">
-      <a:schemeClr val="lt1"/>
-    </dgm:linClrLst>
-    <dgm:effectClrLst/>
-    <dgm:txLinClrLst/>
-    <dgm:txFillClrLst/>
-    <dgm:txEffectClrLst/>
-  </dgm:styleLbl>
-  <dgm:styleLbl name="node2">
-    <dgm:fillClrLst>
-      <a:schemeClr val="accent2"/>
-    </dgm:fillClrLst>
-    <dgm:linClrLst meth="repeat">
-      <a:schemeClr val="lt1"/>
-    </dgm:linClrLst>
-    <dgm:effectClrLst/>
-    <dgm:txLinClrLst/>
-    <dgm:txFillClrLst/>
-    <dgm:txEffectClrLst/>
-  </dgm:styleLbl>
-  <dgm:styleLbl name="node3">
-    <dgm:fillClrLst>
-      <a:schemeClr val="accent3"/>
-    </dgm:fillClrLst>
-    <dgm:linClrLst meth="repeat">
-      <a:schemeClr val="lt1"/>
-    </dgm:linClrLst>
-    <dgm:effectClrLst/>
-    <dgm:txLinClrLst/>
-    <dgm:txFillClrLst/>
-    <dgm:txEffectClrLst/>
-  </dgm:styleLbl>
-  <dgm:styleLbl name="node4">
-    <dgm:fillClrLst>
-      <a:schemeClr val="accent4"/>
-    </dgm:fillClrLst>
-    <dgm:linClrLst meth="repeat">
-      <a:schemeClr val="lt1"/>
-    </dgm:linClrLst>
-    <dgm:effectClrLst/>
-    <dgm:txLinClrLst/>
-    <dgm:txFillClrLst/>
-    <dgm:txEffectClrLst/>
-  </dgm:styleLbl>
-  <dgm:styleLbl name="fgImgPlace1">
-    <dgm:fillClrLst meth="repeat">
-      <a:schemeClr val="accent2">
-        <a:tint val="50000"/>
-      </a:schemeClr>
-      <a:schemeClr val="accent3">
-        <a:tint val="50000"/>
-      </a:schemeClr>
-      <a:schemeClr val="accent4">
-        <a:tint val="50000"/>
-      </a:schemeClr>
-      <a:schemeClr val="accent5">
-        <a:tint val="50000"/>
-      </a:schemeClr>
-      <a:schemeClr val="accent6">
-        <a:tint val="50000"/>
-      </a:schemeClr>
-    </dgm:fillClrLst>
-    <dgm:linClrLst meth="repeat">
-      <a:schemeClr val="lt1"/>
-    </dgm:linClrLst>
-    <dgm:effectClrLst/>
-    <dgm:txLinClrLst/>
-    <dgm:txFillClrLst meth="repeat">
-      <a:schemeClr val="lt1"/>
-    </dgm:txFillClrLst>
-    <dgm:txEffectClrLst/>
-  </dgm:styleLbl>
-  <dgm:styleLbl name="alignImgPlace1">
-    <dgm:fillClrLst>
-      <a:schemeClr val="accent1">
-        <a:tint val="50000"/>
-      </a:schemeClr>
-      <a:schemeClr val="accent2">
-        <a:tint val="20000"/>
-      </a:schemeClr>
-    </dgm:fillClrLst>
-    <dgm:linClrLst meth="repeat">
-      <a:schemeClr val="lt1"/>
-    </dgm:linClrLst>
-    <dgm:effectClrLst/>
-    <dgm:txLinClrLst/>
-    <dgm:txFillClrLst meth="repeat">
-      <a:schemeClr val="lt1"/>
-    </dgm:txFillClrLst>
-    <dgm:txEffectClrLst/>
-  </dgm:styleLbl>
-  <dgm:styleLbl name="bgImgPlace1">
-    <dgm:fillClrLst>
-      <a:schemeClr val="accent1">
-        <a:tint val="50000"/>
-      </a:schemeClr>
-      <a:schemeClr val="accent2">
-        <a:tint val="20000"/>
-      </a:schemeClr>
-    </dgm:fillClrLst>
-    <dgm:linClrLst meth="repeat">
-      <a:schemeClr val="lt1"/>
-    </dgm:linClrLst>
-    <dgm:effectClrLst/>
-    <dgm:txLinClrLst/>
-    <dgm:txFillClrLst meth="repeat">
-      <a:schemeClr val="lt1"/>
-    </dgm:txFillClrLst>
-    <dgm:txEffectClrLst/>
-  </dgm:styleLbl>
-  <dgm:styleLbl name="sibTrans2D1">
-    <dgm:fillClrLst meth="repeat">
-      <a:schemeClr val="accent2"/>
-      <a:schemeClr val="accent3"/>
-      <a:schemeClr val="accent4"/>
-      <a:schemeClr val="accent5"/>
-      <a:schemeClr val="accent6"/>
-    </dgm:fillClrLst>
-    <dgm:linClrLst meth="cycle">
-      <a:schemeClr val="lt1"/>
-    </dgm:linClrLst>
-    <dgm:effectClrLst/>
-    <dgm:txLinClrLst/>
-    <dgm:txFillClrLst/>
-    <dgm:txEffectClrLst/>
-  </dgm:styleLbl>
-  <dgm:styleLbl name="fgSibTrans2D1">
-    <dgm:fillClrLst meth="repeat">
-      <a:schemeClr val="accent2"/>
-      <a:schemeClr val="accent3"/>
-      <a:schemeClr val="accent4"/>
-      <a:schemeClr val="accent5"/>
-      <a:schemeClr val="accent6"/>
-    </dgm:fillClrLst>
-    <dgm:linClrLst meth="cycle">
-      <a:schemeClr val="lt1"/>
-    </dgm:linClrLst>
-    <dgm:effectClrLst/>
-    <dgm:txLinClrLst/>
-    <dgm:txFillClrLst meth="repeat">
-      <a:schemeClr val="lt1"/>
-    </dgm:txFillClrLst>
-    <dgm:txEffectClrLst/>
-  </dgm:styleLbl>
-  <dgm:styleLbl name="bgSibTrans2D1">
-    <dgm:fillClrLst meth="repeat">
-      <a:schemeClr val="accent2"/>
-      <a:schemeClr val="accent3"/>
-      <a:schemeClr val="accent4"/>
-      <a:schemeClr val="accent5"/>
-      <a:schemeClr val="accent6"/>
-    </dgm:fillClrLst>
-    <dgm:linClrLst meth="cycle">
-      <a:schemeClr val="lt1"/>
-    </dgm:linClrLst>
-    <dgm:effectClrLst/>
-    <dgm:txLinClrLst/>
-    <dgm:txFillClrLst meth="repeat">
-      <a:schemeClr val="lt1"/>
-    </dgm:txFillClrLst>
-    <dgm:txEffectClrLst/>
-  </dgm:styleLbl>
-  <dgm:styleLbl name="sibTrans1D1">
-    <dgm:fillClrLst meth="repeat">
-      <a:schemeClr val="accent2"/>
-      <a:schemeClr val="accent3"/>
-      <a:schemeClr val="accent4"/>
-      <a:schemeClr val="accent5"/>
-      <a:schemeClr val="accent6"/>
-    </dgm:fillClrLst>
-    <dgm:linClrLst meth="repeat">
-      <a:schemeClr val="accent2"/>
-      <a:schemeClr val="accent3"/>
-      <a:schemeClr val="accent4"/>
-      <a:schemeClr val="accent5"/>
-      <a:schemeClr val="accent6"/>
-    </dgm:linClrLst>
-    <dgm:effectClrLst/>
-    <dgm:txLinClrLst/>
-    <dgm:txFillClrLst meth="repeat">
-      <a:schemeClr val="tx1"/>
-    </dgm:txFillClrLst>
-    <dgm:txEffectClrLst/>
-  </dgm:styleLbl>
-  <dgm:styleLbl name="callout">
-    <dgm:fillClrLst meth="repeat">
-      <a:schemeClr val="accent2"/>
-    </dgm:fillClrLst>
-    <dgm:linClrLst meth="repeat">
-      <a:schemeClr val="accent2">
-        <a:tint val="50000"/>
-      </a:schemeClr>
-    </dgm:linClrLst>
-    <dgm:effectClrLst/>
-    <dgm:txLinClrLst/>
-    <dgm:txFillClrLst meth="repeat">
-      <a:schemeClr val="tx1"/>
-    </dgm:txFillClrLst>
-    <dgm:txEffectClrLst/>
-  </dgm:styleLbl>
-  <dgm:styleLbl name="asst0">
-    <dgm:fillClrLst meth="repeat">
-      <a:schemeClr val="accent1"/>
-    </dgm:fillClrLst>
-    <dgm:linClrLst meth="repeat">
-      <a:schemeClr val="lt1"/>
-    </dgm:linClrLst>
-    <dgm:effectClrLst/>
-    <dgm:txLinClrLst/>
-    <dgm:txFillClrLst/>
-    <dgm:txEffectClrLst/>
-  </dgm:styleLbl>
-  <dgm:styleLbl name="asst1">
-    <dgm:fillClrLst meth="repeat">
-      <a:schemeClr val="accent2"/>
-    </dgm:fillClrLst>
-    <dgm:linClrLst meth="repeat">
-      <a:schemeClr val="lt1"/>
-    </dgm:linClrLst>
-    <dgm:effectClrLst/>
-    <dgm:txLinClrLst/>
-    <dgm:txFillClrLst/>
-    <dgm:txEffectClrLst/>
-  </dgm:styleLbl>
-  <dgm:styleLbl name="asst2">
-    <dgm:fillClrLst>
-      <a:schemeClr val="accent3"/>
-    </dgm:fillClrLst>
-    <dgm:linClrLst meth="repeat">
-      <a:schemeClr val="lt1"/>
-    </dgm:linClrLst>
-    <dgm:effectClrLst/>
-    <dgm:txLinClrLst/>
-    <dgm:txFillClrLst/>
-    <dgm:txEffectClrLst/>
-  </dgm:styleLbl>
-  <dgm:styleLbl name="asst3">
-    <dgm:fillClrLst>
-      <a:schemeClr val="accent4"/>
-    </dgm:fillClrLst>
-    <dgm:linClrLst meth="repeat">
-      <a:schemeClr val="lt1"/>
-    </dgm:linClrLst>
-    <dgm:effectClrLst/>
-    <dgm:txLinClrLst/>
-    <dgm:txFillClrLst/>
-    <dgm:txEffectClrLst/>
-  </dgm:styleLbl>
-  <dgm:styleLbl name="asst4">
-    <dgm:fillClrLst>
-      <a:schemeClr val="accent5"/>
-    </dgm:fillClrLst>
-    <dgm:linClrLst meth="repeat">
-      <a:schemeClr val="lt1"/>
-    </dgm:linClrLst>
-    <dgm:effectClrLst/>
-    <dgm:txLinClrLst/>
-    <dgm:txFillClrLst/>
-    <dgm:txEffectClrLst/>
-  </dgm:styleLbl>
-  <dgm:styleLbl name="parChTrans2D1">
-    <dgm:fillClrLst meth="repeat">
-      <a:schemeClr val="accent2"/>
-    </dgm:fillClrLst>
-    <dgm:linClrLst meth="repeat">
-      <a:schemeClr val="lt1"/>
-    </dgm:linClrLst>
-    <dgm:effectClrLst/>
-    <dgm:txLinClrLst/>
-    <dgm:txFillClrLst meth="repeat">
-      <a:schemeClr val="lt1"/>
-    </dgm:txFillClrLst>
-    <dgm:txEffectClrLst/>
-  </dgm:styleLbl>
-  <dgm:styleLbl name="parChTrans2D2">
-    <dgm:fillClrLst meth="repeat">
-      <a:schemeClr val="accent3"/>
-    </dgm:fillClrLst>
-    <dgm:linClrLst meth="repeat">
-      <a:schemeClr val="lt1"/>
-    </dgm:linClrLst>
-    <dgm:effectClrLst/>
-    <dgm:txLinClrLst/>
-    <dgm:txFillClrLst/>
-    <dgm:txEffectClrLst/>
-  </dgm:styleLbl>
-  <dgm:styleLbl name="parChTrans2D3">
-    <dgm:fillClrLst meth="repeat">
-      <a:schemeClr val="accent4"/>
-    </dgm:fillClrLst>
-    <dgm:linClrLst meth="repeat">
-      <a:schemeClr val="lt1"/>
-    </dgm:linClrLst>
-    <dgm:effectClrLst/>
-    <dgm:txLinClrLst/>
-    <dgm:txFillClrLst/>
-    <dgm:txEffectClrLst/>
-  </dgm:styleLbl>
-  <dgm:styleLbl name="parChTrans2D4">
-    <dgm:fillClrLst meth="repeat">
-      <a:schemeClr val="accent5"/>
-    </dgm:fillClrLst>
-    <dgm:linClrLst meth="repeat">
-      <a:schemeClr val="lt1"/>
-    </dgm:linClrLst>
-    <dgm:effectClrLst/>
-    <dgm:txLinClrLst/>
-    <dgm:txFillClrLst meth="repeat">
-      <a:schemeClr val="lt1"/>
-    </dgm:txFillClrLst>
-    <dgm:txEffectClrLst/>
-  </dgm:styleLbl>
-  <dgm:styleLbl name="parChTrans1D1">
-    <dgm:fillClrLst meth="repeat">
-      <a:schemeClr val="accent2"/>
-    </dgm:fillClrLst>
-    <dgm:linClrLst meth="repeat">
-      <a:schemeClr val="accent1"/>
-    </dgm:linClrLst>
-    <dgm:effectClrLst/>
-    <dgm:txLinClrLst/>
-    <dgm:txFillClrLst meth="repeat">
-      <a:schemeClr val="tx1"/>
-    </dgm:txFillClrLst>
-    <dgm:txEffectClrLst/>
-  </dgm:styleLbl>
-  <dgm:styleLbl name="parChTrans1D2">
-    <dgm:fillClrLst meth="repeat">
-      <a:schemeClr val="accent3">
-        <a:tint val="90000"/>
-      </a:schemeClr>
-    </dgm:fillClrLst>
-    <dgm:linClrLst meth="repeat">
-      <a:schemeClr val="accent2"/>
-    </dgm:linClrLst>
-    <dgm:effectClrLst/>
-    <dgm:txLinClrLst/>
-    <dgm:txFillClrLst meth="repeat">
-      <a:schemeClr val="tx1"/>
-    </dgm:txFillClrLst>
-    <dgm:txEffectClrLst/>
-  </dgm:styleLbl>
-  <dgm:styleLbl name="parChTrans1D3">
-    <dgm:fillClrLst meth="repeat">
-      <a:schemeClr val="accent4">
-        <a:tint val="70000"/>
-      </a:schemeClr>
-    </dgm:fillClrLst>
-    <dgm:linClrLst meth="repeat">
-      <a:schemeClr val="accent3"/>
-    </dgm:linClrLst>
-    <dgm:effectClrLst/>
-    <dgm:txLinClrLst/>
-    <dgm:txFillClrLst meth="repeat">
-      <a:schemeClr val="tx1"/>
-    </dgm:txFillClrLst>
-    <dgm:txEffectClrLst/>
-  </dgm:styleLbl>
-  <dgm:styleLbl name="parChTrans1D4">
-    <dgm:fillClrLst meth="repeat">
-      <a:schemeClr val="accent5">
-        <a:tint val="50000"/>
-      </a:schemeClr>
-    </dgm:fillClrLst>
-    <dgm:linClrLst meth="repeat">
-      <a:schemeClr val="accent4"/>
-    </dgm:linClrLst>
-    <dgm:effectClrLst/>
-    <dgm:txLinClrLst/>
-    <dgm:txFillClrLst meth="repeat">
-      <a:schemeClr val="tx1"/>
-    </dgm:txFillClrLst>
-    <dgm:txEffectClrLst/>
-  </dgm:styleLbl>
-  <dgm:styleLbl name="fgAcc1">
-    <dgm:fillClrLst meth="repeat">
-      <a:schemeClr val="lt1">
-        <a:alpha val="90000"/>
-      </a:schemeClr>
-    </dgm:fillClrLst>
-    <dgm:linClrLst meth="repeat">
-      <a:schemeClr val="accent2"/>
-      <a:schemeClr val="accent3"/>
-      <a:schemeClr val="accent4"/>
-      <a:schemeClr val="accent5"/>
-      <a:schemeClr val="accent6"/>
-    </dgm:linClrLst>
-    <dgm:effectClrLst/>
-    <dgm:txLinClrLst/>
-    <dgm:txFillClrLst meth="repeat">
-      <a:schemeClr val="dk1"/>
-    </dgm:txFillClrLst>
-    <dgm:txEffectClrLst/>
-  </dgm:styleLbl>
-  <dgm:styleLbl name="conFgAcc1">
-    <dgm:fillClrLst meth="repeat">
-      <a:schemeClr val="lt1">
-        <a:alpha val="90000"/>
-      </a:schemeClr>
-    </dgm:fillClrLst>
-    <dgm:linClrLst meth="repeat">
-      <a:schemeClr val="accent2"/>
-      <a:schemeClr val="accent3"/>
-      <a:schemeClr val="accent4"/>
-      <a:schemeClr val="accent5"/>
-      <a:schemeClr val="accent6"/>
-    </dgm:linClrLst>
-    <dgm:effectClrLst/>
-    <dgm:txLinClrLst/>
-    <dgm:txFillClrLst meth="repeat">
-      <a:schemeClr val="dk1"/>
-    </dgm:txFillClrLst>
-    <dgm:txEffectClrLst/>
-  </dgm:styleLbl>
-  <dgm:styleLbl name="alignAcc1">
-    <dgm:fillClrLst meth="repeat">
-      <a:schemeClr val="lt1">
-        <a:alpha val="90000"/>
-      </a:schemeClr>
-    </dgm:fillClrLst>
-    <dgm:linClrLst meth="repeat">
-      <a:schemeClr val="accent2"/>
-      <a:schemeClr val="accent3"/>
-      <a:schemeClr val="accent4"/>
-      <a:schemeClr val="accent5"/>
-      <a:schemeClr val="accent6"/>
-    </dgm:linClrLst>
-    <dgm:effectClrLst/>
-    <dgm:txLinClrLst/>
-    <dgm:txFillClrLst meth="repeat">
-      <a:schemeClr val="dk1"/>
-    </dgm:txFillClrLst>
-    <dgm:txEffectClrLst/>
-  </dgm:styleLbl>
-  <dgm:styleLbl name="trAlignAcc1">
-    <dgm:fillClrLst meth="repeat">
-      <a:schemeClr val="lt1">
-        <a:alpha val="40000"/>
-      </a:schemeClr>
-    </dgm:fillClrLst>
-    <dgm:linClrLst meth="repeat">
-      <a:schemeClr val="accent1"/>
-    </dgm:linClrLst>
-    <dgm:effectClrLst/>
-    <dgm:txLinClrLst/>
-    <dgm:txFillClrLst meth="repeat">
-      <a:schemeClr val="dk1"/>
-    </dgm:txFillClrLst>
-    <dgm:txEffectClrLst/>
-  </dgm:styleLbl>
-  <dgm:styleLbl name="bgAcc1">
-    <dgm:fillClrLst meth="repeat">
-      <a:schemeClr val="lt1">
-        <a:alpha val="90000"/>
-      </a:schemeClr>
-    </dgm:fillClrLst>
-    <dgm:linClrLst meth="repeat">
-      <a:schemeClr val="accent2"/>
-      <a:schemeClr val="accent3"/>
-      <a:schemeClr val="accent4"/>
-      <a:schemeClr val="accent5"/>
-      <a:schemeClr val="accent6"/>
-    </dgm:linClrLst>
-    <dgm:effectClrLst/>
-    <dgm:txLinClrLst/>
-    <dgm:txFillClrLst meth="repeat">
-      <a:schemeClr val="dk1"/>
-    </dgm:txFillClrLst>
-    <dgm:txEffectClrLst/>
-  </dgm:styleLbl>
-  <dgm:styleLbl name="solidFgAcc1">
-    <dgm:fillClrLst meth="repeat">
-      <a:schemeClr val="lt1"/>
-    </dgm:fillClrLst>
-    <dgm:linClrLst meth="repeat">
-      <a:schemeClr val="accent2"/>
-      <a:schemeClr val="accent3"/>
-      <a:schemeClr val="accent4"/>
-      <a:schemeClr val="accent5"/>
-      <a:schemeClr val="accent6"/>
-    </dgm:linClrLst>
-    <dgm:effectClrLst/>
-    <dgm:txLinClrLst/>
-    <dgm:txFillClrLst meth="repeat">
-      <a:schemeClr val="dk1"/>
-    </dgm:txFillClrLst>
-    <dgm:txEffectClrLst/>
-  </dgm:styleLbl>
-  <dgm:styleLbl name="solidAlignAcc1">
-    <dgm:fillClrLst meth="repeat">
-      <a:schemeClr val="lt1"/>
-    </dgm:fillClrLst>
-    <dgm:linClrLst meth="repeat">
-      <a:schemeClr val="accent2"/>
-      <a:schemeClr val="accent3"/>
-      <a:schemeClr val="accent4"/>
-      <a:schemeClr val="accent5"/>
-      <a:schemeClr val="accent6"/>
-    </dgm:linClrLst>
-    <dgm:effectClrLst/>
-    <dgm:txLinClrLst/>
-    <dgm:txFillClrLst meth="repeat">
-      <a:schemeClr val="dk1"/>
-    </dgm:txFillClrLst>
-    <dgm:txEffectClrLst/>
-  </dgm:styleLbl>
-  <dgm:styleLbl name="solidBgAcc1">
-    <dgm:fillClrLst meth="repeat">
-      <a:schemeClr val="lt1"/>
-    </dgm:fillClrLst>
-    <dgm:linClrLst meth="repeat">
-      <a:schemeClr val="accent2"/>
-      <a:schemeClr val="accent3"/>
-      <a:schemeClr val="accent4"/>
-      <a:schemeClr val="accent5"/>
-      <a:schemeClr val="accent6"/>
-    </dgm:linClrLst>
-    <dgm:effectClrLst/>
-    <dgm:txLinClrLst/>
-    <dgm:txFillClrLst meth="repeat">
-      <a:schemeClr val="dk1"/>
-    </dgm:txFillClrLst>
-    <dgm:txEffectClrLst/>
-  </dgm:styleLbl>
-  <dgm:styleLbl name="fgAccFollowNode1">
-    <dgm:fillClrLst meth="repeat">
-      <a:schemeClr val="accent2">
-        <a:tint val="40000"/>
-        <a:alpha val="90000"/>
-      </a:schemeClr>
-      <a:schemeClr val="accent3">
-        <a:tint val="40000"/>
-        <a:alpha val="90000"/>
-      </a:schemeClr>
-      <a:schemeClr val="accent4">
-        <a:tint val="40000"/>
-        <a:alpha val="90000"/>
-      </a:schemeClr>
-      <a:schemeClr val="accent5">
-        <a:tint val="40000"/>
-        <a:alpha val="90000"/>
-      </a:schemeClr>
-      <a:schemeClr val="accent6">
-        <a:tint val="40000"/>
-        <a:alpha val="90000"/>
-      </a:schemeClr>
-    </dgm:fillClrLst>
-    <dgm:linClrLst meth="repeat">
-      <a:schemeClr val="accent2">
-        <a:tint val="40000"/>
-        <a:alpha val="90000"/>
-      </a:schemeClr>
-      <a:schemeClr val="accent3">
-        <a:tint val="40000"/>
-        <a:alpha val="90000"/>
-      </a:schemeClr>
-      <a:schemeClr val="accent4">
-        <a:tint val="40000"/>
-        <a:alpha val="90000"/>
-      </a:schemeClr>
-      <a:schemeClr val="accent5">
-        <a:tint val="40000"/>
-        <a:alpha val="90000"/>
-      </a:schemeClr>
-      <a:schemeClr val="accent6">
-        <a:tint val="40000"/>
-        <a:alpha val="90000"/>
-      </a:schemeClr>
-    </dgm:linClrLst>
-    <dgm:effectClrLst/>
-    <dgm:txLinClrLst/>
-    <dgm:txFillClrLst meth="repeat">
-      <a:schemeClr val="dk1"/>
-    </dgm:txFillClrLst>
-    <dgm:txEffectClrLst/>
-  </dgm:styleLbl>
-  <dgm:styleLbl name="alignAccFollowNode1">
-    <dgm:fillClrLst meth="repeat">
-      <a:schemeClr val="accent2">
-        <a:tint val="40000"/>
-        <a:alpha val="90000"/>
-      </a:schemeClr>
-      <a:schemeClr val="accent3">
-        <a:tint val="40000"/>
-        <a:alpha val="90000"/>
-      </a:schemeClr>
-      <a:schemeClr val="accent4">
-        <a:tint val="40000"/>
-        <a:alpha val="90000"/>
-      </a:schemeClr>
-      <a:schemeClr val="accent5">
-        <a:tint val="40000"/>
-        <a:alpha val="90000"/>
-      </a:schemeClr>
-      <a:schemeClr val="accent6">
-        <a:tint val="40000"/>
-        <a:alpha val="90000"/>
-      </a:schemeClr>
-    </dgm:fillClrLst>
-    <dgm:linClrLst meth="repeat">
-      <a:schemeClr val="accent2">
-        <a:tint val="40000"/>
-        <a:alpha val="90000"/>
-      </a:schemeClr>
-      <a:schemeClr val="accent3">
-        <a:tint val="40000"/>
-        <a:alpha val="90000"/>
-      </a:schemeClr>
-      <a:schemeClr val="accent4">
-        <a:tint val="40000"/>
-        <a:alpha val="90000"/>
-      </a:schemeClr>
-      <a:schemeClr val="accent5">
-        <a:tint val="40000"/>
-        <a:alpha val="90000"/>
-      </a:schemeClr>
-      <a:schemeClr val="accent6">
-        <a:tint val="40000"/>
-        <a:alpha val="90000"/>
-      </a:schemeClr>
-    </dgm:linClrLst>
-    <dgm:effectClrLst/>
-    <dgm:txLinClrLst/>
-    <dgm:txFillClrLst meth="repeat">
-      <a:schemeClr val="dk1"/>
-    </dgm:txFillClrLst>
-    <dgm:txEffectClrLst/>
-  </dgm:styleLbl>
-  <dgm:styleLbl name="bgAccFollowNode1">
-    <dgm:fillClrLst meth="repeat">
-      <a:schemeClr val="accent2">
-        <a:tint val="40000"/>
-        <a:alpha val="90000"/>
-      </a:schemeClr>
-      <a:schemeClr val="accent3">
-        <a:tint val="40000"/>
-        <a:alpha val="90000"/>
-      </a:schemeClr>
-      <a:schemeClr val="accent4">
-        <a:tint val="40000"/>
-        <a:alpha val="90000"/>
-      </a:schemeClr>
-      <a:schemeClr val="accent5">
-        <a:tint val="40000"/>
-        <a:alpha val="90000"/>
-      </a:schemeClr>
-      <a:schemeClr val="accent6">
-        <a:tint val="40000"/>
-        <a:alpha val="90000"/>
-      </a:schemeClr>
-    </dgm:fillClrLst>
-    <dgm:linClrLst meth="repeat">
-      <a:schemeClr val="accent2">
-        <a:tint val="40000"/>
-        <a:alpha val="90000"/>
-      </a:schemeClr>
-      <a:schemeClr val="accent3">
-        <a:tint val="40000"/>
-        <a:alpha val="90000"/>
-      </a:schemeClr>
-      <a:schemeClr val="accent4">
-        <a:tint val="40000"/>
-        <a:alpha val="90000"/>
-      </a:schemeClr>
-      <a:schemeClr val="accent5">
-        <a:tint val="40000"/>
-        <a:alpha val="90000"/>
-      </a:schemeClr>
-      <a:schemeClr val="accent6">
-        <a:tint val="40000"/>
-        <a:alpha val="90000"/>
-      </a:schemeClr>
-    </dgm:linClrLst>
-    <dgm:effectClrLst/>
-    <dgm:txLinClrLst/>
-    <dgm:txFillClrLst meth="repeat">
-      <a:schemeClr val="dk1"/>
-    </dgm:txFillClrLst>
-    <dgm:txEffectClrLst/>
-  </dgm:styleLbl>
-  <dgm:styleLbl name="fgAcc0">
-    <dgm:fillClrLst meth="repeat">
-      <a:schemeClr val="lt1">
-        <a:alpha val="90000"/>
-      </a:schemeClr>
-    </dgm:fillClrLst>
-    <dgm:linClrLst>
-      <a:schemeClr val="accent1"/>
-    </dgm:linClrLst>
-    <dgm:effectClrLst/>
-    <dgm:txLinClrLst/>
-    <dgm:txFillClrLst meth="repeat">
-      <a:schemeClr val="dk1"/>
-    </dgm:txFillClrLst>
-    <dgm:txEffectClrLst/>
-  </dgm:styleLbl>
-  <dgm:styleLbl name="fgAcc2">
-    <dgm:fillClrLst meth="repeat">
-      <a:schemeClr val="lt1">
-        <a:alpha val="90000"/>
-      </a:schemeClr>
-    </dgm:fillClrLst>
-    <dgm:linClrLst>
-      <a:schemeClr val="accent2"/>
-    </dgm:linClrLst>
-    <dgm:effectClrLst/>
-    <dgm:txLinClrLst/>
-    <dgm:txFillClrLst meth="repeat">
-      <a:schemeClr val="dk1"/>
-    </dgm:txFillClrLst>
-    <dgm:txEffectClrLst/>
-  </dgm:styleLbl>
-  <dgm:styleLbl name="fgAcc3">
-    <dgm:fillClrLst meth="repeat">
-      <a:schemeClr val="lt1">
-        <a:alpha val="90000"/>
-      </a:schemeClr>
-    </dgm:fillClrLst>
-    <dgm:linClrLst>
-      <a:schemeClr val="accent3"/>
-    </dgm:linClrLst>
-    <dgm:effectClrLst/>
-    <dgm:txLinClrLst/>
-    <dgm:txFillClrLst meth="repeat">
-      <a:schemeClr val="dk1"/>
-    </dgm:txFillClrLst>
-    <dgm:txEffectClrLst/>
-  </dgm:styleLbl>
-  <dgm:styleLbl name="fgAcc4">
-    <dgm:fillClrLst meth="repeat">
-      <a:schemeClr val="lt1">
-        <a:alpha val="90000"/>
-      </a:schemeClr>
-    </dgm:fillClrLst>
-    <dgm:linClrLst>
-      <a:schemeClr val="accent4"/>
-    </dgm:linClrLst>
-    <dgm:effectClrLst/>
-    <dgm:txLinClrLst/>
-    <dgm:txFillClrLst meth="repeat">
-      <a:schemeClr val="dk1"/>
-    </dgm:txFillClrLst>
-    <dgm:txEffectClrLst/>
-  </dgm:styleLbl>
-  <dgm:styleLbl name="bgShp">
-    <dgm:fillClrLst meth="repeat">
-      <a:schemeClr val="accent2">
-        <a:tint val="40000"/>
-      </a:schemeClr>
-    </dgm:fillClrLst>
-    <dgm:linClrLst meth="repeat">
-      <a:schemeClr val="dk1"/>
-    </dgm:linClrLst>
-    <dgm:effectClrLst/>
-    <dgm:txLinClrLst/>
-    <dgm:txFillClrLst meth="repeat">
-      <a:schemeClr val="dk1"/>
-    </dgm:txFillClrLst>
-    <dgm:txEffectClrLst/>
-  </dgm:styleLbl>
-  <dgm:styleLbl name="dkBgShp">
-    <dgm:fillClrLst meth="repeat">
-      <a:schemeClr val="accent2">
-        <a:shade val="90000"/>
-      </a:schemeClr>
-    </dgm:fillClrLst>
-    <dgm:linClrLst meth="repeat">
-      <a:schemeClr val="dk1"/>
-    </dgm:linClrLst>
-    <dgm:effectClrLst/>
-    <dgm:txLinClrLst/>
-    <dgm:txFillClrLst meth="repeat">
-      <a:schemeClr val="lt1"/>
-    </dgm:txFillClrLst>
-    <dgm:txEffectClrLst/>
-  </dgm:styleLbl>
-  <dgm:styleLbl name="trBgShp">
-    <dgm:fillClrLst meth="repeat">
-      <a:schemeClr val="accent1">
-        <a:tint val="50000"/>
-        <a:alpha val="40000"/>
-      </a:schemeClr>
-    </dgm:fillClrLst>
-    <dgm:linClrLst meth="repeat">
-      <a:schemeClr val="accent2"/>
-    </dgm:linClrLst>
-    <dgm:effectClrLst/>
-    <dgm:txLinClrLst/>
-    <dgm:txFillClrLst meth="repeat">
-      <a:schemeClr val="lt1"/>
-    </dgm:txFillClrLst>
-    <dgm:txEffectClrLst/>
-  </dgm:styleLbl>
-  <dgm:styleLbl name="fgShp">
-    <dgm:fillClrLst meth="repeat">
-      <a:schemeClr val="accent2">
-        <a:tint val="40000"/>
-      </a:schemeClr>
-    </dgm:fillClrLst>
-    <dgm:linClrLst meth="repeat">
-      <a:schemeClr val="lt1"/>
-    </dgm:linClrLst>
-    <dgm:effectClrLst/>
-    <dgm:txLinClrLst/>
-    <dgm:txFillClrLst meth="repeat">
-      <a:schemeClr val="dk1"/>
-    </dgm:txFillClrLst>
-    <dgm:txEffectClrLst/>
-  </dgm:styleLbl>
-  <dgm:styleLbl name="revTx">
-    <dgm:fillClrLst meth="repeat">
-      <a:schemeClr val="lt1">
-        <a:alpha val="0"/>
-      </a:schemeClr>
-    </dgm:fillClrLst>
-    <dgm:linClrLst meth="repeat">
-      <a:schemeClr val="dk1">
-        <a:alpha val="0"/>
-      </a:schemeClr>
-    </dgm:linClrLst>
-    <dgm:effectClrLst/>
-    <dgm:txLinClrLst/>
-    <dgm:txFillClrLst meth="repeat">
-      <a:schemeClr val="tx1"/>
-    </dgm:txFillClrLst>
-    <dgm:txEffectClrLst/>
-  </dgm:styleLbl>
-</dgm:colorsDef>
-</file>
-
-<file path=ppt/diagrams/colors4.xml><?xml version="1.0" encoding="utf-8"?>
 <dgm:colorsDef xmlns:dgm="http://schemas.openxmlformats.org/drawingml/2006/diagram" xmlns:a="http://schemas.openxmlformats.org/drawingml/2006/main" uniqueId="urn:microsoft.com/office/officeart/2005/8/colors/accent2_2">
   <dgm:title val=""/>
   <dgm:desc val=""/>
@@ -5808,305 +5644,6 @@
 </file>
 
 <file path=ppt/diagrams/data3.xml><?xml version="1.0" encoding="utf-8"?>
-<dgm:dataModel xmlns:dgm="http://schemas.openxmlformats.org/drawingml/2006/diagram" xmlns:a="http://schemas.openxmlformats.org/drawingml/2006/main">
-  <dgm:ptLst>
-    <dgm:pt modelId="{187AFBBA-17DC-4F65-8E93-37CCEDC8CA67}" type="doc">
-      <dgm:prSet loTypeId="urn:microsoft.com/office/officeart/2016/7/layout/BasicLinearProcessNumbered" loCatId="process" qsTypeId="urn:microsoft.com/office/officeart/2005/8/quickstyle/simple1" qsCatId="simple" csTypeId="urn:microsoft.com/office/officeart/2005/8/colors/colorful1" csCatId="colorful"/>
-      <dgm:spPr/>
-      <dgm:t>
-        <a:bodyPr/>
-        <a:lstStyle/>
-        <a:p>
-          <a:endParaRPr lang="en-US"/>
-        </a:p>
-      </dgm:t>
-    </dgm:pt>
-    <dgm:pt modelId="{F578BA81-3DF0-4819-A874-5B04E84895BC}">
-      <dgm:prSet/>
-      <dgm:spPr/>
-      <dgm:t>
-        <a:bodyPr/>
-        <a:lstStyle/>
-        <a:p>
-          <a:r>
-            <a:rPr lang="es-ES"/>
-            <a:t>Implementación de programas de apoyo dirigido a estudiantes de grupos étnicos con menor rendimiento. </a:t>
-          </a:r>
-          <a:endParaRPr lang="en-US"/>
-        </a:p>
-      </dgm:t>
-    </dgm:pt>
-    <dgm:pt modelId="{0451ABE2-CFD9-4B61-8017-AF19DFCDDF0E}" type="parTrans" cxnId="{6D042B1D-8587-4E5E-8004-6CA8A3700DF2}">
-      <dgm:prSet/>
-      <dgm:spPr/>
-      <dgm:t>
-        <a:bodyPr/>
-        <a:lstStyle/>
-        <a:p>
-          <a:endParaRPr lang="en-US"/>
-        </a:p>
-      </dgm:t>
-    </dgm:pt>
-    <dgm:pt modelId="{172BC20D-1878-4907-86DE-5477A298F086}" type="sibTrans" cxnId="{6D042B1D-8587-4E5E-8004-6CA8A3700DF2}">
-      <dgm:prSet phldrT="1" phldr="0"/>
-      <dgm:spPr/>
-      <dgm:t>
-        <a:bodyPr/>
-        <a:lstStyle/>
-        <a:p>
-          <a:r>
-            <a:rPr lang="en-US"/>
-            <a:t>1</a:t>
-          </a:r>
-        </a:p>
-      </dgm:t>
-    </dgm:pt>
-    <dgm:pt modelId="{01869BF8-1F7A-48BD-998C-B14FFA457E62}">
-      <dgm:prSet/>
-      <dgm:spPr/>
-      <dgm:t>
-        <a:bodyPr/>
-        <a:lstStyle/>
-        <a:p>
-          <a:r>
-            <a:rPr lang="es-ES"/>
-            <a:t>Proveer recursos adicionales accesibles a todos los estudiantes para la preparación de los exámenes.</a:t>
-          </a:r>
-          <a:endParaRPr lang="en-US"/>
-        </a:p>
-      </dgm:t>
-    </dgm:pt>
-    <dgm:pt modelId="{8AFC21B9-4675-4229-A8FA-DABEC4E881F7}" type="parTrans" cxnId="{27B5EC30-F879-42E9-9836-5A18025F9556}">
-      <dgm:prSet/>
-      <dgm:spPr/>
-      <dgm:t>
-        <a:bodyPr/>
-        <a:lstStyle/>
-        <a:p>
-          <a:endParaRPr lang="en-US"/>
-        </a:p>
-      </dgm:t>
-    </dgm:pt>
-    <dgm:pt modelId="{E31D04A1-3F3A-48D0-8CF1-DE29616E3ACC}" type="sibTrans" cxnId="{27B5EC30-F879-42E9-9836-5A18025F9556}">
-      <dgm:prSet phldrT="2" phldr="0"/>
-      <dgm:spPr/>
-      <dgm:t>
-        <a:bodyPr/>
-        <a:lstStyle/>
-        <a:p>
-          <a:r>
-            <a:rPr lang="en-US"/>
-            <a:t>2</a:t>
-          </a:r>
-        </a:p>
-      </dgm:t>
-    </dgm:pt>
-    <dgm:pt modelId="{B77930F0-8CE9-4E0D-A04F-AD0C8DF910A6}">
-      <dgm:prSet/>
-      <dgm:spPr/>
-      <dgm:t>
-        <a:bodyPr/>
-        <a:lstStyle/>
-        <a:p>
-          <a:r>
-            <a:rPr lang="es-ES"/>
-            <a:t>Involucrar a los padres en el proceso educativo a través de talleres y recursos educativos.</a:t>
-          </a:r>
-          <a:endParaRPr lang="en-US"/>
-        </a:p>
-      </dgm:t>
-    </dgm:pt>
-    <dgm:pt modelId="{0E339D69-186D-437E-8599-EE7B11B6B49C}" type="parTrans" cxnId="{E5E7D20B-311D-4B1B-AEF3-C8C2358E0491}">
-      <dgm:prSet/>
-      <dgm:spPr/>
-      <dgm:t>
-        <a:bodyPr/>
-        <a:lstStyle/>
-        <a:p>
-          <a:endParaRPr lang="en-US"/>
-        </a:p>
-      </dgm:t>
-    </dgm:pt>
-    <dgm:pt modelId="{E9B8C5A5-40BF-4AA1-B8C7-B2061F491C19}" type="sibTrans" cxnId="{E5E7D20B-311D-4B1B-AEF3-C8C2358E0491}">
-      <dgm:prSet phldrT="3" phldr="0"/>
-      <dgm:spPr/>
-      <dgm:t>
-        <a:bodyPr/>
-        <a:lstStyle/>
-        <a:p>
-          <a:r>
-            <a:rPr lang="en-US"/>
-            <a:t>3</a:t>
-          </a:r>
-        </a:p>
-      </dgm:t>
-    </dgm:pt>
-    <dgm:pt modelId="{3E1A0233-6CD4-40F8-BFD7-1A170390355C}" type="pres">
-      <dgm:prSet presAssocID="{187AFBBA-17DC-4F65-8E93-37CCEDC8CA67}" presName="Name0" presStyleCnt="0">
-        <dgm:presLayoutVars>
-          <dgm:animLvl val="lvl"/>
-          <dgm:resizeHandles val="exact"/>
-        </dgm:presLayoutVars>
-      </dgm:prSet>
-      <dgm:spPr/>
-    </dgm:pt>
-    <dgm:pt modelId="{E0630F67-3373-4929-A983-9C16072898A0}" type="pres">
-      <dgm:prSet presAssocID="{F578BA81-3DF0-4819-A874-5B04E84895BC}" presName="compositeNode" presStyleCnt="0">
-        <dgm:presLayoutVars>
-          <dgm:bulletEnabled val="1"/>
-        </dgm:presLayoutVars>
-      </dgm:prSet>
-      <dgm:spPr/>
-    </dgm:pt>
-    <dgm:pt modelId="{6A993717-1B1A-4B49-B0E0-ABD8B2432989}" type="pres">
-      <dgm:prSet presAssocID="{F578BA81-3DF0-4819-A874-5B04E84895BC}" presName="bgRect" presStyleLbl="bgAccFollowNode1" presStyleIdx="0" presStyleCnt="3"/>
-      <dgm:spPr/>
-    </dgm:pt>
-    <dgm:pt modelId="{6D3E4B3F-B3A0-4809-8E3D-0ED503C36131}" type="pres">
-      <dgm:prSet presAssocID="{172BC20D-1878-4907-86DE-5477A298F086}" presName="sibTransNodeCircle" presStyleLbl="alignNode1" presStyleIdx="0" presStyleCnt="6">
-        <dgm:presLayoutVars>
-          <dgm:chMax val="0"/>
-          <dgm:bulletEnabled/>
-        </dgm:presLayoutVars>
-      </dgm:prSet>
-      <dgm:spPr/>
-    </dgm:pt>
-    <dgm:pt modelId="{AD31B2C0-C10D-47DD-9A51-3389A4203732}" type="pres">
-      <dgm:prSet presAssocID="{F578BA81-3DF0-4819-A874-5B04E84895BC}" presName="bottomLine" presStyleLbl="alignNode1" presStyleIdx="1" presStyleCnt="6">
-        <dgm:presLayoutVars/>
-      </dgm:prSet>
-      <dgm:spPr/>
-    </dgm:pt>
-    <dgm:pt modelId="{AF489C77-A2C6-4D7A-B6EC-C2C00B4F3BE4}" type="pres">
-      <dgm:prSet presAssocID="{F578BA81-3DF0-4819-A874-5B04E84895BC}" presName="nodeText" presStyleLbl="bgAccFollowNode1" presStyleIdx="0" presStyleCnt="3">
-        <dgm:presLayoutVars>
-          <dgm:bulletEnabled val="1"/>
-        </dgm:presLayoutVars>
-      </dgm:prSet>
-      <dgm:spPr/>
-    </dgm:pt>
-    <dgm:pt modelId="{81FDBCD4-6E17-4D71-84D7-E46BA9DFC115}" type="pres">
-      <dgm:prSet presAssocID="{172BC20D-1878-4907-86DE-5477A298F086}" presName="sibTrans" presStyleCnt="0"/>
-      <dgm:spPr/>
-    </dgm:pt>
-    <dgm:pt modelId="{6DFE0A96-A03D-4002-B4D8-9B09C49B3AAD}" type="pres">
-      <dgm:prSet presAssocID="{01869BF8-1F7A-48BD-998C-B14FFA457E62}" presName="compositeNode" presStyleCnt="0">
-        <dgm:presLayoutVars>
-          <dgm:bulletEnabled val="1"/>
-        </dgm:presLayoutVars>
-      </dgm:prSet>
-      <dgm:spPr/>
-    </dgm:pt>
-    <dgm:pt modelId="{8355DC21-672B-4729-8C45-978DBBD3706B}" type="pres">
-      <dgm:prSet presAssocID="{01869BF8-1F7A-48BD-998C-B14FFA457E62}" presName="bgRect" presStyleLbl="bgAccFollowNode1" presStyleIdx="1" presStyleCnt="3"/>
-      <dgm:spPr/>
-    </dgm:pt>
-    <dgm:pt modelId="{B035461A-44B0-4D81-A25D-7C2FB5B10D16}" type="pres">
-      <dgm:prSet presAssocID="{E31D04A1-3F3A-48D0-8CF1-DE29616E3ACC}" presName="sibTransNodeCircle" presStyleLbl="alignNode1" presStyleIdx="2" presStyleCnt="6">
-        <dgm:presLayoutVars>
-          <dgm:chMax val="0"/>
-          <dgm:bulletEnabled/>
-        </dgm:presLayoutVars>
-      </dgm:prSet>
-      <dgm:spPr/>
-    </dgm:pt>
-    <dgm:pt modelId="{11DC0D9E-8C77-45FE-9605-3AE84D114442}" type="pres">
-      <dgm:prSet presAssocID="{01869BF8-1F7A-48BD-998C-B14FFA457E62}" presName="bottomLine" presStyleLbl="alignNode1" presStyleIdx="3" presStyleCnt="6">
-        <dgm:presLayoutVars/>
-      </dgm:prSet>
-      <dgm:spPr/>
-    </dgm:pt>
-    <dgm:pt modelId="{6283D6C3-85A6-4F22-A604-4B2308BA31A0}" type="pres">
-      <dgm:prSet presAssocID="{01869BF8-1F7A-48BD-998C-B14FFA457E62}" presName="nodeText" presStyleLbl="bgAccFollowNode1" presStyleIdx="1" presStyleCnt="3">
-        <dgm:presLayoutVars>
-          <dgm:bulletEnabled val="1"/>
-        </dgm:presLayoutVars>
-      </dgm:prSet>
-      <dgm:spPr/>
-    </dgm:pt>
-    <dgm:pt modelId="{FD0C9E13-75B2-424C-BE0B-38F95328FEF2}" type="pres">
-      <dgm:prSet presAssocID="{E31D04A1-3F3A-48D0-8CF1-DE29616E3ACC}" presName="sibTrans" presStyleCnt="0"/>
-      <dgm:spPr/>
-    </dgm:pt>
-    <dgm:pt modelId="{9B43E5E0-DFCB-454F-AC68-2AFE59C83679}" type="pres">
-      <dgm:prSet presAssocID="{B77930F0-8CE9-4E0D-A04F-AD0C8DF910A6}" presName="compositeNode" presStyleCnt="0">
-        <dgm:presLayoutVars>
-          <dgm:bulletEnabled val="1"/>
-        </dgm:presLayoutVars>
-      </dgm:prSet>
-      <dgm:spPr/>
-    </dgm:pt>
-    <dgm:pt modelId="{62218E48-475F-4FA3-BDFB-5D12ADFCB10D}" type="pres">
-      <dgm:prSet presAssocID="{B77930F0-8CE9-4E0D-A04F-AD0C8DF910A6}" presName="bgRect" presStyleLbl="bgAccFollowNode1" presStyleIdx="2" presStyleCnt="3"/>
-      <dgm:spPr/>
-    </dgm:pt>
-    <dgm:pt modelId="{DC12C033-F3F6-493D-AA56-4A573B3AE626}" type="pres">
-      <dgm:prSet presAssocID="{E9B8C5A5-40BF-4AA1-B8C7-B2061F491C19}" presName="sibTransNodeCircle" presStyleLbl="alignNode1" presStyleIdx="4" presStyleCnt="6">
-        <dgm:presLayoutVars>
-          <dgm:chMax val="0"/>
-          <dgm:bulletEnabled/>
-        </dgm:presLayoutVars>
-      </dgm:prSet>
-      <dgm:spPr/>
-    </dgm:pt>
-    <dgm:pt modelId="{62E6F522-984A-4F29-A696-B32F76F6CF77}" type="pres">
-      <dgm:prSet presAssocID="{B77930F0-8CE9-4E0D-A04F-AD0C8DF910A6}" presName="bottomLine" presStyleLbl="alignNode1" presStyleIdx="5" presStyleCnt="6">
-        <dgm:presLayoutVars/>
-      </dgm:prSet>
-      <dgm:spPr/>
-    </dgm:pt>
-    <dgm:pt modelId="{D3B507B7-ED14-45C9-BA89-901758759F31}" type="pres">
-      <dgm:prSet presAssocID="{B77930F0-8CE9-4E0D-A04F-AD0C8DF910A6}" presName="nodeText" presStyleLbl="bgAccFollowNode1" presStyleIdx="2" presStyleCnt="3">
-        <dgm:presLayoutVars>
-          <dgm:bulletEnabled val="1"/>
-        </dgm:presLayoutVars>
-      </dgm:prSet>
-      <dgm:spPr/>
-    </dgm:pt>
-  </dgm:ptLst>
-  <dgm:cxnLst>
-    <dgm:cxn modelId="{3A155007-78C2-4688-BCE0-2C595AE00E44}" type="presOf" srcId="{B77930F0-8CE9-4E0D-A04F-AD0C8DF910A6}" destId="{D3B507B7-ED14-45C9-BA89-901758759F31}" srcOrd="1" destOrd="0" presId="urn:microsoft.com/office/officeart/2016/7/layout/BasicLinearProcessNumbered"/>
-    <dgm:cxn modelId="{E5E7D20B-311D-4B1B-AEF3-C8C2358E0491}" srcId="{187AFBBA-17DC-4F65-8E93-37CCEDC8CA67}" destId="{B77930F0-8CE9-4E0D-A04F-AD0C8DF910A6}" srcOrd="2" destOrd="0" parTransId="{0E339D69-186D-437E-8599-EE7B11B6B49C}" sibTransId="{E9B8C5A5-40BF-4AA1-B8C7-B2061F491C19}"/>
-    <dgm:cxn modelId="{6D042B1D-8587-4E5E-8004-6CA8A3700DF2}" srcId="{187AFBBA-17DC-4F65-8E93-37CCEDC8CA67}" destId="{F578BA81-3DF0-4819-A874-5B04E84895BC}" srcOrd="0" destOrd="0" parTransId="{0451ABE2-CFD9-4B61-8017-AF19DFCDDF0E}" sibTransId="{172BC20D-1878-4907-86DE-5477A298F086}"/>
-    <dgm:cxn modelId="{27B5EC30-F879-42E9-9836-5A18025F9556}" srcId="{187AFBBA-17DC-4F65-8E93-37CCEDC8CA67}" destId="{01869BF8-1F7A-48BD-998C-B14FFA457E62}" srcOrd="1" destOrd="0" parTransId="{8AFC21B9-4675-4229-A8FA-DABEC4E881F7}" sibTransId="{E31D04A1-3F3A-48D0-8CF1-DE29616E3ACC}"/>
-    <dgm:cxn modelId="{C9322639-5EDE-4C2D-910D-1929FCE05C93}" type="presOf" srcId="{187AFBBA-17DC-4F65-8E93-37CCEDC8CA67}" destId="{3E1A0233-6CD4-40F8-BFD7-1A170390355C}" srcOrd="0" destOrd="0" presId="urn:microsoft.com/office/officeart/2016/7/layout/BasicLinearProcessNumbered"/>
-    <dgm:cxn modelId="{F8AECE5D-CD5C-4ADC-8C63-864978117A66}" type="presOf" srcId="{01869BF8-1F7A-48BD-998C-B14FFA457E62}" destId="{8355DC21-672B-4729-8C45-978DBBD3706B}" srcOrd="0" destOrd="0" presId="urn:microsoft.com/office/officeart/2016/7/layout/BasicLinearProcessNumbered"/>
-    <dgm:cxn modelId="{4EE90A41-0A3D-44DF-8BF8-E7FB07F6851E}" type="presOf" srcId="{E9B8C5A5-40BF-4AA1-B8C7-B2061F491C19}" destId="{DC12C033-F3F6-493D-AA56-4A573B3AE626}" srcOrd="0" destOrd="0" presId="urn:microsoft.com/office/officeart/2016/7/layout/BasicLinearProcessNumbered"/>
-    <dgm:cxn modelId="{FEC18544-E2B8-4866-A128-B8D0BC80A4F1}" type="presOf" srcId="{172BC20D-1878-4907-86DE-5477A298F086}" destId="{6D3E4B3F-B3A0-4809-8E3D-0ED503C36131}" srcOrd="0" destOrd="0" presId="urn:microsoft.com/office/officeart/2016/7/layout/BasicLinearProcessNumbered"/>
-    <dgm:cxn modelId="{4D1D8671-D074-447A-841F-20FFA83510BA}" type="presOf" srcId="{F578BA81-3DF0-4819-A874-5B04E84895BC}" destId="{6A993717-1B1A-4B49-B0E0-ABD8B2432989}" srcOrd="0" destOrd="0" presId="urn:microsoft.com/office/officeart/2016/7/layout/BasicLinearProcessNumbered"/>
-    <dgm:cxn modelId="{3D9E529E-806C-46AF-8933-8613B7645908}" type="presOf" srcId="{01869BF8-1F7A-48BD-998C-B14FFA457E62}" destId="{6283D6C3-85A6-4F22-A604-4B2308BA31A0}" srcOrd="1" destOrd="0" presId="urn:microsoft.com/office/officeart/2016/7/layout/BasicLinearProcessNumbered"/>
-    <dgm:cxn modelId="{733400A6-A7CE-4924-BD8C-8EC25412095F}" type="presOf" srcId="{E31D04A1-3F3A-48D0-8CF1-DE29616E3ACC}" destId="{B035461A-44B0-4D81-A25D-7C2FB5B10D16}" srcOrd="0" destOrd="0" presId="urn:microsoft.com/office/officeart/2016/7/layout/BasicLinearProcessNumbered"/>
-    <dgm:cxn modelId="{6D5781BF-744A-4B11-81F7-FCC88CAE2B06}" type="presOf" srcId="{B77930F0-8CE9-4E0D-A04F-AD0C8DF910A6}" destId="{62218E48-475F-4FA3-BDFB-5D12ADFCB10D}" srcOrd="0" destOrd="0" presId="urn:microsoft.com/office/officeart/2016/7/layout/BasicLinearProcessNumbered"/>
-    <dgm:cxn modelId="{F56513DB-4D40-4A4E-8D82-96A19E4B5926}" type="presOf" srcId="{F578BA81-3DF0-4819-A874-5B04E84895BC}" destId="{AF489C77-A2C6-4D7A-B6EC-C2C00B4F3BE4}" srcOrd="1" destOrd="0" presId="urn:microsoft.com/office/officeart/2016/7/layout/BasicLinearProcessNumbered"/>
-    <dgm:cxn modelId="{071B4EE4-3E70-4CDC-8E17-D221CCC6964C}" type="presParOf" srcId="{3E1A0233-6CD4-40F8-BFD7-1A170390355C}" destId="{E0630F67-3373-4929-A983-9C16072898A0}" srcOrd="0" destOrd="0" presId="urn:microsoft.com/office/officeart/2016/7/layout/BasicLinearProcessNumbered"/>
-    <dgm:cxn modelId="{AC5E374A-40E6-48CD-B988-BA001D4B3B94}" type="presParOf" srcId="{E0630F67-3373-4929-A983-9C16072898A0}" destId="{6A993717-1B1A-4B49-B0E0-ABD8B2432989}" srcOrd="0" destOrd="0" presId="urn:microsoft.com/office/officeart/2016/7/layout/BasicLinearProcessNumbered"/>
-    <dgm:cxn modelId="{69224119-7007-4269-AE42-C0AB7F3D9CB6}" type="presParOf" srcId="{E0630F67-3373-4929-A983-9C16072898A0}" destId="{6D3E4B3F-B3A0-4809-8E3D-0ED503C36131}" srcOrd="1" destOrd="0" presId="urn:microsoft.com/office/officeart/2016/7/layout/BasicLinearProcessNumbered"/>
-    <dgm:cxn modelId="{F15ACC35-87E6-4BD2-A2D9-A205C05DF44C}" type="presParOf" srcId="{E0630F67-3373-4929-A983-9C16072898A0}" destId="{AD31B2C0-C10D-47DD-9A51-3389A4203732}" srcOrd="2" destOrd="0" presId="urn:microsoft.com/office/officeart/2016/7/layout/BasicLinearProcessNumbered"/>
-    <dgm:cxn modelId="{72A9C0FE-7D62-46DA-800A-FF7FB8200575}" type="presParOf" srcId="{E0630F67-3373-4929-A983-9C16072898A0}" destId="{AF489C77-A2C6-4D7A-B6EC-C2C00B4F3BE4}" srcOrd="3" destOrd="0" presId="urn:microsoft.com/office/officeart/2016/7/layout/BasicLinearProcessNumbered"/>
-    <dgm:cxn modelId="{55BE0AA8-F9A7-45CC-A272-2D2076191795}" type="presParOf" srcId="{3E1A0233-6CD4-40F8-BFD7-1A170390355C}" destId="{81FDBCD4-6E17-4D71-84D7-E46BA9DFC115}" srcOrd="1" destOrd="0" presId="urn:microsoft.com/office/officeart/2016/7/layout/BasicLinearProcessNumbered"/>
-    <dgm:cxn modelId="{0269A306-D56E-4849-9EDE-C90E006959C9}" type="presParOf" srcId="{3E1A0233-6CD4-40F8-BFD7-1A170390355C}" destId="{6DFE0A96-A03D-4002-B4D8-9B09C49B3AAD}" srcOrd="2" destOrd="0" presId="urn:microsoft.com/office/officeart/2016/7/layout/BasicLinearProcessNumbered"/>
-    <dgm:cxn modelId="{A642C34A-C5A0-45F8-8A6F-7FCCFAF0CE36}" type="presParOf" srcId="{6DFE0A96-A03D-4002-B4D8-9B09C49B3AAD}" destId="{8355DC21-672B-4729-8C45-978DBBD3706B}" srcOrd="0" destOrd="0" presId="urn:microsoft.com/office/officeart/2016/7/layout/BasicLinearProcessNumbered"/>
-    <dgm:cxn modelId="{6058347F-1CED-4725-A0F8-A19E0FF60DD0}" type="presParOf" srcId="{6DFE0A96-A03D-4002-B4D8-9B09C49B3AAD}" destId="{B035461A-44B0-4D81-A25D-7C2FB5B10D16}" srcOrd="1" destOrd="0" presId="urn:microsoft.com/office/officeart/2016/7/layout/BasicLinearProcessNumbered"/>
-    <dgm:cxn modelId="{CC6033F8-2BE4-43D9-BB8F-4236FCB52124}" type="presParOf" srcId="{6DFE0A96-A03D-4002-B4D8-9B09C49B3AAD}" destId="{11DC0D9E-8C77-45FE-9605-3AE84D114442}" srcOrd="2" destOrd="0" presId="urn:microsoft.com/office/officeart/2016/7/layout/BasicLinearProcessNumbered"/>
-    <dgm:cxn modelId="{7A088205-A193-46F0-BD8D-76F81072CB3C}" type="presParOf" srcId="{6DFE0A96-A03D-4002-B4D8-9B09C49B3AAD}" destId="{6283D6C3-85A6-4F22-A604-4B2308BA31A0}" srcOrd="3" destOrd="0" presId="urn:microsoft.com/office/officeart/2016/7/layout/BasicLinearProcessNumbered"/>
-    <dgm:cxn modelId="{0C4DEA2E-B6D1-4D77-8773-5D02235F250C}" type="presParOf" srcId="{3E1A0233-6CD4-40F8-BFD7-1A170390355C}" destId="{FD0C9E13-75B2-424C-BE0B-38F95328FEF2}" srcOrd="3" destOrd="0" presId="urn:microsoft.com/office/officeart/2016/7/layout/BasicLinearProcessNumbered"/>
-    <dgm:cxn modelId="{85E0279E-BC52-4776-922D-429A7014ED0B}" type="presParOf" srcId="{3E1A0233-6CD4-40F8-BFD7-1A170390355C}" destId="{9B43E5E0-DFCB-454F-AC68-2AFE59C83679}" srcOrd="4" destOrd="0" presId="urn:microsoft.com/office/officeart/2016/7/layout/BasicLinearProcessNumbered"/>
-    <dgm:cxn modelId="{90F3AC03-C205-4C37-B38E-DE67A52DE1D8}" type="presParOf" srcId="{9B43E5E0-DFCB-454F-AC68-2AFE59C83679}" destId="{62218E48-475F-4FA3-BDFB-5D12ADFCB10D}" srcOrd="0" destOrd="0" presId="urn:microsoft.com/office/officeart/2016/7/layout/BasicLinearProcessNumbered"/>
-    <dgm:cxn modelId="{BD25AD11-E44D-42DB-BD7C-D60BBEAF09D5}" type="presParOf" srcId="{9B43E5E0-DFCB-454F-AC68-2AFE59C83679}" destId="{DC12C033-F3F6-493D-AA56-4A573B3AE626}" srcOrd="1" destOrd="0" presId="urn:microsoft.com/office/officeart/2016/7/layout/BasicLinearProcessNumbered"/>
-    <dgm:cxn modelId="{3153FE40-1728-40F9-9AA4-9841F34C5B85}" type="presParOf" srcId="{9B43E5E0-DFCB-454F-AC68-2AFE59C83679}" destId="{62E6F522-984A-4F29-A696-B32F76F6CF77}" srcOrd="2" destOrd="0" presId="urn:microsoft.com/office/officeart/2016/7/layout/BasicLinearProcessNumbered"/>
-    <dgm:cxn modelId="{BDEE3330-1FFA-4645-B105-B796DBBD25EE}" type="presParOf" srcId="{9B43E5E0-DFCB-454F-AC68-2AFE59C83679}" destId="{D3B507B7-ED14-45C9-BA89-901758759F31}" srcOrd="3" destOrd="0" presId="urn:microsoft.com/office/officeart/2016/7/layout/BasicLinearProcessNumbered"/>
-  </dgm:cxnLst>
-  <dgm:bg/>
-  <dgm:whole/>
-  <dgm:extLst>
-    <a:ext uri="http://schemas.microsoft.com/office/drawing/2008/diagram">
-      <dsp:dataModelExt xmlns:dsp="http://schemas.microsoft.com/office/drawing/2008/diagram" relId="rId6" minVer="http://schemas.openxmlformats.org/drawingml/2006/diagram"/>
-    </a:ext>
-  </dgm:extLst>
-</dgm:dataModel>
-</file>
-
-<file path=ppt/diagrams/data4.xml><?xml version="1.0" encoding="utf-8"?>
 <dgm:dataModel xmlns:dgm="http://schemas.openxmlformats.org/drawingml/2006/diagram" xmlns:a="http://schemas.openxmlformats.org/drawingml/2006/main">
   <dgm:ptLst>
     <dgm:pt modelId="{FBBDA643-73AB-408D-9C59-1CC558DE0FBD}" type="doc">
@@ -9847,645 +9384,6 @@
       <dsp:cNvGrpSpPr/>
     </dsp:nvGrpSpPr>
     <dsp:grpSpPr/>
-    <dsp:sp modelId="{6A993717-1B1A-4B49-B0E0-ABD8B2432989}">
-      <dsp:nvSpPr>
-        <dsp:cNvPr id="0" name=""/>
-        <dsp:cNvSpPr/>
-      </dsp:nvSpPr>
-      <dsp:spPr>
-        <a:xfrm>
-          <a:off x="0" y="0"/>
-          <a:ext cx="3469183" cy="3779837"/>
-        </a:xfrm>
-        <a:prstGeom prst="rect">
-          <a:avLst/>
-        </a:prstGeom>
-        <a:solidFill>
-          <a:schemeClr val="accent2">
-            <a:tint val="40000"/>
-            <a:alpha val="90000"/>
-            <a:hueOff val="0"/>
-            <a:satOff val="0"/>
-            <a:lumOff val="0"/>
-            <a:alphaOff val="0"/>
-          </a:schemeClr>
-        </a:solidFill>
-        <a:ln w="12700" cap="flat" cmpd="sng" algn="ctr">
-          <a:solidFill>
-            <a:schemeClr val="accent2">
-              <a:tint val="40000"/>
-              <a:alpha val="90000"/>
-              <a:hueOff val="0"/>
-              <a:satOff val="0"/>
-              <a:lumOff val="0"/>
-              <a:alphaOff val="0"/>
-            </a:schemeClr>
-          </a:solidFill>
-          <a:prstDash val="solid"/>
-          <a:miter lim="800000"/>
-        </a:ln>
-        <a:effectLst/>
-      </dsp:spPr>
-      <dsp:style>
-        <a:lnRef idx="2">
-          <a:scrgbClr r="0" g="0" b="0"/>
-        </a:lnRef>
-        <a:fillRef idx="1">
-          <a:scrgbClr r="0" g="0" b="0"/>
-        </a:fillRef>
-        <a:effectRef idx="0">
-          <a:scrgbClr r="0" g="0" b="0"/>
-        </a:effectRef>
-        <a:fontRef idx="minor"/>
-      </dsp:style>
-      <dsp:txBody>
-        <a:bodyPr spcFirstLastPara="0" vert="horz" wrap="square" lIns="270471" tIns="330200" rIns="270471" bIns="330200" numCol="1" spcCol="1270" anchor="t" anchorCtr="0">
-          <a:noAutofit/>
-        </a:bodyPr>
-        <a:lstStyle/>
-        <a:p>
-          <a:pPr marL="0" lvl="0" indent="0" algn="l" defTabSz="977900">
-            <a:lnSpc>
-              <a:spcPct val="90000"/>
-            </a:lnSpc>
-            <a:spcBef>
-              <a:spcPct val="0"/>
-            </a:spcBef>
-            <a:spcAft>
-              <a:spcPct val="35000"/>
-            </a:spcAft>
-            <a:buNone/>
-          </a:pPr>
-          <a:r>
-            <a:rPr lang="es-ES" sz="2200" kern="1200"/>
-            <a:t>Implementación de programas de apoyo dirigido a estudiantes de grupos étnicos con menor rendimiento. </a:t>
-          </a:r>
-          <a:endParaRPr lang="en-US" sz="2200" kern="1200"/>
-        </a:p>
-      </dsp:txBody>
-      <dsp:txXfrm>
-        <a:off x="0" y="1436338"/>
-        <a:ext cx="3469183" cy="2267902"/>
-      </dsp:txXfrm>
-    </dsp:sp>
-    <dsp:sp modelId="{6D3E4B3F-B3A0-4809-8E3D-0ED503C36131}">
-      <dsp:nvSpPr>
-        <dsp:cNvPr id="0" name=""/>
-        <dsp:cNvSpPr/>
-      </dsp:nvSpPr>
-      <dsp:spPr>
-        <a:xfrm>
-          <a:off x="1167616" y="377983"/>
-          <a:ext cx="1133951" cy="1133951"/>
-        </a:xfrm>
-        <a:prstGeom prst="ellipse">
-          <a:avLst/>
-        </a:prstGeom>
-        <a:solidFill>
-          <a:schemeClr val="accent2">
-            <a:hueOff val="0"/>
-            <a:satOff val="0"/>
-            <a:lumOff val="0"/>
-            <a:alphaOff val="0"/>
-          </a:schemeClr>
-        </a:solidFill>
-        <a:ln w="12700" cap="flat" cmpd="sng" algn="ctr">
-          <a:solidFill>
-            <a:schemeClr val="accent2">
-              <a:hueOff val="0"/>
-              <a:satOff val="0"/>
-              <a:lumOff val="0"/>
-              <a:alphaOff val="0"/>
-            </a:schemeClr>
-          </a:solidFill>
-          <a:prstDash val="solid"/>
-          <a:miter lim="800000"/>
-        </a:ln>
-        <a:effectLst/>
-      </dsp:spPr>
-      <dsp:style>
-        <a:lnRef idx="2">
-          <a:scrgbClr r="0" g="0" b="0"/>
-        </a:lnRef>
-        <a:fillRef idx="1">
-          <a:scrgbClr r="0" g="0" b="0"/>
-        </a:fillRef>
-        <a:effectRef idx="0">
-          <a:scrgbClr r="0" g="0" b="0"/>
-        </a:effectRef>
-        <a:fontRef idx="minor">
-          <a:schemeClr val="lt1"/>
-        </a:fontRef>
-      </dsp:style>
-      <dsp:txBody>
-        <a:bodyPr spcFirstLastPara="0" vert="horz" wrap="square" lIns="88407" tIns="12700" rIns="88407" bIns="12700" numCol="1" spcCol="1270" anchor="ctr" anchorCtr="0">
-          <a:noAutofit/>
-        </a:bodyPr>
-        <a:lstStyle/>
-        <a:p>
-          <a:pPr marL="0" lvl="0" indent="0" algn="ctr" defTabSz="2133600">
-            <a:lnSpc>
-              <a:spcPct val="90000"/>
-            </a:lnSpc>
-            <a:spcBef>
-              <a:spcPct val="0"/>
-            </a:spcBef>
-            <a:spcAft>
-              <a:spcPct val="35000"/>
-            </a:spcAft>
-            <a:buNone/>
-          </a:pPr>
-          <a:r>
-            <a:rPr lang="en-US" sz="4800" kern="1200"/>
-            <a:t>1</a:t>
-          </a:r>
-        </a:p>
-      </dsp:txBody>
-      <dsp:txXfrm>
-        <a:off x="1333679" y="544046"/>
-        <a:ext cx="801825" cy="801825"/>
-      </dsp:txXfrm>
-    </dsp:sp>
-    <dsp:sp modelId="{AD31B2C0-C10D-47DD-9A51-3389A4203732}">
-      <dsp:nvSpPr>
-        <dsp:cNvPr id="0" name=""/>
-        <dsp:cNvSpPr/>
-      </dsp:nvSpPr>
-      <dsp:spPr>
-        <a:xfrm>
-          <a:off x="0" y="3779765"/>
-          <a:ext cx="3469183" cy="72"/>
-        </a:xfrm>
-        <a:prstGeom prst="rect">
-          <a:avLst/>
-        </a:prstGeom>
-        <a:solidFill>
-          <a:schemeClr val="accent3">
-            <a:hueOff val="0"/>
-            <a:satOff val="0"/>
-            <a:lumOff val="0"/>
-            <a:alphaOff val="0"/>
-          </a:schemeClr>
-        </a:solidFill>
-        <a:ln w="12700" cap="flat" cmpd="sng" algn="ctr">
-          <a:solidFill>
-            <a:schemeClr val="accent3">
-              <a:hueOff val="0"/>
-              <a:satOff val="0"/>
-              <a:lumOff val="0"/>
-              <a:alphaOff val="0"/>
-            </a:schemeClr>
-          </a:solidFill>
-          <a:prstDash val="solid"/>
-          <a:miter lim="800000"/>
-        </a:ln>
-        <a:effectLst/>
-      </dsp:spPr>
-      <dsp:style>
-        <a:lnRef idx="2">
-          <a:scrgbClr r="0" g="0" b="0"/>
-        </a:lnRef>
-        <a:fillRef idx="1">
-          <a:scrgbClr r="0" g="0" b="0"/>
-        </a:fillRef>
-        <a:effectRef idx="0">
-          <a:scrgbClr r="0" g="0" b="0"/>
-        </a:effectRef>
-        <a:fontRef idx="minor">
-          <a:schemeClr val="lt1"/>
-        </a:fontRef>
-      </dsp:style>
-    </dsp:sp>
-    <dsp:sp modelId="{8355DC21-672B-4729-8C45-978DBBD3706B}">
-      <dsp:nvSpPr>
-        <dsp:cNvPr id="0" name=""/>
-        <dsp:cNvSpPr/>
-      </dsp:nvSpPr>
-      <dsp:spPr>
-        <a:xfrm>
-          <a:off x="3816102" y="0"/>
-          <a:ext cx="3469183" cy="3779837"/>
-        </a:xfrm>
-        <a:prstGeom prst="rect">
-          <a:avLst/>
-        </a:prstGeom>
-        <a:solidFill>
-          <a:schemeClr val="accent3">
-            <a:tint val="40000"/>
-            <a:alpha val="90000"/>
-            <a:hueOff val="0"/>
-            <a:satOff val="0"/>
-            <a:lumOff val="0"/>
-            <a:alphaOff val="0"/>
-          </a:schemeClr>
-        </a:solidFill>
-        <a:ln w="12700" cap="flat" cmpd="sng" algn="ctr">
-          <a:solidFill>
-            <a:schemeClr val="accent3">
-              <a:tint val="40000"/>
-              <a:alpha val="90000"/>
-              <a:hueOff val="0"/>
-              <a:satOff val="0"/>
-              <a:lumOff val="0"/>
-              <a:alphaOff val="0"/>
-            </a:schemeClr>
-          </a:solidFill>
-          <a:prstDash val="solid"/>
-          <a:miter lim="800000"/>
-        </a:ln>
-        <a:effectLst/>
-      </dsp:spPr>
-      <dsp:style>
-        <a:lnRef idx="2">
-          <a:scrgbClr r="0" g="0" b="0"/>
-        </a:lnRef>
-        <a:fillRef idx="1">
-          <a:scrgbClr r="0" g="0" b="0"/>
-        </a:fillRef>
-        <a:effectRef idx="0">
-          <a:scrgbClr r="0" g="0" b="0"/>
-        </a:effectRef>
-        <a:fontRef idx="minor"/>
-      </dsp:style>
-      <dsp:txBody>
-        <a:bodyPr spcFirstLastPara="0" vert="horz" wrap="square" lIns="270471" tIns="330200" rIns="270471" bIns="330200" numCol="1" spcCol="1270" anchor="t" anchorCtr="0">
-          <a:noAutofit/>
-        </a:bodyPr>
-        <a:lstStyle/>
-        <a:p>
-          <a:pPr marL="0" lvl="0" indent="0" algn="l" defTabSz="977900">
-            <a:lnSpc>
-              <a:spcPct val="90000"/>
-            </a:lnSpc>
-            <a:spcBef>
-              <a:spcPct val="0"/>
-            </a:spcBef>
-            <a:spcAft>
-              <a:spcPct val="35000"/>
-            </a:spcAft>
-            <a:buNone/>
-          </a:pPr>
-          <a:r>
-            <a:rPr lang="es-ES" sz="2200" kern="1200"/>
-            <a:t>Proveer recursos adicionales accesibles a todos los estudiantes para la preparación de los exámenes.</a:t>
-          </a:r>
-          <a:endParaRPr lang="en-US" sz="2200" kern="1200"/>
-        </a:p>
-      </dsp:txBody>
-      <dsp:txXfrm>
-        <a:off x="3816102" y="1436338"/>
-        <a:ext cx="3469183" cy="2267902"/>
-      </dsp:txXfrm>
-    </dsp:sp>
-    <dsp:sp modelId="{B035461A-44B0-4D81-A25D-7C2FB5B10D16}">
-      <dsp:nvSpPr>
-        <dsp:cNvPr id="0" name=""/>
-        <dsp:cNvSpPr/>
-      </dsp:nvSpPr>
-      <dsp:spPr>
-        <a:xfrm>
-          <a:off x="4983718" y="377983"/>
-          <a:ext cx="1133951" cy="1133951"/>
-        </a:xfrm>
-        <a:prstGeom prst="ellipse">
-          <a:avLst/>
-        </a:prstGeom>
-        <a:solidFill>
-          <a:schemeClr val="accent4">
-            <a:hueOff val="0"/>
-            <a:satOff val="0"/>
-            <a:lumOff val="0"/>
-            <a:alphaOff val="0"/>
-          </a:schemeClr>
-        </a:solidFill>
-        <a:ln w="12700" cap="flat" cmpd="sng" algn="ctr">
-          <a:solidFill>
-            <a:schemeClr val="accent4">
-              <a:hueOff val="0"/>
-              <a:satOff val="0"/>
-              <a:lumOff val="0"/>
-              <a:alphaOff val="0"/>
-            </a:schemeClr>
-          </a:solidFill>
-          <a:prstDash val="solid"/>
-          <a:miter lim="800000"/>
-        </a:ln>
-        <a:effectLst/>
-      </dsp:spPr>
-      <dsp:style>
-        <a:lnRef idx="2">
-          <a:scrgbClr r="0" g="0" b="0"/>
-        </a:lnRef>
-        <a:fillRef idx="1">
-          <a:scrgbClr r="0" g="0" b="0"/>
-        </a:fillRef>
-        <a:effectRef idx="0">
-          <a:scrgbClr r="0" g="0" b="0"/>
-        </a:effectRef>
-        <a:fontRef idx="minor">
-          <a:schemeClr val="lt1"/>
-        </a:fontRef>
-      </dsp:style>
-      <dsp:txBody>
-        <a:bodyPr spcFirstLastPara="0" vert="horz" wrap="square" lIns="88407" tIns="12700" rIns="88407" bIns="12700" numCol="1" spcCol="1270" anchor="ctr" anchorCtr="0">
-          <a:noAutofit/>
-        </a:bodyPr>
-        <a:lstStyle/>
-        <a:p>
-          <a:pPr marL="0" lvl="0" indent="0" algn="ctr" defTabSz="2133600">
-            <a:lnSpc>
-              <a:spcPct val="90000"/>
-            </a:lnSpc>
-            <a:spcBef>
-              <a:spcPct val="0"/>
-            </a:spcBef>
-            <a:spcAft>
-              <a:spcPct val="35000"/>
-            </a:spcAft>
-            <a:buNone/>
-          </a:pPr>
-          <a:r>
-            <a:rPr lang="en-US" sz="4800" kern="1200"/>
-            <a:t>2</a:t>
-          </a:r>
-        </a:p>
-      </dsp:txBody>
-      <dsp:txXfrm>
-        <a:off x="5149781" y="544046"/>
-        <a:ext cx="801825" cy="801825"/>
-      </dsp:txXfrm>
-    </dsp:sp>
-    <dsp:sp modelId="{11DC0D9E-8C77-45FE-9605-3AE84D114442}">
-      <dsp:nvSpPr>
-        <dsp:cNvPr id="0" name=""/>
-        <dsp:cNvSpPr/>
-      </dsp:nvSpPr>
-      <dsp:spPr>
-        <a:xfrm>
-          <a:off x="3816102" y="3779765"/>
-          <a:ext cx="3469183" cy="72"/>
-        </a:xfrm>
-        <a:prstGeom prst="rect">
-          <a:avLst/>
-        </a:prstGeom>
-        <a:solidFill>
-          <a:schemeClr val="accent5">
-            <a:hueOff val="0"/>
-            <a:satOff val="0"/>
-            <a:lumOff val="0"/>
-            <a:alphaOff val="0"/>
-          </a:schemeClr>
-        </a:solidFill>
-        <a:ln w="12700" cap="flat" cmpd="sng" algn="ctr">
-          <a:solidFill>
-            <a:schemeClr val="accent5">
-              <a:hueOff val="0"/>
-              <a:satOff val="0"/>
-              <a:lumOff val="0"/>
-              <a:alphaOff val="0"/>
-            </a:schemeClr>
-          </a:solidFill>
-          <a:prstDash val="solid"/>
-          <a:miter lim="800000"/>
-        </a:ln>
-        <a:effectLst/>
-      </dsp:spPr>
-      <dsp:style>
-        <a:lnRef idx="2">
-          <a:scrgbClr r="0" g="0" b="0"/>
-        </a:lnRef>
-        <a:fillRef idx="1">
-          <a:scrgbClr r="0" g="0" b="0"/>
-        </a:fillRef>
-        <a:effectRef idx="0">
-          <a:scrgbClr r="0" g="0" b="0"/>
-        </a:effectRef>
-        <a:fontRef idx="minor">
-          <a:schemeClr val="lt1"/>
-        </a:fontRef>
-      </dsp:style>
-    </dsp:sp>
-    <dsp:sp modelId="{62218E48-475F-4FA3-BDFB-5D12ADFCB10D}">
-      <dsp:nvSpPr>
-        <dsp:cNvPr id="0" name=""/>
-        <dsp:cNvSpPr/>
-      </dsp:nvSpPr>
-      <dsp:spPr>
-        <a:xfrm>
-          <a:off x="7632204" y="0"/>
-          <a:ext cx="3469183" cy="3779837"/>
-        </a:xfrm>
-        <a:prstGeom prst="rect">
-          <a:avLst/>
-        </a:prstGeom>
-        <a:solidFill>
-          <a:schemeClr val="accent4">
-            <a:tint val="40000"/>
-            <a:alpha val="90000"/>
-            <a:hueOff val="0"/>
-            <a:satOff val="0"/>
-            <a:lumOff val="0"/>
-            <a:alphaOff val="0"/>
-          </a:schemeClr>
-        </a:solidFill>
-        <a:ln w="12700" cap="flat" cmpd="sng" algn="ctr">
-          <a:solidFill>
-            <a:schemeClr val="accent4">
-              <a:tint val="40000"/>
-              <a:alpha val="90000"/>
-              <a:hueOff val="0"/>
-              <a:satOff val="0"/>
-              <a:lumOff val="0"/>
-              <a:alphaOff val="0"/>
-            </a:schemeClr>
-          </a:solidFill>
-          <a:prstDash val="solid"/>
-          <a:miter lim="800000"/>
-        </a:ln>
-        <a:effectLst/>
-      </dsp:spPr>
-      <dsp:style>
-        <a:lnRef idx="2">
-          <a:scrgbClr r="0" g="0" b="0"/>
-        </a:lnRef>
-        <a:fillRef idx="1">
-          <a:scrgbClr r="0" g="0" b="0"/>
-        </a:fillRef>
-        <a:effectRef idx="0">
-          <a:scrgbClr r="0" g="0" b="0"/>
-        </a:effectRef>
-        <a:fontRef idx="minor"/>
-      </dsp:style>
-      <dsp:txBody>
-        <a:bodyPr spcFirstLastPara="0" vert="horz" wrap="square" lIns="270471" tIns="330200" rIns="270471" bIns="330200" numCol="1" spcCol="1270" anchor="t" anchorCtr="0">
-          <a:noAutofit/>
-        </a:bodyPr>
-        <a:lstStyle/>
-        <a:p>
-          <a:pPr marL="0" lvl="0" indent="0" algn="l" defTabSz="977900">
-            <a:lnSpc>
-              <a:spcPct val="90000"/>
-            </a:lnSpc>
-            <a:spcBef>
-              <a:spcPct val="0"/>
-            </a:spcBef>
-            <a:spcAft>
-              <a:spcPct val="35000"/>
-            </a:spcAft>
-            <a:buNone/>
-          </a:pPr>
-          <a:r>
-            <a:rPr lang="es-ES" sz="2200" kern="1200"/>
-            <a:t>Involucrar a los padres en el proceso educativo a través de talleres y recursos educativos.</a:t>
-          </a:r>
-          <a:endParaRPr lang="en-US" sz="2200" kern="1200"/>
-        </a:p>
-      </dsp:txBody>
-      <dsp:txXfrm>
-        <a:off x="7632204" y="1436338"/>
-        <a:ext cx="3469183" cy="2267902"/>
-      </dsp:txXfrm>
-    </dsp:sp>
-    <dsp:sp modelId="{DC12C033-F3F6-493D-AA56-4A573B3AE626}">
-      <dsp:nvSpPr>
-        <dsp:cNvPr id="0" name=""/>
-        <dsp:cNvSpPr/>
-      </dsp:nvSpPr>
-      <dsp:spPr>
-        <a:xfrm>
-          <a:off x="8799820" y="377983"/>
-          <a:ext cx="1133951" cy="1133951"/>
-        </a:xfrm>
-        <a:prstGeom prst="ellipse">
-          <a:avLst/>
-        </a:prstGeom>
-        <a:solidFill>
-          <a:schemeClr val="accent6">
-            <a:hueOff val="0"/>
-            <a:satOff val="0"/>
-            <a:lumOff val="0"/>
-            <a:alphaOff val="0"/>
-          </a:schemeClr>
-        </a:solidFill>
-        <a:ln w="12700" cap="flat" cmpd="sng" algn="ctr">
-          <a:solidFill>
-            <a:schemeClr val="accent6">
-              <a:hueOff val="0"/>
-              <a:satOff val="0"/>
-              <a:lumOff val="0"/>
-              <a:alphaOff val="0"/>
-            </a:schemeClr>
-          </a:solidFill>
-          <a:prstDash val="solid"/>
-          <a:miter lim="800000"/>
-        </a:ln>
-        <a:effectLst/>
-      </dsp:spPr>
-      <dsp:style>
-        <a:lnRef idx="2">
-          <a:scrgbClr r="0" g="0" b="0"/>
-        </a:lnRef>
-        <a:fillRef idx="1">
-          <a:scrgbClr r="0" g="0" b="0"/>
-        </a:fillRef>
-        <a:effectRef idx="0">
-          <a:scrgbClr r="0" g="0" b="0"/>
-        </a:effectRef>
-        <a:fontRef idx="minor">
-          <a:schemeClr val="lt1"/>
-        </a:fontRef>
-      </dsp:style>
-      <dsp:txBody>
-        <a:bodyPr spcFirstLastPara="0" vert="horz" wrap="square" lIns="88407" tIns="12700" rIns="88407" bIns="12700" numCol="1" spcCol="1270" anchor="ctr" anchorCtr="0">
-          <a:noAutofit/>
-        </a:bodyPr>
-        <a:lstStyle/>
-        <a:p>
-          <a:pPr marL="0" lvl="0" indent="0" algn="ctr" defTabSz="2133600">
-            <a:lnSpc>
-              <a:spcPct val="90000"/>
-            </a:lnSpc>
-            <a:spcBef>
-              <a:spcPct val="0"/>
-            </a:spcBef>
-            <a:spcAft>
-              <a:spcPct val="35000"/>
-            </a:spcAft>
-            <a:buNone/>
-          </a:pPr>
-          <a:r>
-            <a:rPr lang="en-US" sz="4800" kern="1200"/>
-            <a:t>3</a:t>
-          </a:r>
-        </a:p>
-      </dsp:txBody>
-      <dsp:txXfrm>
-        <a:off x="8965883" y="544046"/>
-        <a:ext cx="801825" cy="801825"/>
-      </dsp:txXfrm>
-    </dsp:sp>
-    <dsp:sp modelId="{62E6F522-984A-4F29-A696-B32F76F6CF77}">
-      <dsp:nvSpPr>
-        <dsp:cNvPr id="0" name=""/>
-        <dsp:cNvSpPr/>
-      </dsp:nvSpPr>
-      <dsp:spPr>
-        <a:xfrm>
-          <a:off x="7632204" y="3779765"/>
-          <a:ext cx="3469183" cy="72"/>
-        </a:xfrm>
-        <a:prstGeom prst="rect">
-          <a:avLst/>
-        </a:prstGeom>
-        <a:solidFill>
-          <a:schemeClr val="accent2">
-            <a:hueOff val="0"/>
-            <a:satOff val="0"/>
-            <a:lumOff val="0"/>
-            <a:alphaOff val="0"/>
-          </a:schemeClr>
-        </a:solidFill>
-        <a:ln w="12700" cap="flat" cmpd="sng" algn="ctr">
-          <a:solidFill>
-            <a:schemeClr val="accent2">
-              <a:hueOff val="0"/>
-              <a:satOff val="0"/>
-              <a:lumOff val="0"/>
-              <a:alphaOff val="0"/>
-            </a:schemeClr>
-          </a:solidFill>
-          <a:prstDash val="solid"/>
-          <a:miter lim="800000"/>
-        </a:ln>
-        <a:effectLst/>
-      </dsp:spPr>
-      <dsp:style>
-        <a:lnRef idx="2">
-          <a:scrgbClr r="0" g="0" b="0"/>
-        </a:lnRef>
-        <a:fillRef idx="1">
-          <a:scrgbClr r="0" g="0" b="0"/>
-        </a:fillRef>
-        <a:effectRef idx="0">
-          <a:scrgbClr r="0" g="0" b="0"/>
-        </a:effectRef>
-        <a:fontRef idx="minor">
-          <a:schemeClr val="lt1"/>
-        </a:fontRef>
-      </dsp:style>
-    </dsp:sp>
-  </dsp:spTree>
-</dsp:drawing>
-</file>
-
-<file path=ppt/diagrams/drawing4.xml><?xml version="1.0" encoding="utf-8"?>
-<dsp:drawing xmlns:dgm="http://schemas.openxmlformats.org/drawingml/2006/diagram" xmlns:dsp="http://schemas.microsoft.com/office/drawing/2008/diagram" xmlns:a="http://schemas.openxmlformats.org/drawingml/2006/main">
-  <dsp:spTree>
-    <dsp:nvGrpSpPr>
-      <dsp:cNvPr id="0" name=""/>
-      <dsp:cNvGrpSpPr/>
-    </dsp:nvGrpSpPr>
-    <dsp:grpSpPr/>
     <dsp:sp modelId="{B1396BFE-E115-411A-9BC8-CC9A2D32D724}">
       <dsp:nvSpPr>
         <dsp:cNvPr id="0" name=""/>
@@ -11477,283 +10375,6 @@
 </file>
 
 <file path=ppt/diagrams/layout3.xml><?xml version="1.0" encoding="utf-8"?>
-<dgm:layoutDef xmlns:dgm="http://schemas.openxmlformats.org/drawingml/2006/diagram" xmlns:a="http://schemas.openxmlformats.org/drawingml/2006/main" uniqueId="urn:microsoft.com/office/officeart/2016/7/layout/BasicLinearProcessNumbered">
-  <dgm:title val="Basic Linear Process Numbered"/>
-  <dgm:desc val="Used to show a progression; a timeline; sequential steps in a task, process, or workflow; or to emphasize movement or direction. Automatic numbers have been introduced to show the steps of the process which appears in a circle. Level 1 and Level 2 text appear in a rectangle."/>
-  <dgm:catLst>
-    <dgm:cat type="process" pri="500"/>
-  </dgm:catLst>
-  <dgm:sampData>
-    <dgm:dataModel>
-      <dgm:ptLst>
-        <dgm:pt modelId="0" type="doc"/>
-        <dgm:pt modelId="1">
-          <dgm:prSet phldr="1"/>
-        </dgm:pt>
-        <dgm:pt modelId="11">
-          <dgm:prSet phldr="1"/>
-        </dgm:pt>
-        <dgm:pt modelId="2">
-          <dgm:prSet phldr="1"/>
-        </dgm:pt>
-        <dgm:pt modelId="21">
-          <dgm:prSet phldr="1"/>
-        </dgm:pt>
-        <dgm:pt modelId="3">
-          <dgm:prSet phldr="1"/>
-        </dgm:pt>
-        <dgm:pt modelId="31">
-          <dgm:prSet phldr="1"/>
-        </dgm:pt>
-        <dgm:pt modelId="101" type="sibTrans" cxnId="4">
-          <dgm:prSet phldrT="1"/>
-          <dgm:t>
-            <a:bodyPr/>
-            <a:lstStyle/>
-            <a:p>
-              <a:r>
-                <a:t>1</a:t>
-              </a:r>
-            </a:p>
-          </dgm:t>
-        </dgm:pt>
-        <dgm:pt modelId="201" type="sibTrans" cxnId="5">
-          <dgm:prSet phldrT="2"/>
-          <dgm:t>
-            <a:bodyPr/>
-            <a:lstStyle/>
-            <a:p>
-              <a:r>
-                <a:t>2</a:t>
-              </a:r>
-            </a:p>
-          </dgm:t>
-        </dgm:pt>
-        <dgm:pt modelId="301" type="sibTrans" cxnId="6">
-          <dgm:prSet phldrT="3"/>
-          <dgm:t>
-            <a:bodyPr/>
-            <a:lstStyle/>
-            <a:p>
-              <a:r>
-                <a:t>3</a:t>
-              </a:r>
-            </a:p>
-          </dgm:t>
-        </dgm:pt>
-      </dgm:ptLst>
-      <dgm:cxnLst>
-        <dgm:cxn modelId="4" srcId="0" destId="1" srcOrd="0" destOrd="0" sibTransId="101"/>
-        <dgm:cxn modelId="5" srcId="0" destId="2" srcOrd="1" destOrd="0" sibTransId="201"/>
-        <dgm:cxn modelId="6" srcId="0" destId="3" srcOrd="2" destOrd="0" sibTransId="301"/>
-        <dgm:cxn modelId="13" srcId="1" destId="11" srcOrd="0" destOrd="0"/>
-        <dgm:cxn modelId="23" srcId="2" destId="21" srcOrd="0" destOrd="0"/>
-        <dgm:cxn modelId="33" srcId="3" destId="31" srcOrd="0" destOrd="0"/>
-      </dgm:cxnLst>
-      <dgm:bg/>
-      <dgm:whole/>
-    </dgm:dataModel>
-  </dgm:sampData>
-  <dgm:styleData>
-    <dgm:dataModel>
-      <dgm:ptLst>
-        <dgm:pt modelId="0" type="doc"/>
-        <dgm:pt modelId="1"/>
-        <dgm:pt modelId="11"/>
-        <dgm:pt modelId="2"/>
-        <dgm:pt modelId="21"/>
-      </dgm:ptLst>
-      <dgm:cxnLst>
-        <dgm:cxn modelId="4" srcId="0" destId="1" srcOrd="0" destOrd="0"/>
-        <dgm:cxn modelId="5" srcId="0" destId="2" srcOrd="1" destOrd="0"/>
-        <dgm:cxn modelId="13" srcId="1" destId="11" srcOrd="0" destOrd="0"/>
-        <dgm:cxn modelId="23" srcId="2" destId="21" srcOrd="0" destOrd="0"/>
-      </dgm:cxnLst>
-      <dgm:bg/>
-      <dgm:whole/>
-    </dgm:dataModel>
-  </dgm:styleData>
-  <dgm:clrData>
-    <dgm:dataModel>
-      <dgm:ptLst>
-        <dgm:pt modelId="0" type="doc"/>
-        <dgm:pt modelId="1"/>
-        <dgm:pt modelId="11"/>
-        <dgm:pt modelId="2"/>
-        <dgm:pt modelId="21"/>
-        <dgm:pt modelId="3"/>
-        <dgm:pt modelId="31"/>
-        <dgm:pt modelId="4"/>
-        <dgm:pt modelId="41"/>
-      </dgm:ptLst>
-      <dgm:cxnLst>
-        <dgm:cxn modelId="5" srcId="0" destId="1" srcOrd="0" destOrd="0"/>
-        <dgm:cxn modelId="6" srcId="0" destId="2" srcOrd="1" destOrd="0"/>
-        <dgm:cxn modelId="7" srcId="0" destId="3" srcOrd="2" destOrd="0"/>
-        <dgm:cxn modelId="8" srcId="0" destId="4" srcOrd="3" destOrd="0"/>
-        <dgm:cxn modelId="13" srcId="1" destId="11" srcOrd="0" destOrd="0"/>
-        <dgm:cxn modelId="23" srcId="2" destId="21" srcOrd="0" destOrd="0"/>
-        <dgm:cxn modelId="33" srcId="3" destId="31" srcOrd="0" destOrd="0"/>
-        <dgm:cxn modelId="43" srcId="4" destId="41" srcOrd="0" destOrd="0"/>
-      </dgm:cxnLst>
-      <dgm:bg/>
-      <dgm:whole/>
-    </dgm:dataModel>
-  </dgm:clrData>
-  <dgm:layoutNode name="Name0">
-    <dgm:varLst>
-      <dgm:animLvl val="lvl"/>
-      <dgm:resizeHandles val="exact"/>
-    </dgm:varLst>
-    <dgm:alg type="lin">
-      <dgm:param type="linDir" val="fromL"/>
-      <dgm:param type="nodeVertAlign" val="t"/>
-    </dgm:alg>
-    <dgm:shape xmlns:r="http://schemas.openxmlformats.org/officeDocument/2006/relationships" r:blip="">
-      <dgm:adjLst/>
-    </dgm:shape>
-    <dgm:presOf/>
-    <dgm:constrLst>
-      <dgm:constr type="h" for="ch" forName="compositeNode" refType="h"/>
-      <dgm:constr type="w" for="ch" forName="compositeNode" refType="w"/>
-      <dgm:constr type="w" for="des" forName="simulatedConn" refType="w" refFor="ch" refForName="compositeNode" fact="0.15"/>
-      <dgm:constr type="h" for="des" forName="simulatedConn" refType="w" refFor="des" refForName="simulatedConn"/>
-      <dgm:constr type="h" for="des" forName="vSp1" refType="w" refFor="ch" refForName="compositeNode" fact="0.8"/>
-      <dgm:constr type="h" for="des" forName="vSp2" refType="w" refFor="ch" refForName="compositeNode" fact="0.07"/>
-      <dgm:constr type="w" for="ch" forName="vProcSp" refType="w" refFor="des" refForName="simulatedConn" op="equ"/>
-      <dgm:constr type="h" for="ch" forName="vProcSp" refType="h" refFor="ch" refForName="compositeNode" op="equ"/>
-      <dgm:constr type="w" for="ch" forName="sibTrans" refType="w" refFor="ch" refForName="compositeNode" fact="0.1"/>
-      <dgm:constr type="primFontSz" for="des" forName="sibTransNodeCircle" op="equ"/>
-      <dgm:constr type="primFontSz" for="des" forName="nodeText" op="equ"/>
-      <dgm:constr type="h" for="des" forName="sibTransNodeCircle" op="equ"/>
-      <dgm:constr type="w" for="des" forName="sibTransNodeCircle" op="equ"/>
-    </dgm:constrLst>
-    <dgm:ruleLst>
-      <dgm:rule type="h" val="NaN" fact="1.2" max="NaN"/>
-    </dgm:ruleLst>
-    <dgm:forEach name="Name4" axis="ch" ptType="node">
-      <dgm:layoutNode name="compositeNode">
-        <dgm:varLst>
-          <dgm:bulletEnabled val="1"/>
-        </dgm:varLst>
-        <dgm:alg type="composite"/>
-        <dgm:constrLst>
-          <dgm:constr type="h" refType="w" op="lte" fact="1.4"/>
-          <dgm:constr type="w" for="ch" forName="bgRect" refType="w"/>
-          <dgm:constr type="h" for="ch" forName="bgRect" refType="h"/>
-          <dgm:constr type="t" for="ch" forName="bgRect"/>
-          <dgm:constr type="l" for="ch" forName="bgRect"/>
-          <dgm:constr type="h" for="ch" forName="sibTransNodeCircle" refType="h" refFor="ch" refForName="bgRect" fact="0.3"/>
-          <dgm:constr type="w" for="ch" forName="sibTransNodeCircle" refType="h" refFor="ch" refForName="sibTransNodeCircle"/>
-          <dgm:constr type="ctrX" for="ch" forName="sibTransNodeCircle" refType="w" fact="0.5"/>
-          <dgm:constr type="ctrY" for="ch" forName="sibTransNodeCircle" refType="h" fact="0.25"/>
-          <dgm:constr type="r" for="ch" forName="nodeText" refType="r" refFor="ch" refForName="bgRect"/>
-          <dgm:constr type="h" for="ch" forName="nodeText" refType="h" refFor="ch" refForName="bgRect" fact="0.6"/>
-          <dgm:constr type="t" for="ch" forName="nodeText" refType="h" refFor="ch" refForName="bgRect" fact="0.38"/>
-          <dgm:constr type="b" for="ch" forName="bottomLine" refType="b" refFor="ch" refForName="bgRect"/>
-          <dgm:constr type="w" for="ch" forName="bottomLine" refType="w" refFor="ch" refForName="bgRect"/>
-          <dgm:constr type="h" for="ch" forName="bottomLine" val="0.002"/>
-        </dgm:constrLst>
-        <dgm:ruleLst/>
-        <dgm:layoutNode name="bgRect" styleLbl="bgAccFollowNode1">
-          <dgm:alg type="sp"/>
-          <dgm:shape xmlns:r="http://schemas.openxmlformats.org/officeDocument/2006/relationships" type="rect" r:blip="">
-            <dgm:adjLst/>
-          </dgm:shape>
-          <dgm:presOf axis="self"/>
-          <dgm:constrLst/>
-          <dgm:ruleLst/>
-        </dgm:layoutNode>
-        <dgm:forEach name="Name19" axis="followSib" ptType="sibTrans" hideLastTrans="0" cnt="1">
-          <dgm:layoutNode name="sibTransNodeCircle" styleLbl="alignNode1">
-            <dgm:varLst>
-              <dgm:chMax val="0"/>
-              <dgm:bulletEnabled/>
-            </dgm:varLst>
-            <dgm:presOf axis="self" ptType="sibTrans"/>
-            <dgm:alg type="tx">
-              <dgm:param type="txAnchorVert" val="mid"/>
-              <dgm:param type="txAnchorHorzCh" val="ctr"/>
-            </dgm:alg>
-            <dgm:shape xmlns:r="http://schemas.openxmlformats.org/officeDocument/2006/relationships" type="ellipse" r:blip="">
-              <dgm:adjLst/>
-            </dgm:shape>
-            <dgm:constrLst>
-              <dgm:constr type="w" refType="h" op="lte"/>
-              <dgm:constr type="primFontSz" val="48"/>
-              <dgm:constr type="tMarg" val="1"/>
-              <dgm:constr type="lMarg" refType="w" fact="0.221"/>
-              <dgm:constr type="rMarg" refType="w" fact="0.221"/>
-              <dgm:constr type="bMarg" val="1"/>
-            </dgm:constrLst>
-            <dgm:ruleLst>
-              <dgm:rule type="primFontSz" val="14" fact="NaN" max="NaN"/>
-            </dgm:ruleLst>
-          </dgm:layoutNode>
-        </dgm:forEach>
-        <dgm:layoutNode name="bottomLine" styleLbl="alignNode1">
-          <dgm:varLst/>
-          <dgm:presOf/>
-          <dgm:alg type="sp"/>
-          <dgm:shape xmlns:r="http://schemas.openxmlformats.org/officeDocument/2006/relationships" type="rect" r:blip="">
-            <dgm:adjLst/>
-          </dgm:shape>
-          <dgm:constrLst/>
-          <dgm:ruleLst/>
-        </dgm:layoutNode>
-        <dgm:layoutNode name="nodeText" styleLbl="bgAccFollowNode1" moveWith="bgRect">
-          <dgm:varLst>
-            <dgm:bulletEnabled val="1"/>
-          </dgm:varLst>
-          <dgm:alg type="tx">
-            <dgm:param type="parTxLTRAlign" val="l"/>
-            <dgm:param type="parTxRTLAlign" val="r"/>
-            <dgm:param type="txAnchorVert" val="t"/>
-          </dgm:alg>
-          <dgm:shape xmlns:r="http://schemas.openxmlformats.org/officeDocument/2006/relationships" type="rect" r:blip="" zOrderOff="-1" hideGeom="1">
-            <dgm:adjLst/>
-          </dgm:shape>
-          <dgm:presOf axis="desOrSelf" ptType="node"/>
-          <dgm:constrLst>
-            <dgm:constr type="primFontSz" val="26"/>
-            <dgm:constr type="tMarg" val="26"/>
-            <dgm:constr type="lMarg" refType="w" fact="0.221"/>
-            <dgm:constr type="rMarg" refType="w" fact="0.221"/>
-            <dgm:constr type="bMarg" val="26"/>
-          </dgm:constrLst>
-          <dgm:ruleLst>
-            <dgm:rule type="primFontSz" val="11" fact="NaN" max="NaN"/>
-          </dgm:ruleLst>
-        </dgm:layoutNode>
-      </dgm:layoutNode>
-      <dgm:forEach name="Name14" axis="followSib" ptType="sibTrans" cnt="1">
-        <dgm:layoutNode name="sibTrans">
-          <dgm:alg type="sp"/>
-          <dgm:shape xmlns:r="http://schemas.openxmlformats.org/officeDocument/2006/relationships" r:blip="">
-            <dgm:adjLst/>
-          </dgm:shape>
-          <dgm:presOf/>
-          <dgm:constrLst/>
-          <dgm:ruleLst/>
-        </dgm:layoutNode>
-      </dgm:forEach>
-    </dgm:forEach>
-  </dgm:layoutNode>
-  <dgm:extLst>
-    <a:ext uri="{4F341089-5ED1-44EC-B178-C955D00A3D55}">
-      <dgm1611:autoBuNodeInfoLst xmlns:dgm1611="http://schemas.microsoft.com/office/drawing/2016/11/diagram">
-        <dgm1611:autoBuNodeInfo lvl="1" ptType="sibTrans">
-          <dgm1611:buPr prefix="" leadZeros="0">
-            <a:buAutoNum type="arabicParenBoth"/>
-          </dgm1611:buPr>
-        </dgm1611:autoBuNodeInfo>
-      </dgm1611:autoBuNodeInfoLst>
-    </a:ext>
-  </dgm:extLst>
-</dgm:layoutDef>
-</file>
-
-<file path=ppt/diagrams/layout4.xml><?xml version="1.0" encoding="utf-8"?>
 <dgm:layoutDef xmlns:dgm="http://schemas.openxmlformats.org/drawingml/2006/diagram" xmlns:a="http://schemas.openxmlformats.org/drawingml/2006/main" uniqueId="urn:microsoft.com/office/officeart/2005/8/layout/default">
   <dgm:title val=""/>
   <dgm:desc val=""/>
@@ -15002,1040 +13623,6 @@
 </dgm:styleDef>
 </file>
 
-<file path=ppt/diagrams/quickStyle4.xml><?xml version="1.0" encoding="utf-8"?>
-<dgm:styleDef xmlns:dgm="http://schemas.openxmlformats.org/drawingml/2006/diagram" xmlns:a="http://schemas.openxmlformats.org/drawingml/2006/main" uniqueId="urn:microsoft.com/office/officeart/2005/8/quickstyle/simple1">
-  <dgm:title val=""/>
-  <dgm:desc val=""/>
-  <dgm:catLst>
-    <dgm:cat type="simple" pri="10100"/>
-  </dgm:catLst>
-  <dgm:scene3d>
-    <a:camera prst="orthographicFront"/>
-    <a:lightRig rig="threePt" dir="t"/>
-  </dgm:scene3d>
-  <dgm:styleLbl name="node0">
-    <dgm:scene3d>
-      <a:camera prst="orthographicFront"/>
-      <a:lightRig rig="threePt" dir="t"/>
-    </dgm:scene3d>
-    <dgm:sp3d/>
-    <dgm:txPr/>
-    <dgm:style>
-      <a:lnRef idx="2">
-        <a:scrgbClr r="0" g="0" b="0"/>
-      </a:lnRef>
-      <a:fillRef idx="1">
-        <a:scrgbClr r="0" g="0" b="0"/>
-      </a:fillRef>
-      <a:effectRef idx="0">
-        <a:scrgbClr r="0" g="0" b="0"/>
-      </a:effectRef>
-      <a:fontRef idx="minor">
-        <a:schemeClr val="lt1"/>
-      </a:fontRef>
-    </dgm:style>
-  </dgm:styleLbl>
-  <dgm:styleLbl name="lnNode1">
-    <dgm:scene3d>
-      <a:camera prst="orthographicFront"/>
-      <a:lightRig rig="threePt" dir="t"/>
-    </dgm:scene3d>
-    <dgm:sp3d/>
-    <dgm:txPr/>
-    <dgm:style>
-      <a:lnRef idx="2">
-        <a:scrgbClr r="0" g="0" b="0"/>
-      </a:lnRef>
-      <a:fillRef idx="1">
-        <a:scrgbClr r="0" g="0" b="0"/>
-      </a:fillRef>
-      <a:effectRef idx="0">
-        <a:scrgbClr r="0" g="0" b="0"/>
-      </a:effectRef>
-      <a:fontRef idx="minor">
-        <a:schemeClr val="lt1"/>
-      </a:fontRef>
-    </dgm:style>
-  </dgm:styleLbl>
-  <dgm:styleLbl name="vennNode1">
-    <dgm:scene3d>
-      <a:camera prst="orthographicFront"/>
-      <a:lightRig rig="threePt" dir="t"/>
-    </dgm:scene3d>
-    <dgm:sp3d/>
-    <dgm:txPr/>
-    <dgm:style>
-      <a:lnRef idx="2">
-        <a:scrgbClr r="0" g="0" b="0"/>
-      </a:lnRef>
-      <a:fillRef idx="1">
-        <a:scrgbClr r="0" g="0" b="0"/>
-      </a:fillRef>
-      <a:effectRef idx="0">
-        <a:scrgbClr r="0" g="0" b="0"/>
-      </a:effectRef>
-      <a:fontRef idx="minor">
-        <a:schemeClr val="tx1"/>
-      </a:fontRef>
-    </dgm:style>
-  </dgm:styleLbl>
-  <dgm:styleLbl name="alignNode1">
-    <dgm:scene3d>
-      <a:camera prst="orthographicFront"/>
-      <a:lightRig rig="threePt" dir="t"/>
-    </dgm:scene3d>
-    <dgm:sp3d/>
-    <dgm:txPr/>
-    <dgm:style>
-      <a:lnRef idx="2">
-        <a:scrgbClr r="0" g="0" b="0"/>
-      </a:lnRef>
-      <a:fillRef idx="1">
-        <a:scrgbClr r="0" g="0" b="0"/>
-      </a:fillRef>
-      <a:effectRef idx="0">
-        <a:scrgbClr r="0" g="0" b="0"/>
-      </a:effectRef>
-      <a:fontRef idx="minor">
-        <a:schemeClr val="lt1"/>
-      </a:fontRef>
-    </dgm:style>
-  </dgm:styleLbl>
-  <dgm:styleLbl name="node1">
-    <dgm:scene3d>
-      <a:camera prst="orthographicFront"/>
-      <a:lightRig rig="threePt" dir="t"/>
-    </dgm:scene3d>
-    <dgm:sp3d/>
-    <dgm:txPr/>
-    <dgm:style>
-      <a:lnRef idx="2">
-        <a:scrgbClr r="0" g="0" b="0"/>
-      </a:lnRef>
-      <a:fillRef idx="1">
-        <a:scrgbClr r="0" g="0" b="0"/>
-      </a:fillRef>
-      <a:effectRef idx="0">
-        <a:scrgbClr r="0" g="0" b="0"/>
-      </a:effectRef>
-      <a:fontRef idx="minor">
-        <a:schemeClr val="lt1"/>
-      </a:fontRef>
-    </dgm:style>
-  </dgm:styleLbl>
-  <dgm:styleLbl name="node2">
-    <dgm:scene3d>
-      <a:camera prst="orthographicFront"/>
-      <a:lightRig rig="threePt" dir="t"/>
-    </dgm:scene3d>
-    <dgm:sp3d/>
-    <dgm:txPr/>
-    <dgm:style>
-      <a:lnRef idx="2">
-        <a:scrgbClr r="0" g="0" b="0"/>
-      </a:lnRef>
-      <a:fillRef idx="1">
-        <a:scrgbClr r="0" g="0" b="0"/>
-      </a:fillRef>
-      <a:effectRef idx="0">
-        <a:scrgbClr r="0" g="0" b="0"/>
-      </a:effectRef>
-      <a:fontRef idx="minor">
-        <a:schemeClr val="lt1"/>
-      </a:fontRef>
-    </dgm:style>
-  </dgm:styleLbl>
-  <dgm:styleLbl name="node3">
-    <dgm:scene3d>
-      <a:camera prst="orthographicFront"/>
-      <a:lightRig rig="threePt" dir="t"/>
-    </dgm:scene3d>
-    <dgm:sp3d/>
-    <dgm:txPr/>
-    <dgm:style>
-      <a:lnRef idx="2">
-        <a:scrgbClr r="0" g="0" b="0"/>
-      </a:lnRef>
-      <a:fillRef idx="1">
-        <a:scrgbClr r="0" g="0" b="0"/>
-      </a:fillRef>
-      <a:effectRef idx="0">
-        <a:scrgbClr r="0" g="0" b="0"/>
-      </a:effectRef>
-      <a:fontRef idx="minor">
-        <a:schemeClr val="lt1"/>
-      </a:fontRef>
-    </dgm:style>
-  </dgm:styleLbl>
-  <dgm:styleLbl name="node4">
-    <dgm:scene3d>
-      <a:camera prst="orthographicFront"/>
-      <a:lightRig rig="threePt" dir="t"/>
-    </dgm:scene3d>
-    <dgm:sp3d/>
-    <dgm:txPr/>
-    <dgm:style>
-      <a:lnRef idx="2">
-        <a:scrgbClr r="0" g="0" b="0"/>
-      </a:lnRef>
-      <a:fillRef idx="1">
-        <a:scrgbClr r="0" g="0" b="0"/>
-      </a:fillRef>
-      <a:effectRef idx="0">
-        <a:scrgbClr r="0" g="0" b="0"/>
-      </a:effectRef>
-      <a:fontRef idx="minor">
-        <a:schemeClr val="lt1"/>
-      </a:fontRef>
-    </dgm:style>
-  </dgm:styleLbl>
-  <dgm:styleLbl name="fgImgPlace1">
-    <dgm:scene3d>
-      <a:camera prst="orthographicFront"/>
-      <a:lightRig rig="threePt" dir="t"/>
-    </dgm:scene3d>
-    <dgm:sp3d/>
-    <dgm:txPr/>
-    <dgm:style>
-      <a:lnRef idx="2">
-        <a:scrgbClr r="0" g="0" b="0"/>
-      </a:lnRef>
-      <a:fillRef idx="1">
-        <a:scrgbClr r="0" g="0" b="0"/>
-      </a:fillRef>
-      <a:effectRef idx="0">
-        <a:scrgbClr r="0" g="0" b="0"/>
-      </a:effectRef>
-      <a:fontRef idx="minor"/>
-    </dgm:style>
-  </dgm:styleLbl>
-  <dgm:styleLbl name="alignImgPlace1">
-    <dgm:scene3d>
-      <a:camera prst="orthographicFront"/>
-      <a:lightRig rig="threePt" dir="t"/>
-    </dgm:scene3d>
-    <dgm:sp3d/>
-    <dgm:txPr/>
-    <dgm:style>
-      <a:lnRef idx="2">
-        <a:scrgbClr r="0" g="0" b="0"/>
-      </a:lnRef>
-      <a:fillRef idx="1">
-        <a:scrgbClr r="0" g="0" b="0"/>
-      </a:fillRef>
-      <a:effectRef idx="0">
-        <a:scrgbClr r="0" g="0" b="0"/>
-      </a:effectRef>
-      <a:fontRef idx="minor"/>
-    </dgm:style>
-  </dgm:styleLbl>
-  <dgm:styleLbl name="bgImgPlace1">
-    <dgm:scene3d>
-      <a:camera prst="orthographicFront"/>
-      <a:lightRig rig="threePt" dir="t"/>
-    </dgm:scene3d>
-    <dgm:sp3d/>
-    <dgm:txPr/>
-    <dgm:style>
-      <a:lnRef idx="2">
-        <a:scrgbClr r="0" g="0" b="0"/>
-      </a:lnRef>
-      <a:fillRef idx="1">
-        <a:scrgbClr r="0" g="0" b="0"/>
-      </a:fillRef>
-      <a:effectRef idx="0">
-        <a:scrgbClr r="0" g="0" b="0"/>
-      </a:effectRef>
-      <a:fontRef idx="minor"/>
-    </dgm:style>
-  </dgm:styleLbl>
-  <dgm:styleLbl name="sibTrans2D1">
-    <dgm:scene3d>
-      <a:camera prst="orthographicFront"/>
-      <a:lightRig rig="threePt" dir="t"/>
-    </dgm:scene3d>
-    <dgm:sp3d/>
-    <dgm:txPr/>
-    <dgm:style>
-      <a:lnRef idx="0">
-        <a:scrgbClr r="0" g="0" b="0"/>
-      </a:lnRef>
-      <a:fillRef idx="1">
-        <a:scrgbClr r="0" g="0" b="0"/>
-      </a:fillRef>
-      <a:effectRef idx="0">
-        <a:scrgbClr r="0" g="0" b="0"/>
-      </a:effectRef>
-      <a:fontRef idx="minor">
-        <a:schemeClr val="lt1"/>
-      </a:fontRef>
-    </dgm:style>
-  </dgm:styleLbl>
-  <dgm:styleLbl name="fgSibTrans2D1">
-    <dgm:scene3d>
-      <a:camera prst="orthographicFront"/>
-      <a:lightRig rig="threePt" dir="t"/>
-    </dgm:scene3d>
-    <dgm:sp3d/>
-    <dgm:txPr/>
-    <dgm:style>
-      <a:lnRef idx="0">
-        <a:scrgbClr r="0" g="0" b="0"/>
-      </a:lnRef>
-      <a:fillRef idx="1">
-        <a:scrgbClr r="0" g="0" b="0"/>
-      </a:fillRef>
-      <a:effectRef idx="0">
-        <a:scrgbClr r="0" g="0" b="0"/>
-      </a:effectRef>
-      <a:fontRef idx="minor">
-        <a:schemeClr val="lt1"/>
-      </a:fontRef>
-    </dgm:style>
-  </dgm:styleLbl>
-  <dgm:styleLbl name="bgSibTrans2D1">
-    <dgm:scene3d>
-      <a:camera prst="orthographicFront"/>
-      <a:lightRig rig="threePt" dir="t"/>
-    </dgm:scene3d>
-    <dgm:sp3d/>
-    <dgm:txPr/>
-    <dgm:style>
-      <a:lnRef idx="0">
-        <a:scrgbClr r="0" g="0" b="0"/>
-      </a:lnRef>
-      <a:fillRef idx="1">
-        <a:scrgbClr r="0" g="0" b="0"/>
-      </a:fillRef>
-      <a:effectRef idx="0">
-        <a:scrgbClr r="0" g="0" b="0"/>
-      </a:effectRef>
-      <a:fontRef idx="minor">
-        <a:schemeClr val="lt1"/>
-      </a:fontRef>
-    </dgm:style>
-  </dgm:styleLbl>
-  <dgm:styleLbl name="sibTrans1D1">
-    <dgm:scene3d>
-      <a:camera prst="orthographicFront"/>
-      <a:lightRig rig="threePt" dir="t"/>
-    </dgm:scene3d>
-    <dgm:sp3d/>
-    <dgm:txPr/>
-    <dgm:style>
-      <a:lnRef idx="1">
-        <a:scrgbClr r="0" g="0" b="0"/>
-      </a:lnRef>
-      <a:fillRef idx="0">
-        <a:scrgbClr r="0" g="0" b="0"/>
-      </a:fillRef>
-      <a:effectRef idx="0">
-        <a:scrgbClr r="0" g="0" b="0"/>
-      </a:effectRef>
-      <a:fontRef idx="minor"/>
-    </dgm:style>
-  </dgm:styleLbl>
-  <dgm:styleLbl name="callout">
-    <dgm:scene3d>
-      <a:camera prst="orthographicFront"/>
-      <a:lightRig rig="threePt" dir="t"/>
-    </dgm:scene3d>
-    <dgm:sp3d/>
-    <dgm:txPr/>
-    <dgm:style>
-      <a:lnRef idx="2">
-        <a:scrgbClr r="0" g="0" b="0"/>
-      </a:lnRef>
-      <a:fillRef idx="1">
-        <a:scrgbClr r="0" g="0" b="0"/>
-      </a:fillRef>
-      <a:effectRef idx="0">
-        <a:scrgbClr r="0" g="0" b="0"/>
-      </a:effectRef>
-      <a:fontRef idx="minor"/>
-    </dgm:style>
-  </dgm:styleLbl>
-  <dgm:styleLbl name="asst0">
-    <dgm:scene3d>
-      <a:camera prst="orthographicFront"/>
-      <a:lightRig rig="threePt" dir="t"/>
-    </dgm:scene3d>
-    <dgm:sp3d/>
-    <dgm:txPr/>
-    <dgm:style>
-      <a:lnRef idx="2">
-        <a:scrgbClr r="0" g="0" b="0"/>
-      </a:lnRef>
-      <a:fillRef idx="1">
-        <a:scrgbClr r="0" g="0" b="0"/>
-      </a:fillRef>
-      <a:effectRef idx="0">
-        <a:scrgbClr r="0" g="0" b="0"/>
-      </a:effectRef>
-      <a:fontRef idx="minor">
-        <a:schemeClr val="lt1"/>
-      </a:fontRef>
-    </dgm:style>
-  </dgm:styleLbl>
-  <dgm:styleLbl name="asst1">
-    <dgm:scene3d>
-      <a:camera prst="orthographicFront"/>
-      <a:lightRig rig="threePt" dir="t"/>
-    </dgm:scene3d>
-    <dgm:sp3d/>
-    <dgm:txPr/>
-    <dgm:style>
-      <a:lnRef idx="2">
-        <a:scrgbClr r="0" g="0" b="0"/>
-      </a:lnRef>
-      <a:fillRef idx="1">
-        <a:scrgbClr r="0" g="0" b="0"/>
-      </a:fillRef>
-      <a:effectRef idx="0">
-        <a:scrgbClr r="0" g="0" b="0"/>
-      </a:effectRef>
-      <a:fontRef idx="minor">
-        <a:schemeClr val="lt1"/>
-      </a:fontRef>
-    </dgm:style>
-  </dgm:styleLbl>
-  <dgm:styleLbl name="asst2">
-    <dgm:scene3d>
-      <a:camera prst="orthographicFront"/>
-      <a:lightRig rig="threePt" dir="t"/>
-    </dgm:scene3d>
-    <dgm:sp3d/>
-    <dgm:txPr/>
-    <dgm:style>
-      <a:lnRef idx="2">
-        <a:scrgbClr r="0" g="0" b="0"/>
-      </a:lnRef>
-      <a:fillRef idx="1">
-        <a:scrgbClr r="0" g="0" b="0"/>
-      </a:fillRef>
-      <a:effectRef idx="0">
-        <a:scrgbClr r="0" g="0" b="0"/>
-      </a:effectRef>
-      <a:fontRef idx="minor">
-        <a:schemeClr val="lt1"/>
-      </a:fontRef>
-    </dgm:style>
-  </dgm:styleLbl>
-  <dgm:styleLbl name="asst3">
-    <dgm:scene3d>
-      <a:camera prst="orthographicFront"/>
-      <a:lightRig rig="threePt" dir="t"/>
-    </dgm:scene3d>
-    <dgm:sp3d/>
-    <dgm:txPr/>
-    <dgm:style>
-      <a:lnRef idx="2">
-        <a:scrgbClr r="0" g="0" b="0"/>
-      </a:lnRef>
-      <a:fillRef idx="1">
-        <a:scrgbClr r="0" g="0" b="0"/>
-      </a:fillRef>
-      <a:effectRef idx="0">
-        <a:scrgbClr r="0" g="0" b="0"/>
-      </a:effectRef>
-      <a:fontRef idx="minor">
-        <a:schemeClr val="lt1"/>
-      </a:fontRef>
-    </dgm:style>
-  </dgm:styleLbl>
-  <dgm:styleLbl name="asst4">
-    <dgm:scene3d>
-      <a:camera prst="orthographicFront"/>
-      <a:lightRig rig="threePt" dir="t"/>
-    </dgm:scene3d>
-    <dgm:sp3d/>
-    <dgm:txPr/>
-    <dgm:style>
-      <a:lnRef idx="2">
-        <a:scrgbClr r="0" g="0" b="0"/>
-      </a:lnRef>
-      <a:fillRef idx="1">
-        <a:scrgbClr r="0" g="0" b="0"/>
-      </a:fillRef>
-      <a:effectRef idx="0">
-        <a:scrgbClr r="0" g="0" b="0"/>
-      </a:effectRef>
-      <a:fontRef idx="minor">
-        <a:schemeClr val="lt1"/>
-      </a:fontRef>
-    </dgm:style>
-  </dgm:styleLbl>
-  <dgm:styleLbl name="parChTrans2D1">
-    <dgm:scene3d>
-      <a:camera prst="orthographicFront"/>
-      <a:lightRig rig="threePt" dir="t"/>
-    </dgm:scene3d>
-    <dgm:sp3d/>
-    <dgm:txPr/>
-    <dgm:style>
-      <a:lnRef idx="2">
-        <a:scrgbClr r="0" g="0" b="0"/>
-      </a:lnRef>
-      <a:fillRef idx="1">
-        <a:scrgbClr r="0" g="0" b="0"/>
-      </a:fillRef>
-      <a:effectRef idx="0">
-        <a:scrgbClr r="0" g="0" b="0"/>
-      </a:effectRef>
-      <a:fontRef idx="minor">
-        <a:schemeClr val="lt1"/>
-      </a:fontRef>
-    </dgm:style>
-  </dgm:styleLbl>
-  <dgm:styleLbl name="parChTrans2D2">
-    <dgm:scene3d>
-      <a:camera prst="orthographicFront"/>
-      <a:lightRig rig="threePt" dir="t"/>
-    </dgm:scene3d>
-    <dgm:sp3d/>
-    <dgm:txPr/>
-    <dgm:style>
-      <a:lnRef idx="2">
-        <a:scrgbClr r="0" g="0" b="0"/>
-      </a:lnRef>
-      <a:fillRef idx="1">
-        <a:scrgbClr r="0" g="0" b="0"/>
-      </a:fillRef>
-      <a:effectRef idx="0">
-        <a:scrgbClr r="0" g="0" b="0"/>
-      </a:effectRef>
-      <a:fontRef idx="minor">
-        <a:schemeClr val="lt1"/>
-      </a:fontRef>
-    </dgm:style>
-  </dgm:styleLbl>
-  <dgm:styleLbl name="parChTrans2D3">
-    <dgm:scene3d>
-      <a:camera prst="orthographicFront"/>
-      <a:lightRig rig="threePt" dir="t"/>
-    </dgm:scene3d>
-    <dgm:sp3d/>
-    <dgm:txPr/>
-    <dgm:style>
-      <a:lnRef idx="2">
-        <a:scrgbClr r="0" g="0" b="0"/>
-      </a:lnRef>
-      <a:fillRef idx="1">
-        <a:scrgbClr r="0" g="0" b="0"/>
-      </a:fillRef>
-      <a:effectRef idx="0">
-        <a:scrgbClr r="0" g="0" b="0"/>
-      </a:effectRef>
-      <a:fontRef idx="minor">
-        <a:schemeClr val="lt1"/>
-      </a:fontRef>
-    </dgm:style>
-  </dgm:styleLbl>
-  <dgm:styleLbl name="parChTrans2D4">
-    <dgm:scene3d>
-      <a:camera prst="orthographicFront"/>
-      <a:lightRig rig="threePt" dir="t"/>
-    </dgm:scene3d>
-    <dgm:sp3d/>
-    <dgm:txPr/>
-    <dgm:style>
-      <a:lnRef idx="2">
-        <a:scrgbClr r="0" g="0" b="0"/>
-      </a:lnRef>
-      <a:fillRef idx="1">
-        <a:scrgbClr r="0" g="0" b="0"/>
-      </a:fillRef>
-      <a:effectRef idx="0">
-        <a:scrgbClr r="0" g="0" b="0"/>
-      </a:effectRef>
-      <a:fontRef idx="minor">
-        <a:schemeClr val="lt1"/>
-      </a:fontRef>
-    </dgm:style>
-  </dgm:styleLbl>
-  <dgm:styleLbl name="parChTrans1D1">
-    <dgm:scene3d>
-      <a:camera prst="orthographicFront"/>
-      <a:lightRig rig="threePt" dir="t"/>
-    </dgm:scene3d>
-    <dgm:sp3d/>
-    <dgm:txPr/>
-    <dgm:style>
-      <a:lnRef idx="2">
-        <a:scrgbClr r="0" g="0" b="0"/>
-      </a:lnRef>
-      <a:fillRef idx="0">
-        <a:scrgbClr r="0" g="0" b="0"/>
-      </a:fillRef>
-      <a:effectRef idx="0">
-        <a:scrgbClr r="0" g="0" b="0"/>
-      </a:effectRef>
-      <a:fontRef idx="minor"/>
-    </dgm:style>
-  </dgm:styleLbl>
-  <dgm:styleLbl name="parChTrans1D2">
-    <dgm:scene3d>
-      <a:camera prst="orthographicFront"/>
-      <a:lightRig rig="threePt" dir="t"/>
-    </dgm:scene3d>
-    <dgm:sp3d/>
-    <dgm:txPr/>
-    <dgm:style>
-      <a:lnRef idx="2">
-        <a:scrgbClr r="0" g="0" b="0"/>
-      </a:lnRef>
-      <a:fillRef idx="0">
-        <a:scrgbClr r="0" g="0" b="0"/>
-      </a:fillRef>
-      <a:effectRef idx="0">
-        <a:scrgbClr r="0" g="0" b="0"/>
-      </a:effectRef>
-      <a:fontRef idx="minor"/>
-    </dgm:style>
-  </dgm:styleLbl>
-  <dgm:styleLbl name="parChTrans1D3">
-    <dgm:scene3d>
-      <a:camera prst="orthographicFront"/>
-      <a:lightRig rig="threePt" dir="t"/>
-    </dgm:scene3d>
-    <dgm:sp3d/>
-    <dgm:txPr/>
-    <dgm:style>
-      <a:lnRef idx="2">
-        <a:scrgbClr r="0" g="0" b="0"/>
-      </a:lnRef>
-      <a:fillRef idx="0">
-        <a:scrgbClr r="0" g="0" b="0"/>
-      </a:fillRef>
-      <a:effectRef idx="0">
-        <a:scrgbClr r="0" g="0" b="0"/>
-      </a:effectRef>
-      <a:fontRef idx="minor"/>
-    </dgm:style>
-  </dgm:styleLbl>
-  <dgm:styleLbl name="parChTrans1D4">
-    <dgm:scene3d>
-      <a:camera prst="orthographicFront"/>
-      <a:lightRig rig="threePt" dir="t"/>
-    </dgm:scene3d>
-    <dgm:sp3d/>
-    <dgm:txPr/>
-    <dgm:style>
-      <a:lnRef idx="2">
-        <a:scrgbClr r="0" g="0" b="0"/>
-      </a:lnRef>
-      <a:fillRef idx="0">
-        <a:scrgbClr r="0" g="0" b="0"/>
-      </a:fillRef>
-      <a:effectRef idx="0">
-        <a:scrgbClr r="0" g="0" b="0"/>
-      </a:effectRef>
-      <a:fontRef idx="minor"/>
-    </dgm:style>
-  </dgm:styleLbl>
-  <dgm:styleLbl name="fgAcc1">
-    <dgm:scene3d>
-      <a:camera prst="orthographicFront"/>
-      <a:lightRig rig="threePt" dir="t"/>
-    </dgm:scene3d>
-    <dgm:sp3d/>
-    <dgm:txPr/>
-    <dgm:style>
-      <a:lnRef idx="2">
-        <a:scrgbClr r="0" g="0" b="0"/>
-      </a:lnRef>
-      <a:fillRef idx="1">
-        <a:scrgbClr r="0" g="0" b="0"/>
-      </a:fillRef>
-      <a:effectRef idx="0">
-        <a:scrgbClr r="0" g="0" b="0"/>
-      </a:effectRef>
-      <a:fontRef idx="minor"/>
-    </dgm:style>
-  </dgm:styleLbl>
-  <dgm:styleLbl name="conFgAcc1">
-    <dgm:scene3d>
-      <a:camera prst="orthographicFront"/>
-      <a:lightRig rig="threePt" dir="t"/>
-    </dgm:scene3d>
-    <dgm:sp3d/>
-    <dgm:txPr/>
-    <dgm:style>
-      <a:lnRef idx="2">
-        <a:scrgbClr r="0" g="0" b="0"/>
-      </a:lnRef>
-      <a:fillRef idx="1">
-        <a:scrgbClr r="0" g="0" b="0"/>
-      </a:fillRef>
-      <a:effectRef idx="0">
-        <a:scrgbClr r="0" g="0" b="0"/>
-      </a:effectRef>
-      <a:fontRef idx="minor"/>
-    </dgm:style>
-  </dgm:styleLbl>
-  <dgm:styleLbl name="alignAcc1">
-    <dgm:scene3d>
-      <a:camera prst="orthographicFront"/>
-      <a:lightRig rig="threePt" dir="t"/>
-    </dgm:scene3d>
-    <dgm:sp3d/>
-    <dgm:txPr/>
-    <dgm:style>
-      <a:lnRef idx="2">
-        <a:scrgbClr r="0" g="0" b="0"/>
-      </a:lnRef>
-      <a:fillRef idx="1">
-        <a:scrgbClr r="0" g="0" b="0"/>
-      </a:fillRef>
-      <a:effectRef idx="0">
-        <a:scrgbClr r="0" g="0" b="0"/>
-      </a:effectRef>
-      <a:fontRef idx="minor"/>
-    </dgm:style>
-  </dgm:styleLbl>
-  <dgm:styleLbl name="trAlignAcc1">
-    <dgm:scene3d>
-      <a:camera prst="orthographicFront"/>
-      <a:lightRig rig="threePt" dir="t"/>
-    </dgm:scene3d>
-    <dgm:sp3d/>
-    <dgm:txPr/>
-    <dgm:style>
-      <a:lnRef idx="1">
-        <a:scrgbClr r="0" g="0" b="0"/>
-      </a:lnRef>
-      <a:fillRef idx="1">
-        <a:scrgbClr r="0" g="0" b="0"/>
-      </a:fillRef>
-      <a:effectRef idx="0">
-        <a:scrgbClr r="0" g="0" b="0"/>
-      </a:effectRef>
-      <a:fontRef idx="minor"/>
-    </dgm:style>
-  </dgm:styleLbl>
-  <dgm:styleLbl name="bgAcc1">
-    <dgm:scene3d>
-      <a:camera prst="orthographicFront"/>
-      <a:lightRig rig="threePt" dir="t"/>
-    </dgm:scene3d>
-    <dgm:sp3d/>
-    <dgm:txPr/>
-    <dgm:style>
-      <a:lnRef idx="2">
-        <a:scrgbClr r="0" g="0" b="0"/>
-      </a:lnRef>
-      <a:fillRef idx="1">
-        <a:scrgbClr r="0" g="0" b="0"/>
-      </a:fillRef>
-      <a:effectRef idx="0">
-        <a:scrgbClr r="0" g="0" b="0"/>
-      </a:effectRef>
-      <a:fontRef idx="minor"/>
-    </dgm:style>
-  </dgm:styleLbl>
-  <dgm:styleLbl name="solidFgAcc1">
-    <dgm:scene3d>
-      <a:camera prst="orthographicFront"/>
-      <a:lightRig rig="threePt" dir="t"/>
-    </dgm:scene3d>
-    <dgm:sp3d/>
-    <dgm:txPr/>
-    <dgm:style>
-      <a:lnRef idx="2">
-        <a:scrgbClr r="0" g="0" b="0"/>
-      </a:lnRef>
-      <a:fillRef idx="1">
-        <a:scrgbClr r="0" g="0" b="0"/>
-      </a:fillRef>
-      <a:effectRef idx="0">
-        <a:scrgbClr r="0" g="0" b="0"/>
-      </a:effectRef>
-      <a:fontRef idx="minor"/>
-    </dgm:style>
-  </dgm:styleLbl>
-  <dgm:styleLbl name="solidAlignAcc1">
-    <dgm:scene3d>
-      <a:camera prst="orthographicFront"/>
-      <a:lightRig rig="threePt" dir="t"/>
-    </dgm:scene3d>
-    <dgm:sp3d/>
-    <dgm:txPr/>
-    <dgm:style>
-      <a:lnRef idx="2">
-        <a:scrgbClr r="0" g="0" b="0"/>
-      </a:lnRef>
-      <a:fillRef idx="1">
-        <a:scrgbClr r="0" g="0" b="0"/>
-      </a:fillRef>
-      <a:effectRef idx="0">
-        <a:scrgbClr r="0" g="0" b="0"/>
-      </a:effectRef>
-      <a:fontRef idx="minor"/>
-    </dgm:style>
-  </dgm:styleLbl>
-  <dgm:styleLbl name="solidBgAcc1">
-    <dgm:scene3d>
-      <a:camera prst="orthographicFront"/>
-      <a:lightRig rig="threePt" dir="t"/>
-    </dgm:scene3d>
-    <dgm:sp3d/>
-    <dgm:txPr/>
-    <dgm:style>
-      <a:lnRef idx="2">
-        <a:scrgbClr r="0" g="0" b="0"/>
-      </a:lnRef>
-      <a:fillRef idx="1">
-        <a:scrgbClr r="0" g="0" b="0"/>
-      </a:fillRef>
-      <a:effectRef idx="0">
-        <a:scrgbClr r="0" g="0" b="0"/>
-      </a:effectRef>
-      <a:fontRef idx="minor"/>
-    </dgm:style>
-  </dgm:styleLbl>
-  <dgm:styleLbl name="fgAccFollowNode1">
-    <dgm:scene3d>
-      <a:camera prst="orthographicFront"/>
-      <a:lightRig rig="threePt" dir="t"/>
-    </dgm:scene3d>
-    <dgm:sp3d/>
-    <dgm:txPr/>
-    <dgm:style>
-      <a:lnRef idx="2">
-        <a:scrgbClr r="0" g="0" b="0"/>
-      </a:lnRef>
-      <a:fillRef idx="1">
-        <a:scrgbClr r="0" g="0" b="0"/>
-      </a:fillRef>
-      <a:effectRef idx="0">
-        <a:scrgbClr r="0" g="0" b="0"/>
-      </a:effectRef>
-      <a:fontRef idx="minor"/>
-    </dgm:style>
-  </dgm:styleLbl>
-  <dgm:styleLbl name="alignAccFollowNode1">
-    <dgm:scene3d>
-      <a:camera prst="orthographicFront"/>
-      <a:lightRig rig="threePt" dir="t"/>
-    </dgm:scene3d>
-    <dgm:sp3d/>
-    <dgm:txPr/>
-    <dgm:style>
-      <a:lnRef idx="2">
-        <a:scrgbClr r="0" g="0" b="0"/>
-      </a:lnRef>
-      <a:fillRef idx="1">
-        <a:scrgbClr r="0" g="0" b="0"/>
-      </a:fillRef>
-      <a:effectRef idx="0">
-        <a:scrgbClr r="0" g="0" b="0"/>
-      </a:effectRef>
-      <a:fontRef idx="minor"/>
-    </dgm:style>
-  </dgm:styleLbl>
-  <dgm:styleLbl name="bgAccFollowNode1">
-    <dgm:scene3d>
-      <a:camera prst="orthographicFront"/>
-      <a:lightRig rig="threePt" dir="t"/>
-    </dgm:scene3d>
-    <dgm:sp3d/>
-    <dgm:txPr/>
-    <dgm:style>
-      <a:lnRef idx="2">
-        <a:scrgbClr r="0" g="0" b="0"/>
-      </a:lnRef>
-      <a:fillRef idx="1">
-        <a:scrgbClr r="0" g="0" b="0"/>
-      </a:fillRef>
-      <a:effectRef idx="0">
-        <a:scrgbClr r="0" g="0" b="0"/>
-      </a:effectRef>
-      <a:fontRef idx="minor"/>
-    </dgm:style>
-  </dgm:styleLbl>
-  <dgm:styleLbl name="fgAcc0">
-    <dgm:scene3d>
-      <a:camera prst="orthographicFront"/>
-      <a:lightRig rig="threePt" dir="t"/>
-    </dgm:scene3d>
-    <dgm:sp3d/>
-    <dgm:txPr/>
-    <dgm:style>
-      <a:lnRef idx="2">
-        <a:scrgbClr r="0" g="0" b="0"/>
-      </a:lnRef>
-      <a:fillRef idx="1">
-        <a:scrgbClr r="0" g="0" b="0"/>
-      </a:fillRef>
-      <a:effectRef idx="0">
-        <a:scrgbClr r="0" g="0" b="0"/>
-      </a:effectRef>
-      <a:fontRef idx="minor"/>
-    </dgm:style>
-  </dgm:styleLbl>
-  <dgm:styleLbl name="fgAcc2">
-    <dgm:scene3d>
-      <a:camera prst="orthographicFront"/>
-      <a:lightRig rig="threePt" dir="t"/>
-    </dgm:scene3d>
-    <dgm:sp3d/>
-    <dgm:txPr/>
-    <dgm:style>
-      <a:lnRef idx="2">
-        <a:scrgbClr r="0" g="0" b="0"/>
-      </a:lnRef>
-      <a:fillRef idx="1">
-        <a:scrgbClr r="0" g="0" b="0"/>
-      </a:fillRef>
-      <a:effectRef idx="0">
-        <a:scrgbClr r="0" g="0" b="0"/>
-      </a:effectRef>
-      <a:fontRef idx="minor"/>
-    </dgm:style>
-  </dgm:styleLbl>
-  <dgm:styleLbl name="fgAcc3">
-    <dgm:scene3d>
-      <a:camera prst="orthographicFront"/>
-      <a:lightRig rig="threePt" dir="t"/>
-    </dgm:scene3d>
-    <dgm:sp3d/>
-    <dgm:txPr/>
-    <dgm:style>
-      <a:lnRef idx="2">
-        <a:scrgbClr r="0" g="0" b="0"/>
-      </a:lnRef>
-      <a:fillRef idx="1">
-        <a:scrgbClr r="0" g="0" b="0"/>
-      </a:fillRef>
-      <a:effectRef idx="0">
-        <a:scrgbClr r="0" g="0" b="0"/>
-      </a:effectRef>
-      <a:fontRef idx="minor"/>
-    </dgm:style>
-  </dgm:styleLbl>
-  <dgm:styleLbl name="fgAcc4">
-    <dgm:scene3d>
-      <a:camera prst="orthographicFront"/>
-      <a:lightRig rig="threePt" dir="t"/>
-    </dgm:scene3d>
-    <dgm:sp3d/>
-    <dgm:txPr/>
-    <dgm:style>
-      <a:lnRef idx="2">
-        <a:scrgbClr r="0" g="0" b="0"/>
-      </a:lnRef>
-      <a:fillRef idx="1">
-        <a:scrgbClr r="0" g="0" b="0"/>
-      </a:fillRef>
-      <a:effectRef idx="0">
-        <a:scrgbClr r="0" g="0" b="0"/>
-      </a:effectRef>
-      <a:fontRef idx="minor"/>
-    </dgm:style>
-  </dgm:styleLbl>
-  <dgm:styleLbl name="bgShp">
-    <dgm:scene3d>
-      <a:camera prst="orthographicFront"/>
-      <a:lightRig rig="threePt" dir="t"/>
-    </dgm:scene3d>
-    <dgm:sp3d/>
-    <dgm:txPr/>
-    <dgm:style>
-      <a:lnRef idx="0">
-        <a:scrgbClr r="0" g="0" b="0"/>
-      </a:lnRef>
-      <a:fillRef idx="1">
-        <a:scrgbClr r="0" g="0" b="0"/>
-      </a:fillRef>
-      <a:effectRef idx="0">
-        <a:scrgbClr r="0" g="0" b="0"/>
-      </a:effectRef>
-      <a:fontRef idx="minor"/>
-    </dgm:style>
-  </dgm:styleLbl>
-  <dgm:styleLbl name="dkBgShp">
-    <dgm:scene3d>
-      <a:camera prst="orthographicFront"/>
-      <a:lightRig rig="threePt" dir="t"/>
-    </dgm:scene3d>
-    <dgm:sp3d/>
-    <dgm:txPr/>
-    <dgm:style>
-      <a:lnRef idx="0">
-        <a:scrgbClr r="0" g="0" b="0"/>
-      </a:lnRef>
-      <a:fillRef idx="1">
-        <a:scrgbClr r="0" g="0" b="0"/>
-      </a:fillRef>
-      <a:effectRef idx="0">
-        <a:scrgbClr r="0" g="0" b="0"/>
-      </a:effectRef>
-      <a:fontRef idx="minor"/>
-    </dgm:style>
-  </dgm:styleLbl>
-  <dgm:styleLbl name="trBgShp">
-    <dgm:scene3d>
-      <a:camera prst="orthographicFront"/>
-      <a:lightRig rig="threePt" dir="t"/>
-    </dgm:scene3d>
-    <dgm:sp3d/>
-    <dgm:txPr/>
-    <dgm:style>
-      <a:lnRef idx="0">
-        <a:scrgbClr r="0" g="0" b="0"/>
-      </a:lnRef>
-      <a:fillRef idx="1">
-        <a:scrgbClr r="0" g="0" b="0"/>
-      </a:fillRef>
-      <a:effectRef idx="0">
-        <a:scrgbClr r="0" g="0" b="0"/>
-      </a:effectRef>
-      <a:fontRef idx="minor"/>
-    </dgm:style>
-  </dgm:styleLbl>
-  <dgm:styleLbl name="fgShp">
-    <dgm:scene3d>
-      <a:camera prst="orthographicFront"/>
-      <a:lightRig rig="threePt" dir="t"/>
-    </dgm:scene3d>
-    <dgm:sp3d/>
-    <dgm:txPr/>
-    <dgm:style>
-      <a:lnRef idx="2">
-        <a:scrgbClr r="0" g="0" b="0"/>
-      </a:lnRef>
-      <a:fillRef idx="1">
-        <a:scrgbClr r="0" g="0" b="0"/>
-      </a:fillRef>
-      <a:effectRef idx="0">
-        <a:scrgbClr r="0" g="0" b="0"/>
-      </a:effectRef>
-      <a:fontRef idx="minor"/>
-    </dgm:style>
-  </dgm:styleLbl>
-  <dgm:styleLbl name="revTx">
-    <dgm:scene3d>
-      <a:camera prst="orthographicFront"/>
-      <a:lightRig rig="threePt" dir="t"/>
-    </dgm:scene3d>
-    <dgm:sp3d/>
-    <dgm:txPr/>
-    <dgm:style>
-      <a:lnRef idx="0">
-        <a:scrgbClr r="0" g="0" b="0"/>
-      </a:lnRef>
-      <a:fillRef idx="0">
-        <a:scrgbClr r="0" g="0" b="0"/>
-      </a:fillRef>
-      <a:effectRef idx="0">
-        <a:scrgbClr r="0" g="0" b="0"/>
-      </a:effectRef>
-      <a:fontRef idx="minor"/>
-    </dgm:style>
-  </dgm:styleLbl>
-</dgm:styleDef>
-</file>
-
 <file path=ppt/slideLayouts/slideLayout1.xml><?xml version="1.0" encoding="utf-8"?>
 <p:sldLayout xmlns:a="http://schemas.openxmlformats.org/drawingml/2006/main" xmlns:r="http://schemas.openxmlformats.org/officeDocument/2006/relationships" xmlns:p="http://schemas.openxmlformats.org/presentationml/2006/main" type="title" preserve="1">
   <p:cSld name="Title Slide">
@@ -16841,7 +14428,7 @@
           <a:p>
             <a:fld id="{7CF0BCE0-945C-4FDF-95A1-2149B1FF5B83}" type="datetimeFigureOut">
               <a:rPr lang="en-US" smtClean="0"/>
-              <a:t>6/9/2024</a:t>
+              <a:t>6/10/2024</a:t>
             </a:fld>
             <a:endParaRPr lang="en-US"/>
           </a:p>
@@ -17568,7 +15155,7 @@
           <a:p>
             <a:fld id="{7CF0BCE0-945C-4FDF-95A1-2149B1FF5B83}" type="datetimeFigureOut">
               <a:rPr lang="en-US" smtClean="0"/>
-              <a:t>6/9/2024</a:t>
+              <a:t>6/10/2024</a:t>
             </a:fld>
             <a:endParaRPr lang="en-US"/>
           </a:p>
@@ -18441,7 +16028,7 @@
           <a:p>
             <a:fld id="{7CF0BCE0-945C-4FDF-95A1-2149B1FF5B83}" type="datetimeFigureOut">
               <a:rPr lang="en-US" smtClean="0"/>
-              <a:t>6/9/2024</a:t>
+              <a:t>6/10/2024</a:t>
             </a:fld>
             <a:endParaRPr lang="en-US"/>
           </a:p>
@@ -19145,7 +16732,7 @@
           <a:p>
             <a:fld id="{7CF0BCE0-945C-4FDF-95A1-2149B1FF5B83}" type="datetimeFigureOut">
               <a:rPr lang="en-US" smtClean="0"/>
-              <a:t>6/9/2024</a:t>
+              <a:t>6/10/2024</a:t>
             </a:fld>
             <a:endParaRPr lang="en-US"/>
           </a:p>
@@ -19855,7 +17442,7 @@
           <a:p>
             <a:fld id="{7CF0BCE0-945C-4FDF-95A1-2149B1FF5B83}" type="datetimeFigureOut">
               <a:rPr lang="en-US" smtClean="0"/>
-              <a:t>6/9/2024</a:t>
+              <a:t>6/10/2024</a:t>
             </a:fld>
             <a:endParaRPr lang="en-US" dirty="0"/>
           </a:p>
@@ -20792,7 +18379,7 @@
           <a:p>
             <a:fld id="{7CF0BCE0-945C-4FDF-95A1-2149B1FF5B83}" type="datetimeFigureOut">
               <a:rPr lang="en-US" smtClean="0"/>
-              <a:t>6/9/2024</a:t>
+              <a:t>6/10/2024</a:t>
             </a:fld>
             <a:endParaRPr lang="en-US"/>
           </a:p>
@@ -22012,7 +19599,7 @@
           <a:p>
             <a:fld id="{7CF0BCE0-945C-4FDF-95A1-2149B1FF5B83}" type="datetimeFigureOut">
               <a:rPr lang="en-US" smtClean="0"/>
-              <a:t>6/9/2024</a:t>
+              <a:t>6/10/2024</a:t>
             </a:fld>
             <a:endParaRPr lang="en-US"/>
           </a:p>
@@ -22678,7 +20265,7 @@
           <a:p>
             <a:fld id="{7CF0BCE0-945C-4FDF-95A1-2149B1FF5B83}" type="datetimeFigureOut">
               <a:rPr lang="en-US" smtClean="0"/>
-              <a:t>6/9/2024</a:t>
+              <a:t>6/10/2024</a:t>
             </a:fld>
             <a:endParaRPr lang="en-US"/>
           </a:p>
@@ -23447,7 +21034,7 @@
           <a:p>
             <a:fld id="{7CF0BCE0-945C-4FDF-95A1-2149B1FF5B83}" type="datetimeFigureOut">
               <a:rPr lang="en-US" smtClean="0"/>
-              <a:t>6/9/2024</a:t>
+              <a:t>6/10/2024</a:t>
             </a:fld>
             <a:endParaRPr lang="en-US"/>
           </a:p>
@@ -24559,7 +22146,7 @@
           <a:p>
             <a:fld id="{7CF0BCE0-945C-4FDF-95A1-2149B1FF5B83}" type="datetimeFigureOut">
               <a:rPr lang="en-US" smtClean="0"/>
-              <a:t>6/9/2024</a:t>
+              <a:t>6/10/2024</a:t>
             </a:fld>
             <a:endParaRPr lang="en-US"/>
           </a:p>
@@ -25367,7 +22954,7 @@
           <a:p>
             <a:fld id="{7CF0BCE0-945C-4FDF-95A1-2149B1FF5B83}" type="datetimeFigureOut">
               <a:rPr lang="en-US" smtClean="0"/>
-              <a:t>6/9/2024</a:t>
+              <a:t>6/10/2024</a:t>
             </a:fld>
             <a:endParaRPr lang="en-US"/>
           </a:p>
@@ -25651,7 +23238,7 @@
             <a:fld id="{7CF0BCE0-945C-4FDF-95A1-2149B1FF5B83}" type="datetimeFigureOut">
               <a:rPr lang="en-US" smtClean="0"/>
               <a:pPr algn="r"/>
-              <a:t>6/9/2024</a:t>
+              <a:t>6/10/2024</a:t>
             </a:fld>
             <a:endParaRPr lang="en-US" dirty="0"/>
           </a:p>
@@ -30259,7 +27846,7 @@
       </p:grpSpPr>
       <p:grpSp>
         <p:nvGrpSpPr>
-          <p:cNvPr id="15367" name="Group 15366">
+          <p:cNvPr id="61" name="Group 8">
             <a:extLst>
               <a:ext uri="{FF2B5EF4-FFF2-40B4-BE49-F238E27FC236}">
                 <a16:creationId xmlns:a16="http://schemas.microsoft.com/office/drawing/2014/main" id="{BF4E480B-94D6-46F9-A2B6-B98D311FDC19}"/>
@@ -30290,7 +27877,7 @@
         </p:grpSpPr>
         <p:sp>
           <p:nvSpPr>
-            <p:cNvPr id="15368" name="Rectangle 15367">
+            <p:cNvPr id="10" name="Rectangle 9">
               <a:extLst>
                 <a:ext uri="{FF2B5EF4-FFF2-40B4-BE49-F238E27FC236}">
                   <a16:creationId xmlns:a16="http://schemas.microsoft.com/office/drawing/2014/main" id="{07183CDE-91A1-40C3-8E80-66F89E1C2D53}"/>
@@ -30371,7 +27958,7 @@
         </p:sp>
         <p:sp>
           <p:nvSpPr>
-            <p:cNvPr id="15369" name="Oval 15368">
+            <p:cNvPr id="11" name="Oval 10">
               <a:extLst>
                 <a:ext uri="{FF2B5EF4-FFF2-40B4-BE49-F238E27FC236}">
                   <a16:creationId xmlns:a16="http://schemas.microsoft.com/office/drawing/2014/main" id="{A6756515-F9AA-46BD-8DD2-AA15BA492AC0}"/>
@@ -30439,7 +28026,7 @@
         </p:sp>
         <p:sp>
           <p:nvSpPr>
-            <p:cNvPr id="15370" name="Oval 15369">
+            <p:cNvPr id="12" name="Oval 11">
               <a:extLst>
                 <a:ext uri="{FF2B5EF4-FFF2-40B4-BE49-F238E27FC236}">
                   <a16:creationId xmlns:a16="http://schemas.microsoft.com/office/drawing/2014/main" id="{ABA365E2-8B71-408B-9092-0104216AC7AC}"/>
@@ -30507,7 +28094,7 @@
         </p:sp>
         <p:grpSp>
           <p:nvGrpSpPr>
-            <p:cNvPr id="15371" name="Group 15370">
+            <p:cNvPr id="13" name="Group 12">
               <a:extLst>
                 <a:ext uri="{FF2B5EF4-FFF2-40B4-BE49-F238E27FC236}">
                   <a16:creationId xmlns:a16="http://schemas.microsoft.com/office/drawing/2014/main" id="{BEDB8D7A-1BF6-4CDB-B93A-7736955F5043}"/>
@@ -30538,7 +28125,7 @@
           </p:grpSpPr>
           <p:sp>
             <p:nvSpPr>
-              <p:cNvPr id="15376" name="Rectangle 15375">
+              <p:cNvPr id="18" name="Rectangle 17">
                 <a:extLst>
                   <a:ext uri="{FF2B5EF4-FFF2-40B4-BE49-F238E27FC236}">
                     <a16:creationId xmlns:a16="http://schemas.microsoft.com/office/drawing/2014/main" id="{5AACD774-5167-46C7-8A62-6E2FE4BE9469}"/>
@@ -30615,7 +28202,7 @@
           </p:sp>
           <p:sp>
             <p:nvSpPr>
-              <p:cNvPr id="15377" name="Rectangle 15376">
+              <p:cNvPr id="19" name="Rectangle 18">
                 <a:extLst>
                   <a:ext uri="{FF2B5EF4-FFF2-40B4-BE49-F238E27FC236}">
                     <a16:creationId xmlns:a16="http://schemas.microsoft.com/office/drawing/2014/main" id="{06E0F2D8-452E-48F9-9912-C47EAEAE1802}"/>
@@ -30693,7 +28280,7 @@
         </p:grpSp>
         <p:grpSp>
           <p:nvGrpSpPr>
-            <p:cNvPr id="15372" name="Group 15371">
+            <p:cNvPr id="14" name="Group 13">
               <a:extLst>
                 <a:ext uri="{FF2B5EF4-FFF2-40B4-BE49-F238E27FC236}">
                   <a16:creationId xmlns:a16="http://schemas.microsoft.com/office/drawing/2014/main" id="{91FBBF95-430B-427C-A6E8-DB899217FC00}"/>
@@ -30724,7 +28311,7 @@
           </p:grpSpPr>
           <p:sp>
             <p:nvSpPr>
-              <p:cNvPr id="15374" name="Rectangle 15373">
+              <p:cNvPr id="16" name="Rectangle 15">
                 <a:extLst>
                   <a:ext uri="{FF2B5EF4-FFF2-40B4-BE49-F238E27FC236}">
                     <a16:creationId xmlns:a16="http://schemas.microsoft.com/office/drawing/2014/main" id="{BEE64698-3ED2-4395-B7FC-65248E437E0A}"/>
@@ -30801,7 +28388,7 @@
           </p:sp>
           <p:sp>
             <p:nvSpPr>
-              <p:cNvPr id="15375" name="Rectangle 15374">
+              <p:cNvPr id="17" name="Rectangle 16">
                 <a:extLst>
                   <a:ext uri="{FF2B5EF4-FFF2-40B4-BE49-F238E27FC236}">
                     <a16:creationId xmlns:a16="http://schemas.microsoft.com/office/drawing/2014/main" id="{FE20B1E1-CE09-4C2A-A3FB-DB8026C54E98}"/>
@@ -30879,7 +28466,7 @@
         </p:grpSp>
         <p:sp>
           <p:nvSpPr>
-            <p:cNvPr id="15373" name="Rectangle 15372">
+            <p:cNvPr id="15" name="Rectangle 14">
               <a:extLst>
                 <a:ext uri="{FF2B5EF4-FFF2-40B4-BE49-F238E27FC236}">
                   <a16:creationId xmlns:a16="http://schemas.microsoft.com/office/drawing/2014/main" id="{0CB2405B-A907-48B3-906A-FB3573C0B282}"/>
@@ -30959,7 +28546,2877 @@
       </p:grpSp>
       <p:sp>
         <p:nvSpPr>
-          <p:cNvPr id="15379" name="Rectangle 15378">
+          <p:cNvPr id="62" name="Rectangle 20">
+            <a:extLst>
+              <a:ext uri="{FF2B5EF4-FFF2-40B4-BE49-F238E27FC236}">
+                <a16:creationId xmlns:a16="http://schemas.microsoft.com/office/drawing/2014/main" id="{6DC8E2D9-6729-4614-8667-C1016D3182E4}"/>
+              </a:ext>
+              <a:ext uri="{C183D7F6-B498-43B3-948B-1728B52AA6E4}">
+                <adec:decorative xmlns:adec="http://schemas.microsoft.com/office/drawing/2017/decorative" val="1"/>
+              </a:ext>
+            </a:extLst>
+          </p:cNvPr>
+          <p:cNvSpPr>
+            <a:spLocks noGrp="1" noRot="1" noChangeAspect="1" noMove="1" noResize="1" noEditPoints="1" noAdjustHandles="1" noChangeArrowheads="1" noChangeShapeType="1" noTextEdit="1"/>
+          </p:cNvSpPr>
+          <p:nvPr>
+            <p:extLst>
+              <p:ext uri="{386F3935-93C4-4BCD-93E2-E3B085C9AB24}">
+                <p16:designElem xmlns:p16="http://schemas.microsoft.com/office/powerpoint/2015/main" val="1"/>
+              </p:ext>
+            </p:extLst>
+          </p:nvPr>
+        </p:nvSpPr>
+        <p:spPr>
+          <a:xfrm>
+            <a:off x="0" y="0"/>
+            <a:ext cx="12192000" cy="6858000"/>
+          </a:xfrm>
+          <a:prstGeom prst="rect">
+            <a:avLst/>
+          </a:prstGeom>
+          <a:solidFill>
+            <a:schemeClr val="bg2">
+              <a:alpha val="40000"/>
+            </a:schemeClr>
+          </a:solidFill>
+          <a:ln w="12700" cap="flat" cmpd="sng" algn="ctr">
+            <a:noFill/>
+            <a:prstDash val="solid"/>
+            <a:miter lim="800000"/>
+          </a:ln>
+          <a:effectLst/>
+        </p:spPr>
+        <p:style>
+          <a:lnRef idx="2">
+            <a:schemeClr val="accent1">
+              <a:shade val="50000"/>
+            </a:schemeClr>
+          </a:lnRef>
+          <a:fillRef idx="1">
+            <a:schemeClr val="accent1"/>
+          </a:fillRef>
+          <a:effectRef idx="0">
+            <a:schemeClr val="accent1"/>
+          </a:effectRef>
+          <a:fontRef idx="minor">
+            <a:schemeClr val="lt1"/>
+          </a:fontRef>
+        </p:style>
+        <p:txBody>
+          <a:bodyPr rtlCol="0" anchor="ctr"/>
+          <a:lstStyle/>
+          <a:p>
+            <a:pPr algn="r"/>
+            <a:endParaRPr lang="en-US" dirty="0"/>
+          </a:p>
+        </p:txBody>
+      </p:sp>
+      <p:pic>
+        <p:nvPicPr>
+          <p:cNvPr id="63" name="Picture 4" descr="Papel amarillo doblado como gráfico">
+            <a:extLst>
+              <a:ext uri="{FF2B5EF4-FFF2-40B4-BE49-F238E27FC236}">
+                <a16:creationId xmlns:a16="http://schemas.microsoft.com/office/drawing/2014/main" id="{B28B8C32-07B4-3224-DFE9-9C6FB3FB3621}"/>
+              </a:ext>
+            </a:extLst>
+          </p:cNvPr>
+          <p:cNvPicPr>
+            <a:picLocks noChangeAspect="1"/>
+          </p:cNvPicPr>
+          <p:nvPr/>
+        </p:nvPicPr>
+        <p:blipFill rotWithShape="1">
+          <a:blip r:embed="rId2">
+            <a:alphaModFix/>
+          </a:blip>
+          <a:srcRect t="15735" r="1" b="1"/>
+          <a:stretch/>
+        </p:blipFill>
+        <p:spPr>
+          <a:xfrm>
+            <a:off x="-688" y="-4"/>
+            <a:ext cx="12192687" cy="6858000"/>
+          </a:xfrm>
+          <a:prstGeom prst="rect">
+            <a:avLst/>
+          </a:prstGeom>
+        </p:spPr>
+      </p:pic>
+      <p:grpSp>
+        <p:nvGrpSpPr>
+          <p:cNvPr id="64" name="Group 22">
+            <a:extLst>
+              <a:ext uri="{FF2B5EF4-FFF2-40B4-BE49-F238E27FC236}">
+                <a16:creationId xmlns:a16="http://schemas.microsoft.com/office/drawing/2014/main" id="{67186895-7DAD-4EEE-BF1A-CC36B9426A43}"/>
+              </a:ext>
+              <a:ext uri="{C183D7F6-B498-43B3-948B-1728B52AA6E4}">
+                <adec:decorative xmlns:adec="http://schemas.microsoft.com/office/drawing/2017/decorative" val="1"/>
+              </a:ext>
+            </a:extLst>
+          </p:cNvPr>
+          <p:cNvGrpSpPr>
+            <a:grpSpLocks noGrp="1" noUngrp="1" noRot="1" noChangeAspect="1" noMove="1" noResize="1"/>
+          </p:cNvGrpSpPr>
+          <p:nvPr>
+            <p:extLst>
+              <p:ext uri="{386F3935-93C4-4BCD-93E2-E3B085C9AB24}">
+                <p16:designElem xmlns:p16="http://schemas.microsoft.com/office/powerpoint/2015/main" val="1"/>
+              </p:ext>
+            </p:extLst>
+          </p:nvPr>
+        </p:nvGrpSpPr>
+        <p:grpSpPr>
+          <a:xfrm flipH="1">
+            <a:off x="0" y="-5"/>
+            <a:ext cx="9785926" cy="6858005"/>
+            <a:chOff x="2406074" y="-5"/>
+            <a:chExt cx="9785926" cy="6858005"/>
+          </a:xfrm>
+        </p:grpSpPr>
+        <p:grpSp>
+          <p:nvGrpSpPr>
+            <p:cNvPr id="24" name="Group 23">
+              <a:extLst>
+                <a:ext uri="{FF2B5EF4-FFF2-40B4-BE49-F238E27FC236}">
+                  <a16:creationId xmlns:a16="http://schemas.microsoft.com/office/drawing/2014/main" id="{45BFDCD0-B536-4527-AB6E-79B0E4EDD0CA}"/>
+                </a:ext>
+                <a:ext uri="{C183D7F6-B498-43B3-948B-1728B52AA6E4}">
+                  <adec:decorative xmlns:adec="http://schemas.microsoft.com/office/drawing/2017/decorative" val="1"/>
+                </a:ext>
+              </a:extLst>
+            </p:cNvPr>
+            <p:cNvGrpSpPr/>
+            <p:nvPr>
+              <p:extLst>
+                <p:ext uri="{386F3935-93C4-4BCD-93E2-E3B085C9AB24}">
+                  <p16:designElem xmlns:p16="http://schemas.microsoft.com/office/powerpoint/2015/main" val="1"/>
+                </p:ext>
+              </p:extLst>
+            </p:nvPr>
+          </p:nvGrpSpPr>
+          <p:grpSpPr>
+            <a:xfrm rot="10800000">
+              <a:off x="2424112" y="-4"/>
+              <a:ext cx="9767888" cy="6858003"/>
+              <a:chOff x="0" y="-3"/>
+              <a:chExt cx="9767888" cy="6858003"/>
+            </a:xfrm>
+          </p:grpSpPr>
+          <p:sp>
+            <p:nvSpPr>
+              <p:cNvPr id="32" name="Rectangle 31">
+                <a:extLst>
+                  <a:ext uri="{FF2B5EF4-FFF2-40B4-BE49-F238E27FC236}">
+                    <a16:creationId xmlns:a16="http://schemas.microsoft.com/office/drawing/2014/main" id="{1850C5E2-9BE7-4321-8945-320FE5AA9C0A}"/>
+                  </a:ext>
+                  <a:ext uri="{C183D7F6-B498-43B3-948B-1728B52AA6E4}">
+                    <adec:decorative xmlns:adec="http://schemas.microsoft.com/office/drawing/2017/decorative" val="1"/>
+                  </a:ext>
+                </a:extLst>
+              </p:cNvPr>
+              <p:cNvSpPr/>
+              <p:nvPr>
+                <p:extLst>
+                  <p:ext uri="{386F3935-93C4-4BCD-93E2-E3B085C9AB24}">
+                    <p16:designElem xmlns:p16="http://schemas.microsoft.com/office/powerpoint/2015/main" val="1"/>
+                  </p:ext>
+                </p:extLst>
+              </p:nvPr>
+            </p:nvSpPr>
+            <p:spPr>
+              <a:xfrm>
+                <a:off x="0" y="3428999"/>
+                <a:ext cx="9767888" cy="3429001"/>
+              </a:xfrm>
+              <a:prstGeom prst="rect">
+                <a:avLst/>
+              </a:prstGeom>
+              <a:gradFill flip="none" rotWithShape="1">
+                <a:gsLst>
+                  <a:gs pos="32000">
+                    <a:schemeClr val="bg1">
+                      <a:alpha val="60000"/>
+                    </a:schemeClr>
+                  </a:gs>
+                  <a:gs pos="0">
+                    <a:schemeClr val="bg1">
+                      <a:alpha val="80000"/>
+                    </a:schemeClr>
+                  </a:gs>
+                  <a:gs pos="63000">
+                    <a:schemeClr val="bg1">
+                      <a:alpha val="0"/>
+                    </a:schemeClr>
+                  </a:gs>
+                </a:gsLst>
+                <a:path path="circle">
+                  <a:fillToRect r="100000" b="100000"/>
+                </a:path>
+                <a:tileRect l="-100000" t="-100000"/>
+              </a:gradFill>
+              <a:ln w="12700" cap="flat" cmpd="sng" algn="ctr">
+                <a:noFill/>
+                <a:prstDash val="solid"/>
+                <a:miter lim="800000"/>
+              </a:ln>
+              <a:effectLst/>
+            </p:spPr>
+            <p:style>
+              <a:lnRef idx="2">
+                <a:schemeClr val="accent1">
+                  <a:shade val="50000"/>
+                </a:schemeClr>
+              </a:lnRef>
+              <a:fillRef idx="1">
+                <a:schemeClr val="accent1"/>
+              </a:fillRef>
+              <a:effectRef idx="0">
+                <a:schemeClr val="accent1"/>
+              </a:effectRef>
+              <a:fontRef idx="minor">
+                <a:schemeClr val="lt1"/>
+              </a:fontRef>
+            </p:style>
+            <p:txBody>
+              <a:bodyPr rtlCol="0" anchor="ctr"/>
+              <a:lstStyle/>
+              <a:p>
+                <a:pPr algn="ctr"/>
+                <a:endParaRPr lang="en-US" dirty="0"/>
+              </a:p>
+            </p:txBody>
+          </p:sp>
+          <p:sp>
+            <p:nvSpPr>
+              <p:cNvPr id="33" name="Rectangle 32">
+                <a:extLst>
+                  <a:ext uri="{FF2B5EF4-FFF2-40B4-BE49-F238E27FC236}">
+                    <a16:creationId xmlns:a16="http://schemas.microsoft.com/office/drawing/2014/main" id="{07B89D3D-F057-4F89-87AC-DBA5FD04CE4E}"/>
+                  </a:ext>
+                  <a:ext uri="{C183D7F6-B498-43B3-948B-1728B52AA6E4}">
+                    <adec:decorative xmlns:adec="http://schemas.microsoft.com/office/drawing/2017/decorative" val="1"/>
+                  </a:ext>
+                </a:extLst>
+              </p:cNvPr>
+              <p:cNvSpPr/>
+              <p:nvPr>
+                <p:extLst>
+                  <p:ext uri="{386F3935-93C4-4BCD-93E2-E3B085C9AB24}">
+                    <p16:designElem xmlns:p16="http://schemas.microsoft.com/office/powerpoint/2015/main" val="1"/>
+                  </p:ext>
+                </p:extLst>
+              </p:nvPr>
+            </p:nvSpPr>
+            <p:spPr>
+              <a:xfrm flipV="1">
+                <a:off x="0" y="-3"/>
+                <a:ext cx="9767888" cy="3428999"/>
+              </a:xfrm>
+              <a:prstGeom prst="rect">
+                <a:avLst/>
+              </a:prstGeom>
+              <a:gradFill flip="none" rotWithShape="1">
+                <a:gsLst>
+                  <a:gs pos="32000">
+                    <a:schemeClr val="bg1">
+                      <a:alpha val="60000"/>
+                    </a:schemeClr>
+                  </a:gs>
+                  <a:gs pos="0">
+                    <a:schemeClr val="bg1">
+                      <a:alpha val="80000"/>
+                    </a:schemeClr>
+                  </a:gs>
+                  <a:gs pos="63000">
+                    <a:schemeClr val="bg1">
+                      <a:alpha val="0"/>
+                    </a:schemeClr>
+                  </a:gs>
+                </a:gsLst>
+                <a:path path="circle">
+                  <a:fillToRect r="100000" b="100000"/>
+                </a:path>
+                <a:tileRect l="-100000" t="-100000"/>
+              </a:gradFill>
+              <a:ln w="12700" cap="flat" cmpd="sng" algn="ctr">
+                <a:noFill/>
+                <a:prstDash val="solid"/>
+                <a:miter lim="800000"/>
+              </a:ln>
+              <a:effectLst/>
+            </p:spPr>
+            <p:style>
+              <a:lnRef idx="2">
+                <a:schemeClr val="accent1">
+                  <a:shade val="50000"/>
+                </a:schemeClr>
+              </a:lnRef>
+              <a:fillRef idx="1">
+                <a:schemeClr val="accent1"/>
+              </a:fillRef>
+              <a:effectRef idx="0">
+                <a:schemeClr val="accent1"/>
+              </a:effectRef>
+              <a:fontRef idx="minor">
+                <a:schemeClr val="lt1"/>
+              </a:fontRef>
+            </p:style>
+            <p:txBody>
+              <a:bodyPr rtlCol="0" anchor="ctr"/>
+              <a:lstStyle/>
+              <a:p>
+                <a:pPr algn="ctr"/>
+                <a:endParaRPr lang="en-US" dirty="0"/>
+              </a:p>
+            </p:txBody>
+          </p:sp>
+        </p:grpSp>
+        <p:grpSp>
+          <p:nvGrpSpPr>
+            <p:cNvPr id="65" name="Group 24">
+              <a:extLst>
+                <a:ext uri="{FF2B5EF4-FFF2-40B4-BE49-F238E27FC236}">
+                  <a16:creationId xmlns:a16="http://schemas.microsoft.com/office/drawing/2014/main" id="{95B5518D-4B46-4866-BF9F-D6550DA00285}"/>
+                </a:ext>
+                <a:ext uri="{C183D7F6-B498-43B3-948B-1728B52AA6E4}">
+                  <adec:decorative xmlns:adec="http://schemas.microsoft.com/office/drawing/2017/decorative" val="1"/>
+                </a:ext>
+              </a:extLst>
+            </p:cNvPr>
+            <p:cNvGrpSpPr/>
+            <p:nvPr>
+              <p:extLst>
+                <p:ext uri="{386F3935-93C4-4BCD-93E2-E3B085C9AB24}">
+                  <p16:designElem xmlns:p16="http://schemas.microsoft.com/office/powerpoint/2015/main" val="1"/>
+                </p:ext>
+              </p:extLst>
+            </p:nvPr>
+          </p:nvGrpSpPr>
+          <p:grpSpPr>
+            <a:xfrm rot="10800000">
+              <a:off x="2406074" y="-5"/>
+              <a:ext cx="9785926" cy="6858002"/>
+              <a:chOff x="0" y="-1"/>
+              <a:chExt cx="9785926" cy="6858002"/>
+            </a:xfrm>
+          </p:grpSpPr>
+          <p:sp>
+            <p:nvSpPr>
+              <p:cNvPr id="30" name="Rectangle 29">
+                <a:extLst>
+                  <a:ext uri="{FF2B5EF4-FFF2-40B4-BE49-F238E27FC236}">
+                    <a16:creationId xmlns:a16="http://schemas.microsoft.com/office/drawing/2014/main" id="{71673445-12E5-48F8-BEF8-87016BBC520A}"/>
+                  </a:ext>
+                  <a:ext uri="{C183D7F6-B498-43B3-948B-1728B52AA6E4}">
+                    <adec:decorative xmlns:adec="http://schemas.microsoft.com/office/drawing/2017/decorative" val="1"/>
+                  </a:ext>
+                </a:extLst>
+              </p:cNvPr>
+              <p:cNvSpPr/>
+              <p:nvPr>
+                <p:extLst>
+                  <p:ext uri="{386F3935-93C4-4BCD-93E2-E3B085C9AB24}">
+                    <p16:designElem xmlns:p16="http://schemas.microsoft.com/office/powerpoint/2015/main" val="1"/>
+                  </p:ext>
+                </p:extLst>
+              </p:nvPr>
+            </p:nvSpPr>
+            <p:spPr>
+              <a:xfrm>
+                <a:off x="0" y="3429000"/>
+                <a:ext cx="9785926" cy="3429001"/>
+              </a:xfrm>
+              <a:prstGeom prst="rect">
+                <a:avLst/>
+              </a:prstGeom>
+              <a:gradFill flip="none" rotWithShape="1">
+                <a:gsLst>
+                  <a:gs pos="0">
+                    <a:schemeClr val="accent3"/>
+                  </a:gs>
+                  <a:gs pos="63000">
+                    <a:schemeClr val="accent3">
+                      <a:alpha val="0"/>
+                    </a:schemeClr>
+                  </a:gs>
+                </a:gsLst>
+                <a:path path="circle">
+                  <a:fillToRect r="100000" b="100000"/>
+                </a:path>
+                <a:tileRect l="-100000" t="-100000"/>
+              </a:gradFill>
+              <a:ln w="12700" cap="flat" cmpd="sng" algn="ctr">
+                <a:noFill/>
+                <a:prstDash val="solid"/>
+                <a:miter lim="800000"/>
+              </a:ln>
+              <a:effectLst/>
+            </p:spPr>
+            <p:style>
+              <a:lnRef idx="2">
+                <a:schemeClr val="accent1">
+                  <a:shade val="50000"/>
+                </a:schemeClr>
+              </a:lnRef>
+              <a:fillRef idx="1">
+                <a:schemeClr val="accent1"/>
+              </a:fillRef>
+              <a:effectRef idx="0">
+                <a:schemeClr val="accent1"/>
+              </a:effectRef>
+              <a:fontRef idx="minor">
+                <a:schemeClr val="lt1"/>
+              </a:fontRef>
+            </p:style>
+            <p:txBody>
+              <a:bodyPr rtlCol="0" anchor="ctr"/>
+              <a:lstStyle/>
+              <a:p>
+                <a:pPr algn="ctr"/>
+                <a:endParaRPr lang="en-US" dirty="0"/>
+              </a:p>
+            </p:txBody>
+          </p:sp>
+          <p:sp>
+            <p:nvSpPr>
+              <p:cNvPr id="31" name="Rectangle 30">
+                <a:extLst>
+                  <a:ext uri="{FF2B5EF4-FFF2-40B4-BE49-F238E27FC236}">
+                    <a16:creationId xmlns:a16="http://schemas.microsoft.com/office/drawing/2014/main" id="{3ACC629B-B138-4925-BE58-F4E4E2CC831B}"/>
+                  </a:ext>
+                  <a:ext uri="{C183D7F6-B498-43B3-948B-1728B52AA6E4}">
+                    <adec:decorative xmlns:adec="http://schemas.microsoft.com/office/drawing/2017/decorative" val="1"/>
+                  </a:ext>
+                </a:extLst>
+              </p:cNvPr>
+              <p:cNvSpPr/>
+              <p:nvPr>
+                <p:extLst>
+                  <p:ext uri="{386F3935-93C4-4BCD-93E2-E3B085C9AB24}">
+                    <p16:designElem xmlns:p16="http://schemas.microsoft.com/office/powerpoint/2015/main" val="1"/>
+                  </p:ext>
+                </p:extLst>
+              </p:nvPr>
+            </p:nvSpPr>
+            <p:spPr>
+              <a:xfrm flipV="1">
+                <a:off x="0" y="-1"/>
+                <a:ext cx="9785926" cy="3428999"/>
+              </a:xfrm>
+              <a:prstGeom prst="rect">
+                <a:avLst/>
+              </a:prstGeom>
+              <a:gradFill flip="none" rotWithShape="1">
+                <a:gsLst>
+                  <a:gs pos="0">
+                    <a:schemeClr val="accent3"/>
+                  </a:gs>
+                  <a:gs pos="63000">
+                    <a:schemeClr val="accent3">
+                      <a:alpha val="0"/>
+                    </a:schemeClr>
+                  </a:gs>
+                </a:gsLst>
+                <a:path path="circle">
+                  <a:fillToRect r="100000" b="100000"/>
+                </a:path>
+                <a:tileRect l="-100000" t="-100000"/>
+              </a:gradFill>
+              <a:ln w="12700" cap="flat" cmpd="sng" algn="ctr">
+                <a:noFill/>
+                <a:prstDash val="solid"/>
+                <a:miter lim="800000"/>
+              </a:ln>
+              <a:effectLst/>
+            </p:spPr>
+            <p:style>
+              <a:lnRef idx="2">
+                <a:schemeClr val="accent1">
+                  <a:shade val="50000"/>
+                </a:schemeClr>
+              </a:lnRef>
+              <a:fillRef idx="1">
+                <a:schemeClr val="accent1"/>
+              </a:fillRef>
+              <a:effectRef idx="0">
+                <a:schemeClr val="accent1"/>
+              </a:effectRef>
+              <a:fontRef idx="minor">
+                <a:schemeClr val="lt1"/>
+              </a:fontRef>
+            </p:style>
+            <p:txBody>
+              <a:bodyPr rtlCol="0" anchor="ctr"/>
+              <a:lstStyle/>
+              <a:p>
+                <a:pPr algn="ctr"/>
+                <a:endParaRPr lang="en-US" dirty="0"/>
+              </a:p>
+            </p:txBody>
+          </p:sp>
+        </p:grpSp>
+        <p:grpSp>
+          <p:nvGrpSpPr>
+            <p:cNvPr id="66" name="Group 25">
+              <a:extLst>
+                <a:ext uri="{FF2B5EF4-FFF2-40B4-BE49-F238E27FC236}">
+                  <a16:creationId xmlns:a16="http://schemas.microsoft.com/office/drawing/2014/main" id="{40C8F77F-4220-4C2C-BE7D-0C626E457012}"/>
+                </a:ext>
+                <a:ext uri="{C183D7F6-B498-43B3-948B-1728B52AA6E4}">
+                  <adec:decorative xmlns:adec="http://schemas.microsoft.com/office/drawing/2017/decorative" val="1"/>
+                </a:ext>
+              </a:extLst>
+            </p:cNvPr>
+            <p:cNvGrpSpPr/>
+            <p:nvPr>
+              <p:extLst>
+                <p:ext uri="{386F3935-93C4-4BCD-93E2-E3B085C9AB24}">
+                  <p16:designElem xmlns:p16="http://schemas.microsoft.com/office/powerpoint/2015/main" val="1"/>
+                </p:ext>
+              </p:extLst>
+            </p:nvPr>
+          </p:nvGrpSpPr>
+          <p:grpSpPr>
+            <a:xfrm>
+              <a:off x="2423330" y="-5"/>
+              <a:ext cx="9768670" cy="6858002"/>
+              <a:chOff x="2423330" y="-5"/>
+              <a:chExt cx="9768670" cy="6858002"/>
+            </a:xfrm>
+          </p:grpSpPr>
+          <p:sp>
+            <p:nvSpPr>
+              <p:cNvPr id="28" name="Rectangle 27">
+                <a:extLst>
+                  <a:ext uri="{FF2B5EF4-FFF2-40B4-BE49-F238E27FC236}">
+                    <a16:creationId xmlns:a16="http://schemas.microsoft.com/office/drawing/2014/main" id="{B66BF283-D5A5-422F-9640-B6D1ABD98918}"/>
+                  </a:ext>
+                  <a:ext uri="{C183D7F6-B498-43B3-948B-1728B52AA6E4}">
+                    <adec:decorative xmlns:adec="http://schemas.microsoft.com/office/drawing/2017/decorative" val="1"/>
+                  </a:ext>
+                </a:extLst>
+              </p:cNvPr>
+              <p:cNvSpPr/>
+              <p:nvPr>
+                <p:extLst>
+                  <p:ext uri="{386F3935-93C4-4BCD-93E2-E3B085C9AB24}">
+                    <p16:designElem xmlns:p16="http://schemas.microsoft.com/office/powerpoint/2015/main" val="1"/>
+                  </p:ext>
+                </p:extLst>
+              </p:nvPr>
+            </p:nvSpPr>
+            <p:spPr>
+              <a:xfrm rot="10800000">
+                <a:off x="2423330" y="-5"/>
+                <a:ext cx="9767888" cy="3429001"/>
+              </a:xfrm>
+              <a:prstGeom prst="rect">
+                <a:avLst/>
+              </a:prstGeom>
+              <a:gradFill flip="none" rotWithShape="1">
+                <a:gsLst>
+                  <a:gs pos="0">
+                    <a:schemeClr val="accent2">
+                      <a:alpha val="40000"/>
+                    </a:schemeClr>
+                  </a:gs>
+                  <a:gs pos="60000">
+                    <a:schemeClr val="accent2">
+                      <a:alpha val="0"/>
+                    </a:schemeClr>
+                  </a:gs>
+                </a:gsLst>
+                <a:path path="circle">
+                  <a:fillToRect r="100000" b="100000"/>
+                </a:path>
+                <a:tileRect l="-100000" t="-100000"/>
+              </a:gradFill>
+              <a:ln w="12700" cap="flat" cmpd="sng" algn="ctr">
+                <a:noFill/>
+                <a:prstDash val="solid"/>
+                <a:miter lim="800000"/>
+              </a:ln>
+              <a:effectLst/>
+            </p:spPr>
+            <p:style>
+              <a:lnRef idx="2">
+                <a:schemeClr val="accent1">
+                  <a:shade val="50000"/>
+                </a:schemeClr>
+              </a:lnRef>
+              <a:fillRef idx="1">
+                <a:schemeClr val="accent1"/>
+              </a:fillRef>
+              <a:effectRef idx="0">
+                <a:schemeClr val="accent1"/>
+              </a:effectRef>
+              <a:fontRef idx="minor">
+                <a:schemeClr val="lt1"/>
+              </a:fontRef>
+            </p:style>
+            <p:txBody>
+              <a:bodyPr rtlCol="0" anchor="ctr"/>
+              <a:lstStyle/>
+              <a:p>
+                <a:pPr algn="ctr"/>
+                <a:endParaRPr lang="en-US" dirty="0"/>
+              </a:p>
+            </p:txBody>
+          </p:sp>
+          <p:sp>
+            <p:nvSpPr>
+              <p:cNvPr id="29" name="Rectangle 28">
+                <a:extLst>
+                  <a:ext uri="{FF2B5EF4-FFF2-40B4-BE49-F238E27FC236}">
+                    <a16:creationId xmlns:a16="http://schemas.microsoft.com/office/drawing/2014/main" id="{05EAD1A7-3DBD-4376-BF10-AEE971C1BC23}"/>
+                  </a:ext>
+                  <a:ext uri="{C183D7F6-B498-43B3-948B-1728B52AA6E4}">
+                    <adec:decorative xmlns:adec="http://schemas.microsoft.com/office/drawing/2017/decorative" val="1"/>
+                  </a:ext>
+                </a:extLst>
+              </p:cNvPr>
+              <p:cNvSpPr/>
+              <p:nvPr>
+                <p:extLst>
+                  <p:ext uri="{386F3935-93C4-4BCD-93E2-E3B085C9AB24}">
+                    <p16:designElem xmlns:p16="http://schemas.microsoft.com/office/powerpoint/2015/main" val="1"/>
+                  </p:ext>
+                </p:extLst>
+              </p:nvPr>
+            </p:nvSpPr>
+            <p:spPr>
+              <a:xfrm rot="10800000" flipV="1">
+                <a:off x="2424112" y="3428998"/>
+                <a:ext cx="9767888" cy="3428999"/>
+              </a:xfrm>
+              <a:prstGeom prst="rect">
+                <a:avLst/>
+              </a:prstGeom>
+              <a:gradFill flip="none" rotWithShape="1">
+                <a:gsLst>
+                  <a:gs pos="0">
+                    <a:schemeClr val="accent2">
+                      <a:alpha val="40000"/>
+                    </a:schemeClr>
+                  </a:gs>
+                  <a:gs pos="60000">
+                    <a:schemeClr val="accent2">
+                      <a:alpha val="0"/>
+                    </a:schemeClr>
+                  </a:gs>
+                </a:gsLst>
+                <a:path path="circle">
+                  <a:fillToRect r="100000" b="100000"/>
+                </a:path>
+                <a:tileRect l="-100000" t="-100000"/>
+              </a:gradFill>
+              <a:ln w="12700" cap="flat" cmpd="sng" algn="ctr">
+                <a:noFill/>
+                <a:prstDash val="solid"/>
+                <a:miter lim="800000"/>
+              </a:ln>
+              <a:effectLst/>
+            </p:spPr>
+            <p:style>
+              <a:lnRef idx="2">
+                <a:schemeClr val="accent1">
+                  <a:shade val="50000"/>
+                </a:schemeClr>
+              </a:lnRef>
+              <a:fillRef idx="1">
+                <a:schemeClr val="accent1"/>
+              </a:fillRef>
+              <a:effectRef idx="0">
+                <a:schemeClr val="accent1"/>
+              </a:effectRef>
+              <a:fontRef idx="minor">
+                <a:schemeClr val="lt1"/>
+              </a:fontRef>
+            </p:style>
+            <p:txBody>
+              <a:bodyPr rtlCol="0" anchor="ctr"/>
+              <a:lstStyle/>
+              <a:p>
+                <a:pPr algn="ctr"/>
+                <a:endParaRPr lang="en-US" dirty="0"/>
+              </a:p>
+            </p:txBody>
+          </p:sp>
+        </p:grpSp>
+        <p:sp>
+          <p:nvSpPr>
+            <p:cNvPr id="27" name="Rectangle 26">
+              <a:extLst>
+                <a:ext uri="{FF2B5EF4-FFF2-40B4-BE49-F238E27FC236}">
+                  <a16:creationId xmlns:a16="http://schemas.microsoft.com/office/drawing/2014/main" id="{8F565D01-6AAA-4149-B7F9-257DDE044AC9}"/>
+                </a:ext>
+                <a:ext uri="{C183D7F6-B498-43B3-948B-1728B52AA6E4}">
+                  <adec:decorative xmlns:adec="http://schemas.microsoft.com/office/drawing/2017/decorative" val="1"/>
+                </a:ext>
+              </a:extLst>
+            </p:cNvPr>
+            <p:cNvSpPr/>
+            <p:nvPr>
+              <p:extLst>
+                <p:ext uri="{386F3935-93C4-4BCD-93E2-E3B085C9AB24}">
+                  <p16:designElem xmlns:p16="http://schemas.microsoft.com/office/powerpoint/2015/main" val="1"/>
+                </p:ext>
+              </p:extLst>
+            </p:nvPr>
+          </p:nvSpPr>
+          <p:spPr>
+            <a:xfrm rot="16200000" flipV="1">
+              <a:off x="4637393" y="-696606"/>
+              <a:ext cx="6312874" cy="8796338"/>
+            </a:xfrm>
+            <a:prstGeom prst="rect">
+              <a:avLst/>
+            </a:prstGeom>
+            <a:gradFill flip="none" rotWithShape="1">
+              <a:gsLst>
+                <a:gs pos="0">
+                  <a:schemeClr val="accent2">
+                    <a:alpha val="60000"/>
+                  </a:schemeClr>
+                </a:gs>
+                <a:gs pos="60000">
+                  <a:schemeClr val="accent2">
+                    <a:alpha val="0"/>
+                  </a:schemeClr>
+                </a:gs>
+              </a:gsLst>
+              <a:path path="circle">
+                <a:fillToRect r="100000" b="100000"/>
+              </a:path>
+              <a:tileRect l="-100000" t="-100000"/>
+            </a:gradFill>
+            <a:ln w="12700" cap="flat" cmpd="sng" algn="ctr">
+              <a:noFill/>
+              <a:prstDash val="solid"/>
+              <a:miter lim="800000"/>
+            </a:ln>
+            <a:effectLst/>
+          </p:spPr>
+          <p:style>
+            <a:lnRef idx="2">
+              <a:schemeClr val="accent1">
+                <a:shade val="50000"/>
+              </a:schemeClr>
+            </a:lnRef>
+            <a:fillRef idx="1">
+              <a:schemeClr val="accent1"/>
+            </a:fillRef>
+            <a:effectRef idx="0">
+              <a:schemeClr val="accent1"/>
+            </a:effectRef>
+            <a:fontRef idx="minor">
+              <a:schemeClr val="lt1"/>
+            </a:fontRef>
+          </p:style>
+          <p:txBody>
+            <a:bodyPr rtlCol="0" anchor="ctr"/>
+            <a:lstStyle/>
+            <a:p>
+              <a:pPr algn="ctr"/>
+              <a:endParaRPr lang="en-US"/>
+            </a:p>
+          </p:txBody>
+        </p:sp>
+      </p:grpSp>
+      <p:sp>
+        <p:nvSpPr>
+          <p:cNvPr id="2" name="Título 1">
+            <a:extLst>
+              <a:ext uri="{FF2B5EF4-FFF2-40B4-BE49-F238E27FC236}">
+                <a16:creationId xmlns:a16="http://schemas.microsoft.com/office/drawing/2014/main" id="{42935DCC-0407-FC34-E90E-29879D4738BD}"/>
+              </a:ext>
+            </a:extLst>
+          </p:cNvPr>
+          <p:cNvSpPr>
+            <a:spLocks noGrp="1"/>
+          </p:cNvSpPr>
+          <p:nvPr>
+            <p:ph type="title"/>
+          </p:nvPr>
+        </p:nvSpPr>
+        <p:spPr>
+          <a:xfrm>
+            <a:off x="540000" y="540000"/>
+            <a:ext cx="4500561" cy="4259814"/>
+          </a:xfrm>
+        </p:spPr>
+        <p:txBody>
+          <a:bodyPr vert="horz" lIns="91440" tIns="45720" rIns="91440" bIns="45720" rtlCol="0" anchor="b">
+            <a:normAutofit/>
+          </a:bodyPr>
+          <a:lstStyle/>
+          <a:p>
+            <a:r>
+              <a:rPr lang="en-US" sz="7500">
+                <a:solidFill>
+                  <a:srgbClr val="FFFFFF"/>
+                </a:solidFill>
+              </a:rPr>
+              <a:t>Modelo de regresión lineal</a:t>
+            </a:r>
+          </a:p>
+        </p:txBody>
+      </p:sp>
+    </p:spTree>
+    <p:extLst>
+      <p:ext uri="{BB962C8B-B14F-4D97-AF65-F5344CB8AC3E}">
+        <p14:creationId xmlns:p14="http://schemas.microsoft.com/office/powerpoint/2010/main" val="903258587"/>
+      </p:ext>
+    </p:extLst>
+  </p:cSld>
+  <p:clrMapOvr>
+    <a:masterClrMapping/>
+  </p:clrMapOvr>
+</p:sld>
+</file>
+
+<file path=ppt/slides/slide18.xml><?xml version="1.0" encoding="utf-8"?>
+<p:sld xmlns:a="http://schemas.openxmlformats.org/drawingml/2006/main" xmlns:r="http://schemas.openxmlformats.org/officeDocument/2006/relationships" xmlns:p="http://schemas.openxmlformats.org/presentationml/2006/main">
+  <p:cSld>
+    <p:bg>
+      <p:bgPr>
+        <a:solidFill>
+          <a:schemeClr val="bg1"/>
+        </a:solidFill>
+        <a:effectLst/>
+      </p:bgPr>
+    </p:bg>
+    <p:spTree>
+      <p:nvGrpSpPr>
+        <p:cNvPr id="1" name=""/>
+        <p:cNvGrpSpPr/>
+        <p:nvPr/>
+      </p:nvGrpSpPr>
+      <p:grpSpPr>
+        <a:xfrm>
+          <a:off x="0" y="0"/>
+          <a:ext cx="0" cy="0"/>
+          <a:chOff x="0" y="0"/>
+          <a:chExt cx="0" cy="0"/>
+        </a:xfrm>
+      </p:grpSpPr>
+      <p:sp useBgFill="1">
+        <p:nvSpPr>
+          <p:cNvPr id="15514" name="Rectangle 15513">
+            <a:extLst>
+              <a:ext uri="{FF2B5EF4-FFF2-40B4-BE49-F238E27FC236}">
+                <a16:creationId xmlns:a16="http://schemas.microsoft.com/office/drawing/2014/main" id="{B4F9B187-EC02-44E0-99C7-5D629D6648DA}"/>
+              </a:ext>
+              <a:ext uri="{C183D7F6-B498-43B3-948B-1728B52AA6E4}">
+                <adec:decorative xmlns:adec="http://schemas.microsoft.com/office/drawing/2017/decorative" val="1"/>
+              </a:ext>
+            </a:extLst>
+          </p:cNvPr>
+          <p:cNvSpPr>
+            <a:spLocks noGrp="1" noRot="1" noChangeAspect="1" noMove="1" noResize="1" noEditPoints="1" noAdjustHandles="1" noChangeArrowheads="1" noChangeShapeType="1" noTextEdit="1"/>
+          </p:cNvSpPr>
+          <p:nvPr>
+            <p:extLst>
+              <p:ext uri="{386F3935-93C4-4BCD-93E2-E3B085C9AB24}">
+                <p16:designElem xmlns:p16="http://schemas.microsoft.com/office/powerpoint/2015/main" val="1"/>
+              </p:ext>
+            </p:extLst>
+          </p:nvPr>
+        </p:nvSpPr>
+        <p:spPr>
+          <a:xfrm>
+            <a:off x="0" y="0"/>
+            <a:ext cx="12192000" cy="6858000"/>
+          </a:xfrm>
+          <a:prstGeom prst="rect">
+            <a:avLst/>
+          </a:prstGeom>
+          <a:ln w="12700" cap="flat" cmpd="sng" algn="ctr">
+            <a:noFill/>
+            <a:prstDash val="solid"/>
+            <a:miter lim="800000"/>
+          </a:ln>
+          <a:effectLst/>
+          <a:extLst>
+            <a:ext uri="{91240B29-F687-4F45-9708-019B960494DF}">
+              <a14:hiddenLine xmlns:a14="http://schemas.microsoft.com/office/drawing/2010/main" w="12700" cap="flat" cmpd="sng" algn="ctr">
+                <a:solidFill>
+                  <a:schemeClr val="accent1">
+                    <a:shade val="50000"/>
+                  </a:schemeClr>
+                </a:solidFill>
+                <a:prstDash val="solid"/>
+                <a:miter lim="800000"/>
+              </a14:hiddenLine>
+            </a:ext>
+          </a:extLst>
+        </p:spPr>
+        <p:style>
+          <a:lnRef idx="2">
+            <a:schemeClr val="accent1">
+              <a:shade val="50000"/>
+            </a:schemeClr>
+          </a:lnRef>
+          <a:fillRef idx="1">
+            <a:schemeClr val="accent1"/>
+          </a:fillRef>
+          <a:effectRef idx="0">
+            <a:schemeClr val="accent1"/>
+          </a:effectRef>
+          <a:fontRef idx="minor">
+            <a:schemeClr val="lt1"/>
+          </a:fontRef>
+        </p:style>
+        <p:txBody>
+          <a:bodyPr rtlCol="0" anchor="ctr"/>
+          <a:lstStyle/>
+          <a:p>
+            <a:pPr algn="ctr"/>
+            <a:endParaRPr lang="en-US"/>
+          </a:p>
+        </p:txBody>
+      </p:sp>
+      <p:grpSp>
+        <p:nvGrpSpPr>
+          <p:cNvPr id="15516" name="Group 15515">
+            <a:extLst>
+              <a:ext uri="{FF2B5EF4-FFF2-40B4-BE49-F238E27FC236}">
+                <a16:creationId xmlns:a16="http://schemas.microsoft.com/office/drawing/2014/main" id="{7C6B683D-13FA-4605-8648-01FC9C82FEC8}"/>
+              </a:ext>
+              <a:ext uri="{C183D7F6-B498-43B3-948B-1728B52AA6E4}">
+                <adec:decorative xmlns:adec="http://schemas.microsoft.com/office/drawing/2017/decorative" val="1"/>
+              </a:ext>
+            </a:extLst>
+          </p:cNvPr>
+          <p:cNvGrpSpPr>
+            <a:grpSpLocks noGrp="1" noUngrp="1" noRot="1" noChangeAspect="1" noMove="1" noResize="1"/>
+          </p:cNvGrpSpPr>
+          <p:nvPr>
+            <p:extLst>
+              <p:ext uri="{386F3935-93C4-4BCD-93E2-E3B085C9AB24}">
+                <p16:designElem xmlns:p16="http://schemas.microsoft.com/office/powerpoint/2015/main" val="1"/>
+              </p:ext>
+            </p:extLst>
+          </p:nvPr>
+        </p:nvGrpSpPr>
+        <p:grpSpPr>
+          <a:xfrm>
+            <a:off x="1" y="0"/>
+            <a:ext cx="12191999" cy="6861600"/>
+            <a:chOff x="1" y="0"/>
+            <a:chExt cx="12191999" cy="6861600"/>
+          </a:xfrm>
+        </p:grpSpPr>
+        <p:sp>
+          <p:nvSpPr>
+            <p:cNvPr id="15517" name="Rectangle 15516">
+              <a:extLst>
+                <a:ext uri="{FF2B5EF4-FFF2-40B4-BE49-F238E27FC236}">
+                  <a16:creationId xmlns:a16="http://schemas.microsoft.com/office/drawing/2014/main" id="{9852A959-AA36-4E4C-940B-F33A7BE0ABCF}"/>
+                </a:ext>
+                <a:ext uri="{C183D7F6-B498-43B3-948B-1728B52AA6E4}">
+                  <adec:decorative xmlns:adec="http://schemas.microsoft.com/office/drawing/2017/decorative" val="1"/>
+                </a:ext>
+              </a:extLst>
+            </p:cNvPr>
+            <p:cNvSpPr>
+              <a:spLocks noChangeAspect="1"/>
+            </p:cNvSpPr>
+            <p:nvPr>
+              <p:extLst>
+                <p:ext uri="{386F3935-93C4-4BCD-93E2-E3B085C9AB24}">
+                  <p16:designElem xmlns:p16="http://schemas.microsoft.com/office/powerpoint/2015/main" val="1"/>
+                </p:ext>
+              </p:extLst>
+            </p:nvPr>
+          </p:nvSpPr>
+          <p:spPr>
+            <a:xfrm rot="16200000">
+              <a:off x="1" y="1640114"/>
+              <a:ext cx="5217886" cy="5217886"/>
+            </a:xfrm>
+            <a:prstGeom prst="rect">
+              <a:avLst/>
+            </a:prstGeom>
+            <a:gradFill flip="none" rotWithShape="1">
+              <a:gsLst>
+                <a:gs pos="0">
+                  <a:schemeClr val="accent2">
+                    <a:alpha val="60000"/>
+                  </a:schemeClr>
+                </a:gs>
+                <a:gs pos="60000">
+                  <a:schemeClr val="accent2">
+                    <a:alpha val="0"/>
+                  </a:schemeClr>
+                </a:gs>
+              </a:gsLst>
+              <a:path path="circle">
+                <a:fillToRect r="100000" b="100000"/>
+              </a:path>
+              <a:tileRect l="-100000" t="-100000"/>
+            </a:gradFill>
+            <a:ln w="12700" cap="flat" cmpd="sng" algn="ctr">
+              <a:noFill/>
+              <a:prstDash val="solid"/>
+              <a:miter lim="800000"/>
+            </a:ln>
+            <a:effectLst/>
+          </p:spPr>
+          <p:style>
+            <a:lnRef idx="2">
+              <a:schemeClr val="accent1">
+                <a:shade val="50000"/>
+              </a:schemeClr>
+            </a:lnRef>
+            <a:fillRef idx="1">
+              <a:schemeClr val="accent1"/>
+            </a:fillRef>
+            <a:effectRef idx="0">
+              <a:schemeClr val="accent1"/>
+            </a:effectRef>
+            <a:fontRef idx="minor">
+              <a:schemeClr val="lt1"/>
+            </a:fontRef>
+          </p:style>
+          <p:txBody>
+            <a:bodyPr rtlCol="0" anchor="ctr"/>
+            <a:lstStyle/>
+            <a:p>
+              <a:pPr algn="ctr"/>
+              <a:endParaRPr lang="en-US"/>
+            </a:p>
+          </p:txBody>
+        </p:sp>
+        <p:sp>
+          <p:nvSpPr>
+            <p:cNvPr id="15518" name="Oval 15517">
+              <a:extLst>
+                <a:ext uri="{FF2B5EF4-FFF2-40B4-BE49-F238E27FC236}">
+                  <a16:creationId xmlns:a16="http://schemas.microsoft.com/office/drawing/2014/main" id="{FFFC38A9-EA65-4BD6-A6E1-CAD07CCB8105}"/>
+                </a:ext>
+                <a:ext uri="{C183D7F6-B498-43B3-948B-1728B52AA6E4}">
+                  <adec:decorative xmlns:adec="http://schemas.microsoft.com/office/drawing/2017/decorative" val="1"/>
+                </a:ext>
+              </a:extLst>
+            </p:cNvPr>
+            <p:cNvSpPr>
+              <a:spLocks noChangeAspect="1"/>
+            </p:cNvSpPr>
+            <p:nvPr>
+              <p:extLst>
+                <p:ext uri="{386F3935-93C4-4BCD-93E2-E3B085C9AB24}">
+                  <p16:designElem xmlns:p16="http://schemas.microsoft.com/office/powerpoint/2015/main" val="1"/>
+                </p:ext>
+              </p:extLst>
+            </p:nvPr>
+          </p:nvSpPr>
+          <p:spPr>
+            <a:xfrm>
+              <a:off x="6384514" y="0"/>
+              <a:ext cx="4320000" cy="4320000"/>
+            </a:xfrm>
+            <a:prstGeom prst="ellipse">
+              <a:avLst/>
+            </a:prstGeom>
+            <a:solidFill>
+              <a:schemeClr val="accent3">
+                <a:alpha val="96000"/>
+              </a:schemeClr>
+            </a:solidFill>
+            <a:ln>
+              <a:noFill/>
+            </a:ln>
+            <a:effectLst>
+              <a:softEdge rad="1016000"/>
+            </a:effectLst>
+          </p:spPr>
+          <p:style>
+            <a:lnRef idx="2">
+              <a:schemeClr val="accent1">
+                <a:shade val="50000"/>
+              </a:schemeClr>
+            </a:lnRef>
+            <a:fillRef idx="1">
+              <a:schemeClr val="accent1"/>
+            </a:fillRef>
+            <a:effectRef idx="0">
+              <a:schemeClr val="accent1"/>
+            </a:effectRef>
+            <a:fontRef idx="minor">
+              <a:schemeClr val="lt1"/>
+            </a:fontRef>
+          </p:style>
+          <p:txBody>
+            <a:bodyPr rtlCol="0" anchor="ctr"/>
+            <a:lstStyle/>
+            <a:p>
+              <a:pPr algn="ctr"/>
+              <a:endParaRPr lang="en-US"/>
+            </a:p>
+          </p:txBody>
+        </p:sp>
+        <p:sp>
+          <p:nvSpPr>
+            <p:cNvPr id="15519" name="Oval 15518">
+              <a:extLst>
+                <a:ext uri="{FF2B5EF4-FFF2-40B4-BE49-F238E27FC236}">
+                  <a16:creationId xmlns:a16="http://schemas.microsoft.com/office/drawing/2014/main" id="{F9E36CA9-9013-4306-B36F-2E349B6FEDB6}"/>
+                </a:ext>
+                <a:ext uri="{C183D7F6-B498-43B3-948B-1728B52AA6E4}">
+                  <adec:decorative xmlns:adec="http://schemas.microsoft.com/office/drawing/2017/decorative" val="1"/>
+                </a:ext>
+              </a:extLst>
+            </p:cNvPr>
+            <p:cNvSpPr>
+              <a:spLocks noChangeAspect="1"/>
+            </p:cNvSpPr>
+            <p:nvPr>
+              <p:extLst>
+                <p:ext uri="{386F3935-93C4-4BCD-93E2-E3B085C9AB24}">
+                  <p16:designElem xmlns:p16="http://schemas.microsoft.com/office/powerpoint/2015/main" val="1"/>
+                </p:ext>
+              </p:extLst>
+            </p:nvPr>
+          </p:nvSpPr>
+          <p:spPr>
+            <a:xfrm>
+              <a:off x="6119057" y="1230054"/>
+              <a:ext cx="5506886" cy="5506886"/>
+            </a:xfrm>
+            <a:prstGeom prst="ellipse">
+              <a:avLst/>
+            </a:prstGeom>
+            <a:solidFill>
+              <a:schemeClr val="accent2">
+                <a:alpha val="60000"/>
+              </a:schemeClr>
+            </a:solidFill>
+            <a:ln>
+              <a:noFill/>
+            </a:ln>
+            <a:effectLst>
+              <a:softEdge rad="1270000"/>
+            </a:effectLst>
+          </p:spPr>
+          <p:style>
+            <a:lnRef idx="2">
+              <a:schemeClr val="accent1">
+                <a:shade val="50000"/>
+              </a:schemeClr>
+            </a:lnRef>
+            <a:fillRef idx="1">
+              <a:schemeClr val="accent1"/>
+            </a:fillRef>
+            <a:effectRef idx="0">
+              <a:schemeClr val="accent1"/>
+            </a:effectRef>
+            <a:fontRef idx="minor">
+              <a:schemeClr val="lt1"/>
+            </a:fontRef>
+          </p:style>
+          <p:txBody>
+            <a:bodyPr rtlCol="0" anchor="ctr"/>
+            <a:lstStyle/>
+            <a:p>
+              <a:pPr algn="ctr"/>
+              <a:endParaRPr lang="en-US" dirty="0"/>
+            </a:p>
+          </p:txBody>
+        </p:sp>
+        <p:grpSp>
+          <p:nvGrpSpPr>
+            <p:cNvPr id="15520" name="Group 15519">
+              <a:extLst>
+                <a:ext uri="{FF2B5EF4-FFF2-40B4-BE49-F238E27FC236}">
+                  <a16:creationId xmlns:a16="http://schemas.microsoft.com/office/drawing/2014/main" id="{CE8D3FFE-4362-43F6-99D3-1B83F7AD5946}"/>
+                </a:ext>
+                <a:ext uri="{C183D7F6-B498-43B3-948B-1728B52AA6E4}">
+                  <adec:decorative xmlns:adec="http://schemas.microsoft.com/office/drawing/2017/decorative" val="1"/>
+                </a:ext>
+              </a:extLst>
+            </p:cNvPr>
+            <p:cNvGrpSpPr>
+              <a:grpSpLocks noChangeAspect="1"/>
+            </p:cNvGrpSpPr>
+            <p:nvPr>
+              <p:extLst>
+                <p:ext uri="{386F3935-93C4-4BCD-93E2-E3B085C9AB24}">
+                  <p16:designElem xmlns:p16="http://schemas.microsoft.com/office/powerpoint/2015/main" val="1"/>
+                </p:ext>
+              </p:extLst>
+            </p:nvPr>
+          </p:nvGrpSpPr>
+          <p:grpSpPr>
+            <a:xfrm>
+              <a:off x="690092" y="0"/>
+              <a:ext cx="10800000" cy="6858000"/>
+              <a:chOff x="2328000" y="0"/>
+              <a:chExt cx="2880000" cy="1440000"/>
+            </a:xfrm>
+          </p:grpSpPr>
+          <p:sp>
+            <p:nvSpPr>
+              <p:cNvPr id="15525" name="Rectangle 15524">
+                <a:extLst>
+                  <a:ext uri="{FF2B5EF4-FFF2-40B4-BE49-F238E27FC236}">
+                    <a16:creationId xmlns:a16="http://schemas.microsoft.com/office/drawing/2014/main" id="{F7AA39D6-8796-468A-8C18-D17C0BBF21AB}"/>
+                  </a:ext>
+                  <a:ext uri="{C183D7F6-B498-43B3-948B-1728B52AA6E4}">
+                    <adec:decorative xmlns:adec="http://schemas.microsoft.com/office/drawing/2017/decorative" val="1"/>
+                  </a:ext>
+                </a:extLst>
+              </p:cNvPr>
+              <p:cNvSpPr/>
+              <p:nvPr>
+                <p:extLst>
+                  <p:ext uri="{386F3935-93C4-4BCD-93E2-E3B085C9AB24}">
+                    <p16:designElem xmlns:p16="http://schemas.microsoft.com/office/powerpoint/2015/main" val="1"/>
+                  </p:ext>
+                </p:extLst>
+              </p:nvPr>
+            </p:nvSpPr>
+            <p:spPr>
+              <a:xfrm>
+                <a:off x="3768000" y="0"/>
+                <a:ext cx="1440000" cy="1440000"/>
+              </a:xfrm>
+              <a:prstGeom prst="rect">
+                <a:avLst/>
+              </a:prstGeom>
+              <a:gradFill flip="none" rotWithShape="1">
+                <a:gsLst>
+                  <a:gs pos="0">
+                    <a:schemeClr val="accent1"/>
+                  </a:gs>
+                  <a:gs pos="60000">
+                    <a:schemeClr val="accent1">
+                      <a:alpha val="0"/>
+                    </a:schemeClr>
+                  </a:gs>
+                </a:gsLst>
+                <a:path path="circle">
+                  <a:fillToRect r="100000" b="100000"/>
+                </a:path>
+                <a:tileRect l="-100000" t="-100000"/>
+              </a:gradFill>
+              <a:ln w="12700" cap="flat" cmpd="sng" algn="ctr">
+                <a:noFill/>
+                <a:prstDash val="solid"/>
+                <a:miter lim="800000"/>
+              </a:ln>
+              <a:effectLst/>
+            </p:spPr>
+            <p:style>
+              <a:lnRef idx="2">
+                <a:schemeClr val="accent1">
+                  <a:shade val="50000"/>
+                </a:schemeClr>
+              </a:lnRef>
+              <a:fillRef idx="1">
+                <a:schemeClr val="accent1"/>
+              </a:fillRef>
+              <a:effectRef idx="0">
+                <a:schemeClr val="accent1"/>
+              </a:effectRef>
+              <a:fontRef idx="minor">
+                <a:schemeClr val="lt1"/>
+              </a:fontRef>
+            </p:style>
+            <p:txBody>
+              <a:bodyPr rtlCol="0" anchor="ctr"/>
+              <a:lstStyle/>
+              <a:p>
+                <a:pPr algn="ctr"/>
+                <a:endParaRPr lang="en-US"/>
+              </a:p>
+            </p:txBody>
+          </p:sp>
+          <p:sp>
+            <p:nvSpPr>
+              <p:cNvPr id="15526" name="Rectangle 15525">
+                <a:extLst>
+                  <a:ext uri="{FF2B5EF4-FFF2-40B4-BE49-F238E27FC236}">
+                    <a16:creationId xmlns:a16="http://schemas.microsoft.com/office/drawing/2014/main" id="{75967788-298A-4B75-B02F-0625E5F84835}"/>
+                  </a:ext>
+                  <a:ext uri="{C183D7F6-B498-43B3-948B-1728B52AA6E4}">
+                    <adec:decorative xmlns:adec="http://schemas.microsoft.com/office/drawing/2017/decorative" val="1"/>
+                  </a:ext>
+                </a:extLst>
+              </p:cNvPr>
+              <p:cNvSpPr/>
+              <p:nvPr>
+                <p:extLst>
+                  <p:ext uri="{386F3935-93C4-4BCD-93E2-E3B085C9AB24}">
+                    <p16:designElem xmlns:p16="http://schemas.microsoft.com/office/powerpoint/2015/main" val="1"/>
+                  </p:ext>
+                </p:extLst>
+              </p:nvPr>
+            </p:nvSpPr>
+            <p:spPr>
+              <a:xfrm flipH="1">
+                <a:off x="2328000" y="0"/>
+                <a:ext cx="1440000" cy="1440000"/>
+              </a:xfrm>
+              <a:prstGeom prst="rect">
+                <a:avLst/>
+              </a:prstGeom>
+              <a:gradFill flip="none" rotWithShape="1">
+                <a:gsLst>
+                  <a:gs pos="0">
+                    <a:schemeClr val="accent1"/>
+                  </a:gs>
+                  <a:gs pos="60000">
+                    <a:schemeClr val="accent1">
+                      <a:alpha val="0"/>
+                    </a:schemeClr>
+                  </a:gs>
+                </a:gsLst>
+                <a:path path="circle">
+                  <a:fillToRect r="100000" b="100000"/>
+                </a:path>
+                <a:tileRect l="-100000" t="-100000"/>
+              </a:gradFill>
+              <a:ln w="12700" cap="flat" cmpd="sng" algn="ctr">
+                <a:noFill/>
+                <a:prstDash val="solid"/>
+                <a:miter lim="800000"/>
+              </a:ln>
+              <a:effectLst/>
+            </p:spPr>
+            <p:style>
+              <a:lnRef idx="2">
+                <a:schemeClr val="accent1">
+                  <a:shade val="50000"/>
+                </a:schemeClr>
+              </a:lnRef>
+              <a:fillRef idx="1">
+                <a:schemeClr val="accent1"/>
+              </a:fillRef>
+              <a:effectRef idx="0">
+                <a:schemeClr val="accent1"/>
+              </a:effectRef>
+              <a:fontRef idx="minor">
+                <a:schemeClr val="lt1"/>
+              </a:fontRef>
+            </p:style>
+            <p:txBody>
+              <a:bodyPr rtlCol="0" anchor="ctr"/>
+              <a:lstStyle/>
+              <a:p>
+                <a:pPr algn="ctr"/>
+                <a:endParaRPr lang="en-US"/>
+              </a:p>
+            </p:txBody>
+          </p:sp>
+        </p:grpSp>
+        <p:grpSp>
+          <p:nvGrpSpPr>
+            <p:cNvPr id="15521" name="Group 15520">
+              <a:extLst>
+                <a:ext uri="{FF2B5EF4-FFF2-40B4-BE49-F238E27FC236}">
+                  <a16:creationId xmlns:a16="http://schemas.microsoft.com/office/drawing/2014/main" id="{8D0FB4E1-29BE-427B-9999-B25351A07CB1}"/>
+                </a:ext>
+                <a:ext uri="{C183D7F6-B498-43B3-948B-1728B52AA6E4}">
+                  <adec:decorative xmlns:adec="http://schemas.microsoft.com/office/drawing/2017/decorative" val="1"/>
+                </a:ext>
+              </a:extLst>
+            </p:cNvPr>
+            <p:cNvGrpSpPr>
+              <a:grpSpLocks noChangeAspect="1"/>
+            </p:cNvGrpSpPr>
+            <p:nvPr>
+              <p:extLst>
+                <p:ext uri="{386F3935-93C4-4BCD-93E2-E3B085C9AB24}">
+                  <p16:designElem xmlns:p16="http://schemas.microsoft.com/office/powerpoint/2015/main" val="1"/>
+                </p:ext>
+              </p:extLst>
+            </p:nvPr>
+          </p:nvGrpSpPr>
+          <p:grpSpPr>
+            <a:xfrm rot="5400000">
+              <a:off x="7048499" y="1714500"/>
+              <a:ext cx="6858000" cy="3429000"/>
+              <a:chOff x="0" y="0"/>
+              <a:chExt cx="2880000" cy="1440000"/>
+            </a:xfrm>
+          </p:grpSpPr>
+          <p:sp>
+            <p:nvSpPr>
+              <p:cNvPr id="15523" name="Rectangle 15522">
+                <a:extLst>
+                  <a:ext uri="{FF2B5EF4-FFF2-40B4-BE49-F238E27FC236}">
+                    <a16:creationId xmlns:a16="http://schemas.microsoft.com/office/drawing/2014/main" id="{39914662-C165-4AD1-89C0-F6C47C109031}"/>
+                  </a:ext>
+                  <a:ext uri="{C183D7F6-B498-43B3-948B-1728B52AA6E4}">
+                    <adec:decorative xmlns:adec="http://schemas.microsoft.com/office/drawing/2017/decorative" val="1"/>
+                  </a:ext>
+                </a:extLst>
+              </p:cNvPr>
+              <p:cNvSpPr/>
+              <p:nvPr>
+                <p:extLst>
+                  <p:ext uri="{386F3935-93C4-4BCD-93E2-E3B085C9AB24}">
+                    <p16:designElem xmlns:p16="http://schemas.microsoft.com/office/powerpoint/2015/main" val="1"/>
+                  </p:ext>
+                </p:extLst>
+              </p:nvPr>
+            </p:nvSpPr>
+            <p:spPr>
+              <a:xfrm>
+                <a:off x="1440000" y="0"/>
+                <a:ext cx="1440000" cy="1440000"/>
+              </a:xfrm>
+              <a:prstGeom prst="rect">
+                <a:avLst/>
+              </a:prstGeom>
+              <a:gradFill flip="none" rotWithShape="1">
+                <a:gsLst>
+                  <a:gs pos="0">
+                    <a:schemeClr val="accent2"/>
+                  </a:gs>
+                  <a:gs pos="60000">
+                    <a:schemeClr val="accent2">
+                      <a:alpha val="0"/>
+                    </a:schemeClr>
+                  </a:gs>
+                </a:gsLst>
+                <a:path path="circle">
+                  <a:fillToRect r="100000" b="100000"/>
+                </a:path>
+                <a:tileRect l="-100000" t="-100000"/>
+              </a:gradFill>
+              <a:ln w="12700" cap="flat" cmpd="sng" algn="ctr">
+                <a:noFill/>
+                <a:prstDash val="solid"/>
+                <a:miter lim="800000"/>
+              </a:ln>
+              <a:effectLst/>
+            </p:spPr>
+            <p:style>
+              <a:lnRef idx="2">
+                <a:schemeClr val="accent1">
+                  <a:shade val="50000"/>
+                </a:schemeClr>
+              </a:lnRef>
+              <a:fillRef idx="1">
+                <a:schemeClr val="accent1"/>
+              </a:fillRef>
+              <a:effectRef idx="0">
+                <a:schemeClr val="accent1"/>
+              </a:effectRef>
+              <a:fontRef idx="minor">
+                <a:schemeClr val="lt1"/>
+              </a:fontRef>
+            </p:style>
+            <p:txBody>
+              <a:bodyPr rtlCol="0" anchor="ctr"/>
+              <a:lstStyle/>
+              <a:p>
+                <a:pPr algn="ctr"/>
+                <a:endParaRPr lang="en-US"/>
+              </a:p>
+            </p:txBody>
+          </p:sp>
+          <p:sp>
+            <p:nvSpPr>
+              <p:cNvPr id="15524" name="Rectangle 15523">
+                <a:extLst>
+                  <a:ext uri="{FF2B5EF4-FFF2-40B4-BE49-F238E27FC236}">
+                    <a16:creationId xmlns:a16="http://schemas.microsoft.com/office/drawing/2014/main" id="{384C8199-BC83-4D02-8937-CF9AB0F4CF1E}"/>
+                  </a:ext>
+                  <a:ext uri="{C183D7F6-B498-43B3-948B-1728B52AA6E4}">
+                    <adec:decorative xmlns:adec="http://schemas.microsoft.com/office/drawing/2017/decorative" val="1"/>
+                  </a:ext>
+                </a:extLst>
+              </p:cNvPr>
+              <p:cNvSpPr/>
+              <p:nvPr>
+                <p:extLst>
+                  <p:ext uri="{386F3935-93C4-4BCD-93E2-E3B085C9AB24}">
+                    <p16:designElem xmlns:p16="http://schemas.microsoft.com/office/powerpoint/2015/main" val="1"/>
+                  </p:ext>
+                </p:extLst>
+              </p:nvPr>
+            </p:nvSpPr>
+            <p:spPr>
+              <a:xfrm flipH="1">
+                <a:off x="0" y="0"/>
+                <a:ext cx="1440000" cy="1440000"/>
+              </a:xfrm>
+              <a:prstGeom prst="rect">
+                <a:avLst/>
+              </a:prstGeom>
+              <a:gradFill flip="none" rotWithShape="1">
+                <a:gsLst>
+                  <a:gs pos="0">
+                    <a:schemeClr val="accent2"/>
+                  </a:gs>
+                  <a:gs pos="60000">
+                    <a:schemeClr val="accent2">
+                      <a:alpha val="0"/>
+                    </a:schemeClr>
+                  </a:gs>
+                </a:gsLst>
+                <a:path path="circle">
+                  <a:fillToRect r="100000" b="100000"/>
+                </a:path>
+                <a:tileRect l="-100000" t="-100000"/>
+              </a:gradFill>
+              <a:ln w="12700" cap="flat" cmpd="sng" algn="ctr">
+                <a:noFill/>
+                <a:prstDash val="solid"/>
+                <a:miter lim="800000"/>
+              </a:ln>
+              <a:effectLst/>
+            </p:spPr>
+            <p:style>
+              <a:lnRef idx="2">
+                <a:schemeClr val="accent1">
+                  <a:shade val="50000"/>
+                </a:schemeClr>
+              </a:lnRef>
+              <a:fillRef idx="1">
+                <a:schemeClr val="accent1"/>
+              </a:fillRef>
+              <a:effectRef idx="0">
+                <a:schemeClr val="accent1"/>
+              </a:effectRef>
+              <a:fontRef idx="minor">
+                <a:schemeClr val="lt1"/>
+              </a:fontRef>
+            </p:style>
+            <p:txBody>
+              <a:bodyPr rtlCol="0" anchor="ctr"/>
+              <a:lstStyle/>
+              <a:p>
+                <a:pPr algn="ctr"/>
+                <a:endParaRPr lang="en-US"/>
+              </a:p>
+            </p:txBody>
+          </p:sp>
+        </p:grpSp>
+        <p:sp>
+          <p:nvSpPr>
+            <p:cNvPr id="15522" name="Rectangle 15521">
+              <a:extLst>
+                <a:ext uri="{FF2B5EF4-FFF2-40B4-BE49-F238E27FC236}">
+                  <a16:creationId xmlns:a16="http://schemas.microsoft.com/office/drawing/2014/main" id="{4A28F3F3-1D22-45C2-8627-C7E4E74BDD00}"/>
+                </a:ext>
+                <a:ext uri="{C183D7F6-B498-43B3-948B-1728B52AA6E4}">
+                  <adec:decorative xmlns:adec="http://schemas.microsoft.com/office/drawing/2017/decorative" val="1"/>
+                </a:ext>
+              </a:extLst>
+            </p:cNvPr>
+            <p:cNvSpPr>
+              <a:spLocks noChangeAspect="1"/>
+            </p:cNvSpPr>
+            <p:nvPr>
+              <p:extLst>
+                <p:ext uri="{386F3935-93C4-4BCD-93E2-E3B085C9AB24}">
+                  <p16:designElem xmlns:p16="http://schemas.microsoft.com/office/powerpoint/2015/main" val="1"/>
+                </p:ext>
+              </p:extLst>
+            </p:nvPr>
+          </p:nvSpPr>
+          <p:spPr>
+            <a:xfrm rot="10800000">
+              <a:off x="5602287" y="271887"/>
+              <a:ext cx="6589713" cy="6589713"/>
+            </a:xfrm>
+            <a:prstGeom prst="rect">
+              <a:avLst/>
+            </a:prstGeom>
+            <a:gradFill flip="none" rotWithShape="1">
+              <a:gsLst>
+                <a:gs pos="0">
+                  <a:schemeClr val="accent3"/>
+                </a:gs>
+                <a:gs pos="60000">
+                  <a:schemeClr val="accent3">
+                    <a:alpha val="0"/>
+                  </a:schemeClr>
+                </a:gs>
+              </a:gsLst>
+              <a:path path="circle">
+                <a:fillToRect r="100000" b="100000"/>
+              </a:path>
+              <a:tileRect l="-100000" t="-100000"/>
+            </a:gradFill>
+            <a:ln w="12700" cap="flat" cmpd="sng" algn="ctr">
+              <a:noFill/>
+              <a:prstDash val="solid"/>
+              <a:miter lim="800000"/>
+            </a:ln>
+            <a:effectLst/>
+          </p:spPr>
+          <p:style>
+            <a:lnRef idx="2">
+              <a:schemeClr val="accent1">
+                <a:shade val="50000"/>
+              </a:schemeClr>
+            </a:lnRef>
+            <a:fillRef idx="1">
+              <a:schemeClr val="accent1"/>
+            </a:fillRef>
+            <a:effectRef idx="0">
+              <a:schemeClr val="accent1"/>
+            </a:effectRef>
+            <a:fontRef idx="minor">
+              <a:schemeClr val="lt1"/>
+            </a:fontRef>
+          </p:style>
+          <p:txBody>
+            <a:bodyPr rtlCol="0" anchor="ctr"/>
+            <a:lstStyle/>
+            <a:p>
+              <a:pPr algn="ctr"/>
+              <a:endParaRPr lang="en-US"/>
+            </a:p>
+          </p:txBody>
+        </p:sp>
+      </p:grpSp>
+      <p:sp>
+        <p:nvSpPr>
+          <p:cNvPr id="15528" name="Rectangle 15527">
+            <a:extLst>
+              <a:ext uri="{FF2B5EF4-FFF2-40B4-BE49-F238E27FC236}">
+                <a16:creationId xmlns:a16="http://schemas.microsoft.com/office/drawing/2014/main" id="{9D8267F7-1115-4F9A-BEF5-BB6664BCF0DB}"/>
+              </a:ext>
+              <a:ext uri="{C183D7F6-B498-43B3-948B-1728B52AA6E4}">
+                <adec:decorative xmlns:adec="http://schemas.microsoft.com/office/drawing/2017/decorative" val="1"/>
+              </a:ext>
+            </a:extLst>
+          </p:cNvPr>
+          <p:cNvSpPr>
+            <a:spLocks noGrp="1" noRot="1" noChangeAspect="1" noMove="1" noResize="1" noEditPoints="1" noAdjustHandles="1" noChangeArrowheads="1" noChangeShapeType="1" noTextEdit="1"/>
+          </p:cNvSpPr>
+          <p:nvPr>
+            <p:extLst>
+              <p:ext uri="{386F3935-93C4-4BCD-93E2-E3B085C9AB24}">
+                <p16:designElem xmlns:p16="http://schemas.microsoft.com/office/powerpoint/2015/main" val="1"/>
+              </p:ext>
+            </p:extLst>
+          </p:nvPr>
+        </p:nvSpPr>
+        <p:spPr>
+          <a:xfrm flipH="1">
+            <a:off x="0" y="0"/>
+            <a:ext cx="12192000" cy="6858000"/>
+          </a:xfrm>
+          <a:prstGeom prst="rect">
+            <a:avLst/>
+          </a:prstGeom>
+          <a:gradFill flip="none" rotWithShape="1">
+            <a:gsLst>
+              <a:gs pos="0">
+                <a:schemeClr val="bg2">
+                  <a:alpha val="60000"/>
+                </a:schemeClr>
+              </a:gs>
+              <a:gs pos="37000">
+                <a:schemeClr val="bg2">
+                  <a:alpha val="60000"/>
+                </a:schemeClr>
+              </a:gs>
+              <a:gs pos="79000">
+                <a:schemeClr val="bg2">
+                  <a:alpha val="0"/>
+                </a:schemeClr>
+              </a:gs>
+            </a:gsLst>
+            <a:lin ang="0" scaled="1"/>
+            <a:tileRect/>
+          </a:gradFill>
+          <a:ln w="12700" cap="flat" cmpd="sng" algn="ctr">
+            <a:noFill/>
+            <a:prstDash val="solid"/>
+            <a:miter lim="800000"/>
+          </a:ln>
+          <a:effectLst/>
+        </p:spPr>
+        <p:style>
+          <a:lnRef idx="2">
+            <a:schemeClr val="accent1">
+              <a:shade val="50000"/>
+            </a:schemeClr>
+          </a:lnRef>
+          <a:fillRef idx="1">
+            <a:schemeClr val="accent1"/>
+          </a:fillRef>
+          <a:effectRef idx="0">
+            <a:schemeClr val="accent1"/>
+          </a:effectRef>
+          <a:fontRef idx="minor">
+            <a:schemeClr val="lt1"/>
+          </a:fontRef>
+        </p:style>
+        <p:txBody>
+          <a:bodyPr rtlCol="0" anchor="ctr"/>
+          <a:lstStyle/>
+          <a:p>
+            <a:endParaRPr lang="en-US" dirty="0"/>
+          </a:p>
+        </p:txBody>
+      </p:sp>
+      <p:sp>
+        <p:nvSpPr>
+          <p:cNvPr id="2" name="Título 1">
+            <a:extLst>
+              <a:ext uri="{FF2B5EF4-FFF2-40B4-BE49-F238E27FC236}">
+                <a16:creationId xmlns:a16="http://schemas.microsoft.com/office/drawing/2014/main" id="{42935DCC-0407-FC34-E90E-29879D4738BD}"/>
+              </a:ext>
+            </a:extLst>
+          </p:cNvPr>
+          <p:cNvSpPr>
+            <a:spLocks noGrp="1"/>
+          </p:cNvSpPr>
+          <p:nvPr>
+            <p:ph type="title"/>
+          </p:nvPr>
+        </p:nvSpPr>
+        <p:spPr>
+          <a:xfrm>
+            <a:off x="7086315" y="540000"/>
+            <a:ext cx="4554821" cy="2186096"/>
+          </a:xfrm>
+        </p:spPr>
+        <p:txBody>
+          <a:bodyPr vert="horz" lIns="91440" tIns="45720" rIns="91440" bIns="45720" rtlCol="0" anchor="t">
+            <a:normAutofit/>
+          </a:bodyPr>
+          <a:lstStyle/>
+          <a:p>
+            <a:r>
+              <a:rPr lang="en-US"/>
+              <a:t>Mejores parámetros</a:t>
+            </a:r>
+          </a:p>
+        </p:txBody>
+      </p:sp>
+      <p:grpSp>
+        <p:nvGrpSpPr>
+          <p:cNvPr id="15530" name="Group 15529">
+            <a:extLst>
+              <a:ext uri="{FF2B5EF4-FFF2-40B4-BE49-F238E27FC236}">
+                <a16:creationId xmlns:a16="http://schemas.microsoft.com/office/drawing/2014/main" id="{7B4E221E-E4F3-4D25-8DC8-8A3D08C830B4}"/>
+              </a:ext>
+              <a:ext uri="{C183D7F6-B498-43B3-948B-1728B52AA6E4}">
+                <adec:decorative xmlns:adec="http://schemas.microsoft.com/office/drawing/2017/decorative" val="1"/>
+              </a:ext>
+            </a:extLst>
+          </p:cNvPr>
+          <p:cNvGrpSpPr>
+            <a:grpSpLocks noGrp="1" noUngrp="1" noRot="1" noChangeAspect="1" noMove="1" noResize="1"/>
+          </p:cNvGrpSpPr>
+          <p:nvPr>
+            <p:extLst>
+              <p:ext uri="{386F3935-93C4-4BCD-93E2-E3B085C9AB24}">
+                <p16:designElem xmlns:p16="http://schemas.microsoft.com/office/powerpoint/2015/main" val="1"/>
+              </p:ext>
+            </p:extLst>
+          </p:nvPr>
+        </p:nvGrpSpPr>
+        <p:grpSpPr>
+          <a:xfrm rot="5400000" flipH="1">
+            <a:off x="491700" y="811038"/>
+            <a:ext cx="6131951" cy="5783897"/>
+            <a:chOff x="4925125" y="3600"/>
+            <a:chExt cx="7266875" cy="6854400"/>
+          </a:xfrm>
+        </p:grpSpPr>
+        <p:sp>
+          <p:nvSpPr>
+            <p:cNvPr id="15531" name="Oval 15530">
+              <a:extLst>
+                <a:ext uri="{FF2B5EF4-FFF2-40B4-BE49-F238E27FC236}">
+                  <a16:creationId xmlns:a16="http://schemas.microsoft.com/office/drawing/2014/main" id="{1DCB79C8-6A25-43E7-AC87-D1D7C6071000}"/>
+                </a:ext>
+                <a:ext uri="{C183D7F6-B498-43B3-948B-1728B52AA6E4}">
+                  <adec:decorative xmlns:adec="http://schemas.microsoft.com/office/drawing/2017/decorative" val="1"/>
+                </a:ext>
+              </a:extLst>
+            </p:cNvPr>
+            <p:cNvSpPr>
+              <a:spLocks noChangeAspect="1"/>
+            </p:cNvSpPr>
+            <p:nvPr>
+              <p:extLst>
+                <p:ext uri="{386F3935-93C4-4BCD-93E2-E3B085C9AB24}">
+                  <p16:designElem xmlns:p16="http://schemas.microsoft.com/office/powerpoint/2015/main" val="1"/>
+                </p:ext>
+              </p:extLst>
+            </p:nvPr>
+          </p:nvSpPr>
+          <p:spPr>
+            <a:xfrm>
+              <a:off x="4925125" y="1098000"/>
+              <a:ext cx="5760000" cy="5760000"/>
+            </a:xfrm>
+            <a:prstGeom prst="ellipse">
+              <a:avLst/>
+            </a:prstGeom>
+            <a:solidFill>
+              <a:schemeClr val="accent1">
+                <a:alpha val="80000"/>
+              </a:schemeClr>
+            </a:solidFill>
+            <a:ln>
+              <a:noFill/>
+            </a:ln>
+            <a:effectLst>
+              <a:softEdge rad="1016000"/>
+            </a:effectLst>
+          </p:spPr>
+          <p:style>
+            <a:lnRef idx="2">
+              <a:schemeClr val="accent1">
+                <a:shade val="50000"/>
+              </a:schemeClr>
+            </a:lnRef>
+            <a:fillRef idx="1">
+              <a:schemeClr val="accent1"/>
+            </a:fillRef>
+            <a:effectRef idx="0">
+              <a:schemeClr val="accent1"/>
+            </a:effectRef>
+            <a:fontRef idx="minor">
+              <a:schemeClr val="lt1"/>
+            </a:fontRef>
+          </p:style>
+          <p:txBody>
+            <a:bodyPr rtlCol="0" anchor="ctr"/>
+            <a:lstStyle/>
+            <a:p>
+              <a:pPr algn="ctr"/>
+              <a:endParaRPr lang="en-US"/>
+            </a:p>
+          </p:txBody>
+        </p:sp>
+        <p:sp>
+          <p:nvSpPr>
+            <p:cNvPr id="15532" name="Oval 15531">
+              <a:extLst>
+                <a:ext uri="{FF2B5EF4-FFF2-40B4-BE49-F238E27FC236}">
+                  <a16:creationId xmlns:a16="http://schemas.microsoft.com/office/drawing/2014/main" id="{2BABC8D9-79F4-4665-99B3-4EA1B520E5C7}"/>
+                </a:ext>
+                <a:ext uri="{C183D7F6-B498-43B3-948B-1728B52AA6E4}">
+                  <adec:decorative xmlns:adec="http://schemas.microsoft.com/office/drawing/2017/decorative" val="1"/>
+                </a:ext>
+              </a:extLst>
+            </p:cNvPr>
+            <p:cNvSpPr>
+              <a:spLocks noChangeAspect="1"/>
+            </p:cNvSpPr>
+            <p:nvPr>
+              <p:extLst>
+                <p:ext uri="{386F3935-93C4-4BCD-93E2-E3B085C9AB24}">
+                  <p16:designElem xmlns:p16="http://schemas.microsoft.com/office/powerpoint/2015/main" val="1"/>
+                </p:ext>
+              </p:extLst>
+            </p:nvPr>
+          </p:nvSpPr>
+          <p:spPr>
+            <a:xfrm>
+              <a:off x="5105686" y="65314"/>
+              <a:ext cx="4320000" cy="4320000"/>
+            </a:xfrm>
+            <a:prstGeom prst="ellipse">
+              <a:avLst/>
+            </a:prstGeom>
+            <a:solidFill>
+              <a:schemeClr val="accent3"/>
+            </a:solidFill>
+            <a:ln>
+              <a:noFill/>
+            </a:ln>
+            <a:effectLst>
+              <a:softEdge rad="1016000"/>
+            </a:effectLst>
+          </p:spPr>
+          <p:style>
+            <a:lnRef idx="2">
+              <a:schemeClr val="accent1">
+                <a:shade val="50000"/>
+              </a:schemeClr>
+            </a:lnRef>
+            <a:fillRef idx="1">
+              <a:schemeClr val="accent1"/>
+            </a:fillRef>
+            <a:effectRef idx="0">
+              <a:schemeClr val="accent1"/>
+            </a:effectRef>
+            <a:fontRef idx="minor">
+              <a:schemeClr val="lt1"/>
+            </a:fontRef>
+          </p:style>
+          <p:txBody>
+            <a:bodyPr rtlCol="0" anchor="ctr"/>
+            <a:lstStyle/>
+            <a:p>
+              <a:pPr algn="ctr"/>
+              <a:endParaRPr lang="en-US"/>
+            </a:p>
+          </p:txBody>
+        </p:sp>
+        <p:sp>
+          <p:nvSpPr>
+            <p:cNvPr id="15533" name="Oval 15532">
+              <a:extLst>
+                <a:ext uri="{FF2B5EF4-FFF2-40B4-BE49-F238E27FC236}">
+                  <a16:creationId xmlns:a16="http://schemas.microsoft.com/office/drawing/2014/main" id="{808BC036-0C59-4D8B-8F96-46D122C90615}"/>
+                </a:ext>
+                <a:ext uri="{C183D7F6-B498-43B3-948B-1728B52AA6E4}">
+                  <adec:decorative xmlns:adec="http://schemas.microsoft.com/office/drawing/2017/decorative" val="1"/>
+                </a:ext>
+              </a:extLst>
+            </p:cNvPr>
+            <p:cNvSpPr>
+              <a:spLocks noChangeAspect="1"/>
+            </p:cNvSpPr>
+            <p:nvPr>
+              <p:extLst>
+                <p:ext uri="{386F3935-93C4-4BCD-93E2-E3B085C9AB24}">
+                  <p16:designElem xmlns:p16="http://schemas.microsoft.com/office/powerpoint/2015/main" val="1"/>
+                </p:ext>
+              </p:extLst>
+            </p:nvPr>
+          </p:nvSpPr>
+          <p:spPr>
+            <a:xfrm>
+              <a:off x="5337600" y="3600"/>
+              <a:ext cx="6854400" cy="6854400"/>
+            </a:xfrm>
+            <a:prstGeom prst="ellipse">
+              <a:avLst/>
+            </a:prstGeom>
+            <a:solidFill>
+              <a:schemeClr val="accent2">
+                <a:alpha val="60000"/>
+              </a:schemeClr>
+            </a:solidFill>
+            <a:ln>
+              <a:noFill/>
+            </a:ln>
+            <a:effectLst>
+              <a:softEdge rad="1270000"/>
+            </a:effectLst>
+          </p:spPr>
+          <p:style>
+            <a:lnRef idx="2">
+              <a:schemeClr val="accent1">
+                <a:shade val="50000"/>
+              </a:schemeClr>
+            </a:lnRef>
+            <a:fillRef idx="1">
+              <a:schemeClr val="accent1"/>
+            </a:fillRef>
+            <a:effectRef idx="0">
+              <a:schemeClr val="accent1"/>
+            </a:effectRef>
+            <a:fontRef idx="minor">
+              <a:schemeClr val="lt1"/>
+            </a:fontRef>
+          </p:style>
+          <p:txBody>
+            <a:bodyPr rtlCol="0" anchor="ctr"/>
+            <a:lstStyle/>
+            <a:p>
+              <a:pPr algn="ctr"/>
+              <a:endParaRPr lang="en-US" dirty="0"/>
+            </a:p>
+          </p:txBody>
+        </p:sp>
+      </p:grpSp>
+      <p:pic>
+        <p:nvPicPr>
+          <p:cNvPr id="15415" name="Picture 15402" descr="Imagen de la pantalla de un video juego&#10;&#10;Descripción generada automáticamente con confianza baja">
+            <a:extLst>
+              <a:ext uri="{FF2B5EF4-FFF2-40B4-BE49-F238E27FC236}">
+                <a16:creationId xmlns:a16="http://schemas.microsoft.com/office/drawing/2014/main" id="{1F80D6B7-8903-95F3-0205-993A5FC2EE6D}"/>
+              </a:ext>
+            </a:extLst>
+          </p:cNvPr>
+          <p:cNvPicPr>
+            <a:picLocks noChangeAspect="1"/>
+          </p:cNvPicPr>
+          <p:nvPr/>
+        </p:nvPicPr>
+        <p:blipFill rotWithShape="1">
+          <a:blip r:embed="rId2"/>
+          <a:srcRect l="10627" r="33123"/>
+          <a:stretch/>
+        </p:blipFill>
+        <p:spPr>
+          <a:xfrm>
+            <a:off x="20" y="-1"/>
+            <a:ext cx="6857980" cy="6858000"/>
+          </a:xfrm>
+          <a:custGeom>
+            <a:avLst/>
+            <a:gdLst/>
+            <a:ahLst/>
+            <a:cxnLst/>
+            <a:rect l="l" t="t" r="r" b="b"/>
+            <a:pathLst>
+              <a:path w="6858000" h="6858000">
+                <a:moveTo>
+                  <a:pt x="3429001" y="0"/>
+                </a:moveTo>
+                <a:cubicBezTo>
+                  <a:pt x="5322784" y="0"/>
+                  <a:pt x="6858000" y="1535216"/>
+                  <a:pt x="6858000" y="3429001"/>
+                </a:cubicBezTo>
+                <a:cubicBezTo>
+                  <a:pt x="6858000" y="5322785"/>
+                  <a:pt x="5322784" y="6858000"/>
+                  <a:pt x="3429001" y="6858000"/>
+                </a:cubicBezTo>
+                <a:cubicBezTo>
+                  <a:pt x="1535216" y="6858000"/>
+                  <a:pt x="0" y="5322785"/>
+                  <a:pt x="0" y="3429001"/>
+                </a:cubicBezTo>
+                <a:cubicBezTo>
+                  <a:pt x="0" y="1535216"/>
+                  <a:pt x="1535216" y="0"/>
+                  <a:pt x="3429001" y="0"/>
+                </a:cubicBezTo>
+                <a:close/>
+              </a:path>
+            </a:pathLst>
+          </a:custGeom>
+          <a:effectLst>
+            <a:softEdge rad="1016000"/>
+          </a:effectLst>
+        </p:spPr>
+      </p:pic>
+      <p:sp>
+        <p:nvSpPr>
+          <p:cNvPr id="15414" name="Marcador de contenido 2">
+            <a:extLst>
+              <a:ext uri="{FF2B5EF4-FFF2-40B4-BE49-F238E27FC236}">
+                <a16:creationId xmlns:a16="http://schemas.microsoft.com/office/drawing/2014/main" id="{024B7137-16D7-4B7F-CE33-8BE7D52B7775}"/>
+              </a:ext>
+            </a:extLst>
+          </p:cNvPr>
+          <p:cNvSpPr>
+            <a:spLocks noGrp="1"/>
+          </p:cNvSpPr>
+          <p:nvPr>
+            <p:ph idx="1"/>
+          </p:nvPr>
+        </p:nvSpPr>
+        <p:spPr>
+          <a:xfrm>
+            <a:off x="7104063" y="2947121"/>
+            <a:ext cx="4537073" cy="3361604"/>
+          </a:xfrm>
+        </p:spPr>
+        <p:txBody>
+          <a:bodyPr anchor="t">
+            <a:normAutofit/>
+          </a:bodyPr>
+          <a:lstStyle/>
+          <a:p>
+            <a:r>
+              <a:rPr lang="es-CR" err="1"/>
+              <a:t>regressor</a:t>
+            </a:r>
+            <a:r>
+              <a:rPr lang="es-CR"/>
+              <a:t>__</a:t>
+            </a:r>
+            <a:r>
+              <a:rPr lang="es-CR" err="1"/>
+              <a:t>copy_X</a:t>
+            </a:r>
+            <a:r>
+              <a:rPr lang="es-CR"/>
+              <a:t> = True</a:t>
+            </a:r>
+          </a:p>
+          <a:p>
+            <a:r>
+              <a:rPr lang="es-CR" err="1"/>
+              <a:t>regressor</a:t>
+            </a:r>
+            <a:r>
+              <a:rPr lang="es-CR"/>
+              <a:t>__</a:t>
+            </a:r>
+            <a:r>
+              <a:rPr lang="es-CR" err="1"/>
+              <a:t>fit_intercept</a:t>
+            </a:r>
+            <a:r>
+              <a:rPr lang="es-CR"/>
+              <a:t> = True</a:t>
+            </a:r>
+          </a:p>
+          <a:p>
+            <a:r>
+              <a:rPr lang="es-CR" err="1"/>
+              <a:t>regressor</a:t>
+            </a:r>
+            <a:r>
+              <a:rPr lang="es-CR"/>
+              <a:t>__</a:t>
+            </a:r>
+            <a:r>
+              <a:rPr lang="es-CR" err="1"/>
+              <a:t>n_jobs</a:t>
+            </a:r>
+            <a:r>
+              <a:rPr lang="es-CR"/>
+              <a:t> = None</a:t>
+            </a:r>
+          </a:p>
+        </p:txBody>
+      </p:sp>
+    </p:spTree>
+    <p:extLst>
+      <p:ext uri="{BB962C8B-B14F-4D97-AF65-F5344CB8AC3E}">
+        <p14:creationId xmlns:p14="http://schemas.microsoft.com/office/powerpoint/2010/main" val="332837446"/>
+      </p:ext>
+    </p:extLst>
+  </p:cSld>
+  <p:clrMapOvr>
+    <a:masterClrMapping/>
+  </p:clrMapOvr>
+</p:sld>
+</file>
+
+<file path=ppt/slides/slide19.xml><?xml version="1.0" encoding="utf-8"?>
+<p:sld xmlns:a="http://schemas.openxmlformats.org/drawingml/2006/main" xmlns:r="http://schemas.openxmlformats.org/officeDocument/2006/relationships" xmlns:p="http://schemas.openxmlformats.org/presentationml/2006/main">
+  <p:cSld>
+    <p:bg>
+      <p:bgPr>
+        <a:solidFill>
+          <a:schemeClr val="bg1"/>
+        </a:solidFill>
+        <a:effectLst/>
+      </p:bgPr>
+    </p:bg>
+    <p:spTree>
+      <p:nvGrpSpPr>
+        <p:cNvPr id="1" name=""/>
+        <p:cNvGrpSpPr/>
+        <p:nvPr/>
+      </p:nvGrpSpPr>
+      <p:grpSpPr>
+        <a:xfrm>
+          <a:off x="0" y="0"/>
+          <a:ext cx="0" cy="0"/>
+          <a:chOff x="0" y="0"/>
+          <a:chExt cx="0" cy="0"/>
+        </a:xfrm>
+      </p:grpSpPr>
+      <p:grpSp>
+        <p:nvGrpSpPr>
+          <p:cNvPr id="15398" name="Group 15400">
+            <a:extLst>
+              <a:ext uri="{FF2B5EF4-FFF2-40B4-BE49-F238E27FC236}">
+                <a16:creationId xmlns:a16="http://schemas.microsoft.com/office/drawing/2014/main" id="{BF4E480B-94D6-46F9-A2B6-B98D311FDC19}"/>
+              </a:ext>
+              <a:ext uri="{C183D7F6-B498-43B3-948B-1728B52AA6E4}">
+                <adec:decorative xmlns:adec="http://schemas.microsoft.com/office/drawing/2017/decorative" val="1"/>
+              </a:ext>
+            </a:extLst>
+          </p:cNvPr>
+          <p:cNvGrpSpPr>
+            <a:grpSpLocks noGrp="1" noUngrp="1" noRot="1" noChangeAspect="1" noMove="1" noResize="1"/>
+          </p:cNvGrpSpPr>
+          <p:nvPr>
+            <p:extLst>
+              <p:ext uri="{386F3935-93C4-4BCD-93E2-E3B085C9AB24}">
+                <p16:designElem xmlns:p16="http://schemas.microsoft.com/office/powerpoint/2015/main" val="1"/>
+              </p:ext>
+            </p:extLst>
+          </p:nvPr>
+        </p:nvGrpSpPr>
+        <p:grpSpPr>
+          <a:xfrm>
+            <a:off x="0" y="0"/>
+            <a:ext cx="12191999" cy="6861600"/>
+            <a:chOff x="1" y="0"/>
+            <a:chExt cx="12191999" cy="6861600"/>
+          </a:xfrm>
+        </p:grpSpPr>
+        <p:sp>
+          <p:nvSpPr>
+            <p:cNvPr id="15402" name="Rectangle 15401">
+              <a:extLst>
+                <a:ext uri="{FF2B5EF4-FFF2-40B4-BE49-F238E27FC236}">
+                  <a16:creationId xmlns:a16="http://schemas.microsoft.com/office/drawing/2014/main" id="{07183CDE-91A1-40C3-8E80-66F89E1C2D53}"/>
+                </a:ext>
+                <a:ext uri="{C183D7F6-B498-43B3-948B-1728B52AA6E4}">
+                  <adec:decorative xmlns:adec="http://schemas.microsoft.com/office/drawing/2017/decorative" val="1"/>
+                </a:ext>
+              </a:extLst>
+            </p:cNvPr>
+            <p:cNvSpPr>
+              <a:spLocks noChangeAspect="1"/>
+            </p:cNvSpPr>
+            <p:nvPr>
+              <p:extLst>
+                <p:ext uri="{386F3935-93C4-4BCD-93E2-E3B085C9AB24}">
+                  <p16:designElem xmlns:p16="http://schemas.microsoft.com/office/powerpoint/2015/main" val="1"/>
+                </p:ext>
+              </p:extLst>
+            </p:nvPr>
+          </p:nvSpPr>
+          <p:spPr>
+            <a:xfrm rot="16200000">
+              <a:off x="1" y="1640114"/>
+              <a:ext cx="5217886" cy="5217886"/>
+            </a:xfrm>
+            <a:prstGeom prst="rect">
+              <a:avLst/>
+            </a:prstGeom>
+            <a:gradFill flip="none" rotWithShape="1">
+              <a:gsLst>
+                <a:gs pos="0">
+                  <a:schemeClr val="accent2">
+                    <a:alpha val="60000"/>
+                  </a:schemeClr>
+                </a:gs>
+                <a:gs pos="60000">
+                  <a:schemeClr val="accent2">
+                    <a:alpha val="0"/>
+                  </a:schemeClr>
+                </a:gs>
+              </a:gsLst>
+              <a:path path="circle">
+                <a:fillToRect r="100000" b="100000"/>
+              </a:path>
+              <a:tileRect l="-100000" t="-100000"/>
+            </a:gradFill>
+            <a:ln w="12700" cap="flat" cmpd="sng" algn="ctr">
+              <a:noFill/>
+              <a:prstDash val="solid"/>
+              <a:miter lim="800000"/>
+            </a:ln>
+            <a:effectLst/>
+          </p:spPr>
+          <p:style>
+            <a:lnRef idx="2">
+              <a:schemeClr val="accent1">
+                <a:shade val="50000"/>
+              </a:schemeClr>
+            </a:lnRef>
+            <a:fillRef idx="1">
+              <a:schemeClr val="accent1"/>
+            </a:fillRef>
+            <a:effectRef idx="0">
+              <a:schemeClr val="accent1"/>
+            </a:effectRef>
+            <a:fontRef idx="minor">
+              <a:schemeClr val="lt1"/>
+            </a:fontRef>
+          </p:style>
+          <p:txBody>
+            <a:bodyPr rtlCol="0" anchor="ctr"/>
+            <a:lstStyle/>
+            <a:p>
+              <a:pPr algn="r"/>
+              <a:endParaRPr lang="en-US"/>
+            </a:p>
+          </p:txBody>
+        </p:sp>
+        <p:sp>
+          <p:nvSpPr>
+            <p:cNvPr id="15403" name="Oval 15402">
+              <a:extLst>
+                <a:ext uri="{FF2B5EF4-FFF2-40B4-BE49-F238E27FC236}">
+                  <a16:creationId xmlns:a16="http://schemas.microsoft.com/office/drawing/2014/main" id="{A6756515-F9AA-46BD-8DD2-AA15BA492AC0}"/>
+                </a:ext>
+                <a:ext uri="{C183D7F6-B498-43B3-948B-1728B52AA6E4}">
+                  <adec:decorative xmlns:adec="http://schemas.microsoft.com/office/drawing/2017/decorative" val="1"/>
+                </a:ext>
+              </a:extLst>
+            </p:cNvPr>
+            <p:cNvSpPr>
+              <a:spLocks noChangeAspect="1"/>
+            </p:cNvSpPr>
+            <p:nvPr>
+              <p:extLst>
+                <p:ext uri="{386F3935-93C4-4BCD-93E2-E3B085C9AB24}">
+                  <p16:designElem xmlns:p16="http://schemas.microsoft.com/office/powerpoint/2015/main" val="1"/>
+                </p:ext>
+              </p:extLst>
+            </p:nvPr>
+          </p:nvSpPr>
+          <p:spPr>
+            <a:xfrm>
+              <a:off x="6384514" y="0"/>
+              <a:ext cx="4320000" cy="4320000"/>
+            </a:xfrm>
+            <a:prstGeom prst="ellipse">
+              <a:avLst/>
+            </a:prstGeom>
+            <a:solidFill>
+              <a:schemeClr val="accent3">
+                <a:alpha val="96000"/>
+              </a:schemeClr>
+            </a:solidFill>
+            <a:ln>
+              <a:noFill/>
+            </a:ln>
+            <a:effectLst>
+              <a:softEdge rad="1016000"/>
+            </a:effectLst>
+          </p:spPr>
+          <p:style>
+            <a:lnRef idx="2">
+              <a:schemeClr val="accent1">
+                <a:shade val="50000"/>
+              </a:schemeClr>
+            </a:lnRef>
+            <a:fillRef idx="1">
+              <a:schemeClr val="accent1"/>
+            </a:fillRef>
+            <a:effectRef idx="0">
+              <a:schemeClr val="accent1"/>
+            </a:effectRef>
+            <a:fontRef idx="minor">
+              <a:schemeClr val="lt1"/>
+            </a:fontRef>
+          </p:style>
+          <p:txBody>
+            <a:bodyPr rtlCol="0" anchor="ctr"/>
+            <a:lstStyle/>
+            <a:p>
+              <a:pPr algn="r"/>
+              <a:endParaRPr lang="en-US"/>
+            </a:p>
+          </p:txBody>
+        </p:sp>
+        <p:sp>
+          <p:nvSpPr>
+            <p:cNvPr id="15404" name="Oval 15403">
+              <a:extLst>
+                <a:ext uri="{FF2B5EF4-FFF2-40B4-BE49-F238E27FC236}">
+                  <a16:creationId xmlns:a16="http://schemas.microsoft.com/office/drawing/2014/main" id="{ABA365E2-8B71-408B-9092-0104216AC7AC}"/>
+                </a:ext>
+                <a:ext uri="{C183D7F6-B498-43B3-948B-1728B52AA6E4}">
+                  <adec:decorative xmlns:adec="http://schemas.microsoft.com/office/drawing/2017/decorative" val="1"/>
+                </a:ext>
+              </a:extLst>
+            </p:cNvPr>
+            <p:cNvSpPr>
+              <a:spLocks noChangeAspect="1"/>
+            </p:cNvSpPr>
+            <p:nvPr>
+              <p:extLst>
+                <p:ext uri="{386F3935-93C4-4BCD-93E2-E3B085C9AB24}">
+                  <p16:designElem xmlns:p16="http://schemas.microsoft.com/office/powerpoint/2015/main" val="1"/>
+                </p:ext>
+              </p:extLst>
+            </p:nvPr>
+          </p:nvSpPr>
+          <p:spPr>
+            <a:xfrm>
+              <a:off x="6119057" y="1230054"/>
+              <a:ext cx="5506886" cy="5506886"/>
+            </a:xfrm>
+            <a:prstGeom prst="ellipse">
+              <a:avLst/>
+            </a:prstGeom>
+            <a:solidFill>
+              <a:schemeClr val="accent2">
+                <a:alpha val="60000"/>
+              </a:schemeClr>
+            </a:solidFill>
+            <a:ln>
+              <a:noFill/>
+            </a:ln>
+            <a:effectLst>
+              <a:softEdge rad="1270000"/>
+            </a:effectLst>
+          </p:spPr>
+          <p:style>
+            <a:lnRef idx="2">
+              <a:schemeClr val="accent1">
+                <a:shade val="50000"/>
+              </a:schemeClr>
+            </a:lnRef>
+            <a:fillRef idx="1">
+              <a:schemeClr val="accent1"/>
+            </a:fillRef>
+            <a:effectRef idx="0">
+              <a:schemeClr val="accent1"/>
+            </a:effectRef>
+            <a:fontRef idx="minor">
+              <a:schemeClr val="lt1"/>
+            </a:fontRef>
+          </p:style>
+          <p:txBody>
+            <a:bodyPr rtlCol="0" anchor="ctr"/>
+            <a:lstStyle/>
+            <a:p>
+              <a:pPr algn="r"/>
+              <a:endParaRPr lang="en-US" dirty="0"/>
+            </a:p>
+          </p:txBody>
+        </p:sp>
+        <p:grpSp>
+          <p:nvGrpSpPr>
+            <p:cNvPr id="15405" name="Group 15404">
+              <a:extLst>
+                <a:ext uri="{FF2B5EF4-FFF2-40B4-BE49-F238E27FC236}">
+                  <a16:creationId xmlns:a16="http://schemas.microsoft.com/office/drawing/2014/main" id="{BEDB8D7A-1BF6-4CDB-B93A-7736955F5043}"/>
+                </a:ext>
+                <a:ext uri="{C183D7F6-B498-43B3-948B-1728B52AA6E4}">
+                  <adec:decorative xmlns:adec="http://schemas.microsoft.com/office/drawing/2017/decorative" val="1"/>
+                </a:ext>
+              </a:extLst>
+            </p:cNvPr>
+            <p:cNvGrpSpPr>
+              <a:grpSpLocks noChangeAspect="1"/>
+            </p:cNvGrpSpPr>
+            <p:nvPr>
+              <p:extLst>
+                <p:ext uri="{386F3935-93C4-4BCD-93E2-E3B085C9AB24}">
+                  <p16:designElem xmlns:p16="http://schemas.microsoft.com/office/powerpoint/2015/main" val="1"/>
+                </p:ext>
+              </p:extLst>
+            </p:nvPr>
+          </p:nvGrpSpPr>
+          <p:grpSpPr>
+            <a:xfrm>
+              <a:off x="690092" y="0"/>
+              <a:ext cx="10800000" cy="6858000"/>
+              <a:chOff x="2328000" y="0"/>
+              <a:chExt cx="2880000" cy="1440000"/>
+            </a:xfrm>
+          </p:grpSpPr>
+          <p:sp>
+            <p:nvSpPr>
+              <p:cNvPr id="15410" name="Rectangle 15409">
+                <a:extLst>
+                  <a:ext uri="{FF2B5EF4-FFF2-40B4-BE49-F238E27FC236}">
+                    <a16:creationId xmlns:a16="http://schemas.microsoft.com/office/drawing/2014/main" id="{5AACD774-5167-46C7-8A62-6E2FE4BE9469}"/>
+                  </a:ext>
+                  <a:ext uri="{C183D7F6-B498-43B3-948B-1728B52AA6E4}">
+                    <adec:decorative xmlns:adec="http://schemas.microsoft.com/office/drawing/2017/decorative" val="1"/>
+                  </a:ext>
+                </a:extLst>
+              </p:cNvPr>
+              <p:cNvSpPr/>
+              <p:nvPr>
+                <p:extLst>
+                  <p:ext uri="{386F3935-93C4-4BCD-93E2-E3B085C9AB24}">
+                    <p16:designElem xmlns:p16="http://schemas.microsoft.com/office/powerpoint/2015/main" val="1"/>
+                  </p:ext>
+                </p:extLst>
+              </p:nvPr>
+            </p:nvSpPr>
+            <p:spPr>
+              <a:xfrm>
+                <a:off x="3768000" y="0"/>
+                <a:ext cx="1440000" cy="1440000"/>
+              </a:xfrm>
+              <a:prstGeom prst="rect">
+                <a:avLst/>
+              </a:prstGeom>
+              <a:gradFill flip="none" rotWithShape="1">
+                <a:gsLst>
+                  <a:gs pos="0">
+                    <a:schemeClr val="accent1"/>
+                  </a:gs>
+                  <a:gs pos="60000">
+                    <a:schemeClr val="accent1">
+                      <a:alpha val="0"/>
+                    </a:schemeClr>
+                  </a:gs>
+                </a:gsLst>
+                <a:path path="circle">
+                  <a:fillToRect r="100000" b="100000"/>
+                </a:path>
+                <a:tileRect l="-100000" t="-100000"/>
+              </a:gradFill>
+              <a:ln w="12700" cap="flat" cmpd="sng" algn="ctr">
+                <a:noFill/>
+                <a:prstDash val="solid"/>
+                <a:miter lim="800000"/>
+              </a:ln>
+              <a:effectLst/>
+            </p:spPr>
+            <p:style>
+              <a:lnRef idx="2">
+                <a:schemeClr val="accent1">
+                  <a:shade val="50000"/>
+                </a:schemeClr>
+              </a:lnRef>
+              <a:fillRef idx="1">
+                <a:schemeClr val="accent1"/>
+              </a:fillRef>
+              <a:effectRef idx="0">
+                <a:schemeClr val="accent1"/>
+              </a:effectRef>
+              <a:fontRef idx="minor">
+                <a:schemeClr val="lt1"/>
+              </a:fontRef>
+            </p:style>
+            <p:txBody>
+              <a:bodyPr rtlCol="0" anchor="ctr"/>
+              <a:lstStyle/>
+              <a:p>
+                <a:pPr algn="r"/>
+                <a:endParaRPr lang="en-US"/>
+              </a:p>
+            </p:txBody>
+          </p:sp>
+          <p:sp>
+            <p:nvSpPr>
+              <p:cNvPr id="15411" name="Rectangle 15410">
+                <a:extLst>
+                  <a:ext uri="{FF2B5EF4-FFF2-40B4-BE49-F238E27FC236}">
+                    <a16:creationId xmlns:a16="http://schemas.microsoft.com/office/drawing/2014/main" id="{06E0F2D8-452E-48F9-9912-C47EAEAE1802}"/>
+                  </a:ext>
+                  <a:ext uri="{C183D7F6-B498-43B3-948B-1728B52AA6E4}">
+                    <adec:decorative xmlns:adec="http://schemas.microsoft.com/office/drawing/2017/decorative" val="1"/>
+                  </a:ext>
+                </a:extLst>
+              </p:cNvPr>
+              <p:cNvSpPr/>
+              <p:nvPr>
+                <p:extLst>
+                  <p:ext uri="{386F3935-93C4-4BCD-93E2-E3B085C9AB24}">
+                    <p16:designElem xmlns:p16="http://schemas.microsoft.com/office/powerpoint/2015/main" val="1"/>
+                  </p:ext>
+                </p:extLst>
+              </p:nvPr>
+            </p:nvSpPr>
+            <p:spPr>
+              <a:xfrm flipH="1">
+                <a:off x="2328000" y="0"/>
+                <a:ext cx="1440000" cy="1440000"/>
+              </a:xfrm>
+              <a:prstGeom prst="rect">
+                <a:avLst/>
+              </a:prstGeom>
+              <a:gradFill flip="none" rotWithShape="1">
+                <a:gsLst>
+                  <a:gs pos="0">
+                    <a:schemeClr val="accent1"/>
+                  </a:gs>
+                  <a:gs pos="60000">
+                    <a:schemeClr val="accent1">
+                      <a:alpha val="0"/>
+                    </a:schemeClr>
+                  </a:gs>
+                </a:gsLst>
+                <a:path path="circle">
+                  <a:fillToRect r="100000" b="100000"/>
+                </a:path>
+                <a:tileRect l="-100000" t="-100000"/>
+              </a:gradFill>
+              <a:ln w="12700" cap="flat" cmpd="sng" algn="ctr">
+                <a:noFill/>
+                <a:prstDash val="solid"/>
+                <a:miter lim="800000"/>
+              </a:ln>
+              <a:effectLst/>
+            </p:spPr>
+            <p:style>
+              <a:lnRef idx="2">
+                <a:schemeClr val="accent1">
+                  <a:shade val="50000"/>
+                </a:schemeClr>
+              </a:lnRef>
+              <a:fillRef idx="1">
+                <a:schemeClr val="accent1"/>
+              </a:fillRef>
+              <a:effectRef idx="0">
+                <a:schemeClr val="accent1"/>
+              </a:effectRef>
+              <a:fontRef idx="minor">
+                <a:schemeClr val="lt1"/>
+              </a:fontRef>
+            </p:style>
+            <p:txBody>
+              <a:bodyPr rtlCol="0" anchor="ctr"/>
+              <a:lstStyle/>
+              <a:p>
+                <a:pPr algn="r"/>
+                <a:endParaRPr lang="en-US"/>
+              </a:p>
+            </p:txBody>
+          </p:sp>
+        </p:grpSp>
+        <p:grpSp>
+          <p:nvGrpSpPr>
+            <p:cNvPr id="15406" name="Group 15405">
+              <a:extLst>
+                <a:ext uri="{FF2B5EF4-FFF2-40B4-BE49-F238E27FC236}">
+                  <a16:creationId xmlns:a16="http://schemas.microsoft.com/office/drawing/2014/main" id="{91FBBF95-430B-427C-A6E8-DB899217FC00}"/>
+                </a:ext>
+                <a:ext uri="{C183D7F6-B498-43B3-948B-1728B52AA6E4}">
+                  <adec:decorative xmlns:adec="http://schemas.microsoft.com/office/drawing/2017/decorative" val="1"/>
+                </a:ext>
+              </a:extLst>
+            </p:cNvPr>
+            <p:cNvGrpSpPr>
+              <a:grpSpLocks noChangeAspect="1"/>
+            </p:cNvGrpSpPr>
+            <p:nvPr>
+              <p:extLst>
+                <p:ext uri="{386F3935-93C4-4BCD-93E2-E3B085C9AB24}">
+                  <p16:designElem xmlns:p16="http://schemas.microsoft.com/office/powerpoint/2015/main" val="1"/>
+                </p:ext>
+              </p:extLst>
+            </p:nvPr>
+          </p:nvGrpSpPr>
+          <p:grpSpPr>
+            <a:xfrm rot="5400000">
+              <a:off x="7048499" y="1714500"/>
+              <a:ext cx="6858000" cy="3429000"/>
+              <a:chOff x="0" y="0"/>
+              <a:chExt cx="2880000" cy="1440000"/>
+            </a:xfrm>
+          </p:grpSpPr>
+          <p:sp>
+            <p:nvSpPr>
+              <p:cNvPr id="15408" name="Rectangle 15407">
+                <a:extLst>
+                  <a:ext uri="{FF2B5EF4-FFF2-40B4-BE49-F238E27FC236}">
+                    <a16:creationId xmlns:a16="http://schemas.microsoft.com/office/drawing/2014/main" id="{BEE64698-3ED2-4395-B7FC-65248E437E0A}"/>
+                  </a:ext>
+                  <a:ext uri="{C183D7F6-B498-43B3-948B-1728B52AA6E4}">
+                    <adec:decorative xmlns:adec="http://schemas.microsoft.com/office/drawing/2017/decorative" val="1"/>
+                  </a:ext>
+                </a:extLst>
+              </p:cNvPr>
+              <p:cNvSpPr/>
+              <p:nvPr>
+                <p:extLst>
+                  <p:ext uri="{386F3935-93C4-4BCD-93E2-E3B085C9AB24}">
+                    <p16:designElem xmlns:p16="http://schemas.microsoft.com/office/powerpoint/2015/main" val="1"/>
+                  </p:ext>
+                </p:extLst>
+              </p:nvPr>
+            </p:nvSpPr>
+            <p:spPr>
+              <a:xfrm>
+                <a:off x="1440000" y="0"/>
+                <a:ext cx="1440000" cy="1440000"/>
+              </a:xfrm>
+              <a:prstGeom prst="rect">
+                <a:avLst/>
+              </a:prstGeom>
+              <a:gradFill flip="none" rotWithShape="1">
+                <a:gsLst>
+                  <a:gs pos="0">
+                    <a:schemeClr val="accent2"/>
+                  </a:gs>
+                  <a:gs pos="60000">
+                    <a:schemeClr val="accent2">
+                      <a:alpha val="0"/>
+                    </a:schemeClr>
+                  </a:gs>
+                </a:gsLst>
+                <a:path path="circle">
+                  <a:fillToRect r="100000" b="100000"/>
+                </a:path>
+                <a:tileRect l="-100000" t="-100000"/>
+              </a:gradFill>
+              <a:ln w="12700" cap="flat" cmpd="sng" algn="ctr">
+                <a:noFill/>
+                <a:prstDash val="solid"/>
+                <a:miter lim="800000"/>
+              </a:ln>
+              <a:effectLst/>
+            </p:spPr>
+            <p:style>
+              <a:lnRef idx="2">
+                <a:schemeClr val="accent1">
+                  <a:shade val="50000"/>
+                </a:schemeClr>
+              </a:lnRef>
+              <a:fillRef idx="1">
+                <a:schemeClr val="accent1"/>
+              </a:fillRef>
+              <a:effectRef idx="0">
+                <a:schemeClr val="accent1"/>
+              </a:effectRef>
+              <a:fontRef idx="minor">
+                <a:schemeClr val="lt1"/>
+              </a:fontRef>
+            </p:style>
+            <p:txBody>
+              <a:bodyPr rtlCol="0" anchor="ctr"/>
+              <a:lstStyle/>
+              <a:p>
+                <a:pPr algn="r"/>
+                <a:endParaRPr lang="en-US"/>
+              </a:p>
+            </p:txBody>
+          </p:sp>
+          <p:sp>
+            <p:nvSpPr>
+              <p:cNvPr id="15409" name="Rectangle 15408">
+                <a:extLst>
+                  <a:ext uri="{FF2B5EF4-FFF2-40B4-BE49-F238E27FC236}">
+                    <a16:creationId xmlns:a16="http://schemas.microsoft.com/office/drawing/2014/main" id="{FE20B1E1-CE09-4C2A-A3FB-DB8026C54E98}"/>
+                  </a:ext>
+                  <a:ext uri="{C183D7F6-B498-43B3-948B-1728B52AA6E4}">
+                    <adec:decorative xmlns:adec="http://schemas.microsoft.com/office/drawing/2017/decorative" val="1"/>
+                  </a:ext>
+                </a:extLst>
+              </p:cNvPr>
+              <p:cNvSpPr/>
+              <p:nvPr>
+                <p:extLst>
+                  <p:ext uri="{386F3935-93C4-4BCD-93E2-E3B085C9AB24}">
+                    <p16:designElem xmlns:p16="http://schemas.microsoft.com/office/powerpoint/2015/main" val="1"/>
+                  </p:ext>
+                </p:extLst>
+              </p:nvPr>
+            </p:nvSpPr>
+            <p:spPr>
+              <a:xfrm flipH="1">
+                <a:off x="0" y="0"/>
+                <a:ext cx="1440000" cy="1440000"/>
+              </a:xfrm>
+              <a:prstGeom prst="rect">
+                <a:avLst/>
+              </a:prstGeom>
+              <a:gradFill flip="none" rotWithShape="1">
+                <a:gsLst>
+                  <a:gs pos="0">
+                    <a:schemeClr val="accent2"/>
+                  </a:gs>
+                  <a:gs pos="60000">
+                    <a:schemeClr val="accent2">
+                      <a:alpha val="0"/>
+                    </a:schemeClr>
+                  </a:gs>
+                </a:gsLst>
+                <a:path path="circle">
+                  <a:fillToRect r="100000" b="100000"/>
+                </a:path>
+                <a:tileRect l="-100000" t="-100000"/>
+              </a:gradFill>
+              <a:ln w="12700" cap="flat" cmpd="sng" algn="ctr">
+                <a:noFill/>
+                <a:prstDash val="solid"/>
+                <a:miter lim="800000"/>
+              </a:ln>
+              <a:effectLst/>
+            </p:spPr>
+            <p:style>
+              <a:lnRef idx="2">
+                <a:schemeClr val="accent1">
+                  <a:shade val="50000"/>
+                </a:schemeClr>
+              </a:lnRef>
+              <a:fillRef idx="1">
+                <a:schemeClr val="accent1"/>
+              </a:fillRef>
+              <a:effectRef idx="0">
+                <a:schemeClr val="accent1"/>
+              </a:effectRef>
+              <a:fontRef idx="minor">
+                <a:schemeClr val="lt1"/>
+              </a:fontRef>
+            </p:style>
+            <p:txBody>
+              <a:bodyPr rtlCol="0" anchor="ctr"/>
+              <a:lstStyle/>
+              <a:p>
+                <a:pPr algn="r"/>
+                <a:endParaRPr lang="en-US"/>
+              </a:p>
+            </p:txBody>
+          </p:sp>
+        </p:grpSp>
+        <p:sp>
+          <p:nvSpPr>
+            <p:cNvPr id="15407" name="Rectangle 15406">
+              <a:extLst>
+                <a:ext uri="{FF2B5EF4-FFF2-40B4-BE49-F238E27FC236}">
+                  <a16:creationId xmlns:a16="http://schemas.microsoft.com/office/drawing/2014/main" id="{0CB2405B-A907-48B3-906A-FB3573C0B282}"/>
+                </a:ext>
+                <a:ext uri="{C183D7F6-B498-43B3-948B-1728B52AA6E4}">
+                  <adec:decorative xmlns:adec="http://schemas.microsoft.com/office/drawing/2017/decorative" val="1"/>
+                </a:ext>
+              </a:extLst>
+            </p:cNvPr>
+            <p:cNvSpPr>
+              <a:spLocks noChangeAspect="1"/>
+            </p:cNvSpPr>
+            <p:nvPr>
+              <p:extLst>
+                <p:ext uri="{386F3935-93C4-4BCD-93E2-E3B085C9AB24}">
+                  <p16:designElem xmlns:p16="http://schemas.microsoft.com/office/powerpoint/2015/main" val="1"/>
+                </p:ext>
+              </p:extLst>
+            </p:nvPr>
+          </p:nvSpPr>
+          <p:spPr>
+            <a:xfrm rot="10800000">
+              <a:off x="5602287" y="271887"/>
+              <a:ext cx="6589713" cy="6589713"/>
+            </a:xfrm>
+            <a:prstGeom prst="rect">
+              <a:avLst/>
+            </a:prstGeom>
+            <a:gradFill flip="none" rotWithShape="1">
+              <a:gsLst>
+                <a:gs pos="0">
+                  <a:schemeClr val="accent3"/>
+                </a:gs>
+                <a:gs pos="60000">
+                  <a:schemeClr val="accent3">
+                    <a:alpha val="0"/>
+                  </a:schemeClr>
+                </a:gs>
+              </a:gsLst>
+              <a:path path="circle">
+                <a:fillToRect r="100000" b="100000"/>
+              </a:path>
+              <a:tileRect l="-100000" t="-100000"/>
+            </a:gradFill>
+            <a:ln w="12700" cap="flat" cmpd="sng" algn="ctr">
+              <a:noFill/>
+              <a:prstDash val="solid"/>
+              <a:miter lim="800000"/>
+            </a:ln>
+            <a:effectLst/>
+          </p:spPr>
+          <p:style>
+            <a:lnRef idx="2">
+              <a:schemeClr val="accent1">
+                <a:shade val="50000"/>
+              </a:schemeClr>
+            </a:lnRef>
+            <a:fillRef idx="1">
+              <a:schemeClr val="accent1"/>
+            </a:fillRef>
+            <a:effectRef idx="0">
+              <a:schemeClr val="accent1"/>
+            </a:effectRef>
+            <a:fontRef idx="minor">
+              <a:schemeClr val="lt1"/>
+            </a:fontRef>
+          </p:style>
+          <p:txBody>
+            <a:bodyPr rtlCol="0" anchor="ctr"/>
+            <a:lstStyle/>
+            <a:p>
+              <a:pPr algn="r"/>
+              <a:endParaRPr lang="en-US"/>
+            </a:p>
+          </p:txBody>
+        </p:sp>
+      </p:grpSp>
+      <p:sp>
+        <p:nvSpPr>
+          <p:cNvPr id="15413" name="Rectangle 15412">
             <a:extLst>
               <a:ext uri="{FF2B5EF4-FFF2-40B4-BE49-F238E27FC236}">
                 <a16:creationId xmlns:a16="http://schemas.microsoft.com/office/drawing/2014/main" id="{6DC8E2D9-6729-4614-8667-C1016D3182E4}"/>
@@ -31027,7 +31484,7 @@
       </p:sp>
       <p:sp useBgFill="1">
         <p:nvSpPr>
-          <p:cNvPr id="15381" name="Rectangle 15380">
+          <p:cNvPr id="15415" name="Rectangle 15414">
             <a:extLst>
               <a:ext uri="{FF2B5EF4-FFF2-40B4-BE49-F238E27FC236}">
                 <a16:creationId xmlns:a16="http://schemas.microsoft.com/office/drawing/2014/main" id="{9C51935E-4A08-4AE4-8E13-F40CD3C4F1C4}"/>
@@ -31103,7 +31560,7 @@
       </p:sp>
       <p:sp>
         <p:nvSpPr>
-          <p:cNvPr id="15383" name="Oval 15382">
+          <p:cNvPr id="15417" name="Oval 15416">
             <a:extLst>
               <a:ext uri="{FF2B5EF4-FFF2-40B4-BE49-F238E27FC236}">
                 <a16:creationId xmlns:a16="http://schemas.microsoft.com/office/drawing/2014/main" id="{193F1402-2867-4C4F-A1BA-606198AD76B0}"/>
@@ -31171,7 +31628,7 @@
       </p:sp>
       <p:sp>
         <p:nvSpPr>
-          <p:cNvPr id="15385" name="Oval 15384">
+          <p:cNvPr id="15419" name="Oval 15418">
             <a:extLst>
               <a:ext uri="{FF2B5EF4-FFF2-40B4-BE49-F238E27FC236}">
                 <a16:creationId xmlns:a16="http://schemas.microsoft.com/office/drawing/2014/main" id="{9887A981-7310-4FDA-96E6-73ECCD6C472B}"/>
@@ -31239,7 +31696,7 @@
       </p:sp>
       <p:sp>
         <p:nvSpPr>
-          <p:cNvPr id="15387" name="Rectangle 15386">
+          <p:cNvPr id="15421" name="Rectangle 15420">
             <a:extLst>
               <a:ext uri="{FF2B5EF4-FFF2-40B4-BE49-F238E27FC236}">
                 <a16:creationId xmlns:a16="http://schemas.microsoft.com/office/drawing/2014/main" id="{FED4C940-D8EF-42FB-B65E-81A70494B8E6}"/>
@@ -31320,7 +31777,7 @@
       </p:sp>
       <p:grpSp>
         <p:nvGrpSpPr>
-          <p:cNvPr id="15389" name="Group 15388">
+          <p:cNvPr id="15423" name="Group 15422">
             <a:extLst>
               <a:ext uri="{FF2B5EF4-FFF2-40B4-BE49-F238E27FC236}">
                 <a16:creationId xmlns:a16="http://schemas.microsoft.com/office/drawing/2014/main" id="{56A1B230-58D0-41AA-8ACD-0AE93078B8F9}"/>
@@ -31351,7 +31808,7 @@
         </p:grpSpPr>
         <p:sp>
           <p:nvSpPr>
-            <p:cNvPr id="15390" name="Rectangle 15389">
+            <p:cNvPr id="15424" name="Rectangle 15423">
               <a:extLst>
                 <a:ext uri="{FF2B5EF4-FFF2-40B4-BE49-F238E27FC236}">
                   <a16:creationId xmlns:a16="http://schemas.microsoft.com/office/drawing/2014/main" id="{91B32BAF-B8A7-40EA-8C6C-3409A4268B22}"/>
@@ -31428,7 +31885,7 @@
         </p:sp>
         <p:sp>
           <p:nvSpPr>
-            <p:cNvPr id="15391" name="Rectangle 15390">
+            <p:cNvPr id="15425" name="Rectangle 15424">
               <a:extLst>
                 <a:ext uri="{FF2B5EF4-FFF2-40B4-BE49-F238E27FC236}">
                   <a16:creationId xmlns:a16="http://schemas.microsoft.com/office/drawing/2014/main" id="{4AB64E17-54DF-4E9F-BB8F-9619CAE1A18E}"/>
@@ -31506,7 +31963,7 @@
       </p:grpSp>
       <p:grpSp>
         <p:nvGrpSpPr>
-          <p:cNvPr id="15393" name="Group 15392">
+          <p:cNvPr id="15427" name="Group 15426">
             <a:extLst>
               <a:ext uri="{FF2B5EF4-FFF2-40B4-BE49-F238E27FC236}">
                 <a16:creationId xmlns:a16="http://schemas.microsoft.com/office/drawing/2014/main" id="{F7AEDD01-B338-442A-9214-A38E48E3FF21}"/>
@@ -31537,7 +31994,7 @@
         </p:grpSpPr>
         <p:sp>
           <p:nvSpPr>
-            <p:cNvPr id="15394" name="Rectangle 15393">
+            <p:cNvPr id="15428" name="Rectangle 15427">
               <a:extLst>
                 <a:ext uri="{FF2B5EF4-FFF2-40B4-BE49-F238E27FC236}">
                   <a16:creationId xmlns:a16="http://schemas.microsoft.com/office/drawing/2014/main" id="{1444701A-B337-4728-803C-208856DCB312}"/>
@@ -31614,7 +32071,7 @@
         </p:sp>
         <p:sp>
           <p:nvSpPr>
-            <p:cNvPr id="15395" name="Rectangle 15394">
+            <p:cNvPr id="15429" name="Rectangle 15428">
               <a:extLst>
                 <a:ext uri="{FF2B5EF4-FFF2-40B4-BE49-F238E27FC236}">
                   <a16:creationId xmlns:a16="http://schemas.microsoft.com/office/drawing/2014/main" id="{27B1125A-A245-40E7-937C-DB195DADF58A}"/>
@@ -31692,7 +32149,7 @@
       </p:grpSp>
       <p:sp>
         <p:nvSpPr>
-          <p:cNvPr id="15397" name="Rectangle 15396">
+          <p:cNvPr id="15431" name="Rectangle 15430">
             <a:extLst>
               <a:ext uri="{FF2B5EF4-FFF2-40B4-BE49-F238E27FC236}">
                 <a16:creationId xmlns:a16="http://schemas.microsoft.com/office/drawing/2014/main" id="{445038F8-360D-46AD-B2F1-47DAB7AA07B2}"/>
@@ -31771,7 +32228,7 @@
       </p:sp>
       <p:sp>
         <p:nvSpPr>
-          <p:cNvPr id="15399" name="Rectangle 15398">
+          <p:cNvPr id="15433" name="Rectangle 15432">
             <a:extLst>
               <a:ext uri="{FF2B5EF4-FFF2-40B4-BE49-F238E27FC236}">
                 <a16:creationId xmlns:a16="http://schemas.microsoft.com/office/drawing/2014/main" id="{E1297267-64FC-46DE-88B8-E76DC4691C8E}"/>
@@ -31854,8 +32311,8 @@
         </p:nvSpPr>
         <p:spPr>
           <a:xfrm>
-            <a:off x="540000" y="549276"/>
-            <a:ext cx="4500561" cy="4259814"/>
+            <a:off x="550865" y="2656484"/>
+            <a:ext cx="4500561" cy="1545029"/>
           </a:xfrm>
         </p:spPr>
         <p:txBody>
@@ -31865,15 +32322,16 @@
           <a:lstStyle/>
           <a:p>
             <a:r>
-              <a:rPr lang="en-US" sz="7500"/>
-              <a:t>Modelo de regresión lineal</a:t>
+              <a:rPr lang="en-US" sz="8800" dirty="0" err="1"/>
+              <a:t>Métricas</a:t>
             </a:r>
+            <a:endParaRPr lang="en-US" sz="8800" dirty="0"/>
           </a:p>
         </p:txBody>
       </p:sp>
       <p:sp>
         <p:nvSpPr>
-          <p:cNvPr id="15401" name="Freeform: Shape 15400">
+          <p:cNvPr id="15435" name="Freeform: Shape 15434">
             <a:extLst>
               <a:ext uri="{FF2B5EF4-FFF2-40B4-BE49-F238E27FC236}">
                 <a16:creationId xmlns:a16="http://schemas.microsoft.com/office/drawing/2014/main" id="{D0A09031-1697-4CF1-8372-9D6B798ED9DA}"/>
@@ -31981,7 +32439,7 @@
       </p:sp>
       <p:pic>
         <p:nvPicPr>
-          <p:cNvPr id="15362" name="Picture 2">
+          <p:cNvPr id="15362" name="Picture 2" descr="Gráfico, Gráfico de barras&#10;&#10;Descripción generada automáticamente">
             <a:extLst>
               <a:ext uri="{FF2B5EF4-FFF2-40B4-BE49-F238E27FC236}">
                 <a16:creationId xmlns:a16="http://schemas.microsoft.com/office/drawing/2014/main" id="{A465F0E0-1223-E5F2-4FBC-284C68E894EE}"/>
@@ -32030,227 +32488,7 @@
     </p:spTree>
     <p:extLst>
       <p:ext uri="{BB962C8B-B14F-4D97-AF65-F5344CB8AC3E}">
-        <p14:creationId xmlns:p14="http://schemas.microsoft.com/office/powerpoint/2010/main" val="332837446"/>
-      </p:ext>
-    </p:extLst>
-  </p:cSld>
-  <p:clrMapOvr>
-    <a:masterClrMapping/>
-  </p:clrMapOvr>
-</p:sld>
-</file>
-
-<file path=ppt/slides/slide18.xml><?xml version="1.0" encoding="utf-8"?>
-<p:sld xmlns:a="http://schemas.openxmlformats.org/drawingml/2006/main" xmlns:r="http://schemas.openxmlformats.org/officeDocument/2006/relationships" xmlns:p="http://schemas.openxmlformats.org/presentationml/2006/main">
-  <p:cSld>
-    <p:spTree>
-      <p:nvGrpSpPr>
-        <p:cNvPr id="1" name=""/>
-        <p:cNvGrpSpPr/>
-        <p:nvPr/>
-      </p:nvGrpSpPr>
-      <p:grpSpPr>
-        <a:xfrm>
-          <a:off x="0" y="0"/>
-          <a:ext cx="0" cy="0"/>
-          <a:chOff x="0" y="0"/>
-          <a:chExt cx="0" cy="0"/>
-        </a:xfrm>
-      </p:grpSpPr>
-      <p:sp>
-        <p:nvSpPr>
-          <p:cNvPr id="2" name="Título 1">
-            <a:extLst>
-              <a:ext uri="{FF2B5EF4-FFF2-40B4-BE49-F238E27FC236}">
-                <a16:creationId xmlns:a16="http://schemas.microsoft.com/office/drawing/2014/main" id="{1BFE8DC7-3D83-7C30-E9B6-C02FB408C63B}"/>
-              </a:ext>
-            </a:extLst>
-          </p:cNvPr>
-          <p:cNvSpPr>
-            <a:spLocks noGrp="1"/>
-          </p:cNvSpPr>
-          <p:nvPr>
-            <p:ph type="title"/>
-          </p:nvPr>
-        </p:nvSpPr>
-        <p:spPr>
-          <a:xfrm>
-            <a:off x="4390739" y="374152"/>
-            <a:ext cx="3410521" cy="1283821"/>
-          </a:xfrm>
-        </p:spPr>
-        <p:txBody>
-          <a:bodyPr/>
-          <a:lstStyle/>
-          <a:p>
-            <a:r>
-              <a:rPr lang="es-CR" dirty="0"/>
-              <a:t>Modelo 1</a:t>
-            </a:r>
-          </a:p>
-        </p:txBody>
-      </p:sp>
-      <p:pic>
-        <p:nvPicPr>
-          <p:cNvPr id="16390" name="Picture 6">
-            <a:extLst>
-              <a:ext uri="{FF2B5EF4-FFF2-40B4-BE49-F238E27FC236}">
-                <a16:creationId xmlns:a16="http://schemas.microsoft.com/office/drawing/2014/main" id="{0DC44D28-8FD1-9570-F9F2-A1728F59C091}"/>
-              </a:ext>
-            </a:extLst>
-          </p:cNvPr>
-          <p:cNvPicPr>
-            <a:picLocks noChangeAspect="1" noChangeArrowheads="1"/>
-          </p:cNvPicPr>
-          <p:nvPr/>
-        </p:nvPicPr>
-        <p:blipFill>
-          <a:blip r:embed="rId2">
-            <a:extLst>
-              <a:ext uri="{28A0092B-C50C-407E-A947-70E740481C1C}">
-                <a14:useLocalDpi xmlns:a14="http://schemas.microsoft.com/office/drawing/2010/main" val="0"/>
-              </a:ext>
-            </a:extLst>
-          </a:blip>
-          <a:srcRect/>
-          <a:stretch>
-            <a:fillRect/>
-          </a:stretch>
-        </p:blipFill>
-        <p:spPr bwMode="auto">
-          <a:xfrm>
-            <a:off x="2100261" y="1345171"/>
-            <a:ext cx="7991475" cy="5219700"/>
-          </a:xfrm>
-          <a:prstGeom prst="rect">
-            <a:avLst/>
-          </a:prstGeom>
-          <a:noFill/>
-          <a:extLst>
-            <a:ext uri="{909E8E84-426E-40DD-AFC4-6F175D3DCCD1}">
-              <a14:hiddenFill xmlns:a14="http://schemas.microsoft.com/office/drawing/2010/main">
-                <a:solidFill>
-                  <a:srgbClr val="FFFFFF"/>
-                </a:solidFill>
-              </a14:hiddenFill>
-            </a:ext>
-          </a:extLst>
-        </p:spPr>
-      </p:pic>
-    </p:spTree>
-    <p:extLst>
-      <p:ext uri="{BB962C8B-B14F-4D97-AF65-F5344CB8AC3E}">
-        <p14:creationId xmlns:p14="http://schemas.microsoft.com/office/powerpoint/2010/main" val="1490500899"/>
-      </p:ext>
-    </p:extLst>
-  </p:cSld>
-  <p:clrMapOvr>
-    <a:masterClrMapping/>
-  </p:clrMapOvr>
-</p:sld>
-</file>
-
-<file path=ppt/slides/slide19.xml><?xml version="1.0" encoding="utf-8"?>
-<p:sld xmlns:a="http://schemas.openxmlformats.org/drawingml/2006/main" xmlns:r="http://schemas.openxmlformats.org/officeDocument/2006/relationships" xmlns:p="http://schemas.openxmlformats.org/presentationml/2006/main">
-  <p:cSld>
-    <p:spTree>
-      <p:nvGrpSpPr>
-        <p:cNvPr id="1" name=""/>
-        <p:cNvGrpSpPr/>
-        <p:nvPr/>
-      </p:nvGrpSpPr>
-      <p:grpSpPr>
-        <a:xfrm>
-          <a:off x="0" y="0"/>
-          <a:ext cx="0" cy="0"/>
-          <a:chOff x="0" y="0"/>
-          <a:chExt cx="0" cy="0"/>
-        </a:xfrm>
-      </p:grpSpPr>
-      <p:sp>
-        <p:nvSpPr>
-          <p:cNvPr id="2" name="Título 1">
-            <a:extLst>
-              <a:ext uri="{FF2B5EF4-FFF2-40B4-BE49-F238E27FC236}">
-                <a16:creationId xmlns:a16="http://schemas.microsoft.com/office/drawing/2014/main" id="{1BFE8DC7-3D83-7C30-E9B6-C02FB408C63B}"/>
-              </a:ext>
-            </a:extLst>
-          </p:cNvPr>
-          <p:cNvSpPr>
-            <a:spLocks noGrp="1"/>
-          </p:cNvSpPr>
-          <p:nvPr>
-            <p:ph type="title"/>
-          </p:nvPr>
-        </p:nvSpPr>
-        <p:spPr>
-          <a:xfrm>
-            <a:off x="4390739" y="374152"/>
-            <a:ext cx="3410521" cy="1283821"/>
-          </a:xfrm>
-        </p:spPr>
-        <p:txBody>
-          <a:bodyPr/>
-          <a:lstStyle/>
-          <a:p>
-            <a:r>
-              <a:rPr lang="es-CR" dirty="0"/>
-              <a:t>Modelo 2</a:t>
-            </a:r>
-          </a:p>
-        </p:txBody>
-      </p:sp>
-      <p:pic>
-        <p:nvPicPr>
-          <p:cNvPr id="18438" name="Picture 6">
-            <a:extLst>
-              <a:ext uri="{FF2B5EF4-FFF2-40B4-BE49-F238E27FC236}">
-                <a16:creationId xmlns:a16="http://schemas.microsoft.com/office/drawing/2014/main" id="{D3591AE0-86FF-2118-F5D9-3736036F39BC}"/>
-              </a:ext>
-            </a:extLst>
-          </p:cNvPr>
-          <p:cNvPicPr>
-            <a:picLocks noChangeAspect="1" noChangeArrowheads="1"/>
-          </p:cNvPicPr>
-          <p:nvPr/>
-        </p:nvPicPr>
-        <p:blipFill>
-          <a:blip r:embed="rId2">
-            <a:extLst>
-              <a:ext uri="{28A0092B-C50C-407E-A947-70E740481C1C}">
-                <a14:useLocalDpi xmlns:a14="http://schemas.microsoft.com/office/drawing/2010/main" val="0"/>
-              </a:ext>
-            </a:extLst>
-          </a:blip>
-          <a:srcRect/>
-          <a:stretch>
-            <a:fillRect/>
-          </a:stretch>
-        </p:blipFill>
-        <p:spPr bwMode="auto">
-          <a:xfrm>
-            <a:off x="1476374" y="1336490"/>
-            <a:ext cx="9239250" cy="5219700"/>
-          </a:xfrm>
-          <a:prstGeom prst="rect">
-            <a:avLst/>
-          </a:prstGeom>
-          <a:noFill/>
-          <a:extLst>
-            <a:ext uri="{909E8E84-426E-40DD-AFC4-6F175D3DCCD1}">
-              <a14:hiddenFill xmlns:a14="http://schemas.microsoft.com/office/drawing/2010/main">
-                <a:solidFill>
-                  <a:srgbClr val="FFFFFF"/>
-                </a:solidFill>
-              </a14:hiddenFill>
-            </a:ext>
-          </a:extLst>
-        </p:spPr>
-      </p:pic>
-    </p:spTree>
-    <p:extLst>
-      <p:ext uri="{BB962C8B-B14F-4D97-AF65-F5344CB8AC3E}">
-        <p14:creationId xmlns:p14="http://schemas.microsoft.com/office/powerpoint/2010/main" val="3408700448"/>
+        <p14:creationId xmlns:p14="http://schemas.microsoft.com/office/powerpoint/2010/main" val="24252511"/>
       </p:ext>
     </p:extLst>
   </p:cSld>
@@ -33100,6 +33338,226 @@
           <a:p>
             <a:r>
               <a:rPr lang="es-CR" dirty="0"/>
+              <a:t>Modelo 1</a:t>
+            </a:r>
+          </a:p>
+        </p:txBody>
+      </p:sp>
+      <p:pic>
+        <p:nvPicPr>
+          <p:cNvPr id="16390" name="Picture 6">
+            <a:extLst>
+              <a:ext uri="{FF2B5EF4-FFF2-40B4-BE49-F238E27FC236}">
+                <a16:creationId xmlns:a16="http://schemas.microsoft.com/office/drawing/2014/main" id="{0DC44D28-8FD1-9570-F9F2-A1728F59C091}"/>
+              </a:ext>
+            </a:extLst>
+          </p:cNvPr>
+          <p:cNvPicPr>
+            <a:picLocks noChangeAspect="1" noChangeArrowheads="1"/>
+          </p:cNvPicPr>
+          <p:nvPr/>
+        </p:nvPicPr>
+        <p:blipFill>
+          <a:blip r:embed="rId2">
+            <a:extLst>
+              <a:ext uri="{28A0092B-C50C-407E-A947-70E740481C1C}">
+                <a14:useLocalDpi xmlns:a14="http://schemas.microsoft.com/office/drawing/2010/main" val="0"/>
+              </a:ext>
+            </a:extLst>
+          </a:blip>
+          <a:srcRect/>
+          <a:stretch>
+            <a:fillRect/>
+          </a:stretch>
+        </p:blipFill>
+        <p:spPr bwMode="auto">
+          <a:xfrm>
+            <a:off x="2100261" y="1345171"/>
+            <a:ext cx="7991475" cy="5219700"/>
+          </a:xfrm>
+          <a:prstGeom prst="rect">
+            <a:avLst/>
+          </a:prstGeom>
+          <a:noFill/>
+          <a:extLst>
+            <a:ext uri="{909E8E84-426E-40DD-AFC4-6F175D3DCCD1}">
+              <a14:hiddenFill xmlns:a14="http://schemas.microsoft.com/office/drawing/2010/main">
+                <a:solidFill>
+                  <a:srgbClr val="FFFFFF"/>
+                </a:solidFill>
+              </a14:hiddenFill>
+            </a:ext>
+          </a:extLst>
+        </p:spPr>
+      </p:pic>
+    </p:spTree>
+    <p:extLst>
+      <p:ext uri="{BB962C8B-B14F-4D97-AF65-F5344CB8AC3E}">
+        <p14:creationId xmlns:p14="http://schemas.microsoft.com/office/powerpoint/2010/main" val="1490500899"/>
+      </p:ext>
+    </p:extLst>
+  </p:cSld>
+  <p:clrMapOvr>
+    <a:masterClrMapping/>
+  </p:clrMapOvr>
+</p:sld>
+</file>
+
+<file path=ppt/slides/slide21.xml><?xml version="1.0" encoding="utf-8"?>
+<p:sld xmlns:a="http://schemas.openxmlformats.org/drawingml/2006/main" xmlns:r="http://schemas.openxmlformats.org/officeDocument/2006/relationships" xmlns:p="http://schemas.openxmlformats.org/presentationml/2006/main">
+  <p:cSld>
+    <p:spTree>
+      <p:nvGrpSpPr>
+        <p:cNvPr id="1" name=""/>
+        <p:cNvGrpSpPr/>
+        <p:nvPr/>
+      </p:nvGrpSpPr>
+      <p:grpSpPr>
+        <a:xfrm>
+          <a:off x="0" y="0"/>
+          <a:ext cx="0" cy="0"/>
+          <a:chOff x="0" y="0"/>
+          <a:chExt cx="0" cy="0"/>
+        </a:xfrm>
+      </p:grpSpPr>
+      <p:sp>
+        <p:nvSpPr>
+          <p:cNvPr id="2" name="Título 1">
+            <a:extLst>
+              <a:ext uri="{FF2B5EF4-FFF2-40B4-BE49-F238E27FC236}">
+                <a16:creationId xmlns:a16="http://schemas.microsoft.com/office/drawing/2014/main" id="{1BFE8DC7-3D83-7C30-E9B6-C02FB408C63B}"/>
+              </a:ext>
+            </a:extLst>
+          </p:cNvPr>
+          <p:cNvSpPr>
+            <a:spLocks noGrp="1"/>
+          </p:cNvSpPr>
+          <p:nvPr>
+            <p:ph type="title"/>
+          </p:nvPr>
+        </p:nvSpPr>
+        <p:spPr>
+          <a:xfrm>
+            <a:off x="4390739" y="374152"/>
+            <a:ext cx="3410521" cy="1283821"/>
+          </a:xfrm>
+        </p:spPr>
+        <p:txBody>
+          <a:bodyPr/>
+          <a:lstStyle/>
+          <a:p>
+            <a:r>
+              <a:rPr lang="es-CR" dirty="0"/>
+              <a:t>Modelo 2</a:t>
+            </a:r>
+          </a:p>
+        </p:txBody>
+      </p:sp>
+      <p:pic>
+        <p:nvPicPr>
+          <p:cNvPr id="18438" name="Picture 6">
+            <a:extLst>
+              <a:ext uri="{FF2B5EF4-FFF2-40B4-BE49-F238E27FC236}">
+                <a16:creationId xmlns:a16="http://schemas.microsoft.com/office/drawing/2014/main" id="{D3591AE0-86FF-2118-F5D9-3736036F39BC}"/>
+              </a:ext>
+            </a:extLst>
+          </p:cNvPr>
+          <p:cNvPicPr>
+            <a:picLocks noChangeAspect="1" noChangeArrowheads="1"/>
+          </p:cNvPicPr>
+          <p:nvPr/>
+        </p:nvPicPr>
+        <p:blipFill>
+          <a:blip r:embed="rId2">
+            <a:extLst>
+              <a:ext uri="{28A0092B-C50C-407E-A947-70E740481C1C}">
+                <a14:useLocalDpi xmlns:a14="http://schemas.microsoft.com/office/drawing/2010/main" val="0"/>
+              </a:ext>
+            </a:extLst>
+          </a:blip>
+          <a:srcRect/>
+          <a:stretch>
+            <a:fillRect/>
+          </a:stretch>
+        </p:blipFill>
+        <p:spPr bwMode="auto">
+          <a:xfrm>
+            <a:off x="1476374" y="1336490"/>
+            <a:ext cx="9239250" cy="5219700"/>
+          </a:xfrm>
+          <a:prstGeom prst="rect">
+            <a:avLst/>
+          </a:prstGeom>
+          <a:noFill/>
+          <a:extLst>
+            <a:ext uri="{909E8E84-426E-40DD-AFC4-6F175D3DCCD1}">
+              <a14:hiddenFill xmlns:a14="http://schemas.microsoft.com/office/drawing/2010/main">
+                <a:solidFill>
+                  <a:srgbClr val="FFFFFF"/>
+                </a:solidFill>
+              </a14:hiddenFill>
+            </a:ext>
+          </a:extLst>
+        </p:spPr>
+      </p:pic>
+    </p:spTree>
+    <p:extLst>
+      <p:ext uri="{BB962C8B-B14F-4D97-AF65-F5344CB8AC3E}">
+        <p14:creationId xmlns:p14="http://schemas.microsoft.com/office/powerpoint/2010/main" val="3408700448"/>
+      </p:ext>
+    </p:extLst>
+  </p:cSld>
+  <p:clrMapOvr>
+    <a:masterClrMapping/>
+  </p:clrMapOvr>
+</p:sld>
+</file>
+
+<file path=ppt/slides/slide22.xml><?xml version="1.0" encoding="utf-8"?>
+<p:sld xmlns:a="http://schemas.openxmlformats.org/drawingml/2006/main" xmlns:r="http://schemas.openxmlformats.org/officeDocument/2006/relationships" xmlns:p="http://schemas.openxmlformats.org/presentationml/2006/main">
+  <p:cSld>
+    <p:spTree>
+      <p:nvGrpSpPr>
+        <p:cNvPr id="1" name=""/>
+        <p:cNvGrpSpPr/>
+        <p:nvPr/>
+      </p:nvGrpSpPr>
+      <p:grpSpPr>
+        <a:xfrm>
+          <a:off x="0" y="0"/>
+          <a:ext cx="0" cy="0"/>
+          <a:chOff x="0" y="0"/>
+          <a:chExt cx="0" cy="0"/>
+        </a:xfrm>
+      </p:grpSpPr>
+      <p:sp>
+        <p:nvSpPr>
+          <p:cNvPr id="2" name="Título 1">
+            <a:extLst>
+              <a:ext uri="{FF2B5EF4-FFF2-40B4-BE49-F238E27FC236}">
+                <a16:creationId xmlns:a16="http://schemas.microsoft.com/office/drawing/2014/main" id="{1BFE8DC7-3D83-7C30-E9B6-C02FB408C63B}"/>
+              </a:ext>
+            </a:extLst>
+          </p:cNvPr>
+          <p:cNvSpPr>
+            <a:spLocks noGrp="1"/>
+          </p:cNvSpPr>
+          <p:nvPr>
+            <p:ph type="title"/>
+          </p:nvPr>
+        </p:nvSpPr>
+        <p:spPr>
+          <a:xfrm>
+            <a:off x="4390739" y="374152"/>
+            <a:ext cx="3410521" cy="1283821"/>
+          </a:xfrm>
+        </p:spPr>
+        <p:txBody>
+          <a:bodyPr/>
+          <a:lstStyle/>
+          <a:p>
+            <a:r>
+              <a:rPr lang="es-CR" dirty="0"/>
               <a:t>Modelo 3</a:t>
             </a:r>
           </a:p>
@@ -33165,7 +33623,7 @@
 </p:sld>
 </file>
 
-<file path=ppt/slides/slide21.xml><?xml version="1.0" encoding="utf-8"?>
+<file path=ppt/slides/slide23.xml><?xml version="1.0" encoding="utf-8"?>
 <p:sld xmlns:a="http://schemas.openxmlformats.org/drawingml/2006/main" xmlns:r="http://schemas.openxmlformats.org/officeDocument/2006/relationships" xmlns:p="http://schemas.openxmlformats.org/presentationml/2006/main">
   <p:cSld>
     <p:bg>
@@ -34123,1171 +34581,7 @@
 </p:sld>
 </file>
 
-<file path=ppt/slides/slide22.xml><?xml version="1.0" encoding="utf-8"?>
-<p:sld xmlns:a="http://schemas.openxmlformats.org/drawingml/2006/main" xmlns:r="http://schemas.openxmlformats.org/officeDocument/2006/relationships" xmlns:p="http://schemas.openxmlformats.org/presentationml/2006/main">
-  <p:cSld>
-    <p:bg>
-      <p:bgPr>
-        <a:solidFill>
-          <a:schemeClr val="bg1"/>
-        </a:solidFill>
-        <a:effectLst/>
-      </p:bgPr>
-    </p:bg>
-    <p:spTree>
-      <p:nvGrpSpPr>
-        <p:cNvPr id="1" name=""/>
-        <p:cNvGrpSpPr/>
-        <p:nvPr/>
-      </p:nvGrpSpPr>
-      <p:grpSpPr>
-        <a:xfrm>
-          <a:off x="0" y="0"/>
-          <a:ext cx="0" cy="0"/>
-          <a:chOff x="0" y="0"/>
-          <a:chExt cx="0" cy="0"/>
-        </a:xfrm>
-      </p:grpSpPr>
-      <p:sp useBgFill="1">
-        <p:nvSpPr>
-          <p:cNvPr id="50" name="Rectangle 49">
-            <a:extLst>
-              <a:ext uri="{FF2B5EF4-FFF2-40B4-BE49-F238E27FC236}">
-                <a16:creationId xmlns:a16="http://schemas.microsoft.com/office/drawing/2014/main" id="{B807C163-87AF-4BC4-ADE2-4E5EAFEEE8CE}"/>
-              </a:ext>
-              <a:ext uri="{C183D7F6-B498-43B3-948B-1728B52AA6E4}">
-                <adec:decorative xmlns:adec="http://schemas.microsoft.com/office/drawing/2017/decorative" val="1"/>
-              </a:ext>
-            </a:extLst>
-          </p:cNvPr>
-          <p:cNvSpPr>
-            <a:spLocks noGrp="1" noRot="1" noChangeAspect="1" noMove="1" noResize="1" noEditPoints="1" noAdjustHandles="1" noChangeArrowheads="1" noChangeShapeType="1" noTextEdit="1"/>
-          </p:cNvSpPr>
-          <p:nvPr>
-            <p:extLst>
-              <p:ext uri="{386F3935-93C4-4BCD-93E2-E3B085C9AB24}">
-                <p16:designElem xmlns:p16="http://schemas.microsoft.com/office/powerpoint/2015/main" val="1"/>
-              </p:ext>
-            </p:extLst>
-          </p:nvPr>
-        </p:nvSpPr>
-        <p:spPr>
-          <a:xfrm>
-            <a:off x="0" y="0"/>
-            <a:ext cx="12192000" cy="6858000"/>
-          </a:xfrm>
-          <a:prstGeom prst="rect">
-            <a:avLst/>
-          </a:prstGeom>
-          <a:ln w="12700" cap="flat" cmpd="sng" algn="ctr">
-            <a:noFill/>
-            <a:prstDash val="solid"/>
-            <a:miter lim="800000"/>
-          </a:ln>
-          <a:effectLst/>
-          <a:extLst>
-            <a:ext uri="{91240B29-F687-4F45-9708-019B960494DF}">
-              <a14:hiddenLine xmlns:a14="http://schemas.microsoft.com/office/drawing/2010/main" w="12700" cap="flat" cmpd="sng" algn="ctr">
-                <a:solidFill>
-                  <a:schemeClr val="accent1">
-                    <a:shade val="50000"/>
-                  </a:schemeClr>
-                </a:solidFill>
-                <a:prstDash val="solid"/>
-                <a:miter lim="800000"/>
-              </a14:hiddenLine>
-            </a:ext>
-          </a:extLst>
-        </p:spPr>
-        <p:style>
-          <a:lnRef idx="2">
-            <a:schemeClr val="accent1">
-              <a:shade val="50000"/>
-            </a:schemeClr>
-          </a:lnRef>
-          <a:fillRef idx="1">
-            <a:schemeClr val="accent1"/>
-          </a:fillRef>
-          <a:effectRef idx="0">
-            <a:schemeClr val="accent1"/>
-          </a:effectRef>
-          <a:fontRef idx="minor">
-            <a:schemeClr val="lt1"/>
-          </a:fontRef>
-        </p:style>
-        <p:txBody>
-          <a:bodyPr rtlCol="0" anchor="ctr"/>
-          <a:lstStyle/>
-          <a:p>
-            <a:pPr algn="ctr"/>
-            <a:endParaRPr lang="en-US"/>
-          </a:p>
-        </p:txBody>
-      </p:sp>
-      <p:grpSp>
-        <p:nvGrpSpPr>
-          <p:cNvPr id="52" name="Group 51">
-            <a:extLst>
-              <a:ext uri="{FF2B5EF4-FFF2-40B4-BE49-F238E27FC236}">
-                <a16:creationId xmlns:a16="http://schemas.microsoft.com/office/drawing/2014/main" id="{3F696E8E-5A50-4F12-9E0B-502F85061599}"/>
-              </a:ext>
-              <a:ext uri="{C183D7F6-B498-43B3-948B-1728B52AA6E4}">
-                <adec:decorative xmlns:adec="http://schemas.microsoft.com/office/drawing/2017/decorative" val="1"/>
-              </a:ext>
-            </a:extLst>
-          </p:cNvPr>
-          <p:cNvGrpSpPr>
-            <a:grpSpLocks noGrp="1" noUngrp="1" noRot="1" noChangeAspect="1" noMove="1" noResize="1"/>
-          </p:cNvGrpSpPr>
-          <p:nvPr>
-            <p:extLst>
-              <p:ext uri="{386F3935-93C4-4BCD-93E2-E3B085C9AB24}">
-                <p16:designElem xmlns:p16="http://schemas.microsoft.com/office/powerpoint/2015/main" val="1"/>
-              </p:ext>
-            </p:extLst>
-          </p:nvPr>
-        </p:nvGrpSpPr>
-        <p:grpSpPr>
-          <a:xfrm>
-            <a:off x="1" y="0"/>
-            <a:ext cx="12191999" cy="6861600"/>
-            <a:chOff x="1" y="0"/>
-            <a:chExt cx="12191999" cy="6861600"/>
-          </a:xfrm>
-        </p:grpSpPr>
-        <p:sp>
-          <p:nvSpPr>
-            <p:cNvPr id="53" name="Rectangle 52">
-              <a:extLst>
-                <a:ext uri="{FF2B5EF4-FFF2-40B4-BE49-F238E27FC236}">
-                  <a16:creationId xmlns:a16="http://schemas.microsoft.com/office/drawing/2014/main" id="{AB8A07F7-656D-4B06-860B-4290325213C6}"/>
-                </a:ext>
-                <a:ext uri="{C183D7F6-B498-43B3-948B-1728B52AA6E4}">
-                  <adec:decorative xmlns:adec="http://schemas.microsoft.com/office/drawing/2017/decorative" val="1"/>
-                </a:ext>
-              </a:extLst>
-            </p:cNvPr>
-            <p:cNvSpPr>
-              <a:spLocks noChangeAspect="1"/>
-            </p:cNvSpPr>
-            <p:nvPr>
-              <p:extLst>
-                <p:ext uri="{386F3935-93C4-4BCD-93E2-E3B085C9AB24}">
-                  <p16:designElem xmlns:p16="http://schemas.microsoft.com/office/powerpoint/2015/main" val="1"/>
-                </p:ext>
-              </p:extLst>
-            </p:nvPr>
-          </p:nvSpPr>
-          <p:spPr>
-            <a:xfrm rot="16200000">
-              <a:off x="1" y="1640114"/>
-              <a:ext cx="5217886" cy="5217886"/>
-            </a:xfrm>
-            <a:prstGeom prst="rect">
-              <a:avLst/>
-            </a:prstGeom>
-            <a:gradFill flip="none" rotWithShape="1">
-              <a:gsLst>
-                <a:gs pos="0">
-                  <a:schemeClr val="accent2">
-                    <a:alpha val="60000"/>
-                  </a:schemeClr>
-                </a:gs>
-                <a:gs pos="60000">
-                  <a:schemeClr val="accent2">
-                    <a:alpha val="0"/>
-                  </a:schemeClr>
-                </a:gs>
-              </a:gsLst>
-              <a:path path="circle">
-                <a:fillToRect r="100000" b="100000"/>
-              </a:path>
-              <a:tileRect l="-100000" t="-100000"/>
-            </a:gradFill>
-            <a:ln w="12700" cap="flat" cmpd="sng" algn="ctr">
-              <a:noFill/>
-              <a:prstDash val="solid"/>
-              <a:miter lim="800000"/>
-            </a:ln>
-            <a:effectLst/>
-          </p:spPr>
-          <p:style>
-            <a:lnRef idx="2">
-              <a:schemeClr val="accent1">
-                <a:shade val="50000"/>
-              </a:schemeClr>
-            </a:lnRef>
-            <a:fillRef idx="1">
-              <a:schemeClr val="accent1"/>
-            </a:fillRef>
-            <a:effectRef idx="0">
-              <a:schemeClr val="accent1"/>
-            </a:effectRef>
-            <a:fontRef idx="minor">
-              <a:schemeClr val="lt1"/>
-            </a:fontRef>
-          </p:style>
-          <p:txBody>
-            <a:bodyPr rtlCol="0" anchor="ctr"/>
-            <a:lstStyle/>
-            <a:p>
-              <a:pPr algn="ctr"/>
-              <a:endParaRPr lang="en-US"/>
-            </a:p>
-          </p:txBody>
-        </p:sp>
-        <p:sp>
-          <p:nvSpPr>
-            <p:cNvPr id="54" name="Oval 53">
-              <a:extLst>
-                <a:ext uri="{FF2B5EF4-FFF2-40B4-BE49-F238E27FC236}">
-                  <a16:creationId xmlns:a16="http://schemas.microsoft.com/office/drawing/2014/main" id="{5D932A44-B2F8-4EA5-A529-D1EF350CB6F7}"/>
-                </a:ext>
-                <a:ext uri="{C183D7F6-B498-43B3-948B-1728B52AA6E4}">
-                  <adec:decorative xmlns:adec="http://schemas.microsoft.com/office/drawing/2017/decorative" val="1"/>
-                </a:ext>
-              </a:extLst>
-            </p:cNvPr>
-            <p:cNvSpPr>
-              <a:spLocks noChangeAspect="1"/>
-            </p:cNvSpPr>
-            <p:nvPr>
-              <p:extLst>
-                <p:ext uri="{386F3935-93C4-4BCD-93E2-E3B085C9AB24}">
-                  <p16:designElem xmlns:p16="http://schemas.microsoft.com/office/powerpoint/2015/main" val="1"/>
-                </p:ext>
-              </p:extLst>
-            </p:nvPr>
-          </p:nvSpPr>
-          <p:spPr>
-            <a:xfrm>
-              <a:off x="6384514" y="0"/>
-              <a:ext cx="4320000" cy="4320000"/>
-            </a:xfrm>
-            <a:prstGeom prst="ellipse">
-              <a:avLst/>
-            </a:prstGeom>
-            <a:solidFill>
-              <a:schemeClr val="accent3">
-                <a:alpha val="96000"/>
-              </a:schemeClr>
-            </a:solidFill>
-            <a:ln>
-              <a:noFill/>
-            </a:ln>
-            <a:effectLst>
-              <a:softEdge rad="1016000"/>
-            </a:effectLst>
-          </p:spPr>
-          <p:style>
-            <a:lnRef idx="2">
-              <a:schemeClr val="accent1">
-                <a:shade val="50000"/>
-              </a:schemeClr>
-            </a:lnRef>
-            <a:fillRef idx="1">
-              <a:schemeClr val="accent1"/>
-            </a:fillRef>
-            <a:effectRef idx="0">
-              <a:schemeClr val="accent1"/>
-            </a:effectRef>
-            <a:fontRef idx="minor">
-              <a:schemeClr val="lt1"/>
-            </a:fontRef>
-          </p:style>
-          <p:txBody>
-            <a:bodyPr rtlCol="0" anchor="ctr"/>
-            <a:lstStyle/>
-            <a:p>
-              <a:pPr algn="ctr"/>
-              <a:endParaRPr lang="en-US"/>
-            </a:p>
-          </p:txBody>
-        </p:sp>
-        <p:sp>
-          <p:nvSpPr>
-            <p:cNvPr id="55" name="Oval 54">
-              <a:extLst>
-                <a:ext uri="{FF2B5EF4-FFF2-40B4-BE49-F238E27FC236}">
-                  <a16:creationId xmlns:a16="http://schemas.microsoft.com/office/drawing/2014/main" id="{A4211287-5AF6-4DE8-9550-CE2475D625B3}"/>
-                </a:ext>
-                <a:ext uri="{C183D7F6-B498-43B3-948B-1728B52AA6E4}">
-                  <adec:decorative xmlns:adec="http://schemas.microsoft.com/office/drawing/2017/decorative" val="1"/>
-                </a:ext>
-              </a:extLst>
-            </p:cNvPr>
-            <p:cNvSpPr>
-              <a:spLocks noChangeAspect="1"/>
-            </p:cNvSpPr>
-            <p:nvPr>
-              <p:extLst>
-                <p:ext uri="{386F3935-93C4-4BCD-93E2-E3B085C9AB24}">
-                  <p16:designElem xmlns:p16="http://schemas.microsoft.com/office/powerpoint/2015/main" val="1"/>
-                </p:ext>
-              </p:extLst>
-            </p:nvPr>
-          </p:nvSpPr>
-          <p:spPr>
-            <a:xfrm>
-              <a:off x="6119057" y="1230054"/>
-              <a:ext cx="5506886" cy="5506886"/>
-            </a:xfrm>
-            <a:prstGeom prst="ellipse">
-              <a:avLst/>
-            </a:prstGeom>
-            <a:solidFill>
-              <a:schemeClr val="accent2">
-                <a:alpha val="60000"/>
-              </a:schemeClr>
-            </a:solidFill>
-            <a:ln>
-              <a:noFill/>
-            </a:ln>
-            <a:effectLst>
-              <a:softEdge rad="1270000"/>
-            </a:effectLst>
-          </p:spPr>
-          <p:style>
-            <a:lnRef idx="2">
-              <a:schemeClr val="accent1">
-                <a:shade val="50000"/>
-              </a:schemeClr>
-            </a:lnRef>
-            <a:fillRef idx="1">
-              <a:schemeClr val="accent1"/>
-            </a:fillRef>
-            <a:effectRef idx="0">
-              <a:schemeClr val="accent1"/>
-            </a:effectRef>
-            <a:fontRef idx="minor">
-              <a:schemeClr val="lt1"/>
-            </a:fontRef>
-          </p:style>
-          <p:txBody>
-            <a:bodyPr rtlCol="0" anchor="ctr"/>
-            <a:lstStyle/>
-            <a:p>
-              <a:pPr algn="ctr"/>
-              <a:endParaRPr lang="en-US" dirty="0"/>
-            </a:p>
-          </p:txBody>
-        </p:sp>
-        <p:grpSp>
-          <p:nvGrpSpPr>
-            <p:cNvPr id="56" name="Group 55">
-              <a:extLst>
-                <a:ext uri="{FF2B5EF4-FFF2-40B4-BE49-F238E27FC236}">
-                  <a16:creationId xmlns:a16="http://schemas.microsoft.com/office/drawing/2014/main" id="{935D3D5B-2BDE-4FFA-AD19-2A6FA11B44F9}"/>
-                </a:ext>
-                <a:ext uri="{C183D7F6-B498-43B3-948B-1728B52AA6E4}">
-                  <adec:decorative xmlns:adec="http://schemas.microsoft.com/office/drawing/2017/decorative" val="1"/>
-                </a:ext>
-              </a:extLst>
-            </p:cNvPr>
-            <p:cNvGrpSpPr>
-              <a:grpSpLocks noChangeAspect="1"/>
-            </p:cNvGrpSpPr>
-            <p:nvPr>
-              <p:extLst>
-                <p:ext uri="{386F3935-93C4-4BCD-93E2-E3B085C9AB24}">
-                  <p16:designElem xmlns:p16="http://schemas.microsoft.com/office/powerpoint/2015/main" val="1"/>
-                </p:ext>
-              </p:extLst>
-            </p:nvPr>
-          </p:nvGrpSpPr>
-          <p:grpSpPr>
-            <a:xfrm>
-              <a:off x="690092" y="0"/>
-              <a:ext cx="10800000" cy="6858000"/>
-              <a:chOff x="2328000" y="0"/>
-              <a:chExt cx="2880000" cy="1440000"/>
-            </a:xfrm>
-          </p:grpSpPr>
-          <p:sp>
-            <p:nvSpPr>
-              <p:cNvPr id="61" name="Rectangle 60">
-                <a:extLst>
-                  <a:ext uri="{FF2B5EF4-FFF2-40B4-BE49-F238E27FC236}">
-                    <a16:creationId xmlns:a16="http://schemas.microsoft.com/office/drawing/2014/main" id="{65141913-6183-49C2-BACE-61AF5018171D}"/>
-                  </a:ext>
-                  <a:ext uri="{C183D7F6-B498-43B3-948B-1728B52AA6E4}">
-                    <adec:decorative xmlns:adec="http://schemas.microsoft.com/office/drawing/2017/decorative" val="1"/>
-                  </a:ext>
-                </a:extLst>
-              </p:cNvPr>
-              <p:cNvSpPr/>
-              <p:nvPr>
-                <p:extLst>
-                  <p:ext uri="{386F3935-93C4-4BCD-93E2-E3B085C9AB24}">
-                    <p16:designElem xmlns:p16="http://schemas.microsoft.com/office/powerpoint/2015/main" val="1"/>
-                  </p:ext>
-                </p:extLst>
-              </p:nvPr>
-            </p:nvSpPr>
-            <p:spPr>
-              <a:xfrm>
-                <a:off x="3768000" y="0"/>
-                <a:ext cx="1440000" cy="1440000"/>
-              </a:xfrm>
-              <a:prstGeom prst="rect">
-                <a:avLst/>
-              </a:prstGeom>
-              <a:gradFill flip="none" rotWithShape="1">
-                <a:gsLst>
-                  <a:gs pos="0">
-                    <a:schemeClr val="accent1"/>
-                  </a:gs>
-                  <a:gs pos="60000">
-                    <a:schemeClr val="accent1">
-                      <a:alpha val="0"/>
-                    </a:schemeClr>
-                  </a:gs>
-                </a:gsLst>
-                <a:path path="circle">
-                  <a:fillToRect r="100000" b="100000"/>
-                </a:path>
-                <a:tileRect l="-100000" t="-100000"/>
-              </a:gradFill>
-              <a:ln w="12700" cap="flat" cmpd="sng" algn="ctr">
-                <a:noFill/>
-                <a:prstDash val="solid"/>
-                <a:miter lim="800000"/>
-              </a:ln>
-              <a:effectLst/>
-            </p:spPr>
-            <p:style>
-              <a:lnRef idx="2">
-                <a:schemeClr val="accent1">
-                  <a:shade val="50000"/>
-                </a:schemeClr>
-              </a:lnRef>
-              <a:fillRef idx="1">
-                <a:schemeClr val="accent1"/>
-              </a:fillRef>
-              <a:effectRef idx="0">
-                <a:schemeClr val="accent1"/>
-              </a:effectRef>
-              <a:fontRef idx="minor">
-                <a:schemeClr val="lt1"/>
-              </a:fontRef>
-            </p:style>
-            <p:txBody>
-              <a:bodyPr rtlCol="0" anchor="ctr"/>
-              <a:lstStyle/>
-              <a:p>
-                <a:pPr algn="ctr"/>
-                <a:endParaRPr lang="en-US"/>
-              </a:p>
-            </p:txBody>
-          </p:sp>
-          <p:sp>
-            <p:nvSpPr>
-              <p:cNvPr id="62" name="Rectangle 61">
-                <a:extLst>
-                  <a:ext uri="{FF2B5EF4-FFF2-40B4-BE49-F238E27FC236}">
-                    <a16:creationId xmlns:a16="http://schemas.microsoft.com/office/drawing/2014/main" id="{6CBF2F32-98FF-4601-8322-C5E0724D9DE1}"/>
-                  </a:ext>
-                  <a:ext uri="{C183D7F6-B498-43B3-948B-1728B52AA6E4}">
-                    <adec:decorative xmlns:adec="http://schemas.microsoft.com/office/drawing/2017/decorative" val="1"/>
-                  </a:ext>
-                </a:extLst>
-              </p:cNvPr>
-              <p:cNvSpPr/>
-              <p:nvPr>
-                <p:extLst>
-                  <p:ext uri="{386F3935-93C4-4BCD-93E2-E3B085C9AB24}">
-                    <p16:designElem xmlns:p16="http://schemas.microsoft.com/office/powerpoint/2015/main" val="1"/>
-                  </p:ext>
-                </p:extLst>
-              </p:nvPr>
-            </p:nvSpPr>
-            <p:spPr>
-              <a:xfrm flipH="1">
-                <a:off x="2328000" y="0"/>
-                <a:ext cx="1440000" cy="1440000"/>
-              </a:xfrm>
-              <a:prstGeom prst="rect">
-                <a:avLst/>
-              </a:prstGeom>
-              <a:gradFill flip="none" rotWithShape="1">
-                <a:gsLst>
-                  <a:gs pos="0">
-                    <a:schemeClr val="accent1"/>
-                  </a:gs>
-                  <a:gs pos="60000">
-                    <a:schemeClr val="accent1">
-                      <a:alpha val="0"/>
-                    </a:schemeClr>
-                  </a:gs>
-                </a:gsLst>
-                <a:path path="circle">
-                  <a:fillToRect r="100000" b="100000"/>
-                </a:path>
-                <a:tileRect l="-100000" t="-100000"/>
-              </a:gradFill>
-              <a:ln w="12700" cap="flat" cmpd="sng" algn="ctr">
-                <a:noFill/>
-                <a:prstDash val="solid"/>
-                <a:miter lim="800000"/>
-              </a:ln>
-              <a:effectLst/>
-            </p:spPr>
-            <p:style>
-              <a:lnRef idx="2">
-                <a:schemeClr val="accent1">
-                  <a:shade val="50000"/>
-                </a:schemeClr>
-              </a:lnRef>
-              <a:fillRef idx="1">
-                <a:schemeClr val="accent1"/>
-              </a:fillRef>
-              <a:effectRef idx="0">
-                <a:schemeClr val="accent1"/>
-              </a:effectRef>
-              <a:fontRef idx="minor">
-                <a:schemeClr val="lt1"/>
-              </a:fontRef>
-            </p:style>
-            <p:txBody>
-              <a:bodyPr rtlCol="0" anchor="ctr"/>
-              <a:lstStyle/>
-              <a:p>
-                <a:pPr algn="ctr"/>
-                <a:endParaRPr lang="en-US"/>
-              </a:p>
-            </p:txBody>
-          </p:sp>
-        </p:grpSp>
-        <p:grpSp>
-          <p:nvGrpSpPr>
-            <p:cNvPr id="57" name="Group 56">
-              <a:extLst>
-                <a:ext uri="{FF2B5EF4-FFF2-40B4-BE49-F238E27FC236}">
-                  <a16:creationId xmlns:a16="http://schemas.microsoft.com/office/drawing/2014/main" id="{1AF3E2D8-35DA-4B2D-891A-A1594F7DB5D8}"/>
-                </a:ext>
-                <a:ext uri="{C183D7F6-B498-43B3-948B-1728B52AA6E4}">
-                  <adec:decorative xmlns:adec="http://schemas.microsoft.com/office/drawing/2017/decorative" val="1"/>
-                </a:ext>
-              </a:extLst>
-            </p:cNvPr>
-            <p:cNvGrpSpPr>
-              <a:grpSpLocks noChangeAspect="1"/>
-            </p:cNvGrpSpPr>
-            <p:nvPr>
-              <p:extLst>
-                <p:ext uri="{386F3935-93C4-4BCD-93E2-E3B085C9AB24}">
-                  <p16:designElem xmlns:p16="http://schemas.microsoft.com/office/powerpoint/2015/main" val="1"/>
-                </p:ext>
-              </p:extLst>
-            </p:nvPr>
-          </p:nvGrpSpPr>
-          <p:grpSpPr>
-            <a:xfrm rot="5400000">
-              <a:off x="7048499" y="1714500"/>
-              <a:ext cx="6858000" cy="3429000"/>
-              <a:chOff x="0" y="0"/>
-              <a:chExt cx="2880000" cy="1440000"/>
-            </a:xfrm>
-          </p:grpSpPr>
-          <p:sp>
-            <p:nvSpPr>
-              <p:cNvPr id="59" name="Rectangle 58">
-                <a:extLst>
-                  <a:ext uri="{FF2B5EF4-FFF2-40B4-BE49-F238E27FC236}">
-                    <a16:creationId xmlns:a16="http://schemas.microsoft.com/office/drawing/2014/main" id="{4543934E-E678-45FF-8C62-1EF71BABE750}"/>
-                  </a:ext>
-                  <a:ext uri="{C183D7F6-B498-43B3-948B-1728B52AA6E4}">
-                    <adec:decorative xmlns:adec="http://schemas.microsoft.com/office/drawing/2017/decorative" val="1"/>
-                  </a:ext>
-                </a:extLst>
-              </p:cNvPr>
-              <p:cNvSpPr/>
-              <p:nvPr>
-                <p:extLst>
-                  <p:ext uri="{386F3935-93C4-4BCD-93E2-E3B085C9AB24}">
-                    <p16:designElem xmlns:p16="http://schemas.microsoft.com/office/powerpoint/2015/main" val="1"/>
-                  </p:ext>
-                </p:extLst>
-              </p:nvPr>
-            </p:nvSpPr>
-            <p:spPr>
-              <a:xfrm>
-                <a:off x="1440000" y="0"/>
-                <a:ext cx="1440000" cy="1440000"/>
-              </a:xfrm>
-              <a:prstGeom prst="rect">
-                <a:avLst/>
-              </a:prstGeom>
-              <a:gradFill flip="none" rotWithShape="1">
-                <a:gsLst>
-                  <a:gs pos="0">
-                    <a:schemeClr val="accent2"/>
-                  </a:gs>
-                  <a:gs pos="60000">
-                    <a:schemeClr val="accent2">
-                      <a:alpha val="0"/>
-                    </a:schemeClr>
-                  </a:gs>
-                </a:gsLst>
-                <a:path path="circle">
-                  <a:fillToRect r="100000" b="100000"/>
-                </a:path>
-                <a:tileRect l="-100000" t="-100000"/>
-              </a:gradFill>
-              <a:ln w="12700" cap="flat" cmpd="sng" algn="ctr">
-                <a:noFill/>
-                <a:prstDash val="solid"/>
-                <a:miter lim="800000"/>
-              </a:ln>
-              <a:effectLst/>
-            </p:spPr>
-            <p:style>
-              <a:lnRef idx="2">
-                <a:schemeClr val="accent1">
-                  <a:shade val="50000"/>
-                </a:schemeClr>
-              </a:lnRef>
-              <a:fillRef idx="1">
-                <a:schemeClr val="accent1"/>
-              </a:fillRef>
-              <a:effectRef idx="0">
-                <a:schemeClr val="accent1"/>
-              </a:effectRef>
-              <a:fontRef idx="minor">
-                <a:schemeClr val="lt1"/>
-              </a:fontRef>
-            </p:style>
-            <p:txBody>
-              <a:bodyPr rtlCol="0" anchor="ctr"/>
-              <a:lstStyle/>
-              <a:p>
-                <a:pPr algn="ctr"/>
-                <a:endParaRPr lang="en-US"/>
-              </a:p>
-            </p:txBody>
-          </p:sp>
-          <p:sp>
-            <p:nvSpPr>
-              <p:cNvPr id="60" name="Rectangle 59">
-                <a:extLst>
-                  <a:ext uri="{FF2B5EF4-FFF2-40B4-BE49-F238E27FC236}">
-                    <a16:creationId xmlns:a16="http://schemas.microsoft.com/office/drawing/2014/main" id="{59B54ED7-1C7F-4C59-B1CB-84D3D9C21C86}"/>
-                  </a:ext>
-                  <a:ext uri="{C183D7F6-B498-43B3-948B-1728B52AA6E4}">
-                    <adec:decorative xmlns:adec="http://schemas.microsoft.com/office/drawing/2017/decorative" val="1"/>
-                  </a:ext>
-                </a:extLst>
-              </p:cNvPr>
-              <p:cNvSpPr/>
-              <p:nvPr>
-                <p:extLst>
-                  <p:ext uri="{386F3935-93C4-4BCD-93E2-E3B085C9AB24}">
-                    <p16:designElem xmlns:p16="http://schemas.microsoft.com/office/powerpoint/2015/main" val="1"/>
-                  </p:ext>
-                </p:extLst>
-              </p:nvPr>
-            </p:nvSpPr>
-            <p:spPr>
-              <a:xfrm flipH="1">
-                <a:off x="0" y="0"/>
-                <a:ext cx="1440000" cy="1440000"/>
-              </a:xfrm>
-              <a:prstGeom prst="rect">
-                <a:avLst/>
-              </a:prstGeom>
-              <a:gradFill flip="none" rotWithShape="1">
-                <a:gsLst>
-                  <a:gs pos="0">
-                    <a:schemeClr val="accent2"/>
-                  </a:gs>
-                  <a:gs pos="60000">
-                    <a:schemeClr val="accent2">
-                      <a:alpha val="0"/>
-                    </a:schemeClr>
-                  </a:gs>
-                </a:gsLst>
-                <a:path path="circle">
-                  <a:fillToRect r="100000" b="100000"/>
-                </a:path>
-                <a:tileRect l="-100000" t="-100000"/>
-              </a:gradFill>
-              <a:ln w="12700" cap="flat" cmpd="sng" algn="ctr">
-                <a:noFill/>
-                <a:prstDash val="solid"/>
-                <a:miter lim="800000"/>
-              </a:ln>
-              <a:effectLst/>
-            </p:spPr>
-            <p:style>
-              <a:lnRef idx="2">
-                <a:schemeClr val="accent1">
-                  <a:shade val="50000"/>
-                </a:schemeClr>
-              </a:lnRef>
-              <a:fillRef idx="1">
-                <a:schemeClr val="accent1"/>
-              </a:fillRef>
-              <a:effectRef idx="0">
-                <a:schemeClr val="accent1"/>
-              </a:effectRef>
-              <a:fontRef idx="minor">
-                <a:schemeClr val="lt1"/>
-              </a:fontRef>
-            </p:style>
-            <p:txBody>
-              <a:bodyPr rtlCol="0" anchor="ctr"/>
-              <a:lstStyle/>
-              <a:p>
-                <a:pPr algn="ctr"/>
-                <a:endParaRPr lang="en-US"/>
-              </a:p>
-            </p:txBody>
-          </p:sp>
-        </p:grpSp>
-        <p:sp>
-          <p:nvSpPr>
-            <p:cNvPr id="58" name="Rectangle 57">
-              <a:extLst>
-                <a:ext uri="{FF2B5EF4-FFF2-40B4-BE49-F238E27FC236}">
-                  <a16:creationId xmlns:a16="http://schemas.microsoft.com/office/drawing/2014/main" id="{6ABFC7E0-9992-4076-88C6-3354EB12EBAD}"/>
-                </a:ext>
-                <a:ext uri="{C183D7F6-B498-43B3-948B-1728B52AA6E4}">
-                  <adec:decorative xmlns:adec="http://schemas.microsoft.com/office/drawing/2017/decorative" val="1"/>
-                </a:ext>
-              </a:extLst>
-            </p:cNvPr>
-            <p:cNvSpPr>
-              <a:spLocks noChangeAspect="1"/>
-            </p:cNvSpPr>
-            <p:nvPr>
-              <p:extLst>
-                <p:ext uri="{386F3935-93C4-4BCD-93E2-E3B085C9AB24}">
-                  <p16:designElem xmlns:p16="http://schemas.microsoft.com/office/powerpoint/2015/main" val="1"/>
-                </p:ext>
-              </p:extLst>
-            </p:nvPr>
-          </p:nvSpPr>
-          <p:spPr>
-            <a:xfrm rot="10800000">
-              <a:off x="5602287" y="271887"/>
-              <a:ext cx="6589713" cy="6589713"/>
-            </a:xfrm>
-            <a:prstGeom prst="rect">
-              <a:avLst/>
-            </a:prstGeom>
-            <a:gradFill flip="none" rotWithShape="1">
-              <a:gsLst>
-                <a:gs pos="0">
-                  <a:schemeClr val="accent3"/>
-                </a:gs>
-                <a:gs pos="60000">
-                  <a:schemeClr val="accent3">
-                    <a:alpha val="0"/>
-                  </a:schemeClr>
-                </a:gs>
-              </a:gsLst>
-              <a:path path="circle">
-                <a:fillToRect r="100000" b="100000"/>
-              </a:path>
-              <a:tileRect l="-100000" t="-100000"/>
-            </a:gradFill>
-            <a:ln w="12700" cap="flat" cmpd="sng" algn="ctr">
-              <a:noFill/>
-              <a:prstDash val="solid"/>
-              <a:miter lim="800000"/>
-            </a:ln>
-            <a:effectLst/>
-          </p:spPr>
-          <p:style>
-            <a:lnRef idx="2">
-              <a:schemeClr val="accent1">
-                <a:shade val="50000"/>
-              </a:schemeClr>
-            </a:lnRef>
-            <a:fillRef idx="1">
-              <a:schemeClr val="accent1"/>
-            </a:fillRef>
-            <a:effectRef idx="0">
-              <a:schemeClr val="accent1"/>
-            </a:effectRef>
-            <a:fontRef idx="minor">
-              <a:schemeClr val="lt1"/>
-            </a:fontRef>
-          </p:style>
-          <p:txBody>
-            <a:bodyPr rtlCol="0" anchor="ctr"/>
-            <a:lstStyle/>
-            <a:p>
-              <a:pPr algn="ctr"/>
-              <a:endParaRPr lang="en-US"/>
-            </a:p>
-          </p:txBody>
-        </p:sp>
-      </p:grpSp>
-      <p:sp>
-        <p:nvSpPr>
-          <p:cNvPr id="64" name="Rectangle 63">
-            <a:extLst>
-              <a:ext uri="{FF2B5EF4-FFF2-40B4-BE49-F238E27FC236}">
-                <a16:creationId xmlns:a16="http://schemas.microsoft.com/office/drawing/2014/main" id="{19C03209-5BD8-4B0B-847E-430FFF592586}"/>
-              </a:ext>
-              <a:ext uri="{C183D7F6-B498-43B3-948B-1728B52AA6E4}">
-                <adec:decorative xmlns:adec="http://schemas.microsoft.com/office/drawing/2017/decorative" val="1"/>
-              </a:ext>
-            </a:extLst>
-          </p:cNvPr>
-          <p:cNvSpPr>
-            <a:spLocks noGrp="1" noRot="1" noChangeAspect="1" noMove="1" noResize="1" noEditPoints="1" noAdjustHandles="1" noChangeArrowheads="1" noChangeShapeType="1" noTextEdit="1"/>
-          </p:cNvSpPr>
-          <p:nvPr>
-            <p:extLst>
-              <p:ext uri="{386F3935-93C4-4BCD-93E2-E3B085C9AB24}">
-                <p16:designElem xmlns:p16="http://schemas.microsoft.com/office/powerpoint/2015/main" val="1"/>
-              </p:ext>
-            </p:extLst>
-          </p:nvPr>
-        </p:nvSpPr>
-        <p:spPr>
-          <a:xfrm>
-            <a:off x="0" y="0"/>
-            <a:ext cx="12192000" cy="6858000"/>
-          </a:xfrm>
-          <a:prstGeom prst="rect">
-            <a:avLst/>
-          </a:prstGeom>
-          <a:gradFill flip="none" rotWithShape="1">
-            <a:gsLst>
-              <a:gs pos="0">
-                <a:schemeClr val="bg2">
-                  <a:alpha val="40000"/>
-                </a:schemeClr>
-              </a:gs>
-              <a:gs pos="100000">
-                <a:schemeClr val="bg2">
-                  <a:alpha val="80000"/>
-                </a:schemeClr>
-              </a:gs>
-            </a:gsLst>
-            <a:lin ang="5400000" scaled="1"/>
-            <a:tileRect/>
-          </a:gradFill>
-          <a:ln w="12700" cap="flat" cmpd="sng" algn="ctr">
-            <a:noFill/>
-            <a:prstDash val="solid"/>
-            <a:miter lim="800000"/>
-          </a:ln>
-          <a:effectLst/>
-        </p:spPr>
-        <p:style>
-          <a:lnRef idx="2">
-            <a:schemeClr val="accent1">
-              <a:shade val="50000"/>
-            </a:schemeClr>
-          </a:lnRef>
-          <a:fillRef idx="1">
-            <a:schemeClr val="accent1"/>
-          </a:fillRef>
-          <a:effectRef idx="0">
-            <a:schemeClr val="accent1"/>
-          </a:effectRef>
-          <a:fontRef idx="minor">
-            <a:schemeClr val="lt1"/>
-          </a:fontRef>
-        </p:style>
-        <p:txBody>
-          <a:bodyPr rtlCol="0" anchor="ctr"/>
-          <a:lstStyle/>
-          <a:p>
-            <a:endParaRPr lang="en-US" dirty="0"/>
-          </a:p>
-        </p:txBody>
-      </p:sp>
-      <p:sp>
-        <p:nvSpPr>
-          <p:cNvPr id="2" name="Título 1">
-            <a:extLst>
-              <a:ext uri="{FF2B5EF4-FFF2-40B4-BE49-F238E27FC236}">
-                <a16:creationId xmlns:a16="http://schemas.microsoft.com/office/drawing/2014/main" id="{E0EFC713-1DB8-9F4F-7209-4603C63155E5}"/>
-              </a:ext>
-            </a:extLst>
-          </p:cNvPr>
-          <p:cNvSpPr>
-            <a:spLocks noGrp="1"/>
-          </p:cNvSpPr>
-          <p:nvPr>
-            <p:ph type="title"/>
-          </p:nvPr>
-        </p:nvSpPr>
-        <p:spPr>
-          <a:xfrm>
-            <a:off x="550863" y="540001"/>
-            <a:ext cx="11075080" cy="1809500"/>
-          </a:xfrm>
-        </p:spPr>
-        <p:txBody>
-          <a:bodyPr anchor="t">
-            <a:normAutofit/>
-          </a:bodyPr>
-          <a:lstStyle/>
-          <a:p>
-            <a:r>
-              <a:rPr lang="es-CR" dirty="0"/>
-              <a:t>Recomendaciones</a:t>
-            </a:r>
-          </a:p>
-        </p:txBody>
-      </p:sp>
-      <p:sp>
-        <p:nvSpPr>
-          <p:cNvPr id="8" name="Marcador de contenido 2">
-            <a:extLst>
-              <a:ext uri="{FF2B5EF4-FFF2-40B4-BE49-F238E27FC236}">
-                <a16:creationId xmlns:a16="http://schemas.microsoft.com/office/drawing/2014/main" id="{79E9C7C9-D2C3-D8D7-8424-DFE9FED1F885}"/>
-              </a:ext>
-            </a:extLst>
-          </p:cNvPr>
-          <p:cNvSpPr txBox="1">
-            <a:spLocks/>
-          </p:cNvSpPr>
-          <p:nvPr/>
-        </p:nvSpPr>
-        <p:spPr>
-          <a:xfrm>
-            <a:off x="275711" y="3921884"/>
-            <a:ext cx="11101136" cy="2654465"/>
-          </a:xfrm>
-          <a:prstGeom prst="rect">
-            <a:avLst/>
-          </a:prstGeom>
-        </p:spPr>
-        <p:txBody>
-          <a:bodyPr vert="horz" lIns="91440" tIns="45720" rIns="91440" bIns="45720" rtlCol="0">
-            <a:normAutofit/>
-          </a:bodyPr>
-          <a:lstStyle>
-            <a:lvl1pPr marL="270000" indent="-270000" algn="l" defTabSz="914400" rtl="0" eaLnBrk="1" latinLnBrk="0" hangingPunct="1">
-              <a:lnSpc>
-                <a:spcPct val="125000"/>
-              </a:lnSpc>
-              <a:spcBef>
-                <a:spcPts val="1000"/>
-              </a:spcBef>
-              <a:buFont typeface="Arial" panose="020B0604020202020204" pitchFamily="34" charset="0"/>
-              <a:buChar char="•"/>
-              <a:defRPr sz="1800" kern="1200" spc="50" baseline="0">
-                <a:solidFill>
-                  <a:schemeClr val="tx1"/>
-                </a:solidFill>
-                <a:latin typeface="+mn-lt"/>
-                <a:ea typeface="+mn-ea"/>
-                <a:cs typeface="+mn-cs"/>
-              </a:defRPr>
-            </a:lvl1pPr>
-            <a:lvl2pPr marL="720000" indent="-270000" algn="l" defTabSz="914400" rtl="0" eaLnBrk="1" latinLnBrk="0" hangingPunct="1">
-              <a:lnSpc>
-                <a:spcPct val="125000"/>
-              </a:lnSpc>
-              <a:spcBef>
-                <a:spcPts val="500"/>
-              </a:spcBef>
-              <a:buFont typeface="Arial" panose="020B0604020202020204" pitchFamily="34" charset="0"/>
-              <a:buChar char="•"/>
-              <a:defRPr sz="1800" kern="1200" spc="50" baseline="0">
-                <a:solidFill>
-                  <a:schemeClr val="tx1"/>
-                </a:solidFill>
-                <a:latin typeface="+mn-lt"/>
-                <a:ea typeface="+mn-ea"/>
-                <a:cs typeface="+mn-cs"/>
-              </a:defRPr>
-            </a:lvl2pPr>
-            <a:lvl3pPr marL="1080000" indent="-270000" algn="l" defTabSz="914400" rtl="0" eaLnBrk="1" latinLnBrk="0" hangingPunct="1">
-              <a:lnSpc>
-                <a:spcPct val="125000"/>
-              </a:lnSpc>
-              <a:spcBef>
-                <a:spcPts val="500"/>
-              </a:spcBef>
-              <a:buFont typeface="Arial" panose="020B0604020202020204" pitchFamily="34" charset="0"/>
-              <a:buChar char="•"/>
-              <a:defRPr sz="1800" kern="1200" spc="50" baseline="0">
-                <a:solidFill>
-                  <a:schemeClr val="tx1"/>
-                </a:solidFill>
-                <a:latin typeface="+mn-lt"/>
-                <a:ea typeface="+mn-ea"/>
-                <a:cs typeface="+mn-cs"/>
-              </a:defRPr>
-            </a:lvl3pPr>
-            <a:lvl4pPr marL="1440000" indent="-270000" algn="l" defTabSz="914400" rtl="0" eaLnBrk="1" latinLnBrk="0" hangingPunct="1">
-              <a:lnSpc>
-                <a:spcPct val="125000"/>
-              </a:lnSpc>
-              <a:spcBef>
-                <a:spcPts val="500"/>
-              </a:spcBef>
-              <a:buFont typeface="Arial" panose="020B0604020202020204" pitchFamily="34" charset="0"/>
-              <a:buChar char="•"/>
-              <a:defRPr sz="1800" kern="1200" spc="50" baseline="0">
-                <a:solidFill>
-                  <a:schemeClr val="tx1"/>
-                </a:solidFill>
-                <a:latin typeface="+mn-lt"/>
-                <a:ea typeface="+mn-ea"/>
-                <a:cs typeface="+mn-cs"/>
-              </a:defRPr>
-            </a:lvl4pPr>
-            <a:lvl5pPr marL="1800000" indent="-270000" algn="l" defTabSz="914400" rtl="0" eaLnBrk="1" latinLnBrk="0" hangingPunct="1">
-              <a:lnSpc>
-                <a:spcPct val="125000"/>
-              </a:lnSpc>
-              <a:spcBef>
-                <a:spcPts val="500"/>
-              </a:spcBef>
-              <a:buFont typeface="Arial" panose="020B0604020202020204" pitchFamily="34" charset="0"/>
-              <a:buChar char="•"/>
-              <a:defRPr sz="1800" kern="1200" spc="50" baseline="0">
-                <a:solidFill>
-                  <a:schemeClr val="tx1"/>
-                </a:solidFill>
-                <a:latin typeface="+mn-lt"/>
-                <a:ea typeface="+mn-ea"/>
-                <a:cs typeface="+mn-cs"/>
-              </a:defRPr>
-            </a:lvl5pPr>
-            <a:lvl6pPr marL="2514600" indent="-228600" algn="l" defTabSz="914400" rtl="0" eaLnBrk="1" latinLnBrk="0" hangingPunct="1">
-              <a:lnSpc>
-                <a:spcPct val="90000"/>
-              </a:lnSpc>
-              <a:spcBef>
-                <a:spcPts val="500"/>
-              </a:spcBef>
-              <a:buFont typeface="Arial" panose="020B0604020202020204" pitchFamily="34" charset="0"/>
-              <a:buChar char="•"/>
-              <a:defRPr sz="1800" kern="1200">
-                <a:solidFill>
-                  <a:schemeClr val="tx1"/>
-                </a:solidFill>
-                <a:latin typeface="+mn-lt"/>
-                <a:ea typeface="+mn-ea"/>
-                <a:cs typeface="+mn-cs"/>
-              </a:defRPr>
-            </a:lvl6pPr>
-            <a:lvl7pPr marL="2971800" indent="-228600" algn="l" defTabSz="914400" rtl="0" eaLnBrk="1" latinLnBrk="0" hangingPunct="1">
-              <a:lnSpc>
-                <a:spcPct val="90000"/>
-              </a:lnSpc>
-              <a:spcBef>
-                <a:spcPts val="500"/>
-              </a:spcBef>
-              <a:buFont typeface="Arial" panose="020B0604020202020204" pitchFamily="34" charset="0"/>
-              <a:buChar char="•"/>
-              <a:defRPr sz="1800" kern="1200">
-                <a:solidFill>
-                  <a:schemeClr val="tx1"/>
-                </a:solidFill>
-                <a:latin typeface="+mn-lt"/>
-                <a:ea typeface="+mn-ea"/>
-                <a:cs typeface="+mn-cs"/>
-              </a:defRPr>
-            </a:lvl7pPr>
-            <a:lvl8pPr marL="3429000" indent="-228600" algn="l" defTabSz="914400" rtl="0" eaLnBrk="1" latinLnBrk="0" hangingPunct="1">
-              <a:lnSpc>
-                <a:spcPct val="90000"/>
-              </a:lnSpc>
-              <a:spcBef>
-                <a:spcPts val="500"/>
-              </a:spcBef>
-              <a:buFont typeface="Arial" panose="020B0604020202020204" pitchFamily="34" charset="0"/>
-              <a:buChar char="•"/>
-              <a:defRPr sz="1800" kern="1200">
-                <a:solidFill>
-                  <a:schemeClr val="tx1"/>
-                </a:solidFill>
-                <a:latin typeface="+mn-lt"/>
-                <a:ea typeface="+mn-ea"/>
-                <a:cs typeface="+mn-cs"/>
-              </a:defRPr>
-            </a:lvl8pPr>
-            <a:lvl9pPr marL="3886200" indent="-228600" algn="l" defTabSz="914400" rtl="0" eaLnBrk="1" latinLnBrk="0" hangingPunct="1">
-              <a:lnSpc>
-                <a:spcPct val="90000"/>
-              </a:lnSpc>
-              <a:spcBef>
-                <a:spcPts val="500"/>
-              </a:spcBef>
-              <a:buFont typeface="Arial" panose="020B0604020202020204" pitchFamily="34" charset="0"/>
-              <a:buChar char="•"/>
-              <a:defRPr sz="1800" kern="1200">
-                <a:solidFill>
-                  <a:schemeClr val="tx1"/>
-                </a:solidFill>
-                <a:latin typeface="+mn-lt"/>
-                <a:ea typeface="+mn-ea"/>
-                <a:cs typeface="+mn-cs"/>
-              </a:defRPr>
-            </a:lvl9pPr>
-          </a:lstStyle>
-          <a:p>
-            <a:pPr marL="0" indent="0">
-              <a:buNone/>
-            </a:pPr>
-            <a:endParaRPr lang="es-ES" dirty="0"/>
-          </a:p>
-          <a:p>
-            <a:pPr marL="0" indent="0">
-              <a:buFont typeface="Arial" panose="020B0604020202020204" pitchFamily="34" charset="0"/>
-              <a:buNone/>
-            </a:pPr>
-            <a:endParaRPr lang="es-CR" dirty="0"/>
-          </a:p>
-        </p:txBody>
-      </p:sp>
-      <p:graphicFrame>
-        <p:nvGraphicFramePr>
-          <p:cNvPr id="10" name="Marcador de contenido 2">
-            <a:extLst>
-              <a:ext uri="{FF2B5EF4-FFF2-40B4-BE49-F238E27FC236}">
-                <a16:creationId xmlns:a16="http://schemas.microsoft.com/office/drawing/2014/main" id="{1B10EB0D-8D5B-91E1-48C3-839311377716}"/>
-              </a:ext>
-            </a:extLst>
-          </p:cNvPr>
-          <p:cNvGraphicFramePr>
-            <a:graphicFrameLocks noGrp="1"/>
-          </p:cNvGraphicFramePr>
-          <p:nvPr>
-            <p:ph idx="1"/>
-            <p:extLst>
-              <p:ext uri="{D42A27DB-BD31-4B8C-83A1-F6EECF244321}">
-                <p14:modId xmlns:p14="http://schemas.microsoft.com/office/powerpoint/2010/main" val="3706860966"/>
-              </p:ext>
-            </p:extLst>
-          </p:nvPr>
-        </p:nvGraphicFramePr>
-        <p:xfrm>
-          <a:off x="539750" y="2528888"/>
-          <a:ext cx="11101388" cy="3779837"/>
-        </p:xfrm>
-        <a:graphic>
-          <a:graphicData uri="http://schemas.openxmlformats.org/drawingml/2006/diagram">
-            <dgm:relIds xmlns:dgm="http://schemas.openxmlformats.org/drawingml/2006/diagram" xmlns:r="http://schemas.openxmlformats.org/officeDocument/2006/relationships" r:dm="rId2" r:lo="rId3" r:qs="rId4" r:cs="rId5"/>
-          </a:graphicData>
-        </a:graphic>
-      </p:graphicFrame>
-    </p:spTree>
-    <p:extLst>
-      <p:ext uri="{BB962C8B-B14F-4D97-AF65-F5344CB8AC3E}">
-        <p14:creationId xmlns:p14="http://schemas.microsoft.com/office/powerpoint/2010/main" val="2758053042"/>
-      </p:ext>
-    </p:extLst>
-  </p:cSld>
-  <p:clrMapOvr>
-    <a:masterClrMapping/>
-  </p:clrMapOvr>
-</p:sld>
-</file>
-
-<file path=ppt/slides/slide23.xml><?xml version="1.0" encoding="utf-8"?>
+<file path=ppt/slides/slide24.xml><?xml version="1.0" encoding="utf-8"?>
 <p:sld xmlns:a="http://schemas.openxmlformats.org/drawingml/2006/main" xmlns:r="http://schemas.openxmlformats.org/officeDocument/2006/relationships" xmlns:p="http://schemas.openxmlformats.org/presentationml/2006/main">
   <p:cSld>
     <p:spTree>
@@ -35383,7 +34677,7 @@
 </p:sld>
 </file>
 
-<file path=ppt/slides/slide24.xml><?xml version="1.0" encoding="utf-8"?>
+<file path=ppt/slides/slide25.xml><?xml version="1.0" encoding="utf-8"?>
 <p:sld xmlns:a="http://schemas.openxmlformats.org/drawingml/2006/main" xmlns:r="http://schemas.openxmlformats.org/officeDocument/2006/relationships" xmlns:p="http://schemas.openxmlformats.org/presentationml/2006/main">
   <p:cSld>
     <p:bg>

--- a/Students_Performance_Analysis.pptx
+++ b/Students_Performance_Analysis.pptx
@@ -139,7 +139,7 @@
 <file path=ppt/revisionInfo.xml><?xml version="1.0" encoding="utf-8"?>
 <p1510:revInfo xmlns:a="http://schemas.openxmlformats.org/drawingml/2006/main" xmlns:r="http://schemas.openxmlformats.org/officeDocument/2006/relationships" xmlns:p1510="http://schemas.microsoft.com/office/powerpoint/2015/10/main">
   <p1510:revLst>
-    <p1510:client id="{43FE00C4-E7C0-4BD0-951E-F3B44A2F318E}" v="4" dt="2024-06-10T21:29:10.946"/>
+    <p1510:client id="{43FE00C4-E7C0-4BD0-951E-F3B44A2F318E}" v="5" dt="2024-06-11T17:53:07.699"/>
   </p1510:revLst>
 </p1510:revInfo>
 </file>
@@ -149,7 +149,7 @@
   <pc:docChgLst>
     <pc:chgData name="GUO CHEN ERICKA YU MIN" userId="55d5d35a-cab8-42c7-ab98-6541c4aecd30" providerId="ADAL" clId="{43FE00C4-E7C0-4BD0-951E-F3B44A2F318E}"/>
     <pc:docChg chg="undo custSel addSld delSld modSld">
-      <pc:chgData name="GUO CHEN ERICKA YU MIN" userId="55d5d35a-cab8-42c7-ab98-6541c4aecd30" providerId="ADAL" clId="{43FE00C4-E7C0-4BD0-951E-F3B44A2F318E}" dt="2024-06-10T21:41:28.161" v="77" actId="47"/>
+      <pc:chgData name="GUO CHEN ERICKA YU MIN" userId="55d5d35a-cab8-42c7-ab98-6541c4aecd30" providerId="ADAL" clId="{43FE00C4-E7C0-4BD0-951E-F3B44A2F318E}" dt="2024-06-11T17:53:38.086" v="170" actId="20577"/>
       <pc:docMkLst>
         <pc:docMk/>
       </pc:docMkLst>
@@ -496,17 +496,25 @@
         </pc:sldMkLst>
       </pc:sldChg>
       <pc:sldChg chg="addSp delSp modSp add mod setBg delDesignElem">
-        <pc:chgData name="GUO CHEN ERICKA YU MIN" userId="55d5d35a-cab8-42c7-ab98-6541c4aecd30" providerId="ADAL" clId="{43FE00C4-E7C0-4BD0-951E-F3B44A2F318E}" dt="2024-06-10T21:31:32.102" v="76" actId="1076"/>
+        <pc:chgData name="GUO CHEN ERICKA YU MIN" userId="55d5d35a-cab8-42c7-ab98-6541c4aecd30" providerId="ADAL" clId="{43FE00C4-E7C0-4BD0-951E-F3B44A2F318E}" dt="2024-06-11T17:53:38.086" v="170" actId="20577"/>
         <pc:sldMkLst>
           <pc:docMk/>
           <pc:sldMk cId="24252511" sldId="286"/>
         </pc:sldMkLst>
         <pc:spChg chg="mod">
-          <ac:chgData name="GUO CHEN ERICKA YU MIN" userId="55d5d35a-cab8-42c7-ab98-6541c4aecd30" providerId="ADAL" clId="{43FE00C4-E7C0-4BD0-951E-F3B44A2F318E}" dt="2024-06-10T21:31:32.102" v="76" actId="1076"/>
+          <ac:chgData name="GUO CHEN ERICKA YU MIN" userId="55d5d35a-cab8-42c7-ab98-6541c4aecd30" providerId="ADAL" clId="{43FE00C4-E7C0-4BD0-951E-F3B44A2F318E}" dt="2024-06-11T17:53:17.692" v="81" actId="26606"/>
           <ac:spMkLst>
             <pc:docMk/>
             <pc:sldMk cId="24252511" sldId="286"/>
             <ac:spMk id="2" creationId="{42935DCC-0407-FC34-E90E-29879D4738BD}"/>
+          </ac:spMkLst>
+        </pc:spChg>
+        <pc:spChg chg="add mod">
+          <ac:chgData name="GUO CHEN ERICKA YU MIN" userId="55d5d35a-cab8-42c7-ab98-6541c4aecd30" providerId="ADAL" clId="{43FE00C4-E7C0-4BD0-951E-F3B44A2F318E}" dt="2024-06-11T17:53:38.086" v="170" actId="20577"/>
+          <ac:spMkLst>
+            <pc:docMk/>
+            <pc:sldMk cId="24252511" sldId="286"/>
+            <ac:spMk id="3" creationId="{49B38D83-9B59-C1DC-2A01-7FA8FC621638}"/>
           </ac:spMkLst>
         </pc:spChg>
         <pc:spChg chg="add del">
@@ -597,68 +605,108 @@
             <ac:spMk id="15401" creationId="{D0A09031-1697-4CF1-8372-9D6B798ED9DA}"/>
           </ac:spMkLst>
         </pc:spChg>
-        <pc:spChg chg="add">
-          <ac:chgData name="GUO CHEN ERICKA YU MIN" userId="55d5d35a-cab8-42c7-ab98-6541c4aecd30" providerId="ADAL" clId="{43FE00C4-E7C0-4BD0-951E-F3B44A2F318E}" dt="2024-06-10T21:31:21.538" v="74" actId="26606"/>
+        <pc:spChg chg="add del">
+          <ac:chgData name="GUO CHEN ERICKA YU MIN" userId="55d5d35a-cab8-42c7-ab98-6541c4aecd30" providerId="ADAL" clId="{43FE00C4-E7C0-4BD0-951E-F3B44A2F318E}" dt="2024-06-11T17:53:11.220" v="80" actId="26606"/>
           <ac:spMkLst>
             <pc:docMk/>
             <pc:sldMk cId="24252511" sldId="286"/>
             <ac:spMk id="15413" creationId="{6DC8E2D9-6729-4614-8667-C1016D3182E4}"/>
           </ac:spMkLst>
         </pc:spChg>
-        <pc:spChg chg="add">
-          <ac:chgData name="GUO CHEN ERICKA YU MIN" userId="55d5d35a-cab8-42c7-ab98-6541c4aecd30" providerId="ADAL" clId="{43FE00C4-E7C0-4BD0-951E-F3B44A2F318E}" dt="2024-06-10T21:31:21.538" v="74" actId="26606"/>
+        <pc:spChg chg="add del">
+          <ac:chgData name="GUO CHEN ERICKA YU MIN" userId="55d5d35a-cab8-42c7-ab98-6541c4aecd30" providerId="ADAL" clId="{43FE00C4-E7C0-4BD0-951E-F3B44A2F318E}" dt="2024-06-11T17:53:11.220" v="80" actId="26606"/>
           <ac:spMkLst>
             <pc:docMk/>
             <pc:sldMk cId="24252511" sldId="286"/>
             <ac:spMk id="15415" creationId="{9C51935E-4A08-4AE4-8E13-F40CD3C4F1C4}"/>
           </ac:spMkLst>
         </pc:spChg>
-        <pc:spChg chg="add">
-          <ac:chgData name="GUO CHEN ERICKA YU MIN" userId="55d5d35a-cab8-42c7-ab98-6541c4aecd30" providerId="ADAL" clId="{43FE00C4-E7C0-4BD0-951E-F3B44A2F318E}" dt="2024-06-10T21:31:21.538" v="74" actId="26606"/>
+        <pc:spChg chg="add del">
+          <ac:chgData name="GUO CHEN ERICKA YU MIN" userId="55d5d35a-cab8-42c7-ab98-6541c4aecd30" providerId="ADAL" clId="{43FE00C4-E7C0-4BD0-951E-F3B44A2F318E}" dt="2024-06-11T17:53:11.220" v="80" actId="26606"/>
           <ac:spMkLst>
             <pc:docMk/>
             <pc:sldMk cId="24252511" sldId="286"/>
             <ac:spMk id="15417" creationId="{193F1402-2867-4C4F-A1BA-606198AD76B0}"/>
           </ac:spMkLst>
         </pc:spChg>
-        <pc:spChg chg="add">
-          <ac:chgData name="GUO CHEN ERICKA YU MIN" userId="55d5d35a-cab8-42c7-ab98-6541c4aecd30" providerId="ADAL" clId="{43FE00C4-E7C0-4BD0-951E-F3B44A2F318E}" dt="2024-06-10T21:31:21.538" v="74" actId="26606"/>
+        <pc:spChg chg="add del">
+          <ac:chgData name="GUO CHEN ERICKA YU MIN" userId="55d5d35a-cab8-42c7-ab98-6541c4aecd30" providerId="ADAL" clId="{43FE00C4-E7C0-4BD0-951E-F3B44A2F318E}" dt="2024-06-11T17:53:11.220" v="80" actId="26606"/>
           <ac:spMkLst>
             <pc:docMk/>
             <pc:sldMk cId="24252511" sldId="286"/>
             <ac:spMk id="15419" creationId="{9887A981-7310-4FDA-96E6-73ECCD6C472B}"/>
           </ac:spMkLst>
         </pc:spChg>
-        <pc:spChg chg="add">
-          <ac:chgData name="GUO CHEN ERICKA YU MIN" userId="55d5d35a-cab8-42c7-ab98-6541c4aecd30" providerId="ADAL" clId="{43FE00C4-E7C0-4BD0-951E-F3B44A2F318E}" dt="2024-06-10T21:31:21.538" v="74" actId="26606"/>
+        <pc:spChg chg="add del">
+          <ac:chgData name="GUO CHEN ERICKA YU MIN" userId="55d5d35a-cab8-42c7-ab98-6541c4aecd30" providerId="ADAL" clId="{43FE00C4-E7C0-4BD0-951E-F3B44A2F318E}" dt="2024-06-11T17:53:11.220" v="80" actId="26606"/>
           <ac:spMkLst>
             <pc:docMk/>
             <pc:sldMk cId="24252511" sldId="286"/>
             <ac:spMk id="15421" creationId="{FED4C940-D8EF-42FB-B65E-81A70494B8E6}"/>
           </ac:spMkLst>
         </pc:spChg>
-        <pc:spChg chg="add">
-          <ac:chgData name="GUO CHEN ERICKA YU MIN" userId="55d5d35a-cab8-42c7-ab98-6541c4aecd30" providerId="ADAL" clId="{43FE00C4-E7C0-4BD0-951E-F3B44A2F318E}" dt="2024-06-10T21:31:21.538" v="74" actId="26606"/>
+        <pc:spChg chg="add del">
+          <ac:chgData name="GUO CHEN ERICKA YU MIN" userId="55d5d35a-cab8-42c7-ab98-6541c4aecd30" providerId="ADAL" clId="{43FE00C4-E7C0-4BD0-951E-F3B44A2F318E}" dt="2024-06-11T17:53:11.220" v="80" actId="26606"/>
           <ac:spMkLst>
             <pc:docMk/>
             <pc:sldMk cId="24252511" sldId="286"/>
             <ac:spMk id="15431" creationId="{445038F8-360D-46AD-B2F1-47DAB7AA07B2}"/>
           </ac:spMkLst>
         </pc:spChg>
-        <pc:spChg chg="add">
-          <ac:chgData name="GUO CHEN ERICKA YU MIN" userId="55d5d35a-cab8-42c7-ab98-6541c4aecd30" providerId="ADAL" clId="{43FE00C4-E7C0-4BD0-951E-F3B44A2F318E}" dt="2024-06-10T21:31:21.538" v="74" actId="26606"/>
+        <pc:spChg chg="add del">
+          <ac:chgData name="GUO CHEN ERICKA YU MIN" userId="55d5d35a-cab8-42c7-ab98-6541c4aecd30" providerId="ADAL" clId="{43FE00C4-E7C0-4BD0-951E-F3B44A2F318E}" dt="2024-06-11T17:53:11.220" v="80" actId="26606"/>
           <ac:spMkLst>
             <pc:docMk/>
             <pc:sldMk cId="24252511" sldId="286"/>
             <ac:spMk id="15433" creationId="{E1297267-64FC-46DE-88B8-E76DC4691C8E}"/>
           </ac:spMkLst>
         </pc:spChg>
-        <pc:spChg chg="add">
-          <ac:chgData name="GUO CHEN ERICKA YU MIN" userId="55d5d35a-cab8-42c7-ab98-6541c4aecd30" providerId="ADAL" clId="{43FE00C4-E7C0-4BD0-951E-F3B44A2F318E}" dt="2024-06-10T21:31:21.538" v="74" actId="26606"/>
+        <pc:spChg chg="add del">
+          <ac:chgData name="GUO CHEN ERICKA YU MIN" userId="55d5d35a-cab8-42c7-ab98-6541c4aecd30" providerId="ADAL" clId="{43FE00C4-E7C0-4BD0-951E-F3B44A2F318E}" dt="2024-06-11T17:53:11.220" v="80" actId="26606"/>
           <ac:spMkLst>
             <pc:docMk/>
             <pc:sldMk cId="24252511" sldId="286"/>
             <ac:spMk id="15435" creationId="{D0A09031-1697-4CF1-8372-9D6B798ED9DA}"/>
+          </ac:spMkLst>
+        </pc:spChg>
+        <pc:spChg chg="add del">
+          <ac:chgData name="GUO CHEN ERICKA YU MIN" userId="55d5d35a-cab8-42c7-ab98-6541c4aecd30" providerId="ADAL" clId="{43FE00C4-E7C0-4BD0-951E-F3B44A2F318E}" dt="2024-06-11T17:53:17.692" v="81" actId="26606"/>
+          <ac:spMkLst>
+            <pc:docMk/>
+            <pc:sldMk cId="24252511" sldId="286"/>
+            <ac:spMk id="15440" creationId="{7D2FD795-8DF5-44F0-8664-4D8F626DD85A}"/>
+          </ac:spMkLst>
+        </pc:spChg>
+        <pc:spChg chg="add del">
+          <ac:chgData name="GUO CHEN ERICKA YU MIN" userId="55d5d35a-cab8-42c7-ab98-6541c4aecd30" providerId="ADAL" clId="{43FE00C4-E7C0-4BD0-951E-F3B44A2F318E}" dt="2024-06-11T17:53:17.692" v="81" actId="26606"/>
+          <ac:spMkLst>
+            <pc:docMk/>
+            <pc:sldMk cId="24252511" sldId="286"/>
+            <ac:spMk id="15454" creationId="{9D8267F7-1115-4F9A-BEF5-BB6664BCF0DB}"/>
+          </ac:spMkLst>
+        </pc:spChg>
+        <pc:spChg chg="add">
+          <ac:chgData name="GUO CHEN ERICKA YU MIN" userId="55d5d35a-cab8-42c7-ab98-6541c4aecd30" providerId="ADAL" clId="{43FE00C4-E7C0-4BD0-951E-F3B44A2F318E}" dt="2024-06-11T17:53:17.692" v="81" actId="26606"/>
+          <ac:spMkLst>
+            <pc:docMk/>
+            <pc:sldMk cId="24252511" sldId="286"/>
+            <ac:spMk id="15459" creationId="{853E39E6-2A74-404E-B4BC-EEC89C01B766}"/>
+          </ac:spMkLst>
+        </pc:spChg>
+        <pc:spChg chg="add">
+          <ac:chgData name="GUO CHEN ERICKA YU MIN" userId="55d5d35a-cab8-42c7-ab98-6541c4aecd30" providerId="ADAL" clId="{43FE00C4-E7C0-4BD0-951E-F3B44A2F318E}" dt="2024-06-11T17:53:17.692" v="81" actId="26606"/>
+          <ac:spMkLst>
+            <pc:docMk/>
+            <pc:sldMk cId="24252511" sldId="286"/>
+            <ac:spMk id="15473" creationId="{DC05F582-AA63-4A8C-915E-66057E4BEEA9}"/>
+          </ac:spMkLst>
+        </pc:spChg>
+        <pc:spChg chg="add">
+          <ac:chgData name="GUO CHEN ERICKA YU MIN" userId="55d5d35a-cab8-42c7-ab98-6541c4aecd30" providerId="ADAL" clId="{43FE00C4-E7C0-4BD0-951E-F3B44A2F318E}" dt="2024-06-11T17:53:17.692" v="81" actId="26606"/>
+          <ac:spMkLst>
+            <pc:docMk/>
+            <pc:sldMk cId="24252511" sldId="286"/>
+            <ac:spMk id="15475" creationId="{2D253D93-3319-4E06-B75F-009AE70FCBCA}"/>
           </ac:spMkLst>
         </pc:spChg>
         <pc:grpChg chg="add del">
@@ -701,32 +749,48 @@
             <ac:grpSpMk id="15393" creationId="{F7AEDD01-B338-442A-9214-A38E48E3FF21}"/>
           </ac:grpSpMkLst>
         </pc:grpChg>
-        <pc:grpChg chg="add">
-          <ac:chgData name="GUO CHEN ERICKA YU MIN" userId="55d5d35a-cab8-42c7-ab98-6541c4aecd30" providerId="ADAL" clId="{43FE00C4-E7C0-4BD0-951E-F3B44A2F318E}" dt="2024-06-10T21:31:21.538" v="74" actId="26606"/>
+        <pc:grpChg chg="add del">
+          <ac:chgData name="GUO CHEN ERICKA YU MIN" userId="55d5d35a-cab8-42c7-ab98-6541c4aecd30" providerId="ADAL" clId="{43FE00C4-E7C0-4BD0-951E-F3B44A2F318E}" dt="2024-06-11T17:53:11.220" v="80" actId="26606"/>
           <ac:grpSpMkLst>
             <pc:docMk/>
             <pc:sldMk cId="24252511" sldId="286"/>
             <ac:grpSpMk id="15398" creationId="{BF4E480B-94D6-46F9-A2B6-B98D311FDC19}"/>
           </ac:grpSpMkLst>
         </pc:grpChg>
-        <pc:grpChg chg="add">
-          <ac:chgData name="GUO CHEN ERICKA YU MIN" userId="55d5d35a-cab8-42c7-ab98-6541c4aecd30" providerId="ADAL" clId="{43FE00C4-E7C0-4BD0-951E-F3B44A2F318E}" dt="2024-06-10T21:31:21.538" v="74" actId="26606"/>
+        <pc:grpChg chg="add del">
+          <ac:chgData name="GUO CHEN ERICKA YU MIN" userId="55d5d35a-cab8-42c7-ab98-6541c4aecd30" providerId="ADAL" clId="{43FE00C4-E7C0-4BD0-951E-F3B44A2F318E}" dt="2024-06-11T17:53:11.220" v="80" actId="26606"/>
           <ac:grpSpMkLst>
             <pc:docMk/>
             <pc:sldMk cId="24252511" sldId="286"/>
             <ac:grpSpMk id="15423" creationId="{56A1B230-58D0-41AA-8ACD-0AE93078B8F9}"/>
           </ac:grpSpMkLst>
         </pc:grpChg>
-        <pc:grpChg chg="add">
-          <ac:chgData name="GUO CHEN ERICKA YU MIN" userId="55d5d35a-cab8-42c7-ab98-6541c4aecd30" providerId="ADAL" clId="{43FE00C4-E7C0-4BD0-951E-F3B44A2F318E}" dt="2024-06-10T21:31:21.538" v="74" actId="26606"/>
+        <pc:grpChg chg="add del">
+          <ac:chgData name="GUO CHEN ERICKA YU MIN" userId="55d5d35a-cab8-42c7-ab98-6541c4aecd30" providerId="ADAL" clId="{43FE00C4-E7C0-4BD0-951E-F3B44A2F318E}" dt="2024-06-11T17:53:11.220" v="80" actId="26606"/>
           <ac:grpSpMkLst>
             <pc:docMk/>
             <pc:sldMk cId="24252511" sldId="286"/>
             <ac:grpSpMk id="15427" creationId="{F7AEDD01-B338-442A-9214-A38E48E3FF21}"/>
           </ac:grpSpMkLst>
         </pc:grpChg>
+        <pc:grpChg chg="add del">
+          <ac:chgData name="GUO CHEN ERICKA YU MIN" userId="55d5d35a-cab8-42c7-ab98-6541c4aecd30" providerId="ADAL" clId="{43FE00C4-E7C0-4BD0-951E-F3B44A2F318E}" dt="2024-06-11T17:53:17.692" v="81" actId="26606"/>
+          <ac:grpSpMkLst>
+            <pc:docMk/>
+            <pc:sldMk cId="24252511" sldId="286"/>
+            <ac:grpSpMk id="15442" creationId="{7C6B683D-13FA-4605-8648-01FC9C82FEC8}"/>
+          </ac:grpSpMkLst>
+        </pc:grpChg>
+        <pc:grpChg chg="add">
+          <ac:chgData name="GUO CHEN ERICKA YU MIN" userId="55d5d35a-cab8-42c7-ab98-6541c4aecd30" providerId="ADAL" clId="{43FE00C4-E7C0-4BD0-951E-F3B44A2F318E}" dt="2024-06-11T17:53:17.692" v="81" actId="26606"/>
+          <ac:grpSpMkLst>
+            <pc:docMk/>
+            <pc:sldMk cId="24252511" sldId="286"/>
+            <ac:grpSpMk id="15461" creationId="{30D050C3-946A-4155-B469-3FE5492E6E91}"/>
+          </ac:grpSpMkLst>
+        </pc:grpChg>
         <pc:picChg chg="mod">
-          <ac:chgData name="GUO CHEN ERICKA YU MIN" userId="55d5d35a-cab8-42c7-ab98-6541c4aecd30" providerId="ADAL" clId="{43FE00C4-E7C0-4BD0-951E-F3B44A2F318E}" dt="2024-06-10T21:31:21.538" v="74" actId="26606"/>
+          <ac:chgData name="GUO CHEN ERICKA YU MIN" userId="55d5d35a-cab8-42c7-ab98-6541c4aecd30" providerId="ADAL" clId="{43FE00C4-E7C0-4BD0-951E-F3B44A2F318E}" dt="2024-06-11T17:53:17.692" v="81" actId="26606"/>
           <ac:picMkLst>
             <pc:docMk/>
             <pc:sldMk cId="24252511" sldId="286"/>
@@ -14428,7 +14492,7 @@
           <a:p>
             <a:fld id="{7CF0BCE0-945C-4FDF-95A1-2149B1FF5B83}" type="datetimeFigureOut">
               <a:rPr lang="en-US" smtClean="0"/>
-              <a:t>6/10/2024</a:t>
+              <a:t>6/11/2024</a:t>
             </a:fld>
             <a:endParaRPr lang="en-US"/>
           </a:p>
@@ -15155,7 +15219,7 @@
           <a:p>
             <a:fld id="{7CF0BCE0-945C-4FDF-95A1-2149B1FF5B83}" type="datetimeFigureOut">
               <a:rPr lang="en-US" smtClean="0"/>
-              <a:t>6/10/2024</a:t>
+              <a:t>6/11/2024</a:t>
             </a:fld>
             <a:endParaRPr lang="en-US"/>
           </a:p>
@@ -16028,7 +16092,7 @@
           <a:p>
             <a:fld id="{7CF0BCE0-945C-4FDF-95A1-2149B1FF5B83}" type="datetimeFigureOut">
               <a:rPr lang="en-US" smtClean="0"/>
-              <a:t>6/10/2024</a:t>
+              <a:t>6/11/2024</a:t>
             </a:fld>
             <a:endParaRPr lang="en-US"/>
           </a:p>
@@ -16732,7 +16796,7 @@
           <a:p>
             <a:fld id="{7CF0BCE0-945C-4FDF-95A1-2149B1FF5B83}" type="datetimeFigureOut">
               <a:rPr lang="en-US" smtClean="0"/>
-              <a:t>6/10/2024</a:t>
+              <a:t>6/11/2024</a:t>
             </a:fld>
             <a:endParaRPr lang="en-US"/>
           </a:p>
@@ -17442,7 +17506,7 @@
           <a:p>
             <a:fld id="{7CF0BCE0-945C-4FDF-95A1-2149B1FF5B83}" type="datetimeFigureOut">
               <a:rPr lang="en-US" smtClean="0"/>
-              <a:t>6/10/2024</a:t>
+              <a:t>6/11/2024</a:t>
             </a:fld>
             <a:endParaRPr lang="en-US" dirty="0"/>
           </a:p>
@@ -18379,7 +18443,7 @@
           <a:p>
             <a:fld id="{7CF0BCE0-945C-4FDF-95A1-2149B1FF5B83}" type="datetimeFigureOut">
               <a:rPr lang="en-US" smtClean="0"/>
-              <a:t>6/10/2024</a:t>
+              <a:t>6/11/2024</a:t>
             </a:fld>
             <a:endParaRPr lang="en-US"/>
           </a:p>
@@ -19599,7 +19663,7 @@
           <a:p>
             <a:fld id="{7CF0BCE0-945C-4FDF-95A1-2149B1FF5B83}" type="datetimeFigureOut">
               <a:rPr lang="en-US" smtClean="0"/>
-              <a:t>6/10/2024</a:t>
+              <a:t>6/11/2024</a:t>
             </a:fld>
             <a:endParaRPr lang="en-US"/>
           </a:p>
@@ -20265,7 +20329,7 @@
           <a:p>
             <a:fld id="{7CF0BCE0-945C-4FDF-95A1-2149B1FF5B83}" type="datetimeFigureOut">
               <a:rPr lang="en-US" smtClean="0"/>
-              <a:t>6/10/2024</a:t>
+              <a:t>6/11/2024</a:t>
             </a:fld>
             <a:endParaRPr lang="en-US"/>
           </a:p>
@@ -21034,7 +21098,7 @@
           <a:p>
             <a:fld id="{7CF0BCE0-945C-4FDF-95A1-2149B1FF5B83}" type="datetimeFigureOut">
               <a:rPr lang="en-US" smtClean="0"/>
-              <a:t>6/10/2024</a:t>
+              <a:t>6/11/2024</a:t>
             </a:fld>
             <a:endParaRPr lang="en-US"/>
           </a:p>
@@ -22146,7 +22210,7 @@
           <a:p>
             <a:fld id="{7CF0BCE0-945C-4FDF-95A1-2149B1FF5B83}" type="datetimeFigureOut">
               <a:rPr lang="en-US" smtClean="0"/>
-              <a:t>6/10/2024</a:t>
+              <a:t>6/11/2024</a:t>
             </a:fld>
             <a:endParaRPr lang="en-US"/>
           </a:p>
@@ -22954,7 +23018,7 @@
           <a:p>
             <a:fld id="{7CF0BCE0-945C-4FDF-95A1-2149B1FF5B83}" type="datetimeFigureOut">
               <a:rPr lang="en-US" smtClean="0"/>
-              <a:t>6/10/2024</a:t>
+              <a:t>6/11/2024</a:t>
             </a:fld>
             <a:endParaRPr lang="en-US"/>
           </a:p>
@@ -23238,7 +23302,7 @@
             <a:fld id="{7CF0BCE0-945C-4FDF-95A1-2149B1FF5B83}" type="datetimeFigureOut">
               <a:rPr lang="en-US" smtClean="0"/>
               <a:pPr algn="r"/>
-              <a:t>6/10/2024</a:t>
+              <a:t>6/11/2024</a:t>
             </a:fld>
             <a:endParaRPr lang="en-US" dirty="0"/>
           </a:p>
@@ -30714,12 +30778,88 @@
           <a:chExt cx="0" cy="0"/>
         </a:xfrm>
       </p:grpSpPr>
+      <p:sp useBgFill="1">
+        <p:nvSpPr>
+          <p:cNvPr id="15459" name="Rectangle 15458">
+            <a:extLst>
+              <a:ext uri="{FF2B5EF4-FFF2-40B4-BE49-F238E27FC236}">
+                <a16:creationId xmlns:a16="http://schemas.microsoft.com/office/drawing/2014/main" id="{853E39E6-2A74-404E-B4BC-EEC89C01B766}"/>
+              </a:ext>
+              <a:ext uri="{C183D7F6-B498-43B3-948B-1728B52AA6E4}">
+                <adec:decorative xmlns:adec="http://schemas.microsoft.com/office/drawing/2017/decorative" val="1"/>
+              </a:ext>
+            </a:extLst>
+          </p:cNvPr>
+          <p:cNvSpPr>
+            <a:spLocks noGrp="1" noRot="1" noChangeAspect="1" noMove="1" noResize="1" noEditPoints="1" noAdjustHandles="1" noChangeArrowheads="1" noChangeShapeType="1" noTextEdit="1"/>
+          </p:cNvSpPr>
+          <p:nvPr>
+            <p:extLst>
+              <p:ext uri="{386F3935-93C4-4BCD-93E2-E3B085C9AB24}">
+                <p16:designElem xmlns:p16="http://schemas.microsoft.com/office/powerpoint/2015/main" val="1"/>
+              </p:ext>
+            </p:extLst>
+          </p:nvPr>
+        </p:nvSpPr>
+        <p:spPr>
+          <a:xfrm>
+            <a:off x="0" y="0"/>
+            <a:ext cx="12192000" cy="6858000"/>
+          </a:xfrm>
+          <a:prstGeom prst="rect">
+            <a:avLst/>
+          </a:prstGeom>
+          <a:ln w="12700" cap="flat" cmpd="sng" algn="ctr">
+            <a:noFill/>
+            <a:prstDash val="solid"/>
+            <a:miter lim="800000"/>
+          </a:ln>
+          <a:effectLst/>
+          <a:extLst>
+            <a:ext uri="{91240B29-F687-4F45-9708-019B960494DF}">
+              <a14:hiddenLine xmlns:a14="http://schemas.microsoft.com/office/drawing/2010/main" w="12700" cap="flat" cmpd="sng" algn="ctr">
+                <a:solidFill>
+                  <a:schemeClr val="accent1">
+                    <a:shade val="50000"/>
+                  </a:schemeClr>
+                </a:solidFill>
+                <a:prstDash val="solid"/>
+                <a:miter lim="800000"/>
+              </a14:hiddenLine>
+            </a:ext>
+          </a:extLst>
+        </p:spPr>
+        <p:style>
+          <a:lnRef idx="2">
+            <a:schemeClr val="accent1">
+              <a:shade val="50000"/>
+            </a:schemeClr>
+          </a:lnRef>
+          <a:fillRef idx="1">
+            <a:schemeClr val="accent1"/>
+          </a:fillRef>
+          <a:effectRef idx="0">
+            <a:schemeClr val="accent1"/>
+          </a:effectRef>
+          <a:fontRef idx="minor">
+            <a:schemeClr val="lt1"/>
+          </a:fontRef>
+        </p:style>
+        <p:txBody>
+          <a:bodyPr rtlCol="0" anchor="ctr"/>
+          <a:lstStyle/>
+          <a:p>
+            <a:pPr algn="ctr"/>
+            <a:endParaRPr lang="en-US"/>
+          </a:p>
+        </p:txBody>
+      </p:sp>
       <p:grpSp>
         <p:nvGrpSpPr>
-          <p:cNvPr id="15398" name="Group 15400">
+          <p:cNvPr id="15461" name="Group 15460">
             <a:extLst>
               <a:ext uri="{FF2B5EF4-FFF2-40B4-BE49-F238E27FC236}">
-                <a16:creationId xmlns:a16="http://schemas.microsoft.com/office/drawing/2014/main" id="{BF4E480B-94D6-46F9-A2B6-B98D311FDC19}"/>
+                <a16:creationId xmlns:a16="http://schemas.microsoft.com/office/drawing/2014/main" id="{30D050C3-946A-4155-B469-3FE5492E6E91}"/>
               </a:ext>
               <a:ext uri="{C183D7F6-B498-43B3-948B-1728B52AA6E4}">
                 <adec:decorative xmlns:adec="http://schemas.microsoft.com/office/drawing/2017/decorative" val="1"/>
@@ -30739,7 +30879,7 @@
         </p:nvGrpSpPr>
         <p:grpSpPr>
           <a:xfrm>
-            <a:off x="0" y="0"/>
+            <a:off x="1" y="0"/>
             <a:ext cx="12191999" cy="6861600"/>
             <a:chOff x="1" y="0"/>
             <a:chExt cx="12191999" cy="6861600"/>
@@ -30747,10 +30887,10 @@
         </p:grpSpPr>
         <p:sp>
           <p:nvSpPr>
-            <p:cNvPr id="15402" name="Rectangle 15401">
+            <p:cNvPr id="15462" name="Rectangle 15461">
               <a:extLst>
                 <a:ext uri="{FF2B5EF4-FFF2-40B4-BE49-F238E27FC236}">
-                  <a16:creationId xmlns:a16="http://schemas.microsoft.com/office/drawing/2014/main" id="{07183CDE-91A1-40C3-8E80-66F89E1C2D53}"/>
+                  <a16:creationId xmlns:a16="http://schemas.microsoft.com/office/drawing/2014/main" id="{70D7BFBB-BF60-4EF1-AF1C-731347DB115A}"/>
                 </a:ext>
                 <a:ext uri="{C183D7F6-B498-43B3-948B-1728B52AA6E4}">
                   <adec:decorative xmlns:adec="http://schemas.microsoft.com/office/drawing/2017/decorative" val="1"/>
@@ -30821,17 +30961,17 @@
             <a:bodyPr rtlCol="0" anchor="ctr"/>
             <a:lstStyle/>
             <a:p>
-              <a:pPr algn="r"/>
+              <a:pPr algn="ctr"/>
               <a:endParaRPr lang="en-US"/>
             </a:p>
           </p:txBody>
         </p:sp>
         <p:sp>
           <p:nvSpPr>
-            <p:cNvPr id="15403" name="Oval 15402">
+            <p:cNvPr id="15463" name="Oval 15462">
               <a:extLst>
                 <a:ext uri="{FF2B5EF4-FFF2-40B4-BE49-F238E27FC236}">
-                  <a16:creationId xmlns:a16="http://schemas.microsoft.com/office/drawing/2014/main" id="{A6756515-F9AA-46BD-8DD2-AA15BA492AC0}"/>
+                  <a16:creationId xmlns:a16="http://schemas.microsoft.com/office/drawing/2014/main" id="{40150CBC-E30B-417C-9BB2-CE6BB1A6440F}"/>
                 </a:ext>
                 <a:ext uri="{C183D7F6-B498-43B3-948B-1728B52AA6E4}">
                   <adec:decorative xmlns:adec="http://schemas.microsoft.com/office/drawing/2017/decorative" val="1"/>
@@ -30889,17 +31029,17 @@
             <a:bodyPr rtlCol="0" anchor="ctr"/>
             <a:lstStyle/>
             <a:p>
-              <a:pPr algn="r"/>
+              <a:pPr algn="ctr"/>
               <a:endParaRPr lang="en-US"/>
             </a:p>
           </p:txBody>
         </p:sp>
         <p:sp>
           <p:nvSpPr>
-            <p:cNvPr id="15404" name="Oval 15403">
+            <p:cNvPr id="15464" name="Oval 15463">
               <a:extLst>
                 <a:ext uri="{FF2B5EF4-FFF2-40B4-BE49-F238E27FC236}">
-                  <a16:creationId xmlns:a16="http://schemas.microsoft.com/office/drawing/2014/main" id="{ABA365E2-8B71-408B-9092-0104216AC7AC}"/>
+                  <a16:creationId xmlns:a16="http://schemas.microsoft.com/office/drawing/2014/main" id="{476020D6-6ADB-408E-A69F-4EA6F51A7F12}"/>
                 </a:ext>
                 <a:ext uri="{C183D7F6-B498-43B3-948B-1728B52AA6E4}">
                   <adec:decorative xmlns:adec="http://schemas.microsoft.com/office/drawing/2017/decorative" val="1"/>
@@ -30957,17 +31097,17 @@
             <a:bodyPr rtlCol="0" anchor="ctr"/>
             <a:lstStyle/>
             <a:p>
-              <a:pPr algn="r"/>
+              <a:pPr algn="ctr"/>
               <a:endParaRPr lang="en-US" dirty="0"/>
             </a:p>
           </p:txBody>
         </p:sp>
         <p:grpSp>
           <p:nvGrpSpPr>
-            <p:cNvPr id="15405" name="Group 15404">
+            <p:cNvPr id="15465" name="Group 15464">
               <a:extLst>
                 <a:ext uri="{FF2B5EF4-FFF2-40B4-BE49-F238E27FC236}">
-                  <a16:creationId xmlns:a16="http://schemas.microsoft.com/office/drawing/2014/main" id="{BEDB8D7A-1BF6-4CDB-B93A-7736955F5043}"/>
+                  <a16:creationId xmlns:a16="http://schemas.microsoft.com/office/drawing/2014/main" id="{8226C8E5-1D99-421D-AB3C-2AF296A15325}"/>
                 </a:ext>
                 <a:ext uri="{C183D7F6-B498-43B3-948B-1728B52AA6E4}">
                   <adec:decorative xmlns:adec="http://schemas.microsoft.com/office/drawing/2017/decorative" val="1"/>
@@ -30995,10 +31135,10 @@
           </p:grpSpPr>
           <p:sp>
             <p:nvSpPr>
-              <p:cNvPr id="15410" name="Rectangle 15409">
+              <p:cNvPr id="15470" name="Rectangle 15469">
                 <a:extLst>
                   <a:ext uri="{FF2B5EF4-FFF2-40B4-BE49-F238E27FC236}">
-                    <a16:creationId xmlns:a16="http://schemas.microsoft.com/office/drawing/2014/main" id="{5AACD774-5167-46C7-8A62-6E2FE4BE9469}"/>
+                    <a16:creationId xmlns:a16="http://schemas.microsoft.com/office/drawing/2014/main" id="{67669339-D0C4-4CF0-9A76-5BFBCDB7988B}"/>
                   </a:ext>
                   <a:ext uri="{C183D7F6-B498-43B3-948B-1728B52AA6E4}">
                     <adec:decorative xmlns:adec="http://schemas.microsoft.com/office/drawing/2017/decorative" val="1"/>
@@ -31065,17 +31205,17 @@
               <a:bodyPr rtlCol="0" anchor="ctr"/>
               <a:lstStyle/>
               <a:p>
-                <a:pPr algn="r"/>
+                <a:pPr algn="ctr"/>
                 <a:endParaRPr lang="en-US"/>
               </a:p>
             </p:txBody>
           </p:sp>
           <p:sp>
             <p:nvSpPr>
-              <p:cNvPr id="15411" name="Rectangle 15410">
+              <p:cNvPr id="15471" name="Rectangle 15470">
                 <a:extLst>
                   <a:ext uri="{FF2B5EF4-FFF2-40B4-BE49-F238E27FC236}">
-                    <a16:creationId xmlns:a16="http://schemas.microsoft.com/office/drawing/2014/main" id="{06E0F2D8-452E-48F9-9912-C47EAEAE1802}"/>
+                    <a16:creationId xmlns:a16="http://schemas.microsoft.com/office/drawing/2014/main" id="{38B31604-91C4-4CB0-8097-02EE0ADDC112}"/>
                   </a:ext>
                   <a:ext uri="{C183D7F6-B498-43B3-948B-1728B52AA6E4}">
                     <adec:decorative xmlns:adec="http://schemas.microsoft.com/office/drawing/2017/decorative" val="1"/>
@@ -31142,7 +31282,7 @@
               <a:bodyPr rtlCol="0" anchor="ctr"/>
               <a:lstStyle/>
               <a:p>
-                <a:pPr algn="r"/>
+                <a:pPr algn="ctr"/>
                 <a:endParaRPr lang="en-US"/>
               </a:p>
             </p:txBody>
@@ -31150,10 +31290,10 @@
         </p:grpSp>
         <p:grpSp>
           <p:nvGrpSpPr>
-            <p:cNvPr id="15406" name="Group 15405">
+            <p:cNvPr id="15466" name="Group 15465">
               <a:extLst>
                 <a:ext uri="{FF2B5EF4-FFF2-40B4-BE49-F238E27FC236}">
-                  <a16:creationId xmlns:a16="http://schemas.microsoft.com/office/drawing/2014/main" id="{91FBBF95-430B-427C-A6E8-DB899217FC00}"/>
+                  <a16:creationId xmlns:a16="http://schemas.microsoft.com/office/drawing/2014/main" id="{548340F5-A593-469A-98DC-B6D90D3B22B4}"/>
                 </a:ext>
                 <a:ext uri="{C183D7F6-B498-43B3-948B-1728B52AA6E4}">
                   <adec:decorative xmlns:adec="http://schemas.microsoft.com/office/drawing/2017/decorative" val="1"/>
@@ -31181,10 +31321,10 @@
           </p:grpSpPr>
           <p:sp>
             <p:nvSpPr>
-              <p:cNvPr id="15408" name="Rectangle 15407">
+              <p:cNvPr id="15468" name="Rectangle 15467">
                 <a:extLst>
                   <a:ext uri="{FF2B5EF4-FFF2-40B4-BE49-F238E27FC236}">
-                    <a16:creationId xmlns:a16="http://schemas.microsoft.com/office/drawing/2014/main" id="{BEE64698-3ED2-4395-B7FC-65248E437E0A}"/>
+                    <a16:creationId xmlns:a16="http://schemas.microsoft.com/office/drawing/2014/main" id="{B59E3068-3000-4C82-ACA8-367498951E63}"/>
                   </a:ext>
                   <a:ext uri="{C183D7F6-B498-43B3-948B-1728B52AA6E4}">
                     <adec:decorative xmlns:adec="http://schemas.microsoft.com/office/drawing/2017/decorative" val="1"/>
@@ -31251,17 +31391,17 @@
               <a:bodyPr rtlCol="0" anchor="ctr"/>
               <a:lstStyle/>
               <a:p>
-                <a:pPr algn="r"/>
+                <a:pPr algn="ctr"/>
                 <a:endParaRPr lang="en-US"/>
               </a:p>
             </p:txBody>
           </p:sp>
           <p:sp>
             <p:nvSpPr>
-              <p:cNvPr id="15409" name="Rectangle 15408">
+              <p:cNvPr id="15469" name="Rectangle 15468">
                 <a:extLst>
                   <a:ext uri="{FF2B5EF4-FFF2-40B4-BE49-F238E27FC236}">
-                    <a16:creationId xmlns:a16="http://schemas.microsoft.com/office/drawing/2014/main" id="{FE20B1E1-CE09-4C2A-A3FB-DB8026C54E98}"/>
+                    <a16:creationId xmlns:a16="http://schemas.microsoft.com/office/drawing/2014/main" id="{C2E1C398-D8F7-4828-9F7F-80D61DAE2B6F}"/>
                   </a:ext>
                   <a:ext uri="{C183D7F6-B498-43B3-948B-1728B52AA6E4}">
                     <adec:decorative xmlns:adec="http://schemas.microsoft.com/office/drawing/2017/decorative" val="1"/>
@@ -31328,7 +31468,7 @@
               <a:bodyPr rtlCol="0" anchor="ctr"/>
               <a:lstStyle/>
               <a:p>
-                <a:pPr algn="r"/>
+                <a:pPr algn="ctr"/>
                 <a:endParaRPr lang="en-US"/>
               </a:p>
             </p:txBody>
@@ -31336,10 +31476,10 @@
         </p:grpSp>
         <p:sp>
           <p:nvSpPr>
-            <p:cNvPr id="15407" name="Rectangle 15406">
+            <p:cNvPr id="15467" name="Rectangle 15466">
               <a:extLst>
                 <a:ext uri="{FF2B5EF4-FFF2-40B4-BE49-F238E27FC236}">
-                  <a16:creationId xmlns:a16="http://schemas.microsoft.com/office/drawing/2014/main" id="{0CB2405B-A907-48B3-906A-FB3573C0B282}"/>
+                  <a16:creationId xmlns:a16="http://schemas.microsoft.com/office/drawing/2014/main" id="{813B333C-60FD-4260-80E0-190666C9DE77}"/>
                 </a:ext>
                 <a:ext uri="{C183D7F6-B498-43B3-948B-1728B52AA6E4}">
                   <adec:decorative xmlns:adec="http://schemas.microsoft.com/office/drawing/2017/decorative" val="1"/>
@@ -31408,7 +31548,7 @@
             <a:bodyPr rtlCol="0" anchor="ctr"/>
             <a:lstStyle/>
             <a:p>
-              <a:pPr algn="r"/>
+              <a:pPr algn="ctr"/>
               <a:endParaRPr lang="en-US"/>
             </a:p>
           </p:txBody>
@@ -31416,10 +31556,10 @@
       </p:grpSp>
       <p:sp>
         <p:nvSpPr>
-          <p:cNvPr id="15413" name="Rectangle 15412">
+          <p:cNvPr id="15473" name="Rectangle 15472">
             <a:extLst>
               <a:ext uri="{FF2B5EF4-FFF2-40B4-BE49-F238E27FC236}">
-                <a16:creationId xmlns:a16="http://schemas.microsoft.com/office/drawing/2014/main" id="{6DC8E2D9-6729-4614-8667-C1016D3182E4}"/>
+                <a16:creationId xmlns:a16="http://schemas.microsoft.com/office/drawing/2014/main" id="{DC05F582-AA63-4A8C-915E-66057E4BEEA9}"/>
               </a:ext>
               <a:ext uri="{C183D7F6-B498-43B3-948B-1728B52AA6E4}">
                 <adec:decorative xmlns:adec="http://schemas.microsoft.com/office/drawing/2017/decorative" val="1"/>
@@ -31438,289 +31578,9 @@
           </p:nvPr>
         </p:nvSpPr>
         <p:spPr>
-          <a:xfrm>
+          <a:xfrm flipH="1">
             <a:off x="0" y="0"/>
             <a:ext cx="12192000" cy="6858000"/>
-          </a:xfrm>
-          <a:prstGeom prst="rect">
-            <a:avLst/>
-          </a:prstGeom>
-          <a:solidFill>
-            <a:schemeClr val="bg2">
-              <a:alpha val="40000"/>
-            </a:schemeClr>
-          </a:solidFill>
-          <a:ln w="12700" cap="flat" cmpd="sng" algn="ctr">
-            <a:noFill/>
-            <a:prstDash val="solid"/>
-            <a:miter lim="800000"/>
-          </a:ln>
-          <a:effectLst/>
-        </p:spPr>
-        <p:style>
-          <a:lnRef idx="2">
-            <a:schemeClr val="accent1">
-              <a:shade val="50000"/>
-            </a:schemeClr>
-          </a:lnRef>
-          <a:fillRef idx="1">
-            <a:schemeClr val="accent1"/>
-          </a:fillRef>
-          <a:effectRef idx="0">
-            <a:schemeClr val="accent1"/>
-          </a:effectRef>
-          <a:fontRef idx="minor">
-            <a:schemeClr val="lt1"/>
-          </a:fontRef>
-        </p:style>
-        <p:txBody>
-          <a:bodyPr rtlCol="0" anchor="ctr"/>
-          <a:lstStyle/>
-          <a:p>
-            <a:pPr algn="r"/>
-            <a:endParaRPr lang="en-US" dirty="0"/>
-          </a:p>
-        </p:txBody>
-      </p:sp>
-      <p:sp useBgFill="1">
-        <p:nvSpPr>
-          <p:cNvPr id="15415" name="Rectangle 15414">
-            <a:extLst>
-              <a:ext uri="{FF2B5EF4-FFF2-40B4-BE49-F238E27FC236}">
-                <a16:creationId xmlns:a16="http://schemas.microsoft.com/office/drawing/2014/main" id="{9C51935E-4A08-4AE4-8E13-F40CD3C4F1C4}"/>
-              </a:ext>
-              <a:ext uri="{C183D7F6-B498-43B3-948B-1728B52AA6E4}">
-                <adec:decorative xmlns:adec="http://schemas.microsoft.com/office/drawing/2017/decorative" val="1"/>
-              </a:ext>
-            </a:extLst>
-          </p:cNvPr>
-          <p:cNvSpPr>
-            <a:spLocks noGrp="1" noRot="1" noChangeAspect="1" noMove="1" noResize="1" noEditPoints="1" noAdjustHandles="1" noChangeArrowheads="1" noChangeShapeType="1" noTextEdit="1"/>
-          </p:cNvSpPr>
-          <p:nvPr>
-            <p:extLst>
-              <p:ext uri="{386F3935-93C4-4BCD-93E2-E3B085C9AB24}">
-                <p16:designElem xmlns:p16="http://schemas.microsoft.com/office/powerpoint/2015/main" val="1"/>
-              </p:ext>
-            </p:extLst>
-          </p:nvPr>
-        </p:nvSpPr>
-        <p:spPr>
-          <a:xfrm>
-            <a:off x="0" y="0"/>
-            <a:ext cx="12192000" cy="6858000"/>
-          </a:xfrm>
-          <a:prstGeom prst="rect">
-            <a:avLst/>
-          </a:prstGeom>
-          <a:ln w="12700" cap="flat" cmpd="sng" algn="ctr">
-            <a:noFill/>
-            <a:prstDash val="solid"/>
-            <a:miter lim="800000"/>
-          </a:ln>
-          <a:effectLst/>
-          <a:extLst>
-            <a:ext uri="{91240B29-F687-4F45-9708-019B960494DF}">
-              <a14:hiddenLine xmlns:a14="http://schemas.microsoft.com/office/drawing/2010/main" w="12700" cap="flat" cmpd="sng" algn="ctr">
-                <a:solidFill>
-                  <a:schemeClr val="accent1">
-                    <a:shade val="50000"/>
-                  </a:schemeClr>
-                </a:solidFill>
-                <a:prstDash val="solid"/>
-                <a:miter lim="800000"/>
-              </a14:hiddenLine>
-            </a:ext>
-          </a:extLst>
-        </p:spPr>
-        <p:style>
-          <a:lnRef idx="2">
-            <a:schemeClr val="accent1">
-              <a:shade val="50000"/>
-            </a:schemeClr>
-          </a:lnRef>
-          <a:fillRef idx="1">
-            <a:schemeClr val="accent1"/>
-          </a:fillRef>
-          <a:effectRef idx="0">
-            <a:schemeClr val="accent1"/>
-          </a:effectRef>
-          <a:fontRef idx="minor">
-            <a:schemeClr val="lt1"/>
-          </a:fontRef>
-        </p:style>
-        <p:txBody>
-          <a:bodyPr rtlCol="0" anchor="ctr"/>
-          <a:lstStyle/>
-          <a:p>
-            <a:pPr algn="ctr"/>
-            <a:endParaRPr lang="en-US"/>
-          </a:p>
-        </p:txBody>
-      </p:sp>
-      <p:sp>
-        <p:nvSpPr>
-          <p:cNvPr id="15417" name="Oval 15416">
-            <a:extLst>
-              <a:ext uri="{FF2B5EF4-FFF2-40B4-BE49-F238E27FC236}">
-                <a16:creationId xmlns:a16="http://schemas.microsoft.com/office/drawing/2014/main" id="{193F1402-2867-4C4F-A1BA-606198AD76B0}"/>
-              </a:ext>
-              <a:ext uri="{C183D7F6-B498-43B3-948B-1728B52AA6E4}">
-                <adec:decorative xmlns:adec="http://schemas.microsoft.com/office/drawing/2017/decorative" val="1"/>
-              </a:ext>
-            </a:extLst>
-          </p:cNvPr>
-          <p:cNvSpPr>
-            <a:spLocks noGrp="1" noRot="1" noChangeAspect="1" noMove="1" noResize="1" noEditPoints="1" noAdjustHandles="1" noChangeArrowheads="1" noChangeShapeType="1" noTextEdit="1"/>
-          </p:cNvSpPr>
-          <p:nvPr>
-            <p:extLst>
-              <p:ext uri="{386F3935-93C4-4BCD-93E2-E3B085C9AB24}">
-                <p16:designElem xmlns:p16="http://schemas.microsoft.com/office/powerpoint/2015/main" val="1"/>
-              </p:ext>
-            </p:extLst>
-          </p:nvPr>
-        </p:nvSpPr>
-        <p:spPr>
-          <a:xfrm>
-            <a:off x="6384514" y="-87086"/>
-            <a:ext cx="4320000" cy="4320000"/>
-          </a:xfrm>
-          <a:prstGeom prst="ellipse">
-            <a:avLst/>
-          </a:prstGeom>
-          <a:solidFill>
-            <a:schemeClr val="accent3">
-              <a:alpha val="96000"/>
-            </a:schemeClr>
-          </a:solidFill>
-          <a:ln>
-            <a:noFill/>
-          </a:ln>
-          <a:effectLst>
-            <a:softEdge rad="1016000"/>
-          </a:effectLst>
-        </p:spPr>
-        <p:style>
-          <a:lnRef idx="2">
-            <a:schemeClr val="accent1">
-              <a:shade val="50000"/>
-            </a:schemeClr>
-          </a:lnRef>
-          <a:fillRef idx="1">
-            <a:schemeClr val="accent1"/>
-          </a:fillRef>
-          <a:effectRef idx="0">
-            <a:schemeClr val="accent1"/>
-          </a:effectRef>
-          <a:fontRef idx="minor">
-            <a:schemeClr val="lt1"/>
-          </a:fontRef>
-        </p:style>
-        <p:txBody>
-          <a:bodyPr rtlCol="0" anchor="ctr"/>
-          <a:lstStyle/>
-          <a:p>
-            <a:pPr algn="ctr"/>
-            <a:endParaRPr lang="en-US"/>
-          </a:p>
-        </p:txBody>
-      </p:sp>
-      <p:sp>
-        <p:nvSpPr>
-          <p:cNvPr id="15419" name="Oval 15418">
-            <a:extLst>
-              <a:ext uri="{FF2B5EF4-FFF2-40B4-BE49-F238E27FC236}">
-                <a16:creationId xmlns:a16="http://schemas.microsoft.com/office/drawing/2014/main" id="{9887A981-7310-4FDA-96E6-73ECCD6C472B}"/>
-              </a:ext>
-              <a:ext uri="{C183D7F6-B498-43B3-948B-1728B52AA6E4}">
-                <adec:decorative xmlns:adec="http://schemas.microsoft.com/office/drawing/2017/decorative" val="1"/>
-              </a:ext>
-            </a:extLst>
-          </p:cNvPr>
-          <p:cNvSpPr>
-            <a:spLocks noGrp="1" noRot="1" noChangeAspect="1" noMove="1" noResize="1" noEditPoints="1" noAdjustHandles="1" noChangeArrowheads="1" noChangeShapeType="1" noTextEdit="1"/>
-          </p:cNvSpPr>
-          <p:nvPr>
-            <p:extLst>
-              <p:ext uri="{386F3935-93C4-4BCD-93E2-E3B085C9AB24}">
-                <p16:designElem xmlns:p16="http://schemas.microsoft.com/office/powerpoint/2015/main" val="1"/>
-              </p:ext>
-            </p:extLst>
-          </p:nvPr>
-        </p:nvSpPr>
-        <p:spPr>
-          <a:xfrm>
-            <a:off x="4163874" y="3600"/>
-            <a:ext cx="6854400" cy="6854400"/>
-          </a:xfrm>
-          <a:prstGeom prst="ellipse">
-            <a:avLst/>
-          </a:prstGeom>
-          <a:solidFill>
-            <a:schemeClr val="accent2">
-              <a:alpha val="60000"/>
-            </a:schemeClr>
-          </a:solidFill>
-          <a:ln>
-            <a:noFill/>
-          </a:ln>
-          <a:effectLst>
-            <a:softEdge rad="1270000"/>
-          </a:effectLst>
-        </p:spPr>
-        <p:style>
-          <a:lnRef idx="2">
-            <a:schemeClr val="accent1">
-              <a:shade val="50000"/>
-            </a:schemeClr>
-          </a:lnRef>
-          <a:fillRef idx="1">
-            <a:schemeClr val="accent1"/>
-          </a:fillRef>
-          <a:effectRef idx="0">
-            <a:schemeClr val="accent1"/>
-          </a:effectRef>
-          <a:fontRef idx="minor">
-            <a:schemeClr val="lt1"/>
-          </a:fontRef>
-        </p:style>
-        <p:txBody>
-          <a:bodyPr rtlCol="0" anchor="ctr"/>
-          <a:lstStyle/>
-          <a:p>
-            <a:pPr algn="ctr"/>
-            <a:endParaRPr lang="en-US" dirty="0"/>
-          </a:p>
-        </p:txBody>
-      </p:sp>
-      <p:sp>
-        <p:nvSpPr>
-          <p:cNvPr id="15421" name="Rectangle 15420">
-            <a:extLst>
-              <a:ext uri="{FF2B5EF4-FFF2-40B4-BE49-F238E27FC236}">
-                <a16:creationId xmlns:a16="http://schemas.microsoft.com/office/drawing/2014/main" id="{FED4C940-D8EF-42FB-B65E-81A70494B8E6}"/>
-              </a:ext>
-              <a:ext uri="{C183D7F6-B498-43B3-948B-1728B52AA6E4}">
-                <adec:decorative xmlns:adec="http://schemas.microsoft.com/office/drawing/2017/decorative" val="1"/>
-              </a:ext>
-            </a:extLst>
-          </p:cNvPr>
-          <p:cNvSpPr>
-            <a:spLocks noGrp="1" noRot="1" noChangeAspect="1" noMove="1" noResize="1" noEditPoints="1" noAdjustHandles="1" noChangeArrowheads="1" noChangeShapeType="1" noTextEdit="1"/>
-          </p:cNvSpPr>
-          <p:nvPr>
-            <p:extLst>
-              <p:ext uri="{386F3935-93C4-4BCD-93E2-E3B085C9AB24}">
-                <p16:designElem xmlns:p16="http://schemas.microsoft.com/office/powerpoint/2015/main" val="1"/>
-              </p:ext>
-            </p:extLst>
-          </p:nvPr>
-        </p:nvSpPr>
-        <p:spPr>
-          <a:xfrm rot="16200000">
-            <a:off x="1" y="1640114"/>
-            <a:ext cx="5217886" cy="5217886"/>
           </a:xfrm>
           <a:prstGeom prst="rect">
             <a:avLst/>
@@ -31728,540 +31588,24 @@
           <a:gradFill flip="none" rotWithShape="1">
             <a:gsLst>
               <a:gs pos="0">
-                <a:schemeClr val="accent2">
+                <a:schemeClr val="bg2">
                   <a:alpha val="60000"/>
                 </a:schemeClr>
               </a:gs>
-              <a:gs pos="60000">
-                <a:schemeClr val="accent2">
+              <a:gs pos="37000">
+                <a:schemeClr val="bg2">
+                  <a:alpha val="60000"/>
+                </a:schemeClr>
+              </a:gs>
+              <a:gs pos="79000">
+                <a:schemeClr val="bg2">
                   <a:alpha val="0"/>
                 </a:schemeClr>
               </a:gs>
             </a:gsLst>
-            <a:path path="circle">
-              <a:fillToRect r="100000" b="100000"/>
-            </a:path>
-            <a:tileRect l="-100000" t="-100000"/>
+            <a:lin ang="0" scaled="1"/>
+            <a:tileRect/>
           </a:gradFill>
-          <a:ln w="12700" cap="flat" cmpd="sng" algn="ctr">
-            <a:noFill/>
-            <a:prstDash val="solid"/>
-            <a:miter lim="800000"/>
-          </a:ln>
-          <a:effectLst/>
-        </p:spPr>
-        <p:style>
-          <a:lnRef idx="2">
-            <a:schemeClr val="accent1">
-              <a:shade val="50000"/>
-            </a:schemeClr>
-          </a:lnRef>
-          <a:fillRef idx="1">
-            <a:schemeClr val="accent1"/>
-          </a:fillRef>
-          <a:effectRef idx="0">
-            <a:schemeClr val="accent1"/>
-          </a:effectRef>
-          <a:fontRef idx="minor">
-            <a:schemeClr val="lt1"/>
-          </a:fontRef>
-        </p:style>
-        <p:txBody>
-          <a:bodyPr rtlCol="0" anchor="ctr"/>
-          <a:lstStyle/>
-          <a:p>
-            <a:pPr algn="ctr"/>
-            <a:endParaRPr lang="en-US"/>
-          </a:p>
-        </p:txBody>
-      </p:sp>
-      <p:grpSp>
-        <p:nvGrpSpPr>
-          <p:cNvPr id="15423" name="Group 15422">
-            <a:extLst>
-              <a:ext uri="{FF2B5EF4-FFF2-40B4-BE49-F238E27FC236}">
-                <a16:creationId xmlns:a16="http://schemas.microsoft.com/office/drawing/2014/main" id="{56A1B230-58D0-41AA-8ACD-0AE93078B8F9}"/>
-              </a:ext>
-              <a:ext uri="{C183D7F6-B498-43B3-948B-1728B52AA6E4}">
-                <adec:decorative xmlns:adec="http://schemas.microsoft.com/office/drawing/2017/decorative" val="1"/>
-              </a:ext>
-            </a:extLst>
-          </p:cNvPr>
-          <p:cNvGrpSpPr>
-            <a:grpSpLocks noGrp="1" noUngrp="1" noRot="1" noChangeAspect="1" noMove="1" noResize="1"/>
-          </p:cNvGrpSpPr>
-          <p:nvPr>
-            <p:extLst>
-              <p:ext uri="{386F3935-93C4-4BCD-93E2-E3B085C9AB24}">
-                <p16:designElem xmlns:p16="http://schemas.microsoft.com/office/powerpoint/2015/main" val="1"/>
-              </p:ext>
-            </p:extLst>
-          </p:nvPr>
-        </p:nvGrpSpPr>
-        <p:grpSpPr>
-          <a:xfrm>
-            <a:off x="696000" y="0"/>
-            <a:ext cx="10800000" cy="6858000"/>
-            <a:chOff x="2328000" y="0"/>
-            <a:chExt cx="2880000" cy="1440000"/>
-          </a:xfrm>
-        </p:grpSpPr>
-        <p:sp>
-          <p:nvSpPr>
-            <p:cNvPr id="15424" name="Rectangle 15423">
-              <a:extLst>
-                <a:ext uri="{FF2B5EF4-FFF2-40B4-BE49-F238E27FC236}">
-                  <a16:creationId xmlns:a16="http://schemas.microsoft.com/office/drawing/2014/main" id="{91B32BAF-B8A7-40EA-8C6C-3409A4268B22}"/>
-                </a:ext>
-                <a:ext uri="{C183D7F6-B498-43B3-948B-1728B52AA6E4}">
-                  <adec:decorative xmlns:adec="http://schemas.microsoft.com/office/drawing/2017/decorative" val="1"/>
-                </a:ext>
-              </a:extLst>
-            </p:cNvPr>
-            <p:cNvSpPr/>
-            <p:nvPr>
-              <p:extLst>
-                <p:ext uri="{386F3935-93C4-4BCD-93E2-E3B085C9AB24}">
-                  <p16:designElem xmlns:p16="http://schemas.microsoft.com/office/powerpoint/2015/main" val="1"/>
-                </p:ext>
-              </p:extLst>
-            </p:nvPr>
-          </p:nvSpPr>
-          <p:spPr>
-            <a:xfrm>
-              <a:off x="3768000" y="0"/>
-              <a:ext cx="1440000" cy="1440000"/>
-            </a:xfrm>
-            <a:prstGeom prst="rect">
-              <a:avLst/>
-            </a:prstGeom>
-            <a:gradFill flip="none" rotWithShape="1">
-              <a:gsLst>
-                <a:gs pos="0">
-                  <a:schemeClr val="accent1"/>
-                </a:gs>
-                <a:gs pos="60000">
-                  <a:schemeClr val="accent1">
-                    <a:alpha val="0"/>
-                  </a:schemeClr>
-                </a:gs>
-              </a:gsLst>
-              <a:path path="circle">
-                <a:fillToRect r="100000" b="100000"/>
-              </a:path>
-              <a:tileRect l="-100000" t="-100000"/>
-            </a:gradFill>
-            <a:ln w="12700" cap="flat" cmpd="sng" algn="ctr">
-              <a:noFill/>
-              <a:prstDash val="solid"/>
-              <a:miter lim="800000"/>
-            </a:ln>
-            <a:effectLst/>
-          </p:spPr>
-          <p:style>
-            <a:lnRef idx="2">
-              <a:schemeClr val="accent1">
-                <a:shade val="50000"/>
-              </a:schemeClr>
-            </a:lnRef>
-            <a:fillRef idx="1">
-              <a:schemeClr val="accent1"/>
-            </a:fillRef>
-            <a:effectRef idx="0">
-              <a:schemeClr val="accent1"/>
-            </a:effectRef>
-            <a:fontRef idx="minor">
-              <a:schemeClr val="lt1"/>
-            </a:fontRef>
-          </p:style>
-          <p:txBody>
-            <a:bodyPr rtlCol="0" anchor="ctr"/>
-            <a:lstStyle/>
-            <a:p>
-              <a:pPr algn="ctr"/>
-              <a:endParaRPr lang="en-US"/>
-            </a:p>
-          </p:txBody>
-        </p:sp>
-        <p:sp>
-          <p:nvSpPr>
-            <p:cNvPr id="15425" name="Rectangle 15424">
-              <a:extLst>
-                <a:ext uri="{FF2B5EF4-FFF2-40B4-BE49-F238E27FC236}">
-                  <a16:creationId xmlns:a16="http://schemas.microsoft.com/office/drawing/2014/main" id="{4AB64E17-54DF-4E9F-BB8F-9619CAE1A18E}"/>
-                </a:ext>
-                <a:ext uri="{C183D7F6-B498-43B3-948B-1728B52AA6E4}">
-                  <adec:decorative xmlns:adec="http://schemas.microsoft.com/office/drawing/2017/decorative" val="1"/>
-                </a:ext>
-              </a:extLst>
-            </p:cNvPr>
-            <p:cNvSpPr/>
-            <p:nvPr>
-              <p:extLst>
-                <p:ext uri="{386F3935-93C4-4BCD-93E2-E3B085C9AB24}">
-                  <p16:designElem xmlns:p16="http://schemas.microsoft.com/office/powerpoint/2015/main" val="1"/>
-                </p:ext>
-              </p:extLst>
-            </p:nvPr>
-          </p:nvSpPr>
-          <p:spPr>
-            <a:xfrm flipH="1">
-              <a:off x="2328000" y="0"/>
-              <a:ext cx="1440000" cy="1440000"/>
-            </a:xfrm>
-            <a:prstGeom prst="rect">
-              <a:avLst/>
-            </a:prstGeom>
-            <a:gradFill flip="none" rotWithShape="1">
-              <a:gsLst>
-                <a:gs pos="0">
-                  <a:schemeClr val="accent1"/>
-                </a:gs>
-                <a:gs pos="60000">
-                  <a:schemeClr val="accent1">
-                    <a:alpha val="0"/>
-                  </a:schemeClr>
-                </a:gs>
-              </a:gsLst>
-              <a:path path="circle">
-                <a:fillToRect r="100000" b="100000"/>
-              </a:path>
-              <a:tileRect l="-100000" t="-100000"/>
-            </a:gradFill>
-            <a:ln w="12700" cap="flat" cmpd="sng" algn="ctr">
-              <a:noFill/>
-              <a:prstDash val="solid"/>
-              <a:miter lim="800000"/>
-            </a:ln>
-            <a:effectLst/>
-          </p:spPr>
-          <p:style>
-            <a:lnRef idx="2">
-              <a:schemeClr val="accent1">
-                <a:shade val="50000"/>
-              </a:schemeClr>
-            </a:lnRef>
-            <a:fillRef idx="1">
-              <a:schemeClr val="accent1"/>
-            </a:fillRef>
-            <a:effectRef idx="0">
-              <a:schemeClr val="accent1"/>
-            </a:effectRef>
-            <a:fontRef idx="minor">
-              <a:schemeClr val="lt1"/>
-            </a:fontRef>
-          </p:style>
-          <p:txBody>
-            <a:bodyPr rtlCol="0" anchor="ctr"/>
-            <a:lstStyle/>
-            <a:p>
-              <a:pPr algn="ctr"/>
-              <a:endParaRPr lang="en-US"/>
-            </a:p>
-          </p:txBody>
-        </p:sp>
-      </p:grpSp>
-      <p:grpSp>
-        <p:nvGrpSpPr>
-          <p:cNvPr id="15427" name="Group 15426">
-            <a:extLst>
-              <a:ext uri="{FF2B5EF4-FFF2-40B4-BE49-F238E27FC236}">
-                <a16:creationId xmlns:a16="http://schemas.microsoft.com/office/drawing/2014/main" id="{F7AEDD01-B338-442A-9214-A38E48E3FF21}"/>
-              </a:ext>
-              <a:ext uri="{C183D7F6-B498-43B3-948B-1728B52AA6E4}">
-                <adec:decorative xmlns:adec="http://schemas.microsoft.com/office/drawing/2017/decorative" val="1"/>
-              </a:ext>
-            </a:extLst>
-          </p:cNvPr>
-          <p:cNvGrpSpPr>
-            <a:grpSpLocks noGrp="1" noUngrp="1" noRot="1" noChangeAspect="1" noMove="1" noResize="1"/>
-          </p:cNvGrpSpPr>
-          <p:nvPr>
-            <p:extLst>
-              <p:ext uri="{386F3935-93C4-4BCD-93E2-E3B085C9AB24}">
-                <p16:designElem xmlns:p16="http://schemas.microsoft.com/office/powerpoint/2015/main" val="1"/>
-              </p:ext>
-            </p:extLst>
-          </p:nvPr>
-        </p:nvGrpSpPr>
-        <p:grpSpPr>
-          <a:xfrm rot="5400000">
-            <a:off x="7048499" y="1714500"/>
-            <a:ext cx="6858000" cy="3429000"/>
-            <a:chOff x="0" y="0"/>
-            <a:chExt cx="2880000" cy="1440000"/>
-          </a:xfrm>
-        </p:grpSpPr>
-        <p:sp>
-          <p:nvSpPr>
-            <p:cNvPr id="15428" name="Rectangle 15427">
-              <a:extLst>
-                <a:ext uri="{FF2B5EF4-FFF2-40B4-BE49-F238E27FC236}">
-                  <a16:creationId xmlns:a16="http://schemas.microsoft.com/office/drawing/2014/main" id="{1444701A-B337-4728-803C-208856DCB312}"/>
-                </a:ext>
-                <a:ext uri="{C183D7F6-B498-43B3-948B-1728B52AA6E4}">
-                  <adec:decorative xmlns:adec="http://schemas.microsoft.com/office/drawing/2017/decorative" val="1"/>
-                </a:ext>
-              </a:extLst>
-            </p:cNvPr>
-            <p:cNvSpPr/>
-            <p:nvPr>
-              <p:extLst>
-                <p:ext uri="{386F3935-93C4-4BCD-93E2-E3B085C9AB24}">
-                  <p16:designElem xmlns:p16="http://schemas.microsoft.com/office/powerpoint/2015/main" val="1"/>
-                </p:ext>
-              </p:extLst>
-            </p:nvPr>
-          </p:nvSpPr>
-          <p:spPr>
-            <a:xfrm>
-              <a:off x="1440000" y="0"/>
-              <a:ext cx="1440000" cy="1440000"/>
-            </a:xfrm>
-            <a:prstGeom prst="rect">
-              <a:avLst/>
-            </a:prstGeom>
-            <a:gradFill flip="none" rotWithShape="1">
-              <a:gsLst>
-                <a:gs pos="0">
-                  <a:schemeClr val="accent2"/>
-                </a:gs>
-                <a:gs pos="60000">
-                  <a:schemeClr val="accent2">
-                    <a:alpha val="0"/>
-                  </a:schemeClr>
-                </a:gs>
-              </a:gsLst>
-              <a:path path="circle">
-                <a:fillToRect r="100000" b="100000"/>
-              </a:path>
-              <a:tileRect l="-100000" t="-100000"/>
-            </a:gradFill>
-            <a:ln w="12700" cap="flat" cmpd="sng" algn="ctr">
-              <a:noFill/>
-              <a:prstDash val="solid"/>
-              <a:miter lim="800000"/>
-            </a:ln>
-            <a:effectLst/>
-          </p:spPr>
-          <p:style>
-            <a:lnRef idx="2">
-              <a:schemeClr val="accent1">
-                <a:shade val="50000"/>
-              </a:schemeClr>
-            </a:lnRef>
-            <a:fillRef idx="1">
-              <a:schemeClr val="accent1"/>
-            </a:fillRef>
-            <a:effectRef idx="0">
-              <a:schemeClr val="accent1"/>
-            </a:effectRef>
-            <a:fontRef idx="minor">
-              <a:schemeClr val="lt1"/>
-            </a:fontRef>
-          </p:style>
-          <p:txBody>
-            <a:bodyPr rtlCol="0" anchor="ctr"/>
-            <a:lstStyle/>
-            <a:p>
-              <a:pPr algn="ctr"/>
-              <a:endParaRPr lang="en-US"/>
-            </a:p>
-          </p:txBody>
-        </p:sp>
-        <p:sp>
-          <p:nvSpPr>
-            <p:cNvPr id="15429" name="Rectangle 15428">
-              <a:extLst>
-                <a:ext uri="{FF2B5EF4-FFF2-40B4-BE49-F238E27FC236}">
-                  <a16:creationId xmlns:a16="http://schemas.microsoft.com/office/drawing/2014/main" id="{27B1125A-A245-40E7-937C-DB195DADF58A}"/>
-                </a:ext>
-                <a:ext uri="{C183D7F6-B498-43B3-948B-1728B52AA6E4}">
-                  <adec:decorative xmlns:adec="http://schemas.microsoft.com/office/drawing/2017/decorative" val="1"/>
-                </a:ext>
-              </a:extLst>
-            </p:cNvPr>
-            <p:cNvSpPr/>
-            <p:nvPr>
-              <p:extLst>
-                <p:ext uri="{386F3935-93C4-4BCD-93E2-E3B085C9AB24}">
-                  <p16:designElem xmlns:p16="http://schemas.microsoft.com/office/powerpoint/2015/main" val="1"/>
-                </p:ext>
-              </p:extLst>
-            </p:nvPr>
-          </p:nvSpPr>
-          <p:spPr>
-            <a:xfrm flipH="1">
-              <a:off x="0" y="0"/>
-              <a:ext cx="1440000" cy="1440000"/>
-            </a:xfrm>
-            <a:prstGeom prst="rect">
-              <a:avLst/>
-            </a:prstGeom>
-            <a:gradFill flip="none" rotWithShape="1">
-              <a:gsLst>
-                <a:gs pos="0">
-                  <a:schemeClr val="accent2"/>
-                </a:gs>
-                <a:gs pos="60000">
-                  <a:schemeClr val="accent2">
-                    <a:alpha val="0"/>
-                  </a:schemeClr>
-                </a:gs>
-              </a:gsLst>
-              <a:path path="circle">
-                <a:fillToRect r="100000" b="100000"/>
-              </a:path>
-              <a:tileRect l="-100000" t="-100000"/>
-            </a:gradFill>
-            <a:ln w="12700" cap="flat" cmpd="sng" algn="ctr">
-              <a:noFill/>
-              <a:prstDash val="solid"/>
-              <a:miter lim="800000"/>
-            </a:ln>
-            <a:effectLst/>
-          </p:spPr>
-          <p:style>
-            <a:lnRef idx="2">
-              <a:schemeClr val="accent1">
-                <a:shade val="50000"/>
-              </a:schemeClr>
-            </a:lnRef>
-            <a:fillRef idx="1">
-              <a:schemeClr val="accent1"/>
-            </a:fillRef>
-            <a:effectRef idx="0">
-              <a:schemeClr val="accent1"/>
-            </a:effectRef>
-            <a:fontRef idx="minor">
-              <a:schemeClr val="lt1"/>
-            </a:fontRef>
-          </p:style>
-          <p:txBody>
-            <a:bodyPr rtlCol="0" anchor="ctr"/>
-            <a:lstStyle/>
-            <a:p>
-              <a:pPr algn="ctr"/>
-              <a:endParaRPr lang="en-US"/>
-            </a:p>
-          </p:txBody>
-        </p:sp>
-      </p:grpSp>
-      <p:sp>
-        <p:nvSpPr>
-          <p:cNvPr id="15431" name="Rectangle 15430">
-            <a:extLst>
-              <a:ext uri="{FF2B5EF4-FFF2-40B4-BE49-F238E27FC236}">
-                <a16:creationId xmlns:a16="http://schemas.microsoft.com/office/drawing/2014/main" id="{445038F8-360D-46AD-B2F1-47DAB7AA07B2}"/>
-              </a:ext>
-              <a:ext uri="{C183D7F6-B498-43B3-948B-1728B52AA6E4}">
-                <adec:decorative xmlns:adec="http://schemas.microsoft.com/office/drawing/2017/decorative" val="1"/>
-              </a:ext>
-            </a:extLst>
-          </p:cNvPr>
-          <p:cNvSpPr>
-            <a:spLocks noGrp="1" noRot="1" noChangeAspect="1" noMove="1" noResize="1" noEditPoints="1" noAdjustHandles="1" noChangeArrowheads="1" noChangeShapeType="1" noTextEdit="1"/>
-          </p:cNvSpPr>
-          <p:nvPr>
-            <p:extLst>
-              <p:ext uri="{386F3935-93C4-4BCD-93E2-E3B085C9AB24}">
-                <p16:designElem xmlns:p16="http://schemas.microsoft.com/office/powerpoint/2015/main" val="1"/>
-              </p:ext>
-            </p:extLst>
-          </p:nvPr>
-        </p:nvSpPr>
-        <p:spPr>
-          <a:xfrm rot="10800000">
-            <a:off x="5602287" y="268286"/>
-            <a:ext cx="6589713" cy="6589713"/>
-          </a:xfrm>
-          <a:prstGeom prst="rect">
-            <a:avLst/>
-          </a:prstGeom>
-          <a:gradFill flip="none" rotWithShape="1">
-            <a:gsLst>
-              <a:gs pos="0">
-                <a:schemeClr val="accent3"/>
-              </a:gs>
-              <a:gs pos="60000">
-                <a:schemeClr val="accent3">
-                  <a:alpha val="0"/>
-                </a:schemeClr>
-              </a:gs>
-            </a:gsLst>
-            <a:path path="circle">
-              <a:fillToRect r="100000" b="100000"/>
-            </a:path>
-            <a:tileRect l="-100000" t="-100000"/>
-          </a:gradFill>
-          <a:ln w="12700" cap="flat" cmpd="sng" algn="ctr">
-            <a:noFill/>
-            <a:prstDash val="solid"/>
-            <a:miter lim="800000"/>
-          </a:ln>
-          <a:effectLst/>
-        </p:spPr>
-        <p:style>
-          <a:lnRef idx="2">
-            <a:schemeClr val="accent1">
-              <a:shade val="50000"/>
-            </a:schemeClr>
-          </a:lnRef>
-          <a:fillRef idx="1">
-            <a:schemeClr val="accent1"/>
-          </a:fillRef>
-          <a:effectRef idx="0">
-            <a:schemeClr val="accent1"/>
-          </a:effectRef>
-          <a:fontRef idx="minor">
-            <a:schemeClr val="lt1"/>
-          </a:fontRef>
-        </p:style>
-        <p:txBody>
-          <a:bodyPr rtlCol="0" anchor="ctr"/>
-          <a:lstStyle/>
-          <a:p>
-            <a:pPr algn="ctr"/>
-            <a:endParaRPr lang="en-US"/>
-          </a:p>
-        </p:txBody>
-      </p:sp>
-      <p:sp>
-        <p:nvSpPr>
-          <p:cNvPr id="15433" name="Rectangle 15432">
-            <a:extLst>
-              <a:ext uri="{FF2B5EF4-FFF2-40B4-BE49-F238E27FC236}">
-                <a16:creationId xmlns:a16="http://schemas.microsoft.com/office/drawing/2014/main" id="{E1297267-64FC-46DE-88B8-E76DC4691C8E}"/>
-              </a:ext>
-              <a:ext uri="{C183D7F6-B498-43B3-948B-1728B52AA6E4}">
-                <adec:decorative xmlns:adec="http://schemas.microsoft.com/office/drawing/2017/decorative" val="1"/>
-              </a:ext>
-            </a:extLst>
-          </p:cNvPr>
-          <p:cNvSpPr>
-            <a:spLocks noGrp="1" noRot="1" noChangeAspect="1" noMove="1" noResize="1" noEditPoints="1" noAdjustHandles="1" noChangeArrowheads="1" noChangeShapeType="1" noTextEdit="1"/>
-          </p:cNvSpPr>
-          <p:nvPr>
-            <p:extLst>
-              <p:ext uri="{386F3935-93C4-4BCD-93E2-E3B085C9AB24}">
-                <p16:designElem xmlns:p16="http://schemas.microsoft.com/office/powerpoint/2015/main" val="1"/>
-              </p:ext>
-            </p:extLst>
-          </p:nvPr>
-        </p:nvSpPr>
-        <p:spPr>
-          <a:xfrm>
-            <a:off x="0" y="0"/>
-            <a:ext cx="12192000" cy="6858000"/>
-          </a:xfrm>
-          <a:prstGeom prst="rect">
-            <a:avLst/>
-          </a:prstGeom>
-          <a:solidFill>
-            <a:schemeClr val="bg2">
-              <a:alpha val="40000"/>
-            </a:schemeClr>
-          </a:solidFill>
           <a:ln w="12700" cap="flat" cmpd="sng" algn="ctr">
             <a:noFill/>
             <a:prstDash val="solid"/>
@@ -32311,8 +31655,8 @@
         </p:nvSpPr>
         <p:spPr>
           <a:xfrm>
-            <a:off x="550865" y="2656484"/>
-            <a:ext cx="4500561" cy="1545029"/>
+            <a:off x="7086315" y="545126"/>
+            <a:ext cx="4554821" cy="2186096"/>
           </a:xfrm>
         </p:spPr>
         <p:txBody>
@@ -32322,19 +31666,18 @@
           <a:lstStyle/>
           <a:p>
             <a:r>
-              <a:rPr lang="en-US" sz="8800" dirty="0" err="1"/>
+              <a:rPr lang="en-US"/>
               <a:t>Métricas</a:t>
             </a:r>
-            <a:endParaRPr lang="en-US" sz="8800" dirty="0"/>
           </a:p>
         </p:txBody>
       </p:sp>
       <p:sp>
         <p:nvSpPr>
-          <p:cNvPr id="15435" name="Freeform: Shape 15434">
+          <p:cNvPr id="15475" name="Freeform: Shape 15474">
             <a:extLst>
               <a:ext uri="{FF2B5EF4-FFF2-40B4-BE49-F238E27FC236}">
-                <a16:creationId xmlns:a16="http://schemas.microsoft.com/office/drawing/2014/main" id="{D0A09031-1697-4CF1-8372-9D6B798ED9DA}"/>
+                <a16:creationId xmlns:a16="http://schemas.microsoft.com/office/drawing/2014/main" id="{2D253D93-3319-4E06-B75F-009AE70FCBCA}"/>
               </a:ext>
               <a:ext uri="{C183D7F6-B498-43B3-948B-1728B52AA6E4}">
                 <adec:decorative xmlns:adec="http://schemas.microsoft.com/office/drawing/2017/decorative" val="1"/>
@@ -32354,7 +31697,7 @@
         </p:nvSpPr>
         <p:spPr>
           <a:xfrm>
-            <a:off x="5747424" y="0"/>
+            <a:off x="0" y="0"/>
             <a:ext cx="6444576" cy="6858000"/>
           </a:xfrm>
           <a:custGeom>
@@ -32467,7 +31810,7 @@
         </p:blipFill>
         <p:spPr bwMode="auto">
           <a:xfrm>
-            <a:off x="6289200" y="1588837"/>
+            <a:off x="541776" y="1588837"/>
             <a:ext cx="5353200" cy="3680325"/>
           </a:xfrm>
           <a:prstGeom prst="rect">
@@ -32485,6 +31828,253 @@
           </a:extLst>
         </p:spPr>
       </p:pic>
+      <p:sp>
+        <p:nvSpPr>
+          <p:cNvPr id="3" name="Content Placeholder 4101">
+            <a:extLst>
+              <a:ext uri="{FF2B5EF4-FFF2-40B4-BE49-F238E27FC236}">
+                <a16:creationId xmlns:a16="http://schemas.microsoft.com/office/drawing/2014/main" id="{49B38D83-9B59-C1DC-2A01-7FA8FC621638}"/>
+              </a:ext>
+            </a:extLst>
+          </p:cNvPr>
+          <p:cNvSpPr txBox="1">
+            <a:spLocks/>
+          </p:cNvSpPr>
+          <p:nvPr/>
+        </p:nvSpPr>
+        <p:spPr>
+          <a:xfrm>
+            <a:off x="7104063" y="2947121"/>
+            <a:ext cx="4537073" cy="3361604"/>
+          </a:xfrm>
+          <a:prstGeom prst="rect">
+            <a:avLst/>
+          </a:prstGeom>
+        </p:spPr>
+        <p:txBody>
+          <a:bodyPr vert="horz" lIns="91440" tIns="45720" rIns="91440" bIns="45720" rtlCol="0" anchor="t">
+            <a:normAutofit/>
+          </a:bodyPr>
+          <a:lstStyle>
+            <a:lvl1pPr marL="270000" indent="-270000" algn="l" defTabSz="914400" rtl="0" eaLnBrk="1" latinLnBrk="0" hangingPunct="1">
+              <a:lnSpc>
+                <a:spcPct val="125000"/>
+              </a:lnSpc>
+              <a:spcBef>
+                <a:spcPts val="1000"/>
+              </a:spcBef>
+              <a:buFont typeface="Arial" panose="020B0604020202020204" pitchFamily="34" charset="0"/>
+              <a:buChar char="•"/>
+              <a:defRPr sz="1800" kern="1200" spc="50" baseline="0">
+                <a:solidFill>
+                  <a:schemeClr val="tx1"/>
+                </a:solidFill>
+                <a:latin typeface="+mn-lt"/>
+                <a:ea typeface="+mn-ea"/>
+                <a:cs typeface="+mn-cs"/>
+              </a:defRPr>
+            </a:lvl1pPr>
+            <a:lvl2pPr marL="720000" indent="-270000" algn="l" defTabSz="914400" rtl="0" eaLnBrk="1" latinLnBrk="0" hangingPunct="1">
+              <a:lnSpc>
+                <a:spcPct val="125000"/>
+              </a:lnSpc>
+              <a:spcBef>
+                <a:spcPts val="500"/>
+              </a:spcBef>
+              <a:buFont typeface="Arial" panose="020B0604020202020204" pitchFamily="34" charset="0"/>
+              <a:buChar char="•"/>
+              <a:defRPr sz="1800" kern="1200" spc="50" baseline="0">
+                <a:solidFill>
+                  <a:schemeClr val="tx1"/>
+                </a:solidFill>
+                <a:latin typeface="+mn-lt"/>
+                <a:ea typeface="+mn-ea"/>
+                <a:cs typeface="+mn-cs"/>
+              </a:defRPr>
+            </a:lvl2pPr>
+            <a:lvl3pPr marL="1080000" indent="-270000" algn="l" defTabSz="914400" rtl="0" eaLnBrk="1" latinLnBrk="0" hangingPunct="1">
+              <a:lnSpc>
+                <a:spcPct val="125000"/>
+              </a:lnSpc>
+              <a:spcBef>
+                <a:spcPts val="500"/>
+              </a:spcBef>
+              <a:buFont typeface="Arial" panose="020B0604020202020204" pitchFamily="34" charset="0"/>
+              <a:buChar char="•"/>
+              <a:defRPr sz="1800" kern="1200" spc="50" baseline="0">
+                <a:solidFill>
+                  <a:schemeClr val="tx1"/>
+                </a:solidFill>
+                <a:latin typeface="+mn-lt"/>
+                <a:ea typeface="+mn-ea"/>
+                <a:cs typeface="+mn-cs"/>
+              </a:defRPr>
+            </a:lvl3pPr>
+            <a:lvl4pPr marL="1440000" indent="-270000" algn="l" defTabSz="914400" rtl="0" eaLnBrk="1" latinLnBrk="0" hangingPunct="1">
+              <a:lnSpc>
+                <a:spcPct val="125000"/>
+              </a:lnSpc>
+              <a:spcBef>
+                <a:spcPts val="500"/>
+              </a:spcBef>
+              <a:buFont typeface="Arial" panose="020B0604020202020204" pitchFamily="34" charset="0"/>
+              <a:buChar char="•"/>
+              <a:defRPr sz="1800" kern="1200" spc="50" baseline="0">
+                <a:solidFill>
+                  <a:schemeClr val="tx1"/>
+                </a:solidFill>
+                <a:latin typeface="+mn-lt"/>
+                <a:ea typeface="+mn-ea"/>
+                <a:cs typeface="+mn-cs"/>
+              </a:defRPr>
+            </a:lvl4pPr>
+            <a:lvl5pPr marL="1800000" indent="-270000" algn="l" defTabSz="914400" rtl="0" eaLnBrk="1" latinLnBrk="0" hangingPunct="1">
+              <a:lnSpc>
+                <a:spcPct val="125000"/>
+              </a:lnSpc>
+              <a:spcBef>
+                <a:spcPts val="500"/>
+              </a:spcBef>
+              <a:buFont typeface="Arial" panose="020B0604020202020204" pitchFamily="34" charset="0"/>
+              <a:buChar char="•"/>
+              <a:defRPr sz="1800" kern="1200" spc="50" baseline="0">
+                <a:solidFill>
+                  <a:schemeClr val="tx1"/>
+                </a:solidFill>
+                <a:latin typeface="+mn-lt"/>
+                <a:ea typeface="+mn-ea"/>
+                <a:cs typeface="+mn-cs"/>
+              </a:defRPr>
+            </a:lvl5pPr>
+            <a:lvl6pPr marL="2514600" indent="-228600" algn="l" defTabSz="914400" rtl="0" eaLnBrk="1" latinLnBrk="0" hangingPunct="1">
+              <a:lnSpc>
+                <a:spcPct val="90000"/>
+              </a:lnSpc>
+              <a:spcBef>
+                <a:spcPts val="500"/>
+              </a:spcBef>
+              <a:buFont typeface="Arial" panose="020B0604020202020204" pitchFamily="34" charset="0"/>
+              <a:buChar char="•"/>
+              <a:defRPr sz="1800" kern="1200">
+                <a:solidFill>
+                  <a:schemeClr val="tx1"/>
+                </a:solidFill>
+                <a:latin typeface="+mn-lt"/>
+                <a:ea typeface="+mn-ea"/>
+                <a:cs typeface="+mn-cs"/>
+              </a:defRPr>
+            </a:lvl6pPr>
+            <a:lvl7pPr marL="2971800" indent="-228600" algn="l" defTabSz="914400" rtl="0" eaLnBrk="1" latinLnBrk="0" hangingPunct="1">
+              <a:lnSpc>
+                <a:spcPct val="90000"/>
+              </a:lnSpc>
+              <a:spcBef>
+                <a:spcPts val="500"/>
+              </a:spcBef>
+              <a:buFont typeface="Arial" panose="020B0604020202020204" pitchFamily="34" charset="0"/>
+              <a:buChar char="•"/>
+              <a:defRPr sz="1800" kern="1200">
+                <a:solidFill>
+                  <a:schemeClr val="tx1"/>
+                </a:solidFill>
+                <a:latin typeface="+mn-lt"/>
+                <a:ea typeface="+mn-ea"/>
+                <a:cs typeface="+mn-cs"/>
+              </a:defRPr>
+            </a:lvl7pPr>
+            <a:lvl8pPr marL="3429000" indent="-228600" algn="l" defTabSz="914400" rtl="0" eaLnBrk="1" latinLnBrk="0" hangingPunct="1">
+              <a:lnSpc>
+                <a:spcPct val="90000"/>
+              </a:lnSpc>
+              <a:spcBef>
+                <a:spcPts val="500"/>
+              </a:spcBef>
+              <a:buFont typeface="Arial" panose="020B0604020202020204" pitchFamily="34" charset="0"/>
+              <a:buChar char="•"/>
+              <a:defRPr sz="1800" kern="1200">
+                <a:solidFill>
+                  <a:schemeClr val="tx1"/>
+                </a:solidFill>
+                <a:latin typeface="+mn-lt"/>
+                <a:ea typeface="+mn-ea"/>
+                <a:cs typeface="+mn-cs"/>
+              </a:defRPr>
+            </a:lvl8pPr>
+            <a:lvl9pPr marL="3886200" indent="-228600" algn="l" defTabSz="914400" rtl="0" eaLnBrk="1" latinLnBrk="0" hangingPunct="1">
+              <a:lnSpc>
+                <a:spcPct val="90000"/>
+              </a:lnSpc>
+              <a:spcBef>
+                <a:spcPts val="500"/>
+              </a:spcBef>
+              <a:buFont typeface="Arial" panose="020B0604020202020204" pitchFamily="34" charset="0"/>
+              <a:buChar char="•"/>
+              <a:defRPr sz="1800" kern="1200">
+                <a:solidFill>
+                  <a:schemeClr val="tx1"/>
+                </a:solidFill>
+                <a:latin typeface="+mn-lt"/>
+                <a:ea typeface="+mn-ea"/>
+                <a:cs typeface="+mn-cs"/>
+              </a:defRPr>
+            </a:lvl9pPr>
+          </a:lstStyle>
+          <a:p>
+            <a:r>
+              <a:rPr lang="en-US" dirty="0" err="1"/>
+              <a:t>Modelo</a:t>
+            </a:r>
+            <a:r>
+              <a:rPr lang="en-US" dirty="0"/>
+              <a:t> 1 </a:t>
+            </a:r>
+            <a:r>
+              <a:rPr lang="en-US" dirty="0" err="1"/>
+              <a:t>predice</a:t>
+            </a:r>
+            <a:r>
+              <a:rPr lang="en-US" dirty="0"/>
+              <a:t> math score</a:t>
+            </a:r>
+          </a:p>
+          <a:p>
+            <a:r>
+              <a:rPr lang="en-US" dirty="0" err="1"/>
+              <a:t>Modelo</a:t>
+            </a:r>
+            <a:r>
+              <a:rPr lang="en-US" dirty="0"/>
+              <a:t> 2 </a:t>
+            </a:r>
+            <a:r>
+              <a:rPr lang="en-US" dirty="0" err="1"/>
+              <a:t>predice</a:t>
+            </a:r>
+            <a:r>
+              <a:rPr lang="en-US" dirty="0"/>
+              <a:t> reading score</a:t>
+            </a:r>
+          </a:p>
+          <a:p>
+            <a:r>
+              <a:rPr lang="en-US" dirty="0" err="1"/>
+              <a:t>Modelo</a:t>
+            </a:r>
+            <a:r>
+              <a:rPr lang="en-US" dirty="0"/>
+              <a:t> 3 </a:t>
+            </a:r>
+            <a:r>
+              <a:rPr lang="en-US" dirty="0" err="1"/>
+              <a:t>predice</a:t>
+            </a:r>
+            <a:r>
+              <a:rPr lang="en-US" dirty="0"/>
+              <a:t> writing score</a:t>
+            </a:r>
+          </a:p>
+        </p:txBody>
+      </p:sp>
     </p:spTree>
     <p:extLst>
       <p:ext uri="{BB962C8B-B14F-4D97-AF65-F5344CB8AC3E}">
